--- a/design.pptx
+++ b/design.pptx
@@ -12,6 +12,7 @@
     <p:sldId id="259" r:id="rId7"/>
     <p:sldId id="260" r:id="rId8"/>
     <p:sldId id="261" r:id="rId9"/>
+    <p:sldId id="262" r:id="rId10"/>
   </p:sldIdLst>
   <p:sldSz cx="12192000" cy="6858000"/>
   <p:notesSz cx="7559675" cy="10691812"/>
@@ -59,7 +60,7 @@
       </p:grpSpPr>
       <p:sp>
         <p:nvSpPr>
-          <p:cNvPr id="26" name="PlaceHolder 1"/>
+          <p:cNvPr id="23" name="PlaceHolder 1"/>
           <p:cNvSpPr>
             <a:spLocks noGrp="1"/>
           </p:cNvSpPr>
@@ -69,8 +70,8 @@
         </p:nvSpPr>
         <p:spPr>
           <a:xfrm>
-            <a:off x="838080" y="365040"/>
-            <a:ext cx="10515240" cy="1325160"/>
+            <a:off x="609480" y="273600"/>
+            <a:ext cx="10972440" cy="1144800"/>
           </a:xfrm>
           <a:prstGeom prst="rect">
             <a:avLst/>
@@ -79,18 +80,16 @@
         <p:txBody>
           <a:bodyPr lIns="0" rIns="0" tIns="0" bIns="0" anchor="ctr"/>
           <a:p>
-            <a:endParaRPr b="0" lang="de-DE" sz="1800" spc="-1" strike="noStrike">
-              <a:solidFill>
-                <a:srgbClr val="000000"/>
-              </a:solidFill>
-              <a:latin typeface="Calibri"/>
-            </a:endParaRPr>
-          </a:p>
-        </p:txBody>
-      </p:sp>
-      <p:sp>
-        <p:nvSpPr>
-          <p:cNvPr id="27" name="PlaceHolder 2"/>
+            <a:pPr algn="ctr"/>
+            <a:endParaRPr b="0" lang="en-US" sz="4400" spc="-1" strike="noStrike">
+              <a:latin typeface="Arial"/>
+            </a:endParaRPr>
+          </a:p>
+        </p:txBody>
+      </p:sp>
+      <p:sp>
+        <p:nvSpPr>
+          <p:cNvPr id="24" name="PlaceHolder 2"/>
           <p:cNvSpPr>
             <a:spLocks noGrp="1"/>
           </p:cNvSpPr>
@@ -100,8 +99,8 @@
         </p:nvSpPr>
         <p:spPr>
           <a:xfrm>
-            <a:off x="838080" y="1825560"/>
-            <a:ext cx="10515240" cy="2075040"/>
+            <a:off x="609480" y="1604520"/>
+            <a:ext cx="10972440" cy="1896840"/>
           </a:xfrm>
           <a:prstGeom prst="rect">
             <a:avLst/>
@@ -112,18 +111,15 @@
             <a:normAutofit/>
           </a:bodyPr>
           <a:p>
-            <a:endParaRPr b="0" lang="de-DE" sz="2800" spc="-1" strike="noStrike">
-              <a:solidFill>
-                <a:srgbClr val="000000"/>
-              </a:solidFill>
-              <a:latin typeface="Calibri"/>
-            </a:endParaRPr>
-          </a:p>
-        </p:txBody>
-      </p:sp>
-      <p:sp>
-        <p:nvSpPr>
-          <p:cNvPr id="28" name="PlaceHolder 3"/>
+            <a:endParaRPr b="0" lang="en-US" sz="3200" spc="-1" strike="noStrike">
+              <a:latin typeface="Arial"/>
+            </a:endParaRPr>
+          </a:p>
+        </p:txBody>
+      </p:sp>
+      <p:sp>
+        <p:nvSpPr>
+          <p:cNvPr id="25" name="PlaceHolder 3"/>
           <p:cNvSpPr>
             <a:spLocks noGrp="1"/>
           </p:cNvSpPr>
@@ -133,8 +129,8 @@
         </p:nvSpPr>
         <p:spPr>
           <a:xfrm>
-            <a:off x="838080" y="4098240"/>
-            <a:ext cx="10515240" cy="2075040"/>
+            <a:off x="609480" y="3682080"/>
+            <a:ext cx="10972440" cy="1896840"/>
           </a:xfrm>
           <a:prstGeom prst="rect">
             <a:avLst/>
@@ -145,11 +141,8 @@
             <a:normAutofit/>
           </a:bodyPr>
           <a:p>
-            <a:endParaRPr b="0" lang="de-DE" sz="2800" spc="-1" strike="noStrike">
-              <a:solidFill>
-                <a:srgbClr val="000000"/>
-              </a:solidFill>
-              <a:latin typeface="Calibri"/>
+            <a:endParaRPr b="0" lang="en-US" sz="3200" spc="-1" strike="noStrike">
+              <a:latin typeface="Arial"/>
             </a:endParaRPr>
           </a:p>
         </p:txBody>
@@ -178,7 +171,7 @@
       </p:grpSpPr>
       <p:sp>
         <p:nvSpPr>
-          <p:cNvPr id="29" name="PlaceHolder 1"/>
+          <p:cNvPr id="26" name="PlaceHolder 1"/>
           <p:cNvSpPr>
             <a:spLocks noGrp="1"/>
           </p:cNvSpPr>
@@ -188,8 +181,8 @@
         </p:nvSpPr>
         <p:spPr>
           <a:xfrm>
-            <a:off x="838080" y="365040"/>
-            <a:ext cx="10515240" cy="1325160"/>
+            <a:off x="609480" y="273600"/>
+            <a:ext cx="10972440" cy="1144800"/>
           </a:xfrm>
           <a:prstGeom prst="rect">
             <a:avLst/>
@@ -198,18 +191,16 @@
         <p:txBody>
           <a:bodyPr lIns="0" rIns="0" tIns="0" bIns="0" anchor="ctr"/>
           <a:p>
-            <a:endParaRPr b="0" lang="de-DE" sz="1800" spc="-1" strike="noStrike">
-              <a:solidFill>
-                <a:srgbClr val="000000"/>
-              </a:solidFill>
-              <a:latin typeface="Calibri"/>
-            </a:endParaRPr>
-          </a:p>
-        </p:txBody>
-      </p:sp>
-      <p:sp>
-        <p:nvSpPr>
-          <p:cNvPr id="30" name="PlaceHolder 2"/>
+            <a:pPr algn="ctr"/>
+            <a:endParaRPr b="0" lang="en-US" sz="4400" spc="-1" strike="noStrike">
+              <a:latin typeface="Arial"/>
+            </a:endParaRPr>
+          </a:p>
+        </p:txBody>
+      </p:sp>
+      <p:sp>
+        <p:nvSpPr>
+          <p:cNvPr id="27" name="PlaceHolder 2"/>
           <p:cNvSpPr>
             <a:spLocks noGrp="1"/>
           </p:cNvSpPr>
@@ -219,8 +210,8 @@
         </p:nvSpPr>
         <p:spPr>
           <a:xfrm>
-            <a:off x="838080" y="1825560"/>
-            <a:ext cx="5131080" cy="2075040"/>
+            <a:off x="609480" y="1604520"/>
+            <a:ext cx="5354280" cy="1896840"/>
           </a:xfrm>
           <a:prstGeom prst="rect">
             <a:avLst/>
@@ -231,18 +222,15 @@
             <a:normAutofit/>
           </a:bodyPr>
           <a:p>
-            <a:endParaRPr b="0" lang="de-DE" sz="2800" spc="-1" strike="noStrike">
-              <a:solidFill>
-                <a:srgbClr val="000000"/>
-              </a:solidFill>
-              <a:latin typeface="Calibri"/>
-            </a:endParaRPr>
-          </a:p>
-        </p:txBody>
-      </p:sp>
-      <p:sp>
-        <p:nvSpPr>
-          <p:cNvPr id="31" name="PlaceHolder 3"/>
+            <a:endParaRPr b="0" lang="en-US" sz="3200" spc="-1" strike="noStrike">
+              <a:latin typeface="Arial"/>
+            </a:endParaRPr>
+          </a:p>
+        </p:txBody>
+      </p:sp>
+      <p:sp>
+        <p:nvSpPr>
+          <p:cNvPr id="28" name="PlaceHolder 3"/>
           <p:cNvSpPr>
             <a:spLocks noGrp="1"/>
           </p:cNvSpPr>
@@ -252,8 +240,8 @@
         </p:nvSpPr>
         <p:spPr>
           <a:xfrm>
-            <a:off x="6226200" y="1825560"/>
-            <a:ext cx="5131080" cy="2075040"/>
+            <a:off x="6231960" y="1604520"/>
+            <a:ext cx="5354280" cy="1896840"/>
           </a:xfrm>
           <a:prstGeom prst="rect">
             <a:avLst/>
@@ -264,18 +252,15 @@
             <a:normAutofit/>
           </a:bodyPr>
           <a:p>
-            <a:endParaRPr b="0" lang="de-DE" sz="2800" spc="-1" strike="noStrike">
-              <a:solidFill>
-                <a:srgbClr val="000000"/>
-              </a:solidFill>
-              <a:latin typeface="Calibri"/>
-            </a:endParaRPr>
-          </a:p>
-        </p:txBody>
-      </p:sp>
-      <p:sp>
-        <p:nvSpPr>
-          <p:cNvPr id="32" name="PlaceHolder 4"/>
+            <a:endParaRPr b="0" lang="en-US" sz="3200" spc="-1" strike="noStrike">
+              <a:latin typeface="Arial"/>
+            </a:endParaRPr>
+          </a:p>
+        </p:txBody>
+      </p:sp>
+      <p:sp>
+        <p:nvSpPr>
+          <p:cNvPr id="29" name="PlaceHolder 4"/>
           <p:cNvSpPr>
             <a:spLocks noGrp="1"/>
           </p:cNvSpPr>
@@ -285,8 +270,8 @@
         </p:nvSpPr>
         <p:spPr>
           <a:xfrm>
-            <a:off x="838080" y="4098240"/>
-            <a:ext cx="5131080" cy="2075040"/>
+            <a:off x="609480" y="3682080"/>
+            <a:ext cx="5354280" cy="1896840"/>
           </a:xfrm>
           <a:prstGeom prst="rect">
             <a:avLst/>
@@ -297,18 +282,15 @@
             <a:normAutofit/>
           </a:bodyPr>
           <a:p>
-            <a:endParaRPr b="0" lang="de-DE" sz="2800" spc="-1" strike="noStrike">
-              <a:solidFill>
-                <a:srgbClr val="000000"/>
-              </a:solidFill>
-              <a:latin typeface="Calibri"/>
-            </a:endParaRPr>
-          </a:p>
-        </p:txBody>
-      </p:sp>
-      <p:sp>
-        <p:nvSpPr>
-          <p:cNvPr id="33" name="PlaceHolder 5"/>
+            <a:endParaRPr b="0" lang="en-US" sz="3200" spc="-1" strike="noStrike">
+              <a:latin typeface="Arial"/>
+            </a:endParaRPr>
+          </a:p>
+        </p:txBody>
+      </p:sp>
+      <p:sp>
+        <p:nvSpPr>
+          <p:cNvPr id="30" name="PlaceHolder 5"/>
           <p:cNvSpPr>
             <a:spLocks noGrp="1"/>
           </p:cNvSpPr>
@@ -318,8 +300,8 @@
         </p:nvSpPr>
         <p:spPr>
           <a:xfrm>
-            <a:off x="6226200" y="4098240"/>
-            <a:ext cx="5131080" cy="2075040"/>
+            <a:off x="6231960" y="3682080"/>
+            <a:ext cx="5354280" cy="1896840"/>
           </a:xfrm>
           <a:prstGeom prst="rect">
             <a:avLst/>
@@ -330,11 +312,8 @@
             <a:normAutofit/>
           </a:bodyPr>
           <a:p>
-            <a:endParaRPr b="0" lang="de-DE" sz="2800" spc="-1" strike="noStrike">
-              <a:solidFill>
-                <a:srgbClr val="000000"/>
-              </a:solidFill>
-              <a:latin typeface="Calibri"/>
+            <a:endParaRPr b="0" lang="en-US" sz="3200" spc="-1" strike="noStrike">
+              <a:latin typeface="Arial"/>
             </a:endParaRPr>
           </a:p>
         </p:txBody>
@@ -363,7 +342,7 @@
       </p:grpSpPr>
       <p:sp>
         <p:nvSpPr>
-          <p:cNvPr id="34" name="PlaceHolder 1"/>
+          <p:cNvPr id="31" name="PlaceHolder 1"/>
           <p:cNvSpPr>
             <a:spLocks noGrp="1"/>
           </p:cNvSpPr>
@@ -373,8 +352,8 @@
         </p:nvSpPr>
         <p:spPr>
           <a:xfrm>
-            <a:off x="838080" y="365040"/>
-            <a:ext cx="10515240" cy="1325160"/>
+            <a:off x="609480" y="273600"/>
+            <a:ext cx="10972440" cy="1144800"/>
           </a:xfrm>
           <a:prstGeom prst="rect">
             <a:avLst/>
@@ -383,18 +362,16 @@
         <p:txBody>
           <a:bodyPr lIns="0" rIns="0" tIns="0" bIns="0" anchor="ctr"/>
           <a:p>
-            <a:endParaRPr b="0" lang="de-DE" sz="1800" spc="-1" strike="noStrike">
-              <a:solidFill>
-                <a:srgbClr val="000000"/>
-              </a:solidFill>
-              <a:latin typeface="Calibri"/>
-            </a:endParaRPr>
-          </a:p>
-        </p:txBody>
-      </p:sp>
-      <p:sp>
-        <p:nvSpPr>
-          <p:cNvPr id="35" name="PlaceHolder 2"/>
+            <a:pPr algn="ctr"/>
+            <a:endParaRPr b="0" lang="en-US" sz="4400" spc="-1" strike="noStrike">
+              <a:latin typeface="Arial"/>
+            </a:endParaRPr>
+          </a:p>
+        </p:txBody>
+      </p:sp>
+      <p:sp>
+        <p:nvSpPr>
+          <p:cNvPr id="32" name="PlaceHolder 2"/>
           <p:cNvSpPr>
             <a:spLocks noGrp="1"/>
           </p:cNvSpPr>
@@ -404,8 +381,8 @@
         </p:nvSpPr>
         <p:spPr>
           <a:xfrm>
-            <a:off x="838080" y="1825560"/>
-            <a:ext cx="3385800" cy="2075040"/>
+            <a:off x="609480" y="1604520"/>
+            <a:ext cx="3533040" cy="1896840"/>
           </a:xfrm>
           <a:prstGeom prst="rect">
             <a:avLst/>
@@ -416,18 +393,15 @@
             <a:normAutofit/>
           </a:bodyPr>
           <a:p>
-            <a:endParaRPr b="0" lang="de-DE" sz="2800" spc="-1" strike="noStrike">
-              <a:solidFill>
-                <a:srgbClr val="000000"/>
-              </a:solidFill>
-              <a:latin typeface="Calibri"/>
-            </a:endParaRPr>
-          </a:p>
-        </p:txBody>
-      </p:sp>
-      <p:sp>
-        <p:nvSpPr>
-          <p:cNvPr id="36" name="PlaceHolder 3"/>
+            <a:endParaRPr b="0" lang="en-US" sz="3200" spc="-1" strike="noStrike">
+              <a:latin typeface="Arial"/>
+            </a:endParaRPr>
+          </a:p>
+        </p:txBody>
+      </p:sp>
+      <p:sp>
+        <p:nvSpPr>
+          <p:cNvPr id="33" name="PlaceHolder 3"/>
           <p:cNvSpPr>
             <a:spLocks noGrp="1"/>
           </p:cNvSpPr>
@@ -437,8 +411,8 @@
         </p:nvSpPr>
         <p:spPr>
           <a:xfrm>
-            <a:off x="4393440" y="1825560"/>
-            <a:ext cx="3385800" cy="2075040"/>
+            <a:off x="4319640" y="1604520"/>
+            <a:ext cx="3533040" cy="1896840"/>
           </a:xfrm>
           <a:prstGeom prst="rect">
             <a:avLst/>
@@ -449,18 +423,15 @@
             <a:normAutofit/>
           </a:bodyPr>
           <a:p>
-            <a:endParaRPr b="0" lang="de-DE" sz="2800" spc="-1" strike="noStrike">
-              <a:solidFill>
-                <a:srgbClr val="000000"/>
-              </a:solidFill>
-              <a:latin typeface="Calibri"/>
-            </a:endParaRPr>
-          </a:p>
-        </p:txBody>
-      </p:sp>
-      <p:sp>
-        <p:nvSpPr>
-          <p:cNvPr id="37" name="PlaceHolder 4"/>
+            <a:endParaRPr b="0" lang="en-US" sz="3200" spc="-1" strike="noStrike">
+              <a:latin typeface="Arial"/>
+            </a:endParaRPr>
+          </a:p>
+        </p:txBody>
+      </p:sp>
+      <p:sp>
+        <p:nvSpPr>
+          <p:cNvPr id="34" name="PlaceHolder 4"/>
           <p:cNvSpPr>
             <a:spLocks noGrp="1"/>
           </p:cNvSpPr>
@@ -470,8 +441,8 @@
         </p:nvSpPr>
         <p:spPr>
           <a:xfrm>
-            <a:off x="7949160" y="1825560"/>
-            <a:ext cx="3385800" cy="2075040"/>
+            <a:off x="8029800" y="1604520"/>
+            <a:ext cx="3533040" cy="1896840"/>
           </a:xfrm>
           <a:prstGeom prst="rect">
             <a:avLst/>
@@ -482,18 +453,15 @@
             <a:normAutofit/>
           </a:bodyPr>
           <a:p>
-            <a:endParaRPr b="0" lang="de-DE" sz="2800" spc="-1" strike="noStrike">
-              <a:solidFill>
-                <a:srgbClr val="000000"/>
-              </a:solidFill>
-              <a:latin typeface="Calibri"/>
-            </a:endParaRPr>
-          </a:p>
-        </p:txBody>
-      </p:sp>
-      <p:sp>
-        <p:nvSpPr>
-          <p:cNvPr id="38" name="PlaceHolder 5"/>
+            <a:endParaRPr b="0" lang="en-US" sz="3200" spc="-1" strike="noStrike">
+              <a:latin typeface="Arial"/>
+            </a:endParaRPr>
+          </a:p>
+        </p:txBody>
+      </p:sp>
+      <p:sp>
+        <p:nvSpPr>
+          <p:cNvPr id="35" name="PlaceHolder 5"/>
           <p:cNvSpPr>
             <a:spLocks noGrp="1"/>
           </p:cNvSpPr>
@@ -503,8 +471,8 @@
         </p:nvSpPr>
         <p:spPr>
           <a:xfrm>
-            <a:off x="838080" y="4098240"/>
-            <a:ext cx="3385800" cy="2075040"/>
+            <a:off x="609480" y="3682080"/>
+            <a:ext cx="3533040" cy="1896840"/>
           </a:xfrm>
           <a:prstGeom prst="rect">
             <a:avLst/>
@@ -515,18 +483,15 @@
             <a:normAutofit/>
           </a:bodyPr>
           <a:p>
-            <a:endParaRPr b="0" lang="de-DE" sz="2800" spc="-1" strike="noStrike">
-              <a:solidFill>
-                <a:srgbClr val="000000"/>
-              </a:solidFill>
-              <a:latin typeface="Calibri"/>
-            </a:endParaRPr>
-          </a:p>
-        </p:txBody>
-      </p:sp>
-      <p:sp>
-        <p:nvSpPr>
-          <p:cNvPr id="39" name="PlaceHolder 6"/>
+            <a:endParaRPr b="0" lang="en-US" sz="3200" spc="-1" strike="noStrike">
+              <a:latin typeface="Arial"/>
+            </a:endParaRPr>
+          </a:p>
+        </p:txBody>
+      </p:sp>
+      <p:sp>
+        <p:nvSpPr>
+          <p:cNvPr id="36" name="PlaceHolder 6"/>
           <p:cNvSpPr>
             <a:spLocks noGrp="1"/>
           </p:cNvSpPr>
@@ -536,8 +501,8 @@
         </p:nvSpPr>
         <p:spPr>
           <a:xfrm>
-            <a:off x="4393440" y="4098240"/>
-            <a:ext cx="3385800" cy="2075040"/>
+            <a:off x="4319640" y="3682080"/>
+            <a:ext cx="3533040" cy="1896840"/>
           </a:xfrm>
           <a:prstGeom prst="rect">
             <a:avLst/>
@@ -548,18 +513,15 @@
             <a:normAutofit/>
           </a:bodyPr>
           <a:p>
-            <a:endParaRPr b="0" lang="de-DE" sz="2800" spc="-1" strike="noStrike">
-              <a:solidFill>
-                <a:srgbClr val="000000"/>
-              </a:solidFill>
-              <a:latin typeface="Calibri"/>
-            </a:endParaRPr>
-          </a:p>
-        </p:txBody>
-      </p:sp>
-      <p:sp>
-        <p:nvSpPr>
-          <p:cNvPr id="40" name="PlaceHolder 7"/>
+            <a:endParaRPr b="0" lang="en-US" sz="3200" spc="-1" strike="noStrike">
+              <a:latin typeface="Arial"/>
+            </a:endParaRPr>
+          </a:p>
+        </p:txBody>
+      </p:sp>
+      <p:sp>
+        <p:nvSpPr>
+          <p:cNvPr id="37" name="PlaceHolder 7"/>
           <p:cNvSpPr>
             <a:spLocks noGrp="1"/>
           </p:cNvSpPr>
@@ -569,8 +531,8 @@
         </p:nvSpPr>
         <p:spPr>
           <a:xfrm>
-            <a:off x="7949160" y="4098240"/>
-            <a:ext cx="3385800" cy="2075040"/>
+            <a:off x="8029800" y="3682080"/>
+            <a:ext cx="3533040" cy="1896840"/>
           </a:xfrm>
           <a:prstGeom prst="rect">
             <a:avLst/>
@@ -581,11 +543,8 @@
             <a:normAutofit/>
           </a:bodyPr>
           <a:p>
-            <a:endParaRPr b="0" lang="de-DE" sz="2800" spc="-1" strike="noStrike">
-              <a:solidFill>
-                <a:srgbClr val="000000"/>
-              </a:solidFill>
-              <a:latin typeface="Calibri"/>
+            <a:endParaRPr b="0" lang="en-US" sz="3200" spc="-1" strike="noStrike">
+              <a:latin typeface="Arial"/>
             </a:endParaRPr>
           </a:p>
         </p:txBody>
@@ -636,7 +595,7 @@
       </p:grpSpPr>
       <p:sp>
         <p:nvSpPr>
-          <p:cNvPr id="46" name="PlaceHolder 1"/>
+          <p:cNvPr id="40" name="PlaceHolder 1"/>
           <p:cNvSpPr>
             <a:spLocks noGrp="1"/>
           </p:cNvSpPr>
@@ -646,8 +605,8 @@
         </p:nvSpPr>
         <p:spPr>
           <a:xfrm>
-            <a:off x="838080" y="365040"/>
-            <a:ext cx="10515240" cy="1325160"/>
+            <a:off x="609480" y="273600"/>
+            <a:ext cx="10972440" cy="1144800"/>
           </a:xfrm>
           <a:prstGeom prst="rect">
             <a:avLst/>
@@ -656,18 +615,16 @@
         <p:txBody>
           <a:bodyPr lIns="0" rIns="0" tIns="0" bIns="0" anchor="ctr"/>
           <a:p>
-            <a:endParaRPr b="0" lang="de-DE" sz="1800" spc="-1" strike="noStrike">
-              <a:solidFill>
-                <a:srgbClr val="000000"/>
-              </a:solidFill>
-              <a:latin typeface="Calibri"/>
-            </a:endParaRPr>
-          </a:p>
-        </p:txBody>
-      </p:sp>
-      <p:sp>
-        <p:nvSpPr>
-          <p:cNvPr id="47" name="PlaceHolder 2"/>
+            <a:pPr algn="ctr"/>
+            <a:endParaRPr b="0" lang="en-US" sz="4400" spc="-1" strike="noStrike">
+              <a:latin typeface="Arial"/>
+            </a:endParaRPr>
+          </a:p>
+        </p:txBody>
+      </p:sp>
+      <p:sp>
+        <p:nvSpPr>
+          <p:cNvPr id="41" name="PlaceHolder 2"/>
           <p:cNvSpPr>
             <a:spLocks noGrp="1"/>
           </p:cNvSpPr>
@@ -677,8 +634,8 @@
         </p:nvSpPr>
         <p:spPr>
           <a:xfrm>
-            <a:off x="838080" y="1825560"/>
-            <a:ext cx="10515240" cy="4350960"/>
+            <a:off x="609480" y="1604520"/>
+            <a:ext cx="10972440" cy="3977280"/>
           </a:xfrm>
           <a:prstGeom prst="rect">
             <a:avLst/>
@@ -718,7 +675,7 @@
       </p:grpSpPr>
       <p:sp>
         <p:nvSpPr>
-          <p:cNvPr id="48" name="PlaceHolder 1"/>
+          <p:cNvPr id="42" name="PlaceHolder 1"/>
           <p:cNvSpPr>
             <a:spLocks noGrp="1"/>
           </p:cNvSpPr>
@@ -728,8 +685,8 @@
         </p:nvSpPr>
         <p:spPr>
           <a:xfrm>
-            <a:off x="838080" y="365040"/>
-            <a:ext cx="10515240" cy="1325160"/>
+            <a:off x="609480" y="273600"/>
+            <a:ext cx="10972440" cy="1144800"/>
           </a:xfrm>
           <a:prstGeom prst="rect">
             <a:avLst/>
@@ -738,18 +695,16 @@
         <p:txBody>
           <a:bodyPr lIns="0" rIns="0" tIns="0" bIns="0" anchor="ctr"/>
           <a:p>
-            <a:endParaRPr b="0" lang="de-DE" sz="1800" spc="-1" strike="noStrike">
-              <a:solidFill>
-                <a:srgbClr val="000000"/>
-              </a:solidFill>
-              <a:latin typeface="Calibri"/>
-            </a:endParaRPr>
-          </a:p>
-        </p:txBody>
-      </p:sp>
-      <p:sp>
-        <p:nvSpPr>
-          <p:cNvPr id="49" name="PlaceHolder 2"/>
+            <a:pPr algn="ctr"/>
+            <a:endParaRPr b="0" lang="en-US" sz="4400" spc="-1" strike="noStrike">
+              <a:latin typeface="Arial"/>
+            </a:endParaRPr>
+          </a:p>
+        </p:txBody>
+      </p:sp>
+      <p:sp>
+        <p:nvSpPr>
+          <p:cNvPr id="43" name="PlaceHolder 2"/>
           <p:cNvSpPr>
             <a:spLocks noGrp="1"/>
           </p:cNvSpPr>
@@ -759,8 +714,8 @@
         </p:nvSpPr>
         <p:spPr>
           <a:xfrm>
-            <a:off x="838080" y="1825560"/>
-            <a:ext cx="10515240" cy="4350960"/>
+            <a:off x="609480" y="1604520"/>
+            <a:ext cx="10972440" cy="3977280"/>
           </a:xfrm>
           <a:prstGeom prst="rect">
             <a:avLst/>
@@ -771,11 +726,8 @@
             <a:normAutofit/>
           </a:bodyPr>
           <a:p>
-            <a:endParaRPr b="0" lang="de-DE" sz="2800" spc="-1" strike="noStrike">
-              <a:solidFill>
-                <a:srgbClr val="000000"/>
-              </a:solidFill>
-              <a:latin typeface="Calibri"/>
+            <a:endParaRPr b="0" lang="en-US" sz="3200" spc="-1" strike="noStrike">
+              <a:latin typeface="Arial"/>
             </a:endParaRPr>
           </a:p>
         </p:txBody>
@@ -804,7 +756,7 @@
       </p:grpSpPr>
       <p:sp>
         <p:nvSpPr>
-          <p:cNvPr id="50" name="PlaceHolder 1"/>
+          <p:cNvPr id="44" name="PlaceHolder 1"/>
           <p:cNvSpPr>
             <a:spLocks noGrp="1"/>
           </p:cNvSpPr>
@@ -814,8 +766,8 @@
         </p:nvSpPr>
         <p:spPr>
           <a:xfrm>
-            <a:off x="838080" y="365040"/>
-            <a:ext cx="10515240" cy="1325160"/>
+            <a:off x="609480" y="273600"/>
+            <a:ext cx="10972440" cy="1144800"/>
           </a:xfrm>
           <a:prstGeom prst="rect">
             <a:avLst/>
@@ -824,18 +776,16 @@
         <p:txBody>
           <a:bodyPr lIns="0" rIns="0" tIns="0" bIns="0" anchor="ctr"/>
           <a:p>
-            <a:endParaRPr b="0" lang="de-DE" sz="1800" spc="-1" strike="noStrike">
-              <a:solidFill>
-                <a:srgbClr val="000000"/>
-              </a:solidFill>
-              <a:latin typeface="Calibri"/>
-            </a:endParaRPr>
-          </a:p>
-        </p:txBody>
-      </p:sp>
-      <p:sp>
-        <p:nvSpPr>
-          <p:cNvPr id="51" name="PlaceHolder 2"/>
+            <a:pPr algn="ctr"/>
+            <a:endParaRPr b="0" lang="en-US" sz="4400" spc="-1" strike="noStrike">
+              <a:latin typeface="Arial"/>
+            </a:endParaRPr>
+          </a:p>
+        </p:txBody>
+      </p:sp>
+      <p:sp>
+        <p:nvSpPr>
+          <p:cNvPr id="45" name="PlaceHolder 2"/>
           <p:cNvSpPr>
             <a:spLocks noGrp="1"/>
           </p:cNvSpPr>
@@ -845,8 +795,8 @@
         </p:nvSpPr>
         <p:spPr>
           <a:xfrm>
-            <a:off x="838080" y="1825560"/>
-            <a:ext cx="5131080" cy="4350960"/>
+            <a:off x="609480" y="1604520"/>
+            <a:ext cx="5354280" cy="3977280"/>
           </a:xfrm>
           <a:prstGeom prst="rect">
             <a:avLst/>
@@ -857,18 +807,15 @@
             <a:normAutofit/>
           </a:bodyPr>
           <a:p>
-            <a:endParaRPr b="0" lang="de-DE" sz="2800" spc="-1" strike="noStrike">
-              <a:solidFill>
-                <a:srgbClr val="000000"/>
-              </a:solidFill>
-              <a:latin typeface="Calibri"/>
-            </a:endParaRPr>
-          </a:p>
-        </p:txBody>
-      </p:sp>
-      <p:sp>
-        <p:nvSpPr>
-          <p:cNvPr id="52" name="PlaceHolder 3"/>
+            <a:endParaRPr b="0" lang="en-US" sz="3200" spc="-1" strike="noStrike">
+              <a:latin typeface="Arial"/>
+            </a:endParaRPr>
+          </a:p>
+        </p:txBody>
+      </p:sp>
+      <p:sp>
+        <p:nvSpPr>
+          <p:cNvPr id="46" name="PlaceHolder 3"/>
           <p:cNvSpPr>
             <a:spLocks noGrp="1"/>
           </p:cNvSpPr>
@@ -878,8 +825,8 @@
         </p:nvSpPr>
         <p:spPr>
           <a:xfrm>
-            <a:off x="6226200" y="1825560"/>
-            <a:ext cx="5131080" cy="4350960"/>
+            <a:off x="6231960" y="1604520"/>
+            <a:ext cx="5354280" cy="3977280"/>
           </a:xfrm>
           <a:prstGeom prst="rect">
             <a:avLst/>
@@ -890,11 +837,8 @@
             <a:normAutofit/>
           </a:bodyPr>
           <a:p>
-            <a:endParaRPr b="0" lang="de-DE" sz="2800" spc="-1" strike="noStrike">
-              <a:solidFill>
-                <a:srgbClr val="000000"/>
-              </a:solidFill>
-              <a:latin typeface="Calibri"/>
+            <a:endParaRPr b="0" lang="en-US" sz="3200" spc="-1" strike="noStrike">
+              <a:latin typeface="Arial"/>
             </a:endParaRPr>
           </a:p>
         </p:txBody>
@@ -923,7 +867,7 @@
       </p:grpSpPr>
       <p:sp>
         <p:nvSpPr>
-          <p:cNvPr id="53" name="PlaceHolder 1"/>
+          <p:cNvPr id="47" name="PlaceHolder 1"/>
           <p:cNvSpPr>
             <a:spLocks noGrp="1"/>
           </p:cNvSpPr>
@@ -933,8 +877,8 @@
         </p:nvSpPr>
         <p:spPr>
           <a:xfrm>
-            <a:off x="838080" y="365040"/>
-            <a:ext cx="10515240" cy="1325160"/>
+            <a:off x="609480" y="273600"/>
+            <a:ext cx="10972440" cy="1144800"/>
           </a:xfrm>
           <a:prstGeom prst="rect">
             <a:avLst/>
@@ -943,11 +887,9 @@
         <p:txBody>
           <a:bodyPr lIns="0" rIns="0" tIns="0" bIns="0" anchor="ctr"/>
           <a:p>
-            <a:endParaRPr b="0" lang="de-DE" sz="1800" spc="-1" strike="noStrike">
-              <a:solidFill>
-                <a:srgbClr val="000000"/>
-              </a:solidFill>
-              <a:latin typeface="Calibri"/>
+            <a:pPr algn="ctr"/>
+            <a:endParaRPr b="0" lang="en-US" sz="4400" spc="-1" strike="noStrike">
+              <a:latin typeface="Arial"/>
             </a:endParaRPr>
           </a:p>
         </p:txBody>
@@ -976,7 +918,7 @@
       </p:grpSpPr>
       <p:sp>
         <p:nvSpPr>
-          <p:cNvPr id="54" name="PlaceHolder 1"/>
+          <p:cNvPr id="48" name="PlaceHolder 1"/>
           <p:cNvSpPr>
             <a:spLocks noGrp="1"/>
           </p:cNvSpPr>
@@ -986,8 +928,8 @@
         </p:nvSpPr>
         <p:spPr>
           <a:xfrm>
-            <a:off x="838080" y="365040"/>
-            <a:ext cx="10515240" cy="6144120"/>
+            <a:off x="609480" y="273600"/>
+            <a:ext cx="10972440" cy="5307840"/>
           </a:xfrm>
           <a:prstGeom prst="rect">
             <a:avLst/>
@@ -1027,7 +969,7 @@
       </p:grpSpPr>
       <p:sp>
         <p:nvSpPr>
-          <p:cNvPr id="55" name="PlaceHolder 1"/>
+          <p:cNvPr id="49" name="PlaceHolder 1"/>
           <p:cNvSpPr>
             <a:spLocks noGrp="1"/>
           </p:cNvSpPr>
@@ -1037,8 +979,8 @@
         </p:nvSpPr>
         <p:spPr>
           <a:xfrm>
-            <a:off x="838080" y="365040"/>
-            <a:ext cx="10515240" cy="1325160"/>
+            <a:off x="609480" y="273600"/>
+            <a:ext cx="10972440" cy="1144800"/>
           </a:xfrm>
           <a:prstGeom prst="rect">
             <a:avLst/>
@@ -1047,18 +989,16 @@
         <p:txBody>
           <a:bodyPr lIns="0" rIns="0" tIns="0" bIns="0" anchor="ctr"/>
           <a:p>
-            <a:endParaRPr b="0" lang="de-DE" sz="1800" spc="-1" strike="noStrike">
-              <a:solidFill>
-                <a:srgbClr val="000000"/>
-              </a:solidFill>
-              <a:latin typeface="Calibri"/>
-            </a:endParaRPr>
-          </a:p>
-        </p:txBody>
-      </p:sp>
-      <p:sp>
-        <p:nvSpPr>
-          <p:cNvPr id="56" name="PlaceHolder 2"/>
+            <a:pPr algn="ctr"/>
+            <a:endParaRPr b="0" lang="en-US" sz="4400" spc="-1" strike="noStrike">
+              <a:latin typeface="Arial"/>
+            </a:endParaRPr>
+          </a:p>
+        </p:txBody>
+      </p:sp>
+      <p:sp>
+        <p:nvSpPr>
+          <p:cNvPr id="50" name="PlaceHolder 2"/>
           <p:cNvSpPr>
             <a:spLocks noGrp="1"/>
           </p:cNvSpPr>
@@ -1068,8 +1008,8 @@
         </p:nvSpPr>
         <p:spPr>
           <a:xfrm>
-            <a:off x="838080" y="1825560"/>
-            <a:ext cx="5131080" cy="2075040"/>
+            <a:off x="609480" y="1604520"/>
+            <a:ext cx="5354280" cy="1896840"/>
           </a:xfrm>
           <a:prstGeom prst="rect">
             <a:avLst/>
@@ -1080,18 +1020,15 @@
             <a:normAutofit/>
           </a:bodyPr>
           <a:p>
-            <a:endParaRPr b="0" lang="de-DE" sz="2800" spc="-1" strike="noStrike">
-              <a:solidFill>
-                <a:srgbClr val="000000"/>
-              </a:solidFill>
-              <a:latin typeface="Calibri"/>
-            </a:endParaRPr>
-          </a:p>
-        </p:txBody>
-      </p:sp>
-      <p:sp>
-        <p:nvSpPr>
-          <p:cNvPr id="57" name="PlaceHolder 3"/>
+            <a:endParaRPr b="0" lang="en-US" sz="3200" spc="-1" strike="noStrike">
+              <a:latin typeface="Arial"/>
+            </a:endParaRPr>
+          </a:p>
+        </p:txBody>
+      </p:sp>
+      <p:sp>
+        <p:nvSpPr>
+          <p:cNvPr id="51" name="PlaceHolder 3"/>
           <p:cNvSpPr>
             <a:spLocks noGrp="1"/>
           </p:cNvSpPr>
@@ -1101,8 +1038,8 @@
         </p:nvSpPr>
         <p:spPr>
           <a:xfrm>
-            <a:off x="6226200" y="1825560"/>
-            <a:ext cx="5131080" cy="4350960"/>
+            <a:off x="6231960" y="1604520"/>
+            <a:ext cx="5354280" cy="3977280"/>
           </a:xfrm>
           <a:prstGeom prst="rect">
             <a:avLst/>
@@ -1113,18 +1050,15 @@
             <a:normAutofit/>
           </a:bodyPr>
           <a:p>
-            <a:endParaRPr b="0" lang="de-DE" sz="2800" spc="-1" strike="noStrike">
-              <a:solidFill>
-                <a:srgbClr val="000000"/>
-              </a:solidFill>
-              <a:latin typeface="Calibri"/>
-            </a:endParaRPr>
-          </a:p>
-        </p:txBody>
-      </p:sp>
-      <p:sp>
-        <p:nvSpPr>
-          <p:cNvPr id="58" name="PlaceHolder 4"/>
+            <a:endParaRPr b="0" lang="en-US" sz="3200" spc="-1" strike="noStrike">
+              <a:latin typeface="Arial"/>
+            </a:endParaRPr>
+          </a:p>
+        </p:txBody>
+      </p:sp>
+      <p:sp>
+        <p:nvSpPr>
+          <p:cNvPr id="52" name="PlaceHolder 4"/>
           <p:cNvSpPr>
             <a:spLocks noGrp="1"/>
           </p:cNvSpPr>
@@ -1134,8 +1068,8 @@
         </p:nvSpPr>
         <p:spPr>
           <a:xfrm>
-            <a:off x="838080" y="4098240"/>
-            <a:ext cx="5131080" cy="2075040"/>
+            <a:off x="609480" y="3682080"/>
+            <a:ext cx="5354280" cy="1896840"/>
           </a:xfrm>
           <a:prstGeom prst="rect">
             <a:avLst/>
@@ -1146,11 +1080,8 @@
             <a:normAutofit/>
           </a:bodyPr>
           <a:p>
-            <a:endParaRPr b="0" lang="de-DE" sz="2800" spc="-1" strike="noStrike">
-              <a:solidFill>
-                <a:srgbClr val="000000"/>
-              </a:solidFill>
-              <a:latin typeface="Calibri"/>
+            <a:endParaRPr b="0" lang="en-US" sz="3200" spc="-1" strike="noStrike">
+              <a:latin typeface="Arial"/>
             </a:endParaRPr>
           </a:p>
         </p:txBody>
@@ -1179,7 +1110,7 @@
       </p:grpSpPr>
       <p:sp>
         <p:nvSpPr>
-          <p:cNvPr id="5" name="PlaceHolder 1"/>
+          <p:cNvPr id="2" name="PlaceHolder 1"/>
           <p:cNvSpPr>
             <a:spLocks noGrp="1"/>
           </p:cNvSpPr>
@@ -1189,8 +1120,8 @@
         </p:nvSpPr>
         <p:spPr>
           <a:xfrm>
-            <a:off x="838080" y="365040"/>
-            <a:ext cx="10515240" cy="1325160"/>
+            <a:off x="609480" y="273600"/>
+            <a:ext cx="10972440" cy="1144800"/>
           </a:xfrm>
           <a:prstGeom prst="rect">
             <a:avLst/>
@@ -1199,18 +1130,16 @@
         <p:txBody>
           <a:bodyPr lIns="0" rIns="0" tIns="0" bIns="0" anchor="ctr"/>
           <a:p>
-            <a:endParaRPr b="0" lang="de-DE" sz="1800" spc="-1" strike="noStrike">
-              <a:solidFill>
-                <a:srgbClr val="000000"/>
-              </a:solidFill>
-              <a:latin typeface="Calibri"/>
-            </a:endParaRPr>
-          </a:p>
-        </p:txBody>
-      </p:sp>
-      <p:sp>
-        <p:nvSpPr>
-          <p:cNvPr id="6" name="PlaceHolder 2"/>
+            <a:pPr algn="ctr"/>
+            <a:endParaRPr b="0" lang="en-US" sz="4400" spc="-1" strike="noStrike">
+              <a:latin typeface="Arial"/>
+            </a:endParaRPr>
+          </a:p>
+        </p:txBody>
+      </p:sp>
+      <p:sp>
+        <p:nvSpPr>
+          <p:cNvPr id="3" name="PlaceHolder 2"/>
           <p:cNvSpPr>
             <a:spLocks noGrp="1"/>
           </p:cNvSpPr>
@@ -1220,8 +1149,8 @@
         </p:nvSpPr>
         <p:spPr>
           <a:xfrm>
-            <a:off x="838080" y="1825560"/>
-            <a:ext cx="10515240" cy="4350960"/>
+            <a:off x="609480" y="1604520"/>
+            <a:ext cx="10972440" cy="3977280"/>
           </a:xfrm>
           <a:prstGeom prst="rect">
             <a:avLst/>
@@ -1261,7 +1190,7 @@
       </p:grpSpPr>
       <p:sp>
         <p:nvSpPr>
-          <p:cNvPr id="59" name="PlaceHolder 1"/>
+          <p:cNvPr id="53" name="PlaceHolder 1"/>
           <p:cNvSpPr>
             <a:spLocks noGrp="1"/>
           </p:cNvSpPr>
@@ -1271,8 +1200,8 @@
         </p:nvSpPr>
         <p:spPr>
           <a:xfrm>
-            <a:off x="838080" y="365040"/>
-            <a:ext cx="10515240" cy="1325160"/>
+            <a:off x="609480" y="273600"/>
+            <a:ext cx="10972440" cy="1144800"/>
           </a:xfrm>
           <a:prstGeom prst="rect">
             <a:avLst/>
@@ -1281,18 +1210,16 @@
         <p:txBody>
           <a:bodyPr lIns="0" rIns="0" tIns="0" bIns="0" anchor="ctr"/>
           <a:p>
-            <a:endParaRPr b="0" lang="de-DE" sz="1800" spc="-1" strike="noStrike">
-              <a:solidFill>
-                <a:srgbClr val="000000"/>
-              </a:solidFill>
-              <a:latin typeface="Calibri"/>
-            </a:endParaRPr>
-          </a:p>
-        </p:txBody>
-      </p:sp>
-      <p:sp>
-        <p:nvSpPr>
-          <p:cNvPr id="60" name="PlaceHolder 2"/>
+            <a:pPr algn="ctr"/>
+            <a:endParaRPr b="0" lang="en-US" sz="4400" spc="-1" strike="noStrike">
+              <a:latin typeface="Arial"/>
+            </a:endParaRPr>
+          </a:p>
+        </p:txBody>
+      </p:sp>
+      <p:sp>
+        <p:nvSpPr>
+          <p:cNvPr id="54" name="PlaceHolder 2"/>
           <p:cNvSpPr>
             <a:spLocks noGrp="1"/>
           </p:cNvSpPr>
@@ -1302,8 +1229,8 @@
         </p:nvSpPr>
         <p:spPr>
           <a:xfrm>
-            <a:off x="838080" y="1825560"/>
-            <a:ext cx="5131080" cy="4350960"/>
+            <a:off x="609480" y="1604520"/>
+            <a:ext cx="5354280" cy="3977280"/>
           </a:xfrm>
           <a:prstGeom prst="rect">
             <a:avLst/>
@@ -1314,18 +1241,15 @@
             <a:normAutofit/>
           </a:bodyPr>
           <a:p>
-            <a:endParaRPr b="0" lang="de-DE" sz="2800" spc="-1" strike="noStrike">
-              <a:solidFill>
-                <a:srgbClr val="000000"/>
-              </a:solidFill>
-              <a:latin typeface="Calibri"/>
-            </a:endParaRPr>
-          </a:p>
-        </p:txBody>
-      </p:sp>
-      <p:sp>
-        <p:nvSpPr>
-          <p:cNvPr id="61" name="PlaceHolder 3"/>
+            <a:endParaRPr b="0" lang="en-US" sz="3200" spc="-1" strike="noStrike">
+              <a:latin typeface="Arial"/>
+            </a:endParaRPr>
+          </a:p>
+        </p:txBody>
+      </p:sp>
+      <p:sp>
+        <p:nvSpPr>
+          <p:cNvPr id="55" name="PlaceHolder 3"/>
           <p:cNvSpPr>
             <a:spLocks noGrp="1"/>
           </p:cNvSpPr>
@@ -1335,8 +1259,8 @@
         </p:nvSpPr>
         <p:spPr>
           <a:xfrm>
-            <a:off x="6226200" y="1825560"/>
-            <a:ext cx="5131080" cy="2075040"/>
+            <a:off x="6231960" y="1604520"/>
+            <a:ext cx="5354280" cy="1896840"/>
           </a:xfrm>
           <a:prstGeom prst="rect">
             <a:avLst/>
@@ -1347,18 +1271,15 @@
             <a:normAutofit/>
           </a:bodyPr>
           <a:p>
-            <a:endParaRPr b="0" lang="de-DE" sz="2800" spc="-1" strike="noStrike">
-              <a:solidFill>
-                <a:srgbClr val="000000"/>
-              </a:solidFill>
-              <a:latin typeface="Calibri"/>
-            </a:endParaRPr>
-          </a:p>
-        </p:txBody>
-      </p:sp>
-      <p:sp>
-        <p:nvSpPr>
-          <p:cNvPr id="62" name="PlaceHolder 4"/>
+            <a:endParaRPr b="0" lang="en-US" sz="3200" spc="-1" strike="noStrike">
+              <a:latin typeface="Arial"/>
+            </a:endParaRPr>
+          </a:p>
+        </p:txBody>
+      </p:sp>
+      <p:sp>
+        <p:nvSpPr>
+          <p:cNvPr id="56" name="PlaceHolder 4"/>
           <p:cNvSpPr>
             <a:spLocks noGrp="1"/>
           </p:cNvSpPr>
@@ -1368,8 +1289,8 @@
         </p:nvSpPr>
         <p:spPr>
           <a:xfrm>
-            <a:off x="6226200" y="4098240"/>
-            <a:ext cx="5131080" cy="2075040"/>
+            <a:off x="6231960" y="3682080"/>
+            <a:ext cx="5354280" cy="1896840"/>
           </a:xfrm>
           <a:prstGeom prst="rect">
             <a:avLst/>
@@ -1380,11 +1301,8 @@
             <a:normAutofit/>
           </a:bodyPr>
           <a:p>
-            <a:endParaRPr b="0" lang="de-DE" sz="2800" spc="-1" strike="noStrike">
-              <a:solidFill>
-                <a:srgbClr val="000000"/>
-              </a:solidFill>
-              <a:latin typeface="Calibri"/>
+            <a:endParaRPr b="0" lang="en-US" sz="3200" spc="-1" strike="noStrike">
+              <a:latin typeface="Arial"/>
             </a:endParaRPr>
           </a:p>
         </p:txBody>
@@ -1413,7 +1331,7 @@
       </p:grpSpPr>
       <p:sp>
         <p:nvSpPr>
-          <p:cNvPr id="63" name="PlaceHolder 1"/>
+          <p:cNvPr id="57" name="PlaceHolder 1"/>
           <p:cNvSpPr>
             <a:spLocks noGrp="1"/>
           </p:cNvSpPr>
@@ -1423,8 +1341,8 @@
         </p:nvSpPr>
         <p:spPr>
           <a:xfrm>
-            <a:off x="838080" y="365040"/>
-            <a:ext cx="10515240" cy="1325160"/>
+            <a:off x="609480" y="273600"/>
+            <a:ext cx="10972440" cy="1144800"/>
           </a:xfrm>
           <a:prstGeom prst="rect">
             <a:avLst/>
@@ -1433,18 +1351,16 @@
         <p:txBody>
           <a:bodyPr lIns="0" rIns="0" tIns="0" bIns="0" anchor="ctr"/>
           <a:p>
-            <a:endParaRPr b="0" lang="de-DE" sz="1800" spc="-1" strike="noStrike">
-              <a:solidFill>
-                <a:srgbClr val="000000"/>
-              </a:solidFill>
-              <a:latin typeface="Calibri"/>
-            </a:endParaRPr>
-          </a:p>
-        </p:txBody>
-      </p:sp>
-      <p:sp>
-        <p:nvSpPr>
-          <p:cNvPr id="64" name="PlaceHolder 2"/>
+            <a:pPr algn="ctr"/>
+            <a:endParaRPr b="0" lang="en-US" sz="4400" spc="-1" strike="noStrike">
+              <a:latin typeface="Arial"/>
+            </a:endParaRPr>
+          </a:p>
+        </p:txBody>
+      </p:sp>
+      <p:sp>
+        <p:nvSpPr>
+          <p:cNvPr id="58" name="PlaceHolder 2"/>
           <p:cNvSpPr>
             <a:spLocks noGrp="1"/>
           </p:cNvSpPr>
@@ -1454,8 +1370,8 @@
         </p:nvSpPr>
         <p:spPr>
           <a:xfrm>
-            <a:off x="838080" y="1825560"/>
-            <a:ext cx="5131080" cy="2075040"/>
+            <a:off x="609480" y="1604520"/>
+            <a:ext cx="5354280" cy="1896840"/>
           </a:xfrm>
           <a:prstGeom prst="rect">
             <a:avLst/>
@@ -1466,18 +1382,15 @@
             <a:normAutofit/>
           </a:bodyPr>
           <a:p>
-            <a:endParaRPr b="0" lang="de-DE" sz="2800" spc="-1" strike="noStrike">
-              <a:solidFill>
-                <a:srgbClr val="000000"/>
-              </a:solidFill>
-              <a:latin typeface="Calibri"/>
-            </a:endParaRPr>
-          </a:p>
-        </p:txBody>
-      </p:sp>
-      <p:sp>
-        <p:nvSpPr>
-          <p:cNvPr id="65" name="PlaceHolder 3"/>
+            <a:endParaRPr b="0" lang="en-US" sz="3200" spc="-1" strike="noStrike">
+              <a:latin typeface="Arial"/>
+            </a:endParaRPr>
+          </a:p>
+        </p:txBody>
+      </p:sp>
+      <p:sp>
+        <p:nvSpPr>
+          <p:cNvPr id="59" name="PlaceHolder 3"/>
           <p:cNvSpPr>
             <a:spLocks noGrp="1"/>
           </p:cNvSpPr>
@@ -1487,8 +1400,8 @@
         </p:nvSpPr>
         <p:spPr>
           <a:xfrm>
-            <a:off x="6226200" y="1825560"/>
-            <a:ext cx="5131080" cy="2075040"/>
+            <a:off x="6231960" y="1604520"/>
+            <a:ext cx="5354280" cy="1896840"/>
           </a:xfrm>
           <a:prstGeom prst="rect">
             <a:avLst/>
@@ -1499,18 +1412,15 @@
             <a:normAutofit/>
           </a:bodyPr>
           <a:p>
-            <a:endParaRPr b="0" lang="de-DE" sz="2800" spc="-1" strike="noStrike">
-              <a:solidFill>
-                <a:srgbClr val="000000"/>
-              </a:solidFill>
-              <a:latin typeface="Calibri"/>
-            </a:endParaRPr>
-          </a:p>
-        </p:txBody>
-      </p:sp>
-      <p:sp>
-        <p:nvSpPr>
-          <p:cNvPr id="66" name="PlaceHolder 4"/>
+            <a:endParaRPr b="0" lang="en-US" sz="3200" spc="-1" strike="noStrike">
+              <a:latin typeface="Arial"/>
+            </a:endParaRPr>
+          </a:p>
+        </p:txBody>
+      </p:sp>
+      <p:sp>
+        <p:nvSpPr>
+          <p:cNvPr id="60" name="PlaceHolder 4"/>
           <p:cNvSpPr>
             <a:spLocks noGrp="1"/>
           </p:cNvSpPr>
@@ -1520,8 +1430,8 @@
         </p:nvSpPr>
         <p:spPr>
           <a:xfrm>
-            <a:off x="838080" y="4098240"/>
-            <a:ext cx="10515240" cy="2075040"/>
+            <a:off x="609480" y="3682080"/>
+            <a:ext cx="10972440" cy="1896840"/>
           </a:xfrm>
           <a:prstGeom prst="rect">
             <a:avLst/>
@@ -1532,11 +1442,8 @@
             <a:normAutofit/>
           </a:bodyPr>
           <a:p>
-            <a:endParaRPr b="0" lang="de-DE" sz="2800" spc="-1" strike="noStrike">
-              <a:solidFill>
-                <a:srgbClr val="000000"/>
-              </a:solidFill>
-              <a:latin typeface="Calibri"/>
+            <a:endParaRPr b="0" lang="en-US" sz="3200" spc="-1" strike="noStrike">
+              <a:latin typeface="Arial"/>
             </a:endParaRPr>
           </a:p>
         </p:txBody>
@@ -1565,7 +1472,7 @@
       </p:grpSpPr>
       <p:sp>
         <p:nvSpPr>
-          <p:cNvPr id="67" name="PlaceHolder 1"/>
+          <p:cNvPr id="61" name="PlaceHolder 1"/>
           <p:cNvSpPr>
             <a:spLocks noGrp="1"/>
           </p:cNvSpPr>
@@ -1575,8 +1482,8 @@
         </p:nvSpPr>
         <p:spPr>
           <a:xfrm>
-            <a:off x="838080" y="365040"/>
-            <a:ext cx="10515240" cy="1325160"/>
+            <a:off x="609480" y="273600"/>
+            <a:ext cx="10972440" cy="1144800"/>
           </a:xfrm>
           <a:prstGeom prst="rect">
             <a:avLst/>
@@ -1585,18 +1492,16 @@
         <p:txBody>
           <a:bodyPr lIns="0" rIns="0" tIns="0" bIns="0" anchor="ctr"/>
           <a:p>
-            <a:endParaRPr b="0" lang="de-DE" sz="1800" spc="-1" strike="noStrike">
-              <a:solidFill>
-                <a:srgbClr val="000000"/>
-              </a:solidFill>
-              <a:latin typeface="Calibri"/>
-            </a:endParaRPr>
-          </a:p>
-        </p:txBody>
-      </p:sp>
-      <p:sp>
-        <p:nvSpPr>
-          <p:cNvPr id="68" name="PlaceHolder 2"/>
+            <a:pPr algn="ctr"/>
+            <a:endParaRPr b="0" lang="en-US" sz="4400" spc="-1" strike="noStrike">
+              <a:latin typeface="Arial"/>
+            </a:endParaRPr>
+          </a:p>
+        </p:txBody>
+      </p:sp>
+      <p:sp>
+        <p:nvSpPr>
+          <p:cNvPr id="62" name="PlaceHolder 2"/>
           <p:cNvSpPr>
             <a:spLocks noGrp="1"/>
           </p:cNvSpPr>
@@ -1606,8 +1511,8 @@
         </p:nvSpPr>
         <p:spPr>
           <a:xfrm>
-            <a:off x="838080" y="1825560"/>
-            <a:ext cx="10515240" cy="2075040"/>
+            <a:off x="609480" y="1604520"/>
+            <a:ext cx="10972440" cy="1896840"/>
           </a:xfrm>
           <a:prstGeom prst="rect">
             <a:avLst/>
@@ -1618,18 +1523,15 @@
             <a:normAutofit/>
           </a:bodyPr>
           <a:p>
-            <a:endParaRPr b="0" lang="de-DE" sz="2800" spc="-1" strike="noStrike">
-              <a:solidFill>
-                <a:srgbClr val="000000"/>
-              </a:solidFill>
-              <a:latin typeface="Calibri"/>
-            </a:endParaRPr>
-          </a:p>
-        </p:txBody>
-      </p:sp>
-      <p:sp>
-        <p:nvSpPr>
-          <p:cNvPr id="69" name="PlaceHolder 3"/>
+            <a:endParaRPr b="0" lang="en-US" sz="3200" spc="-1" strike="noStrike">
+              <a:latin typeface="Arial"/>
+            </a:endParaRPr>
+          </a:p>
+        </p:txBody>
+      </p:sp>
+      <p:sp>
+        <p:nvSpPr>
+          <p:cNvPr id="63" name="PlaceHolder 3"/>
           <p:cNvSpPr>
             <a:spLocks noGrp="1"/>
           </p:cNvSpPr>
@@ -1639,8 +1541,8 @@
         </p:nvSpPr>
         <p:spPr>
           <a:xfrm>
-            <a:off x="838080" y="4098240"/>
-            <a:ext cx="10515240" cy="2075040"/>
+            <a:off x="609480" y="3682080"/>
+            <a:ext cx="10972440" cy="1896840"/>
           </a:xfrm>
           <a:prstGeom prst="rect">
             <a:avLst/>
@@ -1651,11 +1553,8 @@
             <a:normAutofit/>
           </a:bodyPr>
           <a:p>
-            <a:endParaRPr b="0" lang="de-DE" sz="2800" spc="-1" strike="noStrike">
-              <a:solidFill>
-                <a:srgbClr val="000000"/>
-              </a:solidFill>
-              <a:latin typeface="Calibri"/>
+            <a:endParaRPr b="0" lang="en-US" sz="3200" spc="-1" strike="noStrike">
+              <a:latin typeface="Arial"/>
             </a:endParaRPr>
           </a:p>
         </p:txBody>
@@ -1684,7 +1583,7 @@
       </p:grpSpPr>
       <p:sp>
         <p:nvSpPr>
-          <p:cNvPr id="70" name="PlaceHolder 1"/>
+          <p:cNvPr id="64" name="PlaceHolder 1"/>
           <p:cNvSpPr>
             <a:spLocks noGrp="1"/>
           </p:cNvSpPr>
@@ -1694,8 +1593,8 @@
         </p:nvSpPr>
         <p:spPr>
           <a:xfrm>
-            <a:off x="838080" y="365040"/>
-            <a:ext cx="10515240" cy="1325160"/>
+            <a:off x="609480" y="273600"/>
+            <a:ext cx="10972440" cy="1144800"/>
           </a:xfrm>
           <a:prstGeom prst="rect">
             <a:avLst/>
@@ -1704,18 +1603,16 @@
         <p:txBody>
           <a:bodyPr lIns="0" rIns="0" tIns="0" bIns="0" anchor="ctr"/>
           <a:p>
-            <a:endParaRPr b="0" lang="de-DE" sz="1800" spc="-1" strike="noStrike">
-              <a:solidFill>
-                <a:srgbClr val="000000"/>
-              </a:solidFill>
-              <a:latin typeface="Calibri"/>
-            </a:endParaRPr>
-          </a:p>
-        </p:txBody>
-      </p:sp>
-      <p:sp>
-        <p:nvSpPr>
-          <p:cNvPr id="71" name="PlaceHolder 2"/>
+            <a:pPr algn="ctr"/>
+            <a:endParaRPr b="0" lang="en-US" sz="4400" spc="-1" strike="noStrike">
+              <a:latin typeface="Arial"/>
+            </a:endParaRPr>
+          </a:p>
+        </p:txBody>
+      </p:sp>
+      <p:sp>
+        <p:nvSpPr>
+          <p:cNvPr id="65" name="PlaceHolder 2"/>
           <p:cNvSpPr>
             <a:spLocks noGrp="1"/>
           </p:cNvSpPr>
@@ -1725,8 +1622,8 @@
         </p:nvSpPr>
         <p:spPr>
           <a:xfrm>
-            <a:off x="838080" y="1825560"/>
-            <a:ext cx="5131080" cy="2075040"/>
+            <a:off x="609480" y="1604520"/>
+            <a:ext cx="5354280" cy="1896840"/>
           </a:xfrm>
           <a:prstGeom prst="rect">
             <a:avLst/>
@@ -1737,18 +1634,15 @@
             <a:normAutofit/>
           </a:bodyPr>
           <a:p>
-            <a:endParaRPr b="0" lang="de-DE" sz="2800" spc="-1" strike="noStrike">
-              <a:solidFill>
-                <a:srgbClr val="000000"/>
-              </a:solidFill>
-              <a:latin typeface="Calibri"/>
-            </a:endParaRPr>
-          </a:p>
-        </p:txBody>
-      </p:sp>
-      <p:sp>
-        <p:nvSpPr>
-          <p:cNvPr id="72" name="PlaceHolder 3"/>
+            <a:endParaRPr b="0" lang="en-US" sz="3200" spc="-1" strike="noStrike">
+              <a:latin typeface="Arial"/>
+            </a:endParaRPr>
+          </a:p>
+        </p:txBody>
+      </p:sp>
+      <p:sp>
+        <p:nvSpPr>
+          <p:cNvPr id="66" name="PlaceHolder 3"/>
           <p:cNvSpPr>
             <a:spLocks noGrp="1"/>
           </p:cNvSpPr>
@@ -1758,8 +1652,8 @@
         </p:nvSpPr>
         <p:spPr>
           <a:xfrm>
-            <a:off x="6226200" y="1825560"/>
-            <a:ext cx="5131080" cy="2075040"/>
+            <a:off x="6231960" y="1604520"/>
+            <a:ext cx="5354280" cy="1896840"/>
           </a:xfrm>
           <a:prstGeom prst="rect">
             <a:avLst/>
@@ -1770,18 +1664,15 @@
             <a:normAutofit/>
           </a:bodyPr>
           <a:p>
-            <a:endParaRPr b="0" lang="de-DE" sz="2800" spc="-1" strike="noStrike">
-              <a:solidFill>
-                <a:srgbClr val="000000"/>
-              </a:solidFill>
-              <a:latin typeface="Calibri"/>
-            </a:endParaRPr>
-          </a:p>
-        </p:txBody>
-      </p:sp>
-      <p:sp>
-        <p:nvSpPr>
-          <p:cNvPr id="73" name="PlaceHolder 4"/>
+            <a:endParaRPr b="0" lang="en-US" sz="3200" spc="-1" strike="noStrike">
+              <a:latin typeface="Arial"/>
+            </a:endParaRPr>
+          </a:p>
+        </p:txBody>
+      </p:sp>
+      <p:sp>
+        <p:nvSpPr>
+          <p:cNvPr id="67" name="PlaceHolder 4"/>
           <p:cNvSpPr>
             <a:spLocks noGrp="1"/>
           </p:cNvSpPr>
@@ -1791,8 +1682,8 @@
         </p:nvSpPr>
         <p:spPr>
           <a:xfrm>
-            <a:off x="838080" y="4098240"/>
-            <a:ext cx="5131080" cy="2075040"/>
+            <a:off x="609480" y="3682080"/>
+            <a:ext cx="5354280" cy="1896840"/>
           </a:xfrm>
           <a:prstGeom prst="rect">
             <a:avLst/>
@@ -1803,18 +1694,15 @@
             <a:normAutofit/>
           </a:bodyPr>
           <a:p>
-            <a:endParaRPr b="0" lang="de-DE" sz="2800" spc="-1" strike="noStrike">
-              <a:solidFill>
-                <a:srgbClr val="000000"/>
-              </a:solidFill>
-              <a:latin typeface="Calibri"/>
-            </a:endParaRPr>
-          </a:p>
-        </p:txBody>
-      </p:sp>
-      <p:sp>
-        <p:nvSpPr>
-          <p:cNvPr id="74" name="PlaceHolder 5"/>
+            <a:endParaRPr b="0" lang="en-US" sz="3200" spc="-1" strike="noStrike">
+              <a:latin typeface="Arial"/>
+            </a:endParaRPr>
+          </a:p>
+        </p:txBody>
+      </p:sp>
+      <p:sp>
+        <p:nvSpPr>
+          <p:cNvPr id="68" name="PlaceHolder 5"/>
           <p:cNvSpPr>
             <a:spLocks noGrp="1"/>
           </p:cNvSpPr>
@@ -1824,8 +1712,8 @@
         </p:nvSpPr>
         <p:spPr>
           <a:xfrm>
-            <a:off x="6226200" y="4098240"/>
-            <a:ext cx="5131080" cy="2075040"/>
+            <a:off x="6231960" y="3682080"/>
+            <a:ext cx="5354280" cy="1896840"/>
           </a:xfrm>
           <a:prstGeom prst="rect">
             <a:avLst/>
@@ -1836,11 +1724,8 @@
             <a:normAutofit/>
           </a:bodyPr>
           <a:p>
-            <a:endParaRPr b="0" lang="de-DE" sz="2800" spc="-1" strike="noStrike">
-              <a:solidFill>
-                <a:srgbClr val="000000"/>
-              </a:solidFill>
-              <a:latin typeface="Calibri"/>
+            <a:endParaRPr b="0" lang="en-US" sz="3200" spc="-1" strike="noStrike">
+              <a:latin typeface="Arial"/>
             </a:endParaRPr>
           </a:p>
         </p:txBody>
@@ -1869,7 +1754,7 @@
       </p:grpSpPr>
       <p:sp>
         <p:nvSpPr>
-          <p:cNvPr id="75" name="PlaceHolder 1"/>
+          <p:cNvPr id="69" name="PlaceHolder 1"/>
           <p:cNvSpPr>
             <a:spLocks noGrp="1"/>
           </p:cNvSpPr>
@@ -1879,8 +1764,8 @@
         </p:nvSpPr>
         <p:spPr>
           <a:xfrm>
-            <a:off x="838080" y="365040"/>
-            <a:ext cx="10515240" cy="1325160"/>
+            <a:off x="609480" y="273600"/>
+            <a:ext cx="10972440" cy="1144800"/>
           </a:xfrm>
           <a:prstGeom prst="rect">
             <a:avLst/>
@@ -1889,18 +1774,16 @@
         <p:txBody>
           <a:bodyPr lIns="0" rIns="0" tIns="0" bIns="0" anchor="ctr"/>
           <a:p>
-            <a:endParaRPr b="0" lang="de-DE" sz="1800" spc="-1" strike="noStrike">
-              <a:solidFill>
-                <a:srgbClr val="000000"/>
-              </a:solidFill>
-              <a:latin typeface="Calibri"/>
-            </a:endParaRPr>
-          </a:p>
-        </p:txBody>
-      </p:sp>
-      <p:sp>
-        <p:nvSpPr>
-          <p:cNvPr id="76" name="PlaceHolder 2"/>
+            <a:pPr algn="ctr"/>
+            <a:endParaRPr b="0" lang="en-US" sz="4400" spc="-1" strike="noStrike">
+              <a:latin typeface="Arial"/>
+            </a:endParaRPr>
+          </a:p>
+        </p:txBody>
+      </p:sp>
+      <p:sp>
+        <p:nvSpPr>
+          <p:cNvPr id="70" name="PlaceHolder 2"/>
           <p:cNvSpPr>
             <a:spLocks noGrp="1"/>
           </p:cNvSpPr>
@@ -1910,8 +1793,8 @@
         </p:nvSpPr>
         <p:spPr>
           <a:xfrm>
-            <a:off x="838080" y="1825560"/>
-            <a:ext cx="3385800" cy="2075040"/>
+            <a:off x="609480" y="1604520"/>
+            <a:ext cx="3533040" cy="1896840"/>
           </a:xfrm>
           <a:prstGeom prst="rect">
             <a:avLst/>
@@ -1922,18 +1805,15 @@
             <a:normAutofit/>
           </a:bodyPr>
           <a:p>
-            <a:endParaRPr b="0" lang="de-DE" sz="2800" spc="-1" strike="noStrike">
-              <a:solidFill>
-                <a:srgbClr val="000000"/>
-              </a:solidFill>
-              <a:latin typeface="Calibri"/>
-            </a:endParaRPr>
-          </a:p>
-        </p:txBody>
-      </p:sp>
-      <p:sp>
-        <p:nvSpPr>
-          <p:cNvPr id="77" name="PlaceHolder 3"/>
+            <a:endParaRPr b="0" lang="en-US" sz="3200" spc="-1" strike="noStrike">
+              <a:latin typeface="Arial"/>
+            </a:endParaRPr>
+          </a:p>
+        </p:txBody>
+      </p:sp>
+      <p:sp>
+        <p:nvSpPr>
+          <p:cNvPr id="71" name="PlaceHolder 3"/>
           <p:cNvSpPr>
             <a:spLocks noGrp="1"/>
           </p:cNvSpPr>
@@ -1943,8 +1823,8 @@
         </p:nvSpPr>
         <p:spPr>
           <a:xfrm>
-            <a:off x="4393440" y="1825560"/>
-            <a:ext cx="3385800" cy="2075040"/>
+            <a:off x="4319640" y="1604520"/>
+            <a:ext cx="3533040" cy="1896840"/>
           </a:xfrm>
           <a:prstGeom prst="rect">
             <a:avLst/>
@@ -1955,18 +1835,15 @@
             <a:normAutofit/>
           </a:bodyPr>
           <a:p>
-            <a:endParaRPr b="0" lang="de-DE" sz="2800" spc="-1" strike="noStrike">
-              <a:solidFill>
-                <a:srgbClr val="000000"/>
-              </a:solidFill>
-              <a:latin typeface="Calibri"/>
-            </a:endParaRPr>
-          </a:p>
-        </p:txBody>
-      </p:sp>
-      <p:sp>
-        <p:nvSpPr>
-          <p:cNvPr id="78" name="PlaceHolder 4"/>
+            <a:endParaRPr b="0" lang="en-US" sz="3200" spc="-1" strike="noStrike">
+              <a:latin typeface="Arial"/>
+            </a:endParaRPr>
+          </a:p>
+        </p:txBody>
+      </p:sp>
+      <p:sp>
+        <p:nvSpPr>
+          <p:cNvPr id="72" name="PlaceHolder 4"/>
           <p:cNvSpPr>
             <a:spLocks noGrp="1"/>
           </p:cNvSpPr>
@@ -1976,8 +1853,8 @@
         </p:nvSpPr>
         <p:spPr>
           <a:xfrm>
-            <a:off x="7949160" y="1825560"/>
-            <a:ext cx="3385800" cy="2075040"/>
+            <a:off x="8029800" y="1604520"/>
+            <a:ext cx="3533040" cy="1896840"/>
           </a:xfrm>
           <a:prstGeom prst="rect">
             <a:avLst/>
@@ -1988,18 +1865,15 @@
             <a:normAutofit/>
           </a:bodyPr>
           <a:p>
-            <a:endParaRPr b="0" lang="de-DE" sz="2800" spc="-1" strike="noStrike">
-              <a:solidFill>
-                <a:srgbClr val="000000"/>
-              </a:solidFill>
-              <a:latin typeface="Calibri"/>
-            </a:endParaRPr>
-          </a:p>
-        </p:txBody>
-      </p:sp>
-      <p:sp>
-        <p:nvSpPr>
-          <p:cNvPr id="79" name="PlaceHolder 5"/>
+            <a:endParaRPr b="0" lang="en-US" sz="3200" spc="-1" strike="noStrike">
+              <a:latin typeface="Arial"/>
+            </a:endParaRPr>
+          </a:p>
+        </p:txBody>
+      </p:sp>
+      <p:sp>
+        <p:nvSpPr>
+          <p:cNvPr id="73" name="PlaceHolder 5"/>
           <p:cNvSpPr>
             <a:spLocks noGrp="1"/>
           </p:cNvSpPr>
@@ -2009,8 +1883,8 @@
         </p:nvSpPr>
         <p:spPr>
           <a:xfrm>
-            <a:off x="838080" y="4098240"/>
-            <a:ext cx="3385800" cy="2075040"/>
+            <a:off x="609480" y="3682080"/>
+            <a:ext cx="3533040" cy="1896840"/>
           </a:xfrm>
           <a:prstGeom prst="rect">
             <a:avLst/>
@@ -2021,18 +1895,15 @@
             <a:normAutofit/>
           </a:bodyPr>
           <a:p>
-            <a:endParaRPr b="0" lang="de-DE" sz="2800" spc="-1" strike="noStrike">
-              <a:solidFill>
-                <a:srgbClr val="000000"/>
-              </a:solidFill>
-              <a:latin typeface="Calibri"/>
-            </a:endParaRPr>
-          </a:p>
-        </p:txBody>
-      </p:sp>
-      <p:sp>
-        <p:nvSpPr>
-          <p:cNvPr id="80" name="PlaceHolder 6"/>
+            <a:endParaRPr b="0" lang="en-US" sz="3200" spc="-1" strike="noStrike">
+              <a:latin typeface="Arial"/>
+            </a:endParaRPr>
+          </a:p>
+        </p:txBody>
+      </p:sp>
+      <p:sp>
+        <p:nvSpPr>
+          <p:cNvPr id="74" name="PlaceHolder 6"/>
           <p:cNvSpPr>
             <a:spLocks noGrp="1"/>
           </p:cNvSpPr>
@@ -2042,8 +1913,8 @@
         </p:nvSpPr>
         <p:spPr>
           <a:xfrm>
-            <a:off x="4393440" y="4098240"/>
-            <a:ext cx="3385800" cy="2075040"/>
+            <a:off x="4319640" y="3682080"/>
+            <a:ext cx="3533040" cy="1896840"/>
           </a:xfrm>
           <a:prstGeom prst="rect">
             <a:avLst/>
@@ -2054,18 +1925,15 @@
             <a:normAutofit/>
           </a:bodyPr>
           <a:p>
-            <a:endParaRPr b="0" lang="de-DE" sz="2800" spc="-1" strike="noStrike">
-              <a:solidFill>
-                <a:srgbClr val="000000"/>
-              </a:solidFill>
-              <a:latin typeface="Calibri"/>
-            </a:endParaRPr>
-          </a:p>
-        </p:txBody>
-      </p:sp>
-      <p:sp>
-        <p:nvSpPr>
-          <p:cNvPr id="81" name="PlaceHolder 7"/>
+            <a:endParaRPr b="0" lang="en-US" sz="3200" spc="-1" strike="noStrike">
+              <a:latin typeface="Arial"/>
+            </a:endParaRPr>
+          </a:p>
+        </p:txBody>
+      </p:sp>
+      <p:sp>
+        <p:nvSpPr>
+          <p:cNvPr id="75" name="PlaceHolder 7"/>
           <p:cNvSpPr>
             <a:spLocks noGrp="1"/>
           </p:cNvSpPr>
@@ -2075,8 +1943,8 @@
         </p:nvSpPr>
         <p:spPr>
           <a:xfrm>
-            <a:off x="7949160" y="4098240"/>
-            <a:ext cx="3385800" cy="2075040"/>
+            <a:off x="8029800" y="3682080"/>
+            <a:ext cx="3533040" cy="1896840"/>
           </a:xfrm>
           <a:prstGeom prst="rect">
             <a:avLst/>
@@ -2087,11 +1955,8 @@
             <a:normAutofit/>
           </a:bodyPr>
           <a:p>
-            <a:endParaRPr b="0" lang="de-DE" sz="2800" spc="-1" strike="noStrike">
-              <a:solidFill>
-                <a:srgbClr val="000000"/>
-              </a:solidFill>
-              <a:latin typeface="Calibri"/>
+            <a:endParaRPr b="0" lang="en-US" sz="3200" spc="-1" strike="noStrike">
+              <a:latin typeface="Arial"/>
             </a:endParaRPr>
           </a:p>
         </p:txBody>
@@ -2120,7 +1985,7 @@
       </p:grpSpPr>
       <p:sp>
         <p:nvSpPr>
-          <p:cNvPr id="7" name="PlaceHolder 1"/>
+          <p:cNvPr id="4" name="PlaceHolder 1"/>
           <p:cNvSpPr>
             <a:spLocks noGrp="1"/>
           </p:cNvSpPr>
@@ -2130,8 +1995,8 @@
         </p:nvSpPr>
         <p:spPr>
           <a:xfrm>
-            <a:off x="838080" y="365040"/>
-            <a:ext cx="10515240" cy="1325160"/>
+            <a:off x="609480" y="273600"/>
+            <a:ext cx="10972440" cy="1144800"/>
           </a:xfrm>
           <a:prstGeom prst="rect">
             <a:avLst/>
@@ -2140,18 +2005,16 @@
         <p:txBody>
           <a:bodyPr lIns="0" rIns="0" tIns="0" bIns="0" anchor="ctr"/>
           <a:p>
-            <a:endParaRPr b="0" lang="de-DE" sz="1800" spc="-1" strike="noStrike">
-              <a:solidFill>
-                <a:srgbClr val="000000"/>
-              </a:solidFill>
-              <a:latin typeface="Calibri"/>
-            </a:endParaRPr>
-          </a:p>
-        </p:txBody>
-      </p:sp>
-      <p:sp>
-        <p:nvSpPr>
-          <p:cNvPr id="8" name="PlaceHolder 2"/>
+            <a:pPr algn="ctr"/>
+            <a:endParaRPr b="0" lang="en-US" sz="4400" spc="-1" strike="noStrike">
+              <a:latin typeface="Arial"/>
+            </a:endParaRPr>
+          </a:p>
+        </p:txBody>
+      </p:sp>
+      <p:sp>
+        <p:nvSpPr>
+          <p:cNvPr id="5" name="PlaceHolder 2"/>
           <p:cNvSpPr>
             <a:spLocks noGrp="1"/>
           </p:cNvSpPr>
@@ -2161,8 +2024,8 @@
         </p:nvSpPr>
         <p:spPr>
           <a:xfrm>
-            <a:off x="838080" y="1825560"/>
-            <a:ext cx="10515240" cy="4350960"/>
+            <a:off x="609480" y="1604520"/>
+            <a:ext cx="10972440" cy="3977280"/>
           </a:xfrm>
           <a:prstGeom prst="rect">
             <a:avLst/>
@@ -2173,11 +2036,8 @@
             <a:normAutofit/>
           </a:bodyPr>
           <a:p>
-            <a:endParaRPr b="0" lang="de-DE" sz="2800" spc="-1" strike="noStrike">
-              <a:solidFill>
-                <a:srgbClr val="000000"/>
-              </a:solidFill>
-              <a:latin typeface="Calibri"/>
+            <a:endParaRPr b="0" lang="en-US" sz="3200" spc="-1" strike="noStrike">
+              <a:latin typeface="Arial"/>
             </a:endParaRPr>
           </a:p>
         </p:txBody>
@@ -2206,7 +2066,7 @@
       </p:grpSpPr>
       <p:sp>
         <p:nvSpPr>
-          <p:cNvPr id="9" name="PlaceHolder 1"/>
+          <p:cNvPr id="6" name="PlaceHolder 1"/>
           <p:cNvSpPr>
             <a:spLocks noGrp="1"/>
           </p:cNvSpPr>
@@ -2216,8 +2076,8 @@
         </p:nvSpPr>
         <p:spPr>
           <a:xfrm>
-            <a:off x="838080" y="365040"/>
-            <a:ext cx="10515240" cy="1325160"/>
+            <a:off x="609480" y="273600"/>
+            <a:ext cx="10972440" cy="1144800"/>
           </a:xfrm>
           <a:prstGeom prst="rect">
             <a:avLst/>
@@ -2226,18 +2086,16 @@
         <p:txBody>
           <a:bodyPr lIns="0" rIns="0" tIns="0" bIns="0" anchor="ctr"/>
           <a:p>
-            <a:endParaRPr b="0" lang="de-DE" sz="1800" spc="-1" strike="noStrike">
-              <a:solidFill>
-                <a:srgbClr val="000000"/>
-              </a:solidFill>
-              <a:latin typeface="Calibri"/>
-            </a:endParaRPr>
-          </a:p>
-        </p:txBody>
-      </p:sp>
-      <p:sp>
-        <p:nvSpPr>
-          <p:cNvPr id="10" name="PlaceHolder 2"/>
+            <a:pPr algn="ctr"/>
+            <a:endParaRPr b="0" lang="en-US" sz="4400" spc="-1" strike="noStrike">
+              <a:latin typeface="Arial"/>
+            </a:endParaRPr>
+          </a:p>
+        </p:txBody>
+      </p:sp>
+      <p:sp>
+        <p:nvSpPr>
+          <p:cNvPr id="7" name="PlaceHolder 2"/>
           <p:cNvSpPr>
             <a:spLocks noGrp="1"/>
           </p:cNvSpPr>
@@ -2247,8 +2105,8 @@
         </p:nvSpPr>
         <p:spPr>
           <a:xfrm>
-            <a:off x="838080" y="1825560"/>
-            <a:ext cx="5131080" cy="4350960"/>
+            <a:off x="609480" y="1604520"/>
+            <a:ext cx="5354280" cy="3977280"/>
           </a:xfrm>
           <a:prstGeom prst="rect">
             <a:avLst/>
@@ -2259,18 +2117,15 @@
             <a:normAutofit/>
           </a:bodyPr>
           <a:p>
-            <a:endParaRPr b="0" lang="de-DE" sz="2800" spc="-1" strike="noStrike">
-              <a:solidFill>
-                <a:srgbClr val="000000"/>
-              </a:solidFill>
-              <a:latin typeface="Calibri"/>
-            </a:endParaRPr>
-          </a:p>
-        </p:txBody>
-      </p:sp>
-      <p:sp>
-        <p:nvSpPr>
-          <p:cNvPr id="11" name="PlaceHolder 3"/>
+            <a:endParaRPr b="0" lang="en-US" sz="3200" spc="-1" strike="noStrike">
+              <a:latin typeface="Arial"/>
+            </a:endParaRPr>
+          </a:p>
+        </p:txBody>
+      </p:sp>
+      <p:sp>
+        <p:nvSpPr>
+          <p:cNvPr id="8" name="PlaceHolder 3"/>
           <p:cNvSpPr>
             <a:spLocks noGrp="1"/>
           </p:cNvSpPr>
@@ -2280,8 +2135,8 @@
         </p:nvSpPr>
         <p:spPr>
           <a:xfrm>
-            <a:off x="6226200" y="1825560"/>
-            <a:ext cx="5131080" cy="4350960"/>
+            <a:off x="6231960" y="1604520"/>
+            <a:ext cx="5354280" cy="3977280"/>
           </a:xfrm>
           <a:prstGeom prst="rect">
             <a:avLst/>
@@ -2292,11 +2147,8 @@
             <a:normAutofit/>
           </a:bodyPr>
           <a:p>
-            <a:endParaRPr b="0" lang="de-DE" sz="2800" spc="-1" strike="noStrike">
-              <a:solidFill>
-                <a:srgbClr val="000000"/>
-              </a:solidFill>
-              <a:latin typeface="Calibri"/>
+            <a:endParaRPr b="0" lang="en-US" sz="3200" spc="-1" strike="noStrike">
+              <a:latin typeface="Arial"/>
             </a:endParaRPr>
           </a:p>
         </p:txBody>
@@ -2325,7 +2177,7 @@
       </p:grpSpPr>
       <p:sp>
         <p:nvSpPr>
-          <p:cNvPr id="12" name="PlaceHolder 1"/>
+          <p:cNvPr id="9" name="PlaceHolder 1"/>
           <p:cNvSpPr>
             <a:spLocks noGrp="1"/>
           </p:cNvSpPr>
@@ -2335,8 +2187,8 @@
         </p:nvSpPr>
         <p:spPr>
           <a:xfrm>
-            <a:off x="838080" y="365040"/>
-            <a:ext cx="10515240" cy="1325160"/>
+            <a:off x="609480" y="273600"/>
+            <a:ext cx="10972440" cy="1144800"/>
           </a:xfrm>
           <a:prstGeom prst="rect">
             <a:avLst/>
@@ -2345,11 +2197,9 @@
         <p:txBody>
           <a:bodyPr lIns="0" rIns="0" tIns="0" bIns="0" anchor="ctr"/>
           <a:p>
-            <a:endParaRPr b="0" lang="de-DE" sz="1800" spc="-1" strike="noStrike">
-              <a:solidFill>
-                <a:srgbClr val="000000"/>
-              </a:solidFill>
-              <a:latin typeface="Calibri"/>
+            <a:pPr algn="ctr"/>
+            <a:endParaRPr b="0" lang="en-US" sz="4400" spc="-1" strike="noStrike">
+              <a:latin typeface="Arial"/>
             </a:endParaRPr>
           </a:p>
         </p:txBody>
@@ -2378,7 +2228,7 @@
       </p:grpSpPr>
       <p:sp>
         <p:nvSpPr>
-          <p:cNvPr id="13" name="PlaceHolder 1"/>
+          <p:cNvPr id="10" name="PlaceHolder 1"/>
           <p:cNvSpPr>
             <a:spLocks noGrp="1"/>
           </p:cNvSpPr>
@@ -2388,8 +2238,8 @@
         </p:nvSpPr>
         <p:spPr>
           <a:xfrm>
-            <a:off x="838080" y="365040"/>
-            <a:ext cx="10515240" cy="6144120"/>
+            <a:off x="609480" y="273600"/>
+            <a:ext cx="10972440" cy="5307840"/>
           </a:xfrm>
           <a:prstGeom prst="rect">
             <a:avLst/>
@@ -2429,7 +2279,7 @@
       </p:grpSpPr>
       <p:sp>
         <p:nvSpPr>
-          <p:cNvPr id="14" name="PlaceHolder 1"/>
+          <p:cNvPr id="11" name="PlaceHolder 1"/>
           <p:cNvSpPr>
             <a:spLocks noGrp="1"/>
           </p:cNvSpPr>
@@ -2439,8 +2289,8 @@
         </p:nvSpPr>
         <p:spPr>
           <a:xfrm>
-            <a:off x="838080" y="365040"/>
-            <a:ext cx="10515240" cy="1325160"/>
+            <a:off x="609480" y="273600"/>
+            <a:ext cx="10972440" cy="1144800"/>
           </a:xfrm>
           <a:prstGeom prst="rect">
             <a:avLst/>
@@ -2449,18 +2299,16 @@
         <p:txBody>
           <a:bodyPr lIns="0" rIns="0" tIns="0" bIns="0" anchor="ctr"/>
           <a:p>
-            <a:endParaRPr b="0" lang="de-DE" sz="1800" spc="-1" strike="noStrike">
-              <a:solidFill>
-                <a:srgbClr val="000000"/>
-              </a:solidFill>
-              <a:latin typeface="Calibri"/>
-            </a:endParaRPr>
-          </a:p>
-        </p:txBody>
-      </p:sp>
-      <p:sp>
-        <p:nvSpPr>
-          <p:cNvPr id="15" name="PlaceHolder 2"/>
+            <a:pPr algn="ctr"/>
+            <a:endParaRPr b="0" lang="en-US" sz="4400" spc="-1" strike="noStrike">
+              <a:latin typeface="Arial"/>
+            </a:endParaRPr>
+          </a:p>
+        </p:txBody>
+      </p:sp>
+      <p:sp>
+        <p:nvSpPr>
+          <p:cNvPr id="12" name="PlaceHolder 2"/>
           <p:cNvSpPr>
             <a:spLocks noGrp="1"/>
           </p:cNvSpPr>
@@ -2470,8 +2318,8 @@
         </p:nvSpPr>
         <p:spPr>
           <a:xfrm>
-            <a:off x="838080" y="1825560"/>
-            <a:ext cx="5131080" cy="2075040"/>
+            <a:off x="609480" y="1604520"/>
+            <a:ext cx="5354280" cy="1896840"/>
           </a:xfrm>
           <a:prstGeom prst="rect">
             <a:avLst/>
@@ -2482,18 +2330,15 @@
             <a:normAutofit/>
           </a:bodyPr>
           <a:p>
-            <a:endParaRPr b="0" lang="de-DE" sz="2800" spc="-1" strike="noStrike">
-              <a:solidFill>
-                <a:srgbClr val="000000"/>
-              </a:solidFill>
-              <a:latin typeface="Calibri"/>
-            </a:endParaRPr>
-          </a:p>
-        </p:txBody>
-      </p:sp>
-      <p:sp>
-        <p:nvSpPr>
-          <p:cNvPr id="16" name="PlaceHolder 3"/>
+            <a:endParaRPr b="0" lang="en-US" sz="3200" spc="-1" strike="noStrike">
+              <a:latin typeface="Arial"/>
+            </a:endParaRPr>
+          </a:p>
+        </p:txBody>
+      </p:sp>
+      <p:sp>
+        <p:nvSpPr>
+          <p:cNvPr id="13" name="PlaceHolder 3"/>
           <p:cNvSpPr>
             <a:spLocks noGrp="1"/>
           </p:cNvSpPr>
@@ -2503,8 +2348,8 @@
         </p:nvSpPr>
         <p:spPr>
           <a:xfrm>
-            <a:off x="6226200" y="1825560"/>
-            <a:ext cx="5131080" cy="4350960"/>
+            <a:off x="6231960" y="1604520"/>
+            <a:ext cx="5354280" cy="3977280"/>
           </a:xfrm>
           <a:prstGeom prst="rect">
             <a:avLst/>
@@ -2515,18 +2360,15 @@
             <a:normAutofit/>
           </a:bodyPr>
           <a:p>
-            <a:endParaRPr b="0" lang="de-DE" sz="2800" spc="-1" strike="noStrike">
-              <a:solidFill>
-                <a:srgbClr val="000000"/>
-              </a:solidFill>
-              <a:latin typeface="Calibri"/>
-            </a:endParaRPr>
-          </a:p>
-        </p:txBody>
-      </p:sp>
-      <p:sp>
-        <p:nvSpPr>
-          <p:cNvPr id="17" name="PlaceHolder 4"/>
+            <a:endParaRPr b="0" lang="en-US" sz="3200" spc="-1" strike="noStrike">
+              <a:latin typeface="Arial"/>
+            </a:endParaRPr>
+          </a:p>
+        </p:txBody>
+      </p:sp>
+      <p:sp>
+        <p:nvSpPr>
+          <p:cNvPr id="14" name="PlaceHolder 4"/>
           <p:cNvSpPr>
             <a:spLocks noGrp="1"/>
           </p:cNvSpPr>
@@ -2536,8 +2378,8 @@
         </p:nvSpPr>
         <p:spPr>
           <a:xfrm>
-            <a:off x="838080" y="4098240"/>
-            <a:ext cx="5131080" cy="2075040"/>
+            <a:off x="609480" y="3682080"/>
+            <a:ext cx="5354280" cy="1896840"/>
           </a:xfrm>
           <a:prstGeom prst="rect">
             <a:avLst/>
@@ -2548,11 +2390,8 @@
             <a:normAutofit/>
           </a:bodyPr>
           <a:p>
-            <a:endParaRPr b="0" lang="de-DE" sz="2800" spc="-1" strike="noStrike">
-              <a:solidFill>
-                <a:srgbClr val="000000"/>
-              </a:solidFill>
-              <a:latin typeface="Calibri"/>
+            <a:endParaRPr b="0" lang="en-US" sz="3200" spc="-1" strike="noStrike">
+              <a:latin typeface="Arial"/>
             </a:endParaRPr>
           </a:p>
         </p:txBody>
@@ -2581,7 +2420,7 @@
       </p:grpSpPr>
       <p:sp>
         <p:nvSpPr>
-          <p:cNvPr id="18" name="PlaceHolder 1"/>
+          <p:cNvPr id="15" name="PlaceHolder 1"/>
           <p:cNvSpPr>
             <a:spLocks noGrp="1"/>
           </p:cNvSpPr>
@@ -2591,8 +2430,8 @@
         </p:nvSpPr>
         <p:spPr>
           <a:xfrm>
-            <a:off x="838080" y="365040"/>
-            <a:ext cx="10515240" cy="1325160"/>
+            <a:off x="609480" y="273600"/>
+            <a:ext cx="10972440" cy="1144800"/>
           </a:xfrm>
           <a:prstGeom prst="rect">
             <a:avLst/>
@@ -2601,18 +2440,16 @@
         <p:txBody>
           <a:bodyPr lIns="0" rIns="0" tIns="0" bIns="0" anchor="ctr"/>
           <a:p>
-            <a:endParaRPr b="0" lang="de-DE" sz="1800" spc="-1" strike="noStrike">
-              <a:solidFill>
-                <a:srgbClr val="000000"/>
-              </a:solidFill>
-              <a:latin typeface="Calibri"/>
-            </a:endParaRPr>
-          </a:p>
-        </p:txBody>
-      </p:sp>
-      <p:sp>
-        <p:nvSpPr>
-          <p:cNvPr id="19" name="PlaceHolder 2"/>
+            <a:pPr algn="ctr"/>
+            <a:endParaRPr b="0" lang="en-US" sz="4400" spc="-1" strike="noStrike">
+              <a:latin typeface="Arial"/>
+            </a:endParaRPr>
+          </a:p>
+        </p:txBody>
+      </p:sp>
+      <p:sp>
+        <p:nvSpPr>
+          <p:cNvPr id="16" name="PlaceHolder 2"/>
           <p:cNvSpPr>
             <a:spLocks noGrp="1"/>
           </p:cNvSpPr>
@@ -2622,8 +2459,8 @@
         </p:nvSpPr>
         <p:spPr>
           <a:xfrm>
-            <a:off x="838080" y="1825560"/>
-            <a:ext cx="5131080" cy="4350960"/>
+            <a:off x="609480" y="1604520"/>
+            <a:ext cx="5354280" cy="3977280"/>
           </a:xfrm>
           <a:prstGeom prst="rect">
             <a:avLst/>
@@ -2634,18 +2471,15 @@
             <a:normAutofit/>
           </a:bodyPr>
           <a:p>
-            <a:endParaRPr b="0" lang="de-DE" sz="2800" spc="-1" strike="noStrike">
-              <a:solidFill>
-                <a:srgbClr val="000000"/>
-              </a:solidFill>
-              <a:latin typeface="Calibri"/>
-            </a:endParaRPr>
-          </a:p>
-        </p:txBody>
-      </p:sp>
-      <p:sp>
-        <p:nvSpPr>
-          <p:cNvPr id="20" name="PlaceHolder 3"/>
+            <a:endParaRPr b="0" lang="en-US" sz="3200" spc="-1" strike="noStrike">
+              <a:latin typeface="Arial"/>
+            </a:endParaRPr>
+          </a:p>
+        </p:txBody>
+      </p:sp>
+      <p:sp>
+        <p:nvSpPr>
+          <p:cNvPr id="17" name="PlaceHolder 3"/>
           <p:cNvSpPr>
             <a:spLocks noGrp="1"/>
           </p:cNvSpPr>
@@ -2655,8 +2489,8 @@
         </p:nvSpPr>
         <p:spPr>
           <a:xfrm>
-            <a:off x="6226200" y="1825560"/>
-            <a:ext cx="5131080" cy="2075040"/>
+            <a:off x="6231960" y="1604520"/>
+            <a:ext cx="5354280" cy="1896840"/>
           </a:xfrm>
           <a:prstGeom prst="rect">
             <a:avLst/>
@@ -2667,18 +2501,15 @@
             <a:normAutofit/>
           </a:bodyPr>
           <a:p>
-            <a:endParaRPr b="0" lang="de-DE" sz="2800" spc="-1" strike="noStrike">
-              <a:solidFill>
-                <a:srgbClr val="000000"/>
-              </a:solidFill>
-              <a:latin typeface="Calibri"/>
-            </a:endParaRPr>
-          </a:p>
-        </p:txBody>
-      </p:sp>
-      <p:sp>
-        <p:nvSpPr>
-          <p:cNvPr id="21" name="PlaceHolder 4"/>
+            <a:endParaRPr b="0" lang="en-US" sz="3200" spc="-1" strike="noStrike">
+              <a:latin typeface="Arial"/>
+            </a:endParaRPr>
+          </a:p>
+        </p:txBody>
+      </p:sp>
+      <p:sp>
+        <p:nvSpPr>
+          <p:cNvPr id="18" name="PlaceHolder 4"/>
           <p:cNvSpPr>
             <a:spLocks noGrp="1"/>
           </p:cNvSpPr>
@@ -2688,8 +2519,8 @@
         </p:nvSpPr>
         <p:spPr>
           <a:xfrm>
-            <a:off x="6226200" y="4098240"/>
-            <a:ext cx="5131080" cy="2075040"/>
+            <a:off x="6231960" y="3682080"/>
+            <a:ext cx="5354280" cy="1896840"/>
           </a:xfrm>
           <a:prstGeom prst="rect">
             <a:avLst/>
@@ -2700,11 +2531,8 @@
             <a:normAutofit/>
           </a:bodyPr>
           <a:p>
-            <a:endParaRPr b="0" lang="de-DE" sz="2800" spc="-1" strike="noStrike">
-              <a:solidFill>
-                <a:srgbClr val="000000"/>
-              </a:solidFill>
-              <a:latin typeface="Calibri"/>
+            <a:endParaRPr b="0" lang="en-US" sz="3200" spc="-1" strike="noStrike">
+              <a:latin typeface="Arial"/>
             </a:endParaRPr>
           </a:p>
         </p:txBody>
@@ -2733,7 +2561,7 @@
       </p:grpSpPr>
       <p:sp>
         <p:nvSpPr>
-          <p:cNvPr id="22" name="PlaceHolder 1"/>
+          <p:cNvPr id="19" name="PlaceHolder 1"/>
           <p:cNvSpPr>
             <a:spLocks noGrp="1"/>
           </p:cNvSpPr>
@@ -2743,8 +2571,8 @@
         </p:nvSpPr>
         <p:spPr>
           <a:xfrm>
-            <a:off x="838080" y="365040"/>
-            <a:ext cx="10515240" cy="1325160"/>
+            <a:off x="609480" y="273600"/>
+            <a:ext cx="10972440" cy="1144800"/>
           </a:xfrm>
           <a:prstGeom prst="rect">
             <a:avLst/>
@@ -2753,18 +2581,16 @@
         <p:txBody>
           <a:bodyPr lIns="0" rIns="0" tIns="0" bIns="0" anchor="ctr"/>
           <a:p>
-            <a:endParaRPr b="0" lang="de-DE" sz="1800" spc="-1" strike="noStrike">
-              <a:solidFill>
-                <a:srgbClr val="000000"/>
-              </a:solidFill>
-              <a:latin typeface="Calibri"/>
-            </a:endParaRPr>
-          </a:p>
-        </p:txBody>
-      </p:sp>
-      <p:sp>
-        <p:nvSpPr>
-          <p:cNvPr id="23" name="PlaceHolder 2"/>
+            <a:pPr algn="ctr"/>
+            <a:endParaRPr b="0" lang="en-US" sz="4400" spc="-1" strike="noStrike">
+              <a:latin typeface="Arial"/>
+            </a:endParaRPr>
+          </a:p>
+        </p:txBody>
+      </p:sp>
+      <p:sp>
+        <p:nvSpPr>
+          <p:cNvPr id="20" name="PlaceHolder 2"/>
           <p:cNvSpPr>
             <a:spLocks noGrp="1"/>
           </p:cNvSpPr>
@@ -2774,8 +2600,8 @@
         </p:nvSpPr>
         <p:spPr>
           <a:xfrm>
-            <a:off x="838080" y="1825560"/>
-            <a:ext cx="5131080" cy="2075040"/>
+            <a:off x="609480" y="1604520"/>
+            <a:ext cx="5354280" cy="1896840"/>
           </a:xfrm>
           <a:prstGeom prst="rect">
             <a:avLst/>
@@ -2786,18 +2612,15 @@
             <a:normAutofit/>
           </a:bodyPr>
           <a:p>
-            <a:endParaRPr b="0" lang="de-DE" sz="2800" spc="-1" strike="noStrike">
-              <a:solidFill>
-                <a:srgbClr val="000000"/>
-              </a:solidFill>
-              <a:latin typeface="Calibri"/>
-            </a:endParaRPr>
-          </a:p>
-        </p:txBody>
-      </p:sp>
-      <p:sp>
-        <p:nvSpPr>
-          <p:cNvPr id="24" name="PlaceHolder 3"/>
+            <a:endParaRPr b="0" lang="en-US" sz="3200" spc="-1" strike="noStrike">
+              <a:latin typeface="Arial"/>
+            </a:endParaRPr>
+          </a:p>
+        </p:txBody>
+      </p:sp>
+      <p:sp>
+        <p:nvSpPr>
+          <p:cNvPr id="21" name="PlaceHolder 3"/>
           <p:cNvSpPr>
             <a:spLocks noGrp="1"/>
           </p:cNvSpPr>
@@ -2807,8 +2630,8 @@
         </p:nvSpPr>
         <p:spPr>
           <a:xfrm>
-            <a:off x="6226200" y="1825560"/>
-            <a:ext cx="5131080" cy="2075040"/>
+            <a:off x="6231960" y="1604520"/>
+            <a:ext cx="5354280" cy="1896840"/>
           </a:xfrm>
           <a:prstGeom prst="rect">
             <a:avLst/>
@@ -2819,18 +2642,15 @@
             <a:normAutofit/>
           </a:bodyPr>
           <a:p>
-            <a:endParaRPr b="0" lang="de-DE" sz="2800" spc="-1" strike="noStrike">
-              <a:solidFill>
-                <a:srgbClr val="000000"/>
-              </a:solidFill>
-              <a:latin typeface="Calibri"/>
-            </a:endParaRPr>
-          </a:p>
-        </p:txBody>
-      </p:sp>
-      <p:sp>
-        <p:nvSpPr>
-          <p:cNvPr id="25" name="PlaceHolder 4"/>
+            <a:endParaRPr b="0" lang="en-US" sz="3200" spc="-1" strike="noStrike">
+              <a:latin typeface="Arial"/>
+            </a:endParaRPr>
+          </a:p>
+        </p:txBody>
+      </p:sp>
+      <p:sp>
+        <p:nvSpPr>
+          <p:cNvPr id="22" name="PlaceHolder 4"/>
           <p:cNvSpPr>
             <a:spLocks noGrp="1"/>
           </p:cNvSpPr>
@@ -2840,8 +2660,8 @@
         </p:nvSpPr>
         <p:spPr>
           <a:xfrm>
-            <a:off x="838080" y="4098240"/>
-            <a:ext cx="10515240" cy="2075040"/>
+            <a:off x="609480" y="3682080"/>
+            <a:ext cx="10972440" cy="1896840"/>
           </a:xfrm>
           <a:prstGeom prst="rect">
             <a:avLst/>
@@ -2852,11 +2672,8 @@
             <a:normAutofit/>
           </a:bodyPr>
           <a:p>
-            <a:endParaRPr b="0" lang="de-DE" sz="2800" spc="-1" strike="noStrike">
-              <a:solidFill>
-                <a:srgbClr val="000000"/>
-              </a:solidFill>
-              <a:latin typeface="Calibri"/>
+            <a:endParaRPr b="0" lang="en-US" sz="3200" spc="-1" strike="noStrike">
+              <a:latin typeface="Arial"/>
             </a:endParaRPr>
           </a:p>
         </p:txBody>
@@ -2902,35 +2719,24 @@
         </p:nvSpPr>
         <p:spPr>
           <a:xfrm>
-            <a:off x="1523880" y="1122480"/>
-            <a:ext cx="9143640" cy="2387160"/>
-          </a:xfrm>
-          <a:prstGeom prst="rect">
-            <a:avLst/>
-          </a:prstGeom>
-        </p:spPr>
-        <p:txBody>
-          <a:bodyPr anchor="b"/>
-          <a:p>
-            <a:pPr algn="ctr">
-              <a:lnSpc>
-                <a:spcPct val="90000"/>
-              </a:lnSpc>
-            </a:pPr>
+            <a:off x="838080" y="365040"/>
+            <a:ext cx="10514880" cy="1324800"/>
+          </a:xfrm>
+          <a:prstGeom prst="rect">
+            <a:avLst/>
+          </a:prstGeom>
+        </p:spPr>
+        <p:txBody>
+          <a:bodyPr lIns="0" rIns="0" tIns="0" bIns="0" anchor="ctr"/>
+          <a:p>
             <a:r>
-              <a:rPr b="0" lang="de-DE" sz="6000" spc="-1" strike="noStrike">
-                <a:solidFill>
-                  <a:srgbClr val="000000"/>
-                </a:solidFill>
-                <a:latin typeface="Calibri Light"/>
+              <a:rPr b="0" lang="en-US" sz="1800" spc="-1" strike="noStrike">
+                <a:latin typeface="Arial"/>
               </a:rPr>
-              <a:t>Mastertitelformat bearbeiten</a:t>
+              <a:t>Click to edit the title text format</a:t>
             </a:r>
-            <a:endParaRPr b="0" lang="de-DE" sz="6000" spc="-1" strike="noStrike">
-              <a:solidFill>
-                <a:srgbClr val="000000"/>
-              </a:solidFill>
-              <a:latin typeface="Calibri"/>
+            <a:endParaRPr b="0" lang="en-US" sz="1800" spc="-1" strike="noStrike">
+              <a:latin typeface="Arial"/>
             </a:endParaRPr>
           </a:p>
         </p:txBody>
@@ -2938,118 +2744,6 @@
       <p:sp>
         <p:nvSpPr>
           <p:cNvPr id="1" name="PlaceHolder 2"/>
-          <p:cNvSpPr>
-            <a:spLocks noGrp="1"/>
-          </p:cNvSpPr>
-          <p:nvPr>
-            <p:ph type="dt"/>
-          </p:nvPr>
-        </p:nvSpPr>
-        <p:spPr>
-          <a:xfrm>
-            <a:off x="838080" y="6356520"/>
-            <a:ext cx="2742840" cy="364680"/>
-          </a:xfrm>
-          <a:prstGeom prst="rect">
-            <a:avLst/>
-          </a:prstGeom>
-        </p:spPr>
-        <p:txBody>
-          <a:bodyPr anchor="ctr"/>
-          <a:p>
-            <a:pPr>
-              <a:lnSpc>
-                <a:spcPct val="100000"/>
-              </a:lnSpc>
-            </a:pPr>
-            <a:fld id="{8A0C5CDB-A327-4EFA-8B89-ADA546DA93C7}" type="datetime">
-              <a:rPr b="0" lang="en-US" sz="1200" spc="-1" strike="noStrike">
-                <a:solidFill>
-                  <a:srgbClr val="8b8b8b"/>
-                </a:solidFill>
-                <a:latin typeface="Calibri"/>
-              </a:rPr>
-              <a:t>5/6/20</a:t>
-            </a:fld>
-            <a:endParaRPr b="0" lang="en-US" sz="1200" spc="-1" strike="noStrike">
-              <a:latin typeface="Times New Roman"/>
-            </a:endParaRPr>
-          </a:p>
-        </p:txBody>
-      </p:sp>
-      <p:sp>
-        <p:nvSpPr>
-          <p:cNvPr id="2" name="PlaceHolder 3"/>
-          <p:cNvSpPr>
-            <a:spLocks noGrp="1"/>
-          </p:cNvSpPr>
-          <p:nvPr>
-            <p:ph type="ftr"/>
-          </p:nvPr>
-        </p:nvSpPr>
-        <p:spPr>
-          <a:xfrm>
-            <a:off x="4038480" y="6356520"/>
-            <a:ext cx="4114440" cy="364680"/>
-          </a:xfrm>
-          <a:prstGeom prst="rect">
-            <a:avLst/>
-          </a:prstGeom>
-        </p:spPr>
-        <p:txBody>
-          <a:bodyPr anchor="ctr"/>
-          <a:p>
-            <a:endParaRPr b="0" lang="en-US" sz="2400" spc="-1" strike="noStrike">
-              <a:latin typeface="Times New Roman"/>
-            </a:endParaRPr>
-          </a:p>
-        </p:txBody>
-      </p:sp>
-      <p:sp>
-        <p:nvSpPr>
-          <p:cNvPr id="3" name="PlaceHolder 4"/>
-          <p:cNvSpPr>
-            <a:spLocks noGrp="1"/>
-          </p:cNvSpPr>
-          <p:nvPr>
-            <p:ph type="sldNum"/>
-          </p:nvPr>
-        </p:nvSpPr>
-        <p:spPr>
-          <a:xfrm>
-            <a:off x="8610480" y="6356520"/>
-            <a:ext cx="2742840" cy="364680"/>
-          </a:xfrm>
-          <a:prstGeom prst="rect">
-            <a:avLst/>
-          </a:prstGeom>
-        </p:spPr>
-        <p:txBody>
-          <a:bodyPr anchor="ctr"/>
-          <a:p>
-            <a:pPr algn="r">
-              <a:lnSpc>
-                <a:spcPct val="100000"/>
-              </a:lnSpc>
-            </a:pPr>
-            <a:fld id="{F8C368DC-68A1-42C6-8291-743CFBA3325F}" type="slidenum">
-              <a:rPr b="0" lang="en-US" sz="1200" spc="-1" strike="noStrike">
-                <a:solidFill>
-                  <a:srgbClr val="8b8b8b"/>
-                </a:solidFill>
-                <a:latin typeface="Calibri"/>
-              </a:rPr>
-              <a:t>&lt;number&gt;</a:t>
-            </a:fld>
-            <a:endParaRPr b="0" lang="en-US" sz="1200" spc="-1" strike="noStrike">
-              <a:latin typeface="Times New Roman"/>
-            </a:endParaRPr>
-          </a:p>
-        </p:txBody>
-      </p:sp>
-      <p:sp>
-        <p:nvSpPr>
-          <p:cNvPr id="4" name="PlaceHolder 5"/>
           <p:cNvSpPr>
             <a:spLocks noGrp="1"/>
           </p:cNvSpPr>
@@ -3083,19 +2777,13 @@
               <a:buChar char=""/>
             </a:pPr>
             <a:r>
-              <a:rPr b="0" lang="de-DE" sz="2800" spc="-1" strike="noStrike">
-                <a:solidFill>
-                  <a:srgbClr val="000000"/>
-                </a:solidFill>
-                <a:latin typeface="Calibri"/>
+              <a:rPr b="0" lang="en-US" sz="3200" spc="-1" strike="noStrike">
+                <a:latin typeface="Arial"/>
               </a:rPr>
               <a:t>Click to edit the outline text format</a:t>
             </a:r>
-            <a:endParaRPr b="0" lang="de-DE" sz="2800" spc="-1" strike="noStrike">
-              <a:solidFill>
-                <a:srgbClr val="000000"/>
-              </a:solidFill>
-              <a:latin typeface="Calibri"/>
+            <a:endParaRPr b="0" lang="en-US" sz="3200" spc="-1" strike="noStrike">
+              <a:latin typeface="Arial"/>
             </a:endParaRPr>
           </a:p>
           <a:p>
@@ -3111,19 +2799,13 @@
               <a:buChar char=""/>
             </a:pPr>
             <a:r>
-              <a:rPr b="0" lang="de-DE" sz="2000" spc="-1" strike="noStrike">
-                <a:solidFill>
-                  <a:srgbClr val="000000"/>
-                </a:solidFill>
-                <a:latin typeface="Calibri"/>
+              <a:rPr b="0" lang="en-US" sz="2800" spc="-1" strike="noStrike">
+                <a:latin typeface="Arial"/>
               </a:rPr>
               <a:t>Second Outline Level</a:t>
             </a:r>
-            <a:endParaRPr b="0" lang="de-DE" sz="2000" spc="-1" strike="noStrike">
-              <a:solidFill>
-                <a:srgbClr val="000000"/>
-              </a:solidFill>
-              <a:latin typeface="Calibri"/>
+            <a:endParaRPr b="0" lang="en-US" sz="2800" spc="-1" strike="noStrike">
+              <a:latin typeface="Arial"/>
             </a:endParaRPr>
           </a:p>
           <a:p>
@@ -3139,19 +2821,13 @@
               <a:buChar char=""/>
             </a:pPr>
             <a:r>
-              <a:rPr b="0" lang="de-DE" sz="1800" spc="-1" strike="noStrike">
-                <a:solidFill>
-                  <a:srgbClr val="000000"/>
-                </a:solidFill>
-                <a:latin typeface="Calibri"/>
+              <a:rPr b="0" lang="en-US" sz="2400" spc="-1" strike="noStrike">
+                <a:latin typeface="Arial"/>
               </a:rPr>
               <a:t>Third Outline Level</a:t>
             </a:r>
-            <a:endParaRPr b="0" lang="de-DE" sz="1800" spc="-1" strike="noStrike">
-              <a:solidFill>
-                <a:srgbClr val="000000"/>
-              </a:solidFill>
-              <a:latin typeface="Calibri"/>
+            <a:endParaRPr b="0" lang="en-US" sz="2400" spc="-1" strike="noStrike">
+              <a:latin typeface="Arial"/>
             </a:endParaRPr>
           </a:p>
           <a:p>
@@ -3167,19 +2843,13 @@
               <a:buChar char=""/>
             </a:pPr>
             <a:r>
-              <a:rPr b="0" lang="de-DE" sz="1800" spc="-1" strike="noStrike">
-                <a:solidFill>
-                  <a:srgbClr val="000000"/>
-                </a:solidFill>
-                <a:latin typeface="Calibri"/>
+              <a:rPr b="0" lang="en-US" sz="2000" spc="-1" strike="noStrike">
+                <a:latin typeface="Arial"/>
               </a:rPr>
               <a:t>Fourth Outline Level</a:t>
             </a:r>
-            <a:endParaRPr b="0" lang="de-DE" sz="1800" spc="-1" strike="noStrike">
-              <a:solidFill>
-                <a:srgbClr val="000000"/>
-              </a:solidFill>
-              <a:latin typeface="Calibri"/>
+            <a:endParaRPr b="0" lang="en-US" sz="2000" spc="-1" strike="noStrike">
+              <a:latin typeface="Arial"/>
             </a:endParaRPr>
           </a:p>
           <a:p>
@@ -3195,19 +2865,13 @@
               <a:buChar char=""/>
             </a:pPr>
             <a:r>
-              <a:rPr b="0" lang="de-DE" sz="2000" spc="-1" strike="noStrike">
-                <a:solidFill>
-                  <a:srgbClr val="000000"/>
-                </a:solidFill>
-                <a:latin typeface="Calibri"/>
+              <a:rPr b="0" lang="en-US" sz="2000" spc="-1" strike="noStrike">
+                <a:latin typeface="Arial"/>
               </a:rPr>
               <a:t>Fifth Outline Level</a:t>
             </a:r>
-            <a:endParaRPr b="0" lang="de-DE" sz="2000" spc="-1" strike="noStrike">
-              <a:solidFill>
-                <a:srgbClr val="000000"/>
-              </a:solidFill>
-              <a:latin typeface="Calibri"/>
+            <a:endParaRPr b="0" lang="en-US" sz="2000" spc="-1" strike="noStrike">
+              <a:latin typeface="Arial"/>
             </a:endParaRPr>
           </a:p>
           <a:p>
@@ -3223,19 +2887,13 @@
               <a:buChar char=""/>
             </a:pPr>
             <a:r>
-              <a:rPr b="0" lang="de-DE" sz="2000" spc="-1" strike="noStrike">
-                <a:solidFill>
-                  <a:srgbClr val="000000"/>
-                </a:solidFill>
-                <a:latin typeface="Calibri"/>
+              <a:rPr b="0" lang="en-US" sz="2000" spc="-1" strike="noStrike">
+                <a:latin typeface="Arial"/>
               </a:rPr>
               <a:t>Sixth Outline Level</a:t>
             </a:r>
-            <a:endParaRPr b="0" lang="de-DE" sz="2000" spc="-1" strike="noStrike">
-              <a:solidFill>
-                <a:srgbClr val="000000"/>
-              </a:solidFill>
-              <a:latin typeface="Calibri"/>
+            <a:endParaRPr b="0" lang="en-US" sz="2000" spc="-1" strike="noStrike">
+              <a:latin typeface="Arial"/>
             </a:endParaRPr>
           </a:p>
           <a:p>
@@ -3251,19 +2909,13 @@
               <a:buChar char=""/>
             </a:pPr>
             <a:r>
-              <a:rPr b="0" lang="de-DE" sz="2000" spc="-1" strike="noStrike">
-                <a:solidFill>
-                  <a:srgbClr val="000000"/>
-                </a:solidFill>
-                <a:latin typeface="Calibri"/>
+              <a:rPr b="0" lang="en-US" sz="2000" spc="-1" strike="noStrike">
+                <a:latin typeface="Arial"/>
               </a:rPr>
               <a:t>Seventh Outline Level</a:t>
             </a:r>
-            <a:endParaRPr b="0" lang="de-DE" sz="2000" spc="-1" strike="noStrike">
-              <a:solidFill>
-                <a:srgbClr val="000000"/>
-              </a:solidFill>
-              <a:latin typeface="Calibri"/>
+            <a:endParaRPr b="0" lang="en-US" sz="2000" spc="-1" strike="noStrike">
+              <a:latin typeface="Arial"/>
             </a:endParaRPr>
           </a:p>
         </p:txBody>
@@ -3314,7 +2966,7 @@
       </p:grpSpPr>
       <p:sp>
         <p:nvSpPr>
-          <p:cNvPr id="41" name="PlaceHolder 1"/>
+          <p:cNvPr id="38" name="PlaceHolder 1"/>
           <p:cNvSpPr>
             <a:spLocks noGrp="1"/>
           </p:cNvSpPr>
@@ -3324,42 +2976,32 @@
         </p:nvSpPr>
         <p:spPr>
           <a:xfrm>
-            <a:off x="838080" y="365040"/>
-            <a:ext cx="10515240" cy="1325160"/>
-          </a:xfrm>
-          <a:prstGeom prst="rect">
-            <a:avLst/>
-          </a:prstGeom>
-        </p:spPr>
-        <p:txBody>
-          <a:bodyPr anchor="ctr"/>
-          <a:p>
-            <a:pPr>
-              <a:lnSpc>
-                <a:spcPct val="90000"/>
-              </a:lnSpc>
-            </a:pPr>
+            <a:off x="609480" y="273600"/>
+            <a:ext cx="10972440" cy="1144800"/>
+          </a:xfrm>
+          <a:prstGeom prst="rect">
+            <a:avLst/>
+          </a:prstGeom>
+        </p:spPr>
+        <p:txBody>
+          <a:bodyPr lIns="0" rIns="0" tIns="0" bIns="0" anchor="ctr"/>
+          <a:p>
+            <a:pPr algn="ctr"/>
             <a:r>
-              <a:rPr b="0" lang="de-DE" sz="4400" spc="-1" strike="noStrike">
-                <a:solidFill>
-                  <a:srgbClr val="000000"/>
-                </a:solidFill>
-                <a:latin typeface="Calibri Light"/>
+              <a:rPr b="0" lang="en-US" sz="4400" spc="-1" strike="noStrike">
+                <a:latin typeface="Arial"/>
               </a:rPr>
-              <a:t>Mastertitelformat bearbeiten</a:t>
+              <a:t>Click to edit the title text format</a:t>
             </a:r>
-            <a:endParaRPr b="0" lang="de-DE" sz="4400" spc="-1" strike="noStrike">
-              <a:solidFill>
-                <a:srgbClr val="000000"/>
-              </a:solidFill>
-              <a:latin typeface="Calibri"/>
-            </a:endParaRPr>
-          </a:p>
-        </p:txBody>
-      </p:sp>
-      <p:sp>
-        <p:nvSpPr>
-          <p:cNvPr id="42" name="PlaceHolder 2"/>
+            <a:endParaRPr b="0" lang="en-US" sz="4400" spc="-1" strike="noStrike">
+              <a:latin typeface="Arial"/>
+            </a:endParaRPr>
+          </a:p>
+        </p:txBody>
+      </p:sp>
+      <p:sp>
+        <p:nvSpPr>
+          <p:cNvPr id="39" name="PlaceHolder 2"/>
           <p:cNvSpPr>
             <a:spLocks noGrp="1"/>
           </p:cNvSpPr>
@@ -3369,275 +3011,169 @@
         </p:nvSpPr>
         <p:spPr>
           <a:xfrm>
-            <a:off x="838080" y="1825560"/>
-            <a:ext cx="10515240" cy="4350960"/>
-          </a:xfrm>
-          <a:prstGeom prst="rect">
-            <a:avLst/>
-          </a:prstGeom>
-        </p:spPr>
-        <p:txBody>
-          <a:bodyPr/>
-          <a:p>
-            <a:pPr marL="228600" indent="-228240">
-              <a:lnSpc>
-                <a:spcPct val="90000"/>
-              </a:lnSpc>
+            <a:off x="609480" y="1604520"/>
+            <a:ext cx="10972440" cy="3977280"/>
+          </a:xfrm>
+          <a:prstGeom prst="rect">
+            <a:avLst/>
+          </a:prstGeom>
+        </p:spPr>
+        <p:txBody>
+          <a:bodyPr lIns="0" rIns="0" tIns="0" bIns="0">
+            <a:normAutofit/>
+          </a:bodyPr>
+          <a:p>
+            <a:pPr marL="432000" indent="-324000">
               <a:spcBef>
-                <a:spcPts val="1001"/>
+                <a:spcPts val="1417"/>
               </a:spcBef>
               <a:buClr>
                 <a:srgbClr val="000000"/>
               </a:buClr>
-              <a:buFont typeface="Arial"/>
-              <a:buChar char="•"/>
+              <a:buSzPct val="45000"/>
+              <a:buFont typeface="Wingdings" charset="2"/>
+              <a:buChar char=""/>
             </a:pPr>
             <a:r>
-              <a:rPr b="0" lang="de-DE" sz="2800" spc="-1" strike="noStrike">
-                <a:solidFill>
-                  <a:srgbClr val="000000"/>
-                </a:solidFill>
-                <a:latin typeface="Calibri"/>
+              <a:rPr b="0" lang="en-US" sz="3200" spc="-1" strike="noStrike">
+                <a:latin typeface="Arial"/>
               </a:rPr>
-              <a:t>Mastertextformat bearbeiten</a:t>
+              <a:t>Click to edit the outline text format</a:t>
             </a:r>
-            <a:endParaRPr b="0" lang="de-DE" sz="2800" spc="-1" strike="noStrike">
-              <a:solidFill>
-                <a:srgbClr val="000000"/>
-              </a:solidFill>
-              <a:latin typeface="Calibri"/>
-            </a:endParaRPr>
-          </a:p>
-          <a:p>
-            <a:pPr lvl="1" marL="685800" indent="-228240">
-              <a:lnSpc>
-                <a:spcPct val="90000"/>
-              </a:lnSpc>
+            <a:endParaRPr b="0" lang="en-US" sz="3200" spc="-1" strike="noStrike">
+              <a:latin typeface="Arial"/>
+            </a:endParaRPr>
+          </a:p>
+          <a:p>
+            <a:pPr lvl="1" marL="864000" indent="-324000">
               <a:spcBef>
-                <a:spcPts val="499"/>
+                <a:spcPts val="1134"/>
               </a:spcBef>
               <a:buClr>
                 <a:srgbClr val="000000"/>
               </a:buClr>
-              <a:buFont typeface="Arial"/>
-              <a:buChar char="•"/>
+              <a:buSzPct val="75000"/>
+              <a:buFont typeface="Symbol" charset="2"/>
+              <a:buChar char=""/>
             </a:pPr>
             <a:r>
-              <a:rPr b="0" lang="de-DE" sz="2400" spc="-1" strike="noStrike">
-                <a:solidFill>
-                  <a:srgbClr val="000000"/>
-                </a:solidFill>
-                <a:latin typeface="Calibri"/>
+              <a:rPr b="0" lang="en-US" sz="2800" spc="-1" strike="noStrike">
+                <a:latin typeface="Arial"/>
               </a:rPr>
-              <a:t>Zweite Ebene</a:t>
+              <a:t>Second Outline Level</a:t>
             </a:r>
-            <a:endParaRPr b="0" lang="de-DE" sz="2400" spc="-1" strike="noStrike">
-              <a:solidFill>
-                <a:srgbClr val="000000"/>
-              </a:solidFill>
-              <a:latin typeface="Calibri"/>
-            </a:endParaRPr>
-          </a:p>
-          <a:p>
-            <a:pPr lvl="2" marL="1143000" indent="-228240">
-              <a:lnSpc>
-                <a:spcPct val="90000"/>
-              </a:lnSpc>
+            <a:endParaRPr b="0" lang="en-US" sz="2800" spc="-1" strike="noStrike">
+              <a:latin typeface="Arial"/>
+            </a:endParaRPr>
+          </a:p>
+          <a:p>
+            <a:pPr lvl="2" marL="1296000" indent="-288000">
               <a:spcBef>
-                <a:spcPts val="499"/>
+                <a:spcPts val="850"/>
               </a:spcBef>
               <a:buClr>
                 <a:srgbClr val="000000"/>
               </a:buClr>
-              <a:buFont typeface="Arial"/>
-              <a:buChar char="•"/>
+              <a:buSzPct val="45000"/>
+              <a:buFont typeface="Wingdings" charset="2"/>
+              <a:buChar char=""/>
             </a:pPr>
             <a:r>
-              <a:rPr b="0" lang="de-DE" sz="2000" spc="-1" strike="noStrike">
-                <a:solidFill>
-                  <a:srgbClr val="000000"/>
-                </a:solidFill>
-                <a:latin typeface="Calibri"/>
+              <a:rPr b="0" lang="en-US" sz="2400" spc="-1" strike="noStrike">
+                <a:latin typeface="Arial"/>
               </a:rPr>
-              <a:t>Dritte Ebene</a:t>
+              <a:t>Third Outline Level</a:t>
             </a:r>
-            <a:endParaRPr b="0" lang="de-DE" sz="2000" spc="-1" strike="noStrike">
-              <a:solidFill>
-                <a:srgbClr val="000000"/>
-              </a:solidFill>
-              <a:latin typeface="Calibri"/>
-            </a:endParaRPr>
-          </a:p>
-          <a:p>
-            <a:pPr lvl="3" marL="1600200" indent="-228240">
-              <a:lnSpc>
-                <a:spcPct val="90000"/>
-              </a:lnSpc>
+            <a:endParaRPr b="0" lang="en-US" sz="2400" spc="-1" strike="noStrike">
+              <a:latin typeface="Arial"/>
+            </a:endParaRPr>
+          </a:p>
+          <a:p>
+            <a:pPr lvl="3" marL="1728000" indent="-216000">
               <a:spcBef>
-                <a:spcPts val="499"/>
+                <a:spcPts val="567"/>
               </a:spcBef>
               <a:buClr>
                 <a:srgbClr val="000000"/>
               </a:buClr>
-              <a:buFont typeface="Arial"/>
-              <a:buChar char="•"/>
+              <a:buSzPct val="75000"/>
+              <a:buFont typeface="Symbol" charset="2"/>
+              <a:buChar char=""/>
             </a:pPr>
             <a:r>
-              <a:rPr b="0" lang="de-DE" sz="1800" spc="-1" strike="noStrike">
-                <a:solidFill>
-                  <a:srgbClr val="000000"/>
-                </a:solidFill>
-                <a:latin typeface="Calibri"/>
+              <a:rPr b="0" lang="en-US" sz="2000" spc="-1" strike="noStrike">
+                <a:latin typeface="Arial"/>
               </a:rPr>
-              <a:t>Vierte Ebene</a:t>
+              <a:t>Fourth Outline Level</a:t>
             </a:r>
-            <a:endParaRPr b="0" lang="de-DE" sz="1800" spc="-1" strike="noStrike">
-              <a:solidFill>
-                <a:srgbClr val="000000"/>
-              </a:solidFill>
-              <a:latin typeface="Calibri"/>
-            </a:endParaRPr>
-          </a:p>
-          <a:p>
-            <a:pPr lvl="4" marL="2057400" indent="-228240">
-              <a:lnSpc>
-                <a:spcPct val="90000"/>
-              </a:lnSpc>
+            <a:endParaRPr b="0" lang="en-US" sz="2000" spc="-1" strike="noStrike">
+              <a:latin typeface="Arial"/>
+            </a:endParaRPr>
+          </a:p>
+          <a:p>
+            <a:pPr lvl="4" marL="2160000" indent="-216000">
               <a:spcBef>
-                <a:spcPts val="499"/>
+                <a:spcPts val="283"/>
               </a:spcBef>
               <a:buClr>
                 <a:srgbClr val="000000"/>
               </a:buClr>
-              <a:buFont typeface="Arial"/>
-              <a:buChar char="•"/>
+              <a:buSzPct val="45000"/>
+              <a:buFont typeface="Wingdings" charset="2"/>
+              <a:buChar char=""/>
             </a:pPr>
             <a:r>
-              <a:rPr b="0" lang="de-DE" sz="1800" spc="-1" strike="noStrike">
-                <a:solidFill>
-                  <a:srgbClr val="000000"/>
-                </a:solidFill>
-                <a:latin typeface="Calibri"/>
+              <a:rPr b="0" lang="en-US" sz="2000" spc="-1" strike="noStrike">
+                <a:latin typeface="Arial"/>
               </a:rPr>
-              <a:t>Fünfte Ebene</a:t>
+              <a:t>Fifth Outline Level</a:t>
             </a:r>
-            <a:endParaRPr b="0" lang="de-DE" sz="1800" spc="-1" strike="noStrike">
-              <a:solidFill>
+            <a:endParaRPr b="0" lang="en-US" sz="2000" spc="-1" strike="noStrike">
+              <a:latin typeface="Arial"/>
+            </a:endParaRPr>
+          </a:p>
+          <a:p>
+            <a:pPr lvl="5" marL="2592000" indent="-216000">
+              <a:spcBef>
+                <a:spcPts val="283"/>
+              </a:spcBef>
+              <a:buClr>
                 <a:srgbClr val="000000"/>
-              </a:solidFill>
-              <a:latin typeface="Calibri"/>
-            </a:endParaRPr>
-          </a:p>
-        </p:txBody>
-      </p:sp>
-      <p:sp>
-        <p:nvSpPr>
-          <p:cNvPr id="43" name="PlaceHolder 3"/>
-          <p:cNvSpPr>
-            <a:spLocks noGrp="1"/>
-          </p:cNvSpPr>
-          <p:nvPr>
-            <p:ph type="dt"/>
-          </p:nvPr>
-        </p:nvSpPr>
-        <p:spPr>
-          <a:xfrm>
-            <a:off x="838080" y="6356520"/>
-            <a:ext cx="2742840" cy="364680"/>
-          </a:xfrm>
-          <a:prstGeom prst="rect">
-            <a:avLst/>
-          </a:prstGeom>
-        </p:spPr>
-        <p:txBody>
-          <a:bodyPr anchor="ctr"/>
-          <a:p>
-            <a:pPr>
-              <a:lnSpc>
-                <a:spcPct val="100000"/>
-              </a:lnSpc>
+              </a:buClr>
+              <a:buSzPct val="45000"/>
+              <a:buFont typeface="Wingdings" charset="2"/>
+              <a:buChar char=""/>
             </a:pPr>
-            <a:fld id="{283FBEF6-93F8-4550-8616-755ACA43C5F8}" type="datetime">
-              <a:rPr b="0" lang="en-US" sz="1200" spc="-1" strike="noStrike">
-                <a:solidFill>
-                  <a:srgbClr val="8b8b8b"/>
-                </a:solidFill>
-                <a:latin typeface="Calibri"/>
+            <a:r>
+              <a:rPr b="0" lang="en-US" sz="2000" spc="-1" strike="noStrike">
+                <a:latin typeface="Arial"/>
               </a:rPr>
-              <a:t>5/6/20</a:t>
-            </a:fld>
-            <a:endParaRPr b="0" lang="en-US" sz="1200" spc="-1" strike="noStrike">
-              <a:latin typeface="Times New Roman"/>
-            </a:endParaRPr>
-          </a:p>
-        </p:txBody>
-      </p:sp>
-      <p:sp>
-        <p:nvSpPr>
-          <p:cNvPr id="44" name="PlaceHolder 4"/>
-          <p:cNvSpPr>
-            <a:spLocks noGrp="1"/>
-          </p:cNvSpPr>
-          <p:nvPr>
-            <p:ph type="ftr"/>
-          </p:nvPr>
-        </p:nvSpPr>
-        <p:spPr>
-          <a:xfrm>
-            <a:off x="4038480" y="6356520"/>
-            <a:ext cx="4114440" cy="364680"/>
-          </a:xfrm>
-          <a:prstGeom prst="rect">
-            <a:avLst/>
-          </a:prstGeom>
-        </p:spPr>
-        <p:txBody>
-          <a:bodyPr anchor="ctr"/>
-          <a:p>
-            <a:endParaRPr b="0" lang="en-US" sz="2400" spc="-1" strike="noStrike">
-              <a:latin typeface="Times New Roman"/>
-            </a:endParaRPr>
-          </a:p>
-        </p:txBody>
-      </p:sp>
-      <p:sp>
-        <p:nvSpPr>
-          <p:cNvPr id="45" name="PlaceHolder 5"/>
-          <p:cNvSpPr>
-            <a:spLocks noGrp="1"/>
-          </p:cNvSpPr>
-          <p:nvPr>
-            <p:ph type="sldNum"/>
-          </p:nvPr>
-        </p:nvSpPr>
-        <p:spPr>
-          <a:xfrm>
-            <a:off x="8610480" y="6356520"/>
-            <a:ext cx="2742840" cy="364680"/>
-          </a:xfrm>
-          <a:prstGeom prst="rect">
-            <a:avLst/>
-          </a:prstGeom>
-        </p:spPr>
-        <p:txBody>
-          <a:bodyPr anchor="ctr"/>
-          <a:p>
-            <a:pPr algn="r">
-              <a:lnSpc>
-                <a:spcPct val="100000"/>
-              </a:lnSpc>
+              <a:t>Sixth Outline Level</a:t>
+            </a:r>
+            <a:endParaRPr b="0" lang="en-US" sz="2000" spc="-1" strike="noStrike">
+              <a:latin typeface="Arial"/>
+            </a:endParaRPr>
+          </a:p>
+          <a:p>
+            <a:pPr lvl="6" marL="3024000" indent="-216000">
+              <a:spcBef>
+                <a:spcPts val="283"/>
+              </a:spcBef>
+              <a:buClr>
+                <a:srgbClr val="000000"/>
+              </a:buClr>
+              <a:buSzPct val="45000"/>
+              <a:buFont typeface="Wingdings" charset="2"/>
+              <a:buChar char=""/>
             </a:pPr>
-            <a:fld id="{DAC8628B-1BE1-4A55-8127-3DEC8CDEB65B}" type="slidenum">
-              <a:rPr b="0" lang="en-US" sz="1200" spc="-1" strike="noStrike">
-                <a:solidFill>
-                  <a:srgbClr val="8b8b8b"/>
-                </a:solidFill>
-                <a:latin typeface="Calibri"/>
+            <a:r>
+              <a:rPr b="0" lang="en-US" sz="2000" spc="-1" strike="noStrike">
+                <a:latin typeface="Arial"/>
               </a:rPr>
-              <a:t>&lt;number&gt;</a:t>
-            </a:fld>
-            <a:endParaRPr b="0" lang="en-US" sz="1200" spc="-1" strike="noStrike">
-              <a:latin typeface="Times New Roman"/>
+              <a:t>Seventh Outline Level</a:t>
+            </a:r>
+            <a:endParaRPr b="0" lang="en-US" sz="2000" spc="-1" strike="noStrike">
+              <a:latin typeface="Arial"/>
             </a:endParaRPr>
           </a:p>
         </p:txBody>
@@ -3681,7 +3217,7 @@
       </p:grpSpPr>
       <p:pic>
         <p:nvPicPr>
-          <p:cNvPr id="82" name="Picture 1" descr="">
+          <p:cNvPr id="76" name="Picture 1" descr="">
             <a:hlinkClick r:id="" action="ppaction://media"/>
           </p:cNvPr>
           <p:cNvPicPr/>
@@ -3699,8 +3235,8 @@
         </p:blipFill>
         <p:spPr>
           <a:xfrm>
-            <a:off x="127080" y="0"/>
-            <a:ext cx="11937600" cy="5498640"/>
+            <a:off x="127080" y="79560"/>
+            <a:ext cx="11937240" cy="5498280"/>
           </a:xfrm>
           <a:prstGeom prst="rect">
             <a:avLst/>
@@ -3712,14 +3248,14 @@
       </p:pic>
       <p:sp>
         <p:nvSpPr>
-          <p:cNvPr id="83" name="CustomShape 1"/>
+          <p:cNvPr id="77" name="CustomShape 1"/>
           <p:cNvSpPr/>
           <p:nvPr/>
         </p:nvSpPr>
         <p:spPr>
           <a:xfrm>
             <a:off x="-142560" y="6241680"/>
-            <a:ext cx="3665160" cy="364680"/>
+            <a:ext cx="3664800" cy="364320"/>
           </a:xfrm>
           <a:prstGeom prst="rect">
             <a:avLst/>
@@ -3750,6 +3286,7 @@
                 </a:solidFill>
                 <a:uFillTx/>
                 <a:latin typeface="Calibri"/>
+                <a:ea typeface="DejaVu Sans"/>
                 <a:hlinkClick r:id="rId4"/>
               </a:rPr>
               <a:t>https://about.chartipedia.com/</a:t>
@@ -3792,7 +3329,7 @@
                                       <p:cBhvr>
                                         <p:cTn id="6" dur="8800" fill="hold"/>
                                         <p:tgtEl>
-                                          <p:spTgt spid="82"/>
+                                          <p:spTgt spid="76"/>
                                         </p:tgtEl>
                                       </p:cBhvr>
                                     </p:cmd>
@@ -3827,9 +3364,6 @@
                 <p:childTnLst>
                   <p:par>
                     <p:cTn id="8" fill="hold">
-                      <p:stCondLst>
-                        <p:cond delay="0"/>
-                      </p:stCondLst>
                       <p:childTnLst>
                         <p:par>
                           <p:cTn id="9" fill="hold">
@@ -3847,7 +3381,7 @@
                                       <p:cBhvr>
                                         <p:cTn id="11" dur="1" fill="hold"/>
                                         <p:tgtEl>
-                                          <p:spTgt spid="82"/>
+                                          <p:spTgt spid="76"/>
                                         </p:tgtEl>
                                       </p:cBhvr>
                                     </p:cmd>
@@ -3904,7 +3438,7 @@
       </p:grpSpPr>
       <p:pic>
         <p:nvPicPr>
-          <p:cNvPr id="84" name="Inhaltsplatzhalter 4" descr=""/>
+          <p:cNvPr id="78" name="Inhaltsplatzhalter 4" descr=""/>
           <p:cNvPicPr/>
           <p:nvPr/>
         </p:nvPicPr>
@@ -3916,7 +3450,7 @@
         <p:spPr>
           <a:xfrm>
             <a:off x="0" y="493920"/>
-            <a:ext cx="2704680" cy="2356920"/>
+            <a:ext cx="2704320" cy="2356560"/>
           </a:xfrm>
           <a:prstGeom prst="rect">
             <a:avLst/>
@@ -3928,7 +3462,7 @@
       </p:pic>
       <p:pic>
         <p:nvPicPr>
-          <p:cNvPr id="85" name="Grafik 7" descr=""/>
+          <p:cNvPr id="79" name="Grafik 7" descr=""/>
           <p:cNvPicPr/>
           <p:nvPr/>
         </p:nvPicPr>
@@ -3940,7 +3474,7 @@
         <p:spPr>
           <a:xfrm>
             <a:off x="3206880" y="352080"/>
-            <a:ext cx="5557320" cy="816480"/>
+            <a:ext cx="5556960" cy="816120"/>
           </a:xfrm>
           <a:prstGeom prst="rect">
             <a:avLst/>
@@ -3952,7 +3486,7 @@
       </p:pic>
       <p:pic>
         <p:nvPicPr>
-          <p:cNvPr id="86" name="Grafik 9" descr=""/>
+          <p:cNvPr id="80" name="Grafik 9" descr=""/>
           <p:cNvPicPr/>
           <p:nvPr/>
         </p:nvPicPr>
@@ -3964,7 +3498,7 @@
         <p:spPr>
           <a:xfrm>
             <a:off x="3280680" y="1444680"/>
-            <a:ext cx="3794400" cy="1130400"/>
+            <a:ext cx="3794040" cy="1130040"/>
           </a:xfrm>
           <a:prstGeom prst="rect">
             <a:avLst/>
@@ -3976,7 +3510,7 @@
       </p:pic>
       <p:pic>
         <p:nvPicPr>
-          <p:cNvPr id="87" name="Grafik 10" descr=""/>
+          <p:cNvPr id="81" name="Grafik 10" descr=""/>
           <p:cNvPicPr/>
           <p:nvPr/>
         </p:nvPicPr>
@@ -3988,7 +3522,7 @@
         <p:spPr>
           <a:xfrm>
             <a:off x="501840" y="2851200"/>
-            <a:ext cx="9352080" cy="4006440"/>
+            <a:ext cx="9351720" cy="4006080"/>
           </a:xfrm>
           <a:prstGeom prst="rect">
             <a:avLst/>
@@ -4000,7 +3534,7 @@
       </p:pic>
       <p:pic>
         <p:nvPicPr>
-          <p:cNvPr id="88" name="Grafik 11" descr=""/>
+          <p:cNvPr id="82" name="Grafik 11" descr=""/>
           <p:cNvPicPr/>
           <p:nvPr/>
         </p:nvPicPr>
@@ -4012,7 +3546,7 @@
         <p:spPr>
           <a:xfrm>
             <a:off x="3521880" y="988920"/>
-            <a:ext cx="2222280" cy="359640"/>
+            <a:ext cx="2221920" cy="359280"/>
           </a:xfrm>
           <a:prstGeom prst="rect">
             <a:avLst/>
@@ -4024,7 +3558,7 @@
       </p:pic>
       <p:pic>
         <p:nvPicPr>
-          <p:cNvPr id="89" name="Grafik 5" descr=""/>
+          <p:cNvPr id="83" name="Grafik 5" descr=""/>
           <p:cNvPicPr/>
           <p:nvPr/>
         </p:nvPicPr>
@@ -4036,7 +3570,7 @@
         <p:spPr>
           <a:xfrm>
             <a:off x="3280680" y="2509920"/>
-            <a:ext cx="2704680" cy="665280"/>
+            <a:ext cx="2704320" cy="664920"/>
           </a:xfrm>
           <a:prstGeom prst="rect">
             <a:avLst/>
@@ -4097,7 +3631,7 @@
       </p:grpSpPr>
       <p:pic>
         <p:nvPicPr>
-          <p:cNvPr id="90" name="Inhaltsplatzhalter 4" descr=""/>
+          <p:cNvPr id="84" name="Inhaltsplatzhalter 4" descr=""/>
           <p:cNvPicPr/>
           <p:nvPr/>
         </p:nvPicPr>
@@ -4109,7 +3643,7 @@
         <p:spPr>
           <a:xfrm>
             <a:off x="0" y="493920"/>
-            <a:ext cx="2704680" cy="2356920"/>
+            <a:ext cx="2704320" cy="2356560"/>
           </a:xfrm>
           <a:prstGeom prst="rect">
             <a:avLst/>
@@ -4121,7 +3655,7 @@
       </p:pic>
       <p:pic>
         <p:nvPicPr>
-          <p:cNvPr id="91" name="Grafik 7" descr=""/>
+          <p:cNvPr id="85" name="Grafik 7" descr=""/>
           <p:cNvPicPr/>
           <p:nvPr/>
         </p:nvPicPr>
@@ -4133,7 +3667,7 @@
         <p:spPr>
           <a:xfrm>
             <a:off x="3206880" y="352080"/>
-            <a:ext cx="5557320" cy="816480"/>
+            <a:ext cx="5556960" cy="816120"/>
           </a:xfrm>
           <a:prstGeom prst="rect">
             <a:avLst/>
@@ -4145,7 +3679,7 @@
       </p:pic>
       <p:pic>
         <p:nvPicPr>
-          <p:cNvPr id="92" name="Grafik 9" descr=""/>
+          <p:cNvPr id="86" name="Grafik 9" descr=""/>
           <p:cNvPicPr/>
           <p:nvPr/>
         </p:nvPicPr>
@@ -4157,7 +3691,7 @@
         <p:spPr>
           <a:xfrm>
             <a:off x="3280680" y="1444680"/>
-            <a:ext cx="3794400" cy="1130400"/>
+            <a:ext cx="3794040" cy="1130040"/>
           </a:xfrm>
           <a:prstGeom prst="rect">
             <a:avLst/>
@@ -4169,7 +3703,7 @@
       </p:pic>
       <p:pic>
         <p:nvPicPr>
-          <p:cNvPr id="93" name="Grafik 10" descr=""/>
+          <p:cNvPr id="87" name="Grafik 10" descr=""/>
           <p:cNvPicPr/>
           <p:nvPr/>
         </p:nvPicPr>
@@ -4181,7 +3715,7 @@
         <p:spPr>
           <a:xfrm>
             <a:off x="501840" y="2851200"/>
-            <a:ext cx="9352080" cy="4006440"/>
+            <a:ext cx="9351720" cy="4006080"/>
           </a:xfrm>
           <a:prstGeom prst="rect">
             <a:avLst/>
@@ -4193,7 +3727,7 @@
       </p:pic>
       <p:pic>
         <p:nvPicPr>
-          <p:cNvPr id="94" name="Grafik 11" descr=""/>
+          <p:cNvPr id="88" name="Grafik 11" descr=""/>
           <p:cNvPicPr/>
           <p:nvPr/>
         </p:nvPicPr>
@@ -4205,7 +3739,7 @@
         <p:spPr>
           <a:xfrm>
             <a:off x="3521880" y="988920"/>
-            <a:ext cx="2222280" cy="359640"/>
+            <a:ext cx="2221920" cy="359280"/>
           </a:xfrm>
           <a:prstGeom prst="rect">
             <a:avLst/>
@@ -4217,7 +3751,7 @@
       </p:pic>
       <p:pic>
         <p:nvPicPr>
-          <p:cNvPr id="95" name="Grafik 5" descr=""/>
+          <p:cNvPr id="89" name="Grafik 5" descr=""/>
           <p:cNvPicPr/>
           <p:nvPr/>
         </p:nvPicPr>
@@ -4229,7 +3763,7 @@
         <p:spPr>
           <a:xfrm>
             <a:off x="3280680" y="2509920"/>
-            <a:ext cx="2704680" cy="665280"/>
+            <a:ext cx="2704320" cy="664920"/>
           </a:xfrm>
           <a:prstGeom prst="rect">
             <a:avLst/>
@@ -4290,14 +3824,14 @@
       </p:grpSpPr>
       <p:sp>
         <p:nvSpPr>
-          <p:cNvPr id="96" name="CustomShape 1"/>
+          <p:cNvPr id="90" name="CustomShape 1"/>
           <p:cNvSpPr/>
           <p:nvPr/>
         </p:nvSpPr>
         <p:spPr>
           <a:xfrm>
             <a:off x="0" y="0"/>
-            <a:ext cx="12191760" cy="6857640"/>
+            <a:ext cx="12191400" cy="6857280"/>
           </a:xfrm>
           <a:prstGeom prst="rect">
             <a:avLst/>
@@ -4326,7 +3860,7 @@
       </p:sp>
       <p:pic>
         <p:nvPicPr>
-          <p:cNvPr id="97" name="Inhaltsplatzhalter 4" descr=""/>
+          <p:cNvPr id="91" name="Inhaltsplatzhalter 4" descr=""/>
           <p:cNvPicPr/>
           <p:nvPr/>
         </p:nvPicPr>
@@ -4337,7 +3871,7 @@
         <p:spPr>
           <a:xfrm>
             <a:off x="7336080" y="0"/>
-            <a:ext cx="4855680" cy="6476760"/>
+            <a:ext cx="4855320" cy="6476400"/>
           </a:xfrm>
           <a:prstGeom prst="rect">
             <a:avLst/>
@@ -4356,14 +3890,14 @@
       </p:pic>
       <p:sp>
         <p:nvSpPr>
-          <p:cNvPr id="98" name="CustomShape 2"/>
+          <p:cNvPr id="92" name="CustomShape 2"/>
           <p:cNvSpPr/>
           <p:nvPr/>
         </p:nvSpPr>
         <p:spPr>
           <a:xfrm>
             <a:off x="-46800" y="2320920"/>
-            <a:ext cx="4012560" cy="1095840"/>
+            <a:ext cx="4012200" cy="1095480"/>
           </a:xfrm>
           <a:prstGeom prst="rect">
             <a:avLst/>
@@ -4393,6 +3927,7 @@
                   <a:srgbClr val="f2f2f2"/>
                 </a:solidFill>
                 <a:latin typeface="Calibri"/>
+                <a:ea typeface="DejaVu Sans"/>
               </a:rPr>
               <a:t>Welcome</a:t>
             </a:r>
@@ -4404,14 +3939,14 @@
       </p:sp>
       <p:sp>
         <p:nvSpPr>
-          <p:cNvPr id="99" name="CustomShape 3"/>
+          <p:cNvPr id="93" name="CustomShape 3"/>
           <p:cNvSpPr/>
           <p:nvPr/>
         </p:nvSpPr>
         <p:spPr>
           <a:xfrm>
             <a:off x="251280" y="4213800"/>
-            <a:ext cx="6095520" cy="364680"/>
+            <a:ext cx="6095160" cy="364320"/>
           </a:xfrm>
           <a:prstGeom prst="rect">
             <a:avLst/>
@@ -4442,6 +3977,7 @@
                 </a:solidFill>
                 <a:uFillTx/>
                 <a:latin typeface="Calibri"/>
+                <a:ea typeface="DejaVu Sans"/>
                 <a:hlinkClick r:id="rId2"/>
               </a:rPr>
               <a:t>https://codepen.io/pen/?&amp;editable=true=https%3A%2F%2Fcodepen.io%2Felectricgarden%2Fembed%2FoNNjbqZ%3Fheight%3D603%26theme-id%3Ddefault%26slug-hash%3DoNNjbqZ%26default-tab%3Dresult%26animations%3Drun%26editable%3D%26embed-version%3D2%26preview%3Dtrue%26user%3Delectricgarden%26name%3Dcp_embed_1</a:t>
@@ -4503,14 +4039,14 @@
       </p:grpSpPr>
       <p:sp>
         <p:nvSpPr>
-          <p:cNvPr id="100" name="CustomShape 1"/>
+          <p:cNvPr id="94" name="CustomShape 1"/>
           <p:cNvSpPr/>
           <p:nvPr/>
         </p:nvSpPr>
         <p:spPr>
           <a:xfrm>
             <a:off x="800640" y="-12600"/>
-            <a:ext cx="3133800" cy="3326760"/>
+            <a:ext cx="3133440" cy="3326400"/>
           </a:xfrm>
           <a:prstGeom prst="rect">
             <a:avLst/>
@@ -4542,7 +4078,7 @@
       </p:sp>
       <p:pic>
         <p:nvPicPr>
-          <p:cNvPr id="101" name="Inhaltsplatzhalter 4" descr=""/>
+          <p:cNvPr id="95" name="Inhaltsplatzhalter 4" descr=""/>
           <p:cNvPicPr/>
           <p:nvPr/>
         </p:nvPicPr>
@@ -4553,7 +4089,7 @@
         <p:spPr>
           <a:xfrm>
             <a:off x="7031520" y="91440"/>
-            <a:ext cx="4855680" cy="6476760"/>
+            <a:ext cx="4855320" cy="6476400"/>
           </a:xfrm>
           <a:prstGeom prst="rect">
             <a:avLst/>
@@ -4572,14 +4108,14 @@
       </p:pic>
       <p:sp>
         <p:nvSpPr>
-          <p:cNvPr id="102" name="CustomShape 2"/>
+          <p:cNvPr id="96" name="CustomShape 2"/>
           <p:cNvSpPr/>
           <p:nvPr/>
         </p:nvSpPr>
         <p:spPr>
           <a:xfrm rot="10800000">
-            <a:off x="3909240" y="5181480"/>
-            <a:ext cx="3108240" cy="1866600"/>
+            <a:off x="7017480" y="7048080"/>
+            <a:ext cx="3107880" cy="1866240"/>
           </a:xfrm>
           <a:prstGeom prst="triangle">
             <a:avLst>
@@ -4592,7 +4128,9 @@
               <a:lumOff val="60000"/>
             </a:schemeClr>
           </a:solidFill>
-          <a:ln/>
+          <a:ln>
+            <a:round/>
+          </a:ln>
         </p:spPr>
         <p:style>
           <a:lnRef idx="2">
@@ -4660,7 +4198,7 @@
       </p:grpSpPr>
       <p:pic>
         <p:nvPicPr>
-          <p:cNvPr id="103" name="" descr=""/>
+          <p:cNvPr id="97" name="" descr=""/>
           <p:cNvPicPr/>
           <p:nvPr/>
         </p:nvPicPr>
@@ -4671,7 +4209,7 @@
         <p:spPr>
           <a:xfrm>
             <a:off x="23760" y="-4680"/>
-            <a:ext cx="10277280" cy="6857640"/>
+            <a:ext cx="10276920" cy="6857280"/>
           </a:xfrm>
           <a:prstGeom prst="rect">
             <a:avLst/>
@@ -4683,19 +4221,19 @@
       </p:pic>
       <p:pic>
         <p:nvPicPr>
-          <p:cNvPr id="104" name="" descr=""/>
+          <p:cNvPr id="98" name="" descr=""/>
           <p:cNvPicPr/>
           <p:nvPr/>
         </p:nvPicPr>
         <p:blipFill>
           <a:blip r:embed="rId2"/>
-          <a:srcRect l="62044" t="0" r="0" b="0"/>
+          <a:srcRect l="62034" t="0" r="0" b="0"/>
           <a:stretch/>
         </p:blipFill>
         <p:spPr>
           <a:xfrm>
             <a:off x="8294760" y="9360"/>
-            <a:ext cx="3900240" cy="6857640"/>
+            <a:ext cx="3899880" cy="6857280"/>
           </a:xfrm>
           <a:prstGeom prst="rect">
             <a:avLst/>
@@ -4707,7 +4245,7 @@
       </p:pic>
       <p:pic>
         <p:nvPicPr>
-          <p:cNvPr id="105" name="Inhaltsplatzhalter 4" descr=""/>
+          <p:cNvPr id="99" name="Inhaltsplatzhalter 4" descr=""/>
           <p:cNvPicPr/>
           <p:nvPr/>
         </p:nvPicPr>
@@ -4718,7 +4256,7 @@
         <p:spPr>
           <a:xfrm>
             <a:off x="7130160" y="190800"/>
-            <a:ext cx="4855680" cy="6476760"/>
+            <a:ext cx="4855320" cy="6476400"/>
           </a:xfrm>
           <a:prstGeom prst="rect">
             <a:avLst/>
@@ -4744,6 +4282,605 @@
           <p:childTnLst>
             <p:seq>
               <p:cTn id="21" dur="indefinite" nodeType="mainSeq"/>
+              <p:prevCondLst>
+                <p:cond delay="0" evt="onPrev">
+                  <p:tgtEl>
+                    <p:sldTgt/>
+                  </p:tgtEl>
+                </p:cond>
+              </p:prevCondLst>
+              <p:nextCondLst>
+                <p:cond delay="0" evt="onNext">
+                  <p:tgtEl>
+                    <p:sldTgt/>
+                  </p:tgtEl>
+                </p:cond>
+              </p:nextCondLst>
+            </p:seq>
+          </p:childTnLst>
+        </p:cTn>
+      </p:par>
+    </p:tnLst>
+  </p:timing>
+</p:sld>
+</file>
+
+<file path=ppt/slides/slide7.xml><?xml version="1.0" encoding="utf-8"?>
+<p:sld xmlns:a="http://schemas.openxmlformats.org/drawingml/2006/main" xmlns:p="http://schemas.openxmlformats.org/presentationml/2006/main" xmlns:r="http://schemas.openxmlformats.org/officeDocument/2006/relationships" xmlns:p14="http://schemas.microsoft.com/office/powerpoint/2010/main" xmlns:p15="http://schemas.microsoft.com/office/powerpoint/2012/main" xmlns:mc="http://schemas.openxmlformats.org/markup-compatibility/2006">
+  <p:cSld>
+    <p:spTree>
+      <p:nvGrpSpPr>
+        <p:cNvPr id="1" name=""/>
+        <p:cNvGrpSpPr/>
+        <p:nvPr/>
+      </p:nvGrpSpPr>
+      <p:grpSpPr>
+        <a:xfrm>
+          <a:off x="0" y="0"/>
+          <a:ext cx="0" cy="0"/>
+          <a:chOff x="0" y="0"/>
+          <a:chExt cx="0" cy="0"/>
+        </a:xfrm>
+      </p:grpSpPr>
+      <p:sp>
+        <p:nvSpPr>
+          <p:cNvPr id="100" name="CustomShape 1"/>
+          <p:cNvSpPr/>
+          <p:nvPr/>
+        </p:nvSpPr>
+        <p:spPr>
+          <a:xfrm>
+            <a:off x="1911240" y="817560"/>
+            <a:ext cx="2743200" cy="4485960"/>
+          </a:xfrm>
+          <a:prstGeom prst="flowChartProcess">
+            <a:avLst/>
+          </a:prstGeom>
+          <a:solidFill>
+            <a:srgbClr val="ffffff"/>
+          </a:solidFill>
+          <a:ln w="6480">
+            <a:solidFill>
+              <a:srgbClr val="000000"/>
+            </a:solidFill>
+            <a:round/>
+          </a:ln>
+        </p:spPr>
+        <p:style>
+          <a:lnRef idx="0"/>
+          <a:fillRef idx="0"/>
+          <a:effectRef idx="0"/>
+          <a:fontRef idx="minor"/>
+        </p:style>
+      </p:sp>
+      <p:pic>
+        <p:nvPicPr>
+          <p:cNvPr id="101" name="" descr=""/>
+          <p:cNvPicPr/>
+          <p:nvPr/>
+        </p:nvPicPr>
+        <p:blipFill>
+          <a:blip r:embed="rId1"/>
+          <a:srcRect l="0" t="22412" r="0" b="0"/>
+          <a:stretch/>
+        </p:blipFill>
+        <p:spPr>
+          <a:xfrm>
+            <a:off x="1920240" y="3749040"/>
+            <a:ext cx="2752200" cy="3480120"/>
+          </a:xfrm>
+          <a:prstGeom prst="rect">
+            <a:avLst/>
+          </a:prstGeom>
+          <a:ln w="18360">
+            <a:noFill/>
+          </a:ln>
+        </p:spPr>
+      </p:pic>
+      <p:pic>
+        <p:nvPicPr>
+          <p:cNvPr id="102" name="" descr=""/>
+          <p:cNvPicPr/>
+          <p:nvPr/>
+        </p:nvPicPr>
+        <p:blipFill>
+          <a:blip r:embed="rId2"/>
+          <a:srcRect l="0" t="0" r="0" b="77572"/>
+          <a:stretch/>
+        </p:blipFill>
+        <p:spPr>
+          <a:xfrm>
+            <a:off x="1920240" y="634680"/>
+            <a:ext cx="2752200" cy="1005480"/>
+          </a:xfrm>
+          <a:prstGeom prst="rect">
+            <a:avLst/>
+          </a:prstGeom>
+          <a:ln w="18360">
+            <a:noFill/>
+          </a:ln>
+        </p:spPr>
+      </p:pic>
+      <p:sp>
+        <p:nvSpPr>
+          <p:cNvPr id="103" name="TextShape 2"/>
+          <p:cNvSpPr txBox="1"/>
+          <p:nvPr/>
+        </p:nvSpPr>
+        <p:spPr>
+          <a:xfrm>
+            <a:off x="1920240" y="1645920"/>
+            <a:ext cx="3017520" cy="1882080"/>
+          </a:xfrm>
+          <a:prstGeom prst="rect">
+            <a:avLst/>
+          </a:prstGeom>
+          <a:noFill/>
+          <a:ln w="18360">
+            <a:noFill/>
+          </a:ln>
+        </p:spPr>
+        <p:txBody>
+          <a:bodyPr lIns="90000" rIns="90000" tIns="45000" bIns="45000"/>
+          <a:p>
+            <a:r>
+              <a:rPr b="0" lang="en-US" sz="1800" spc="-1" strike="noStrike">
+                <a:latin typeface="Arial"/>
+              </a:rPr>
+              <a:t>Weight:</a:t>
+            </a:r>
+            <a:endParaRPr b="0" lang="en-US" sz="1800" spc="-1" strike="noStrike">
+              <a:latin typeface="Arial"/>
+            </a:endParaRPr>
+          </a:p>
+          <a:p>
+            <a:r>
+              <a:rPr b="0" lang="en-US" sz="1800" spc="-1" strike="noStrike">
+                <a:latin typeface="Arial"/>
+              </a:rPr>
+              <a:t>Weight_R:</a:t>
+            </a:r>
+            <a:endParaRPr b="0" lang="en-US" sz="1800" spc="-1" strike="noStrike">
+              <a:latin typeface="Arial"/>
+            </a:endParaRPr>
+          </a:p>
+          <a:p>
+            <a:r>
+              <a:rPr b="0" lang="en-US" sz="1800" spc="-1" strike="noStrike">
+                <a:latin typeface="Arial"/>
+              </a:rPr>
+              <a:t>Current Streak: 0 days</a:t>
+            </a:r>
+            <a:endParaRPr b="0" lang="en-US" sz="1800" spc="-1" strike="noStrike">
+              <a:latin typeface="Arial"/>
+            </a:endParaRPr>
+          </a:p>
+          <a:p>
+            <a:r>
+              <a:rPr b="0" lang="en-US" sz="1800" spc="-1" strike="noStrike">
+                <a:latin typeface="Arial"/>
+                <a:ea typeface="Noto Sans CJK SC"/>
+              </a:rPr>
+              <a:t>Streak Target:</a:t>
+            </a:r>
+            <a:r>
+              <a:rPr b="0" lang="en-US" sz="1800" spc="-1" strike="noStrike">
+                <a:latin typeface="Arial"/>
+              </a:rPr>
+              <a:t>  0 days</a:t>
+            </a:r>
+            <a:endParaRPr b="0" lang="en-US" sz="1800" spc="-1" strike="noStrike">
+              <a:latin typeface="Arial"/>
+            </a:endParaRPr>
+          </a:p>
+          <a:p>
+            <a:r>
+              <a:rPr b="0" lang="en-US" sz="1800" spc="-1" strike="noStrike">
+                <a:latin typeface="Arial"/>
+                <a:ea typeface="Noto Sans CJK SC"/>
+              </a:rPr>
+              <a:t>Streak Attempts:</a:t>
+            </a:r>
+            <a:r>
+              <a:rPr b="0" lang="en-US" sz="1800" spc="-1" strike="noStrike">
+                <a:latin typeface="Arial"/>
+              </a:rPr>
+              <a:t> 0 days</a:t>
+            </a:r>
+            <a:endParaRPr b="0" lang="en-US" sz="1800" spc="-1" strike="noStrike">
+              <a:latin typeface="Arial"/>
+            </a:endParaRPr>
+          </a:p>
+          <a:p>
+            <a:r>
+              <a:rPr b="0" lang="en-US" sz="1800" spc="-1" strike="noStrike">
+                <a:latin typeface="Arial"/>
+                <a:ea typeface="Noto Sans CJK SC"/>
+              </a:rPr>
+              <a:t>Longest Strike:</a:t>
+            </a:r>
+            <a:r>
+              <a:rPr b="0" lang="en-US" sz="1800" spc="-1" strike="noStrike">
+                <a:latin typeface="Arial"/>
+              </a:rPr>
+              <a:t> 0 days</a:t>
+            </a:r>
+            <a:endParaRPr b="0" lang="en-US" sz="1800" spc="-1" strike="noStrike">
+              <a:latin typeface="Arial"/>
+            </a:endParaRPr>
+          </a:p>
+          <a:p>
+            <a:r>
+              <a:rPr b="0" lang="en-US" sz="1800" spc="-1" strike="noStrike">
+                <a:latin typeface="Arial"/>
+                <a:ea typeface="Noto Sans CJK SC"/>
+              </a:rPr>
+              <a:t>Shortest Strike:</a:t>
+            </a:r>
+            <a:r>
+              <a:rPr b="0" lang="en-US" sz="1800" spc="-1" strike="noStrike">
+                <a:latin typeface="Arial"/>
+              </a:rPr>
+              <a:t> 0 days</a:t>
+            </a:r>
+            <a:endParaRPr b="0" lang="en-US" sz="1800" spc="-1" strike="noStrike">
+              <a:latin typeface="Arial"/>
+            </a:endParaRPr>
+          </a:p>
+        </p:txBody>
+      </p:sp>
+      <p:sp>
+        <p:nvSpPr>
+          <p:cNvPr id="104" name="TextShape 3"/>
+          <p:cNvSpPr txBox="1"/>
+          <p:nvPr/>
+        </p:nvSpPr>
+        <p:spPr>
+          <a:xfrm>
+            <a:off x="5303520" y="807480"/>
+            <a:ext cx="3291840" cy="6233400"/>
+          </a:xfrm>
+          <a:prstGeom prst="rect">
+            <a:avLst/>
+          </a:prstGeom>
+          <a:noFill/>
+          <a:ln w="18360">
+            <a:noFill/>
+          </a:ln>
+        </p:spPr>
+        <p:txBody>
+          <a:bodyPr lIns="90000" rIns="90000" tIns="45000" bIns="45000"/>
+          <a:p>
+            <a:r>
+              <a:rPr b="0" lang="en-US" sz="1800" spc="-1" strike="noStrike">
+                <a:latin typeface="Arial"/>
+              </a:rPr>
+              <a:t>Technical implementation:</a:t>
+            </a:r>
+            <a:endParaRPr b="0" lang="en-US" sz="1800" spc="-1" strike="noStrike">
+              <a:latin typeface="Arial"/>
+            </a:endParaRPr>
+          </a:p>
+          <a:p>
+            <a:r>
+              <a:rPr b="0" lang="en-US" sz="1800" spc="-1" strike="noStrike">
+                <a:latin typeface="Arial"/>
+              </a:rPr>
+              <a:t>New url to get the strike information:</a:t>
+            </a:r>
+            <a:endParaRPr b="0" lang="en-US" sz="1800" spc="-1" strike="noStrike">
+              <a:latin typeface="Arial"/>
+            </a:endParaRPr>
+          </a:p>
+          <a:p>
+            <a:endParaRPr b="0" lang="en-US" sz="1800" spc="-1" strike="noStrike">
+              <a:latin typeface="Arial"/>
+            </a:endParaRPr>
+          </a:p>
+          <a:p>
+            <a:r>
+              <a:rPr b="0" lang="en-US" sz="1800" spc="-1" strike="noStrike">
+                <a:latin typeface="Arial"/>
+              </a:rPr>
+              <a:t>Based on a weight it returns the information:</a:t>
+            </a:r>
+            <a:endParaRPr b="0" lang="en-US" sz="1800" spc="-1" strike="noStrike">
+              <a:latin typeface="Arial"/>
+            </a:endParaRPr>
+          </a:p>
+          <a:p>
+            <a:endParaRPr b="0" lang="en-US" sz="1800" spc="-1" strike="noStrike">
+              <a:latin typeface="Arial"/>
+            </a:endParaRPr>
+          </a:p>
+          <a:p>
+            <a:r>
+              <a:rPr b="0" lang="en-US" sz="1800" spc="-1" strike="noStrike">
+                <a:latin typeface="Arial"/>
+              </a:rPr>
+              <a:t>##Current Strike##:</a:t>
+            </a:r>
+            <a:endParaRPr b="0" lang="en-US" sz="1800" spc="-1" strike="noStrike">
+              <a:latin typeface="Arial"/>
+            </a:endParaRPr>
+          </a:p>
+          <a:p>
+            <a:r>
+              <a:rPr b="0" lang="en-US" sz="1800" spc="-1" strike="noStrike">
+                <a:latin typeface="Arial"/>
+              </a:rPr>
+              <a:t>#1.Step Query all data</a:t>
+            </a:r>
+            <a:endParaRPr b="0" lang="en-US" sz="1800" spc="-1" strike="noStrike">
+              <a:latin typeface="Arial"/>
+            </a:endParaRPr>
+          </a:p>
+          <a:p>
+            <a:r>
+              <a:rPr b="0" lang="en-US" sz="1800" spc="-1" strike="noStrike">
+                <a:latin typeface="Arial"/>
+              </a:rPr>
+              <a:t>#2. Step: Sort by data</a:t>
+            </a:r>
+            <a:endParaRPr b="0" lang="en-US" sz="1800" spc="-1" strike="noStrike">
+              <a:latin typeface="Arial"/>
+            </a:endParaRPr>
+          </a:p>
+          <a:p>
+            <a:r>
+              <a:rPr b="0" lang="en-US" sz="1800" spc="-1" strike="noStrike">
+                <a:latin typeface="Arial"/>
+              </a:rPr>
+              <a:t>#3. Step: Loop for days,</a:t>
+            </a:r>
+            <a:endParaRPr b="0" lang="en-US" sz="1800" spc="-1" strike="noStrike">
+              <a:latin typeface="Arial"/>
+            </a:endParaRPr>
+          </a:p>
+          <a:p>
+            <a:r>
+              <a:rPr b="0" lang="en-US" sz="1800" spc="-1" strike="noStrike">
+                <a:latin typeface="Arial"/>
+              </a:rPr>
+              <a:t>Check if previous day is still under the “weight” if not stop the loop</a:t>
+            </a:r>
+            <a:endParaRPr b="0" lang="en-US" sz="1800" spc="-1" strike="noStrike">
+              <a:latin typeface="Arial"/>
+            </a:endParaRPr>
+          </a:p>
+          <a:p>
+            <a:endParaRPr b="0" lang="en-US" sz="1800" spc="-1" strike="noStrike">
+              <a:latin typeface="Arial"/>
+            </a:endParaRPr>
+          </a:p>
+          <a:p>
+            <a:r>
+              <a:rPr b="0" lang="en-US" sz="1800" spc="-1" strike="noStrike">
+                <a:latin typeface="Arial"/>
+                <a:ea typeface="Noto Sans CJK SC"/>
+              </a:rPr>
+              <a:t>##Streak Attempts</a:t>
+            </a:r>
+            <a:r>
+              <a:rPr b="0" lang="en-US" sz="1800" spc="-1" strike="noStrike">
+                <a:latin typeface="Arial"/>
+              </a:rPr>
+              <a:t>##</a:t>
+            </a:r>
+            <a:endParaRPr b="0" lang="en-US" sz="1800" spc="-1" strike="noStrike">
+              <a:latin typeface="Arial"/>
+            </a:endParaRPr>
+          </a:p>
+          <a:p>
+            <a:r>
+              <a:rPr b="0" lang="en-US" sz="1800" spc="-1" strike="noStrike">
+                <a:latin typeface="Arial"/>
+              </a:rPr>
+              <a:t>#1.Step:try bins</a:t>
+            </a:r>
+            <a:endParaRPr b="0" lang="en-US" sz="1800" spc="-1" strike="noStrike">
+              <a:latin typeface="Arial"/>
+            </a:endParaRPr>
+          </a:p>
+          <a:p>
+            <a:r>
+              <a:rPr b="0" lang="en-US" sz="1800" spc="-1" strike="noStrike">
+                <a:latin typeface="Arial"/>
+                <a:ea typeface="Noto Sans CJK SC"/>
+              </a:rPr>
+              <a:t>## Longest Strike</a:t>
+            </a:r>
+            <a:r>
+              <a:rPr b="0" lang="en-US" sz="1800" spc="-1" strike="noStrike">
+                <a:latin typeface="Arial"/>
+              </a:rPr>
+              <a:t>##</a:t>
+            </a:r>
+            <a:endParaRPr b="0" lang="en-US" sz="1800" spc="-1" strike="noStrike">
+              <a:latin typeface="Arial"/>
+            </a:endParaRPr>
+          </a:p>
+          <a:p>
+            <a:r>
+              <a:rPr b="0" lang="en-US" sz="1800" spc="-1" strike="noStrike">
+                <a:latin typeface="Arial"/>
+              </a:rPr>
+              <a:t>#1.Step:try bins</a:t>
+            </a:r>
+            <a:endParaRPr b="0" lang="en-US" sz="1800" spc="-1" strike="noStrike">
+              <a:latin typeface="Arial"/>
+            </a:endParaRPr>
+          </a:p>
+          <a:p>
+            <a:r>
+              <a:rPr b="0" lang="en-US" sz="1800" spc="-1" strike="noStrike">
+                <a:latin typeface="Arial"/>
+                <a:ea typeface="Noto Sans CJK SC"/>
+              </a:rPr>
+              <a:t>## Shortest Strike</a:t>
+            </a:r>
+            <a:r>
+              <a:rPr b="0" lang="en-US" sz="1800" spc="-1" strike="noStrike">
+                <a:latin typeface="Arial"/>
+              </a:rPr>
+              <a:t>##</a:t>
+            </a:r>
+            <a:endParaRPr b="0" lang="en-US" sz="1800" spc="-1" strike="noStrike">
+              <a:latin typeface="Arial"/>
+            </a:endParaRPr>
+          </a:p>
+          <a:p>
+            <a:r>
+              <a:rPr b="0" lang="en-US" sz="1800" spc="-1" strike="noStrike">
+                <a:latin typeface="Arial"/>
+              </a:rPr>
+              <a:t>#1.Step:try bins</a:t>
+            </a:r>
+            <a:endParaRPr b="0" lang="en-US" sz="1800" spc="-1" strike="noStrike">
+              <a:latin typeface="Arial"/>
+            </a:endParaRPr>
+          </a:p>
+          <a:p>
+            <a:r>
+              <a:rPr b="0" lang="en-US" sz="1800" spc="-1" strike="noStrike">
+                <a:latin typeface="Arial"/>
+              </a:rPr>
+              <a:t> </a:t>
+            </a:r>
+            <a:endParaRPr b="0" lang="en-US" sz="1800" spc="-1" strike="noStrike">
+              <a:latin typeface="Arial"/>
+            </a:endParaRPr>
+          </a:p>
+          <a:p>
+            <a:endParaRPr b="0" lang="en-US" sz="1800" spc="-1" strike="noStrike">
+              <a:latin typeface="Arial"/>
+            </a:endParaRPr>
+          </a:p>
+          <a:p>
+            <a:endParaRPr b="0" lang="en-US" sz="1800" spc="-1" strike="noStrike">
+              <a:latin typeface="Arial"/>
+            </a:endParaRPr>
+          </a:p>
+        </p:txBody>
+      </p:sp>
+      <p:pic>
+        <p:nvPicPr>
+          <p:cNvPr id="105" name="" descr=""/>
+          <p:cNvPicPr/>
+          <p:nvPr/>
+        </p:nvPicPr>
+        <p:blipFill>
+          <a:blip r:embed="rId3"/>
+          <a:stretch/>
+        </p:blipFill>
+        <p:spPr>
+          <a:xfrm>
+            <a:off x="1947240" y="1183320"/>
+            <a:ext cx="809280" cy="456840"/>
+          </a:xfrm>
+          <a:prstGeom prst="rect">
+            <a:avLst/>
+          </a:prstGeom>
+          <a:ln w="18360">
+            <a:noFill/>
+          </a:ln>
+        </p:spPr>
+      </p:pic>
+      <p:pic>
+        <p:nvPicPr>
+          <p:cNvPr id="106" name="" descr=""/>
+          <p:cNvPicPr/>
+          <p:nvPr/>
+        </p:nvPicPr>
+        <p:blipFill>
+          <a:blip r:embed="rId4"/>
+          <a:srcRect l="0" t="11748" r="0" b="77572"/>
+          <a:stretch/>
+        </p:blipFill>
+        <p:spPr>
+          <a:xfrm>
+            <a:off x="2002680" y="3272040"/>
+            <a:ext cx="2752200" cy="478440"/>
+          </a:xfrm>
+          <a:prstGeom prst="rect">
+            <a:avLst/>
+          </a:prstGeom>
+          <a:ln w="18360">
+            <a:noFill/>
+          </a:ln>
+        </p:spPr>
+      </p:pic>
+      <p:sp>
+        <p:nvSpPr>
+          <p:cNvPr id="107" name="CustomShape 4"/>
+          <p:cNvSpPr/>
+          <p:nvPr/>
+        </p:nvSpPr>
+        <p:spPr>
+          <a:xfrm>
+            <a:off x="3200400" y="1640160"/>
+            <a:ext cx="1371600" cy="274320"/>
+          </a:xfrm>
+          <a:prstGeom prst="rect">
+            <a:avLst/>
+          </a:prstGeom>
+          <a:solidFill>
+            <a:srgbClr val="ffffff"/>
+          </a:solidFill>
+          <a:ln w="18360">
+            <a:solidFill>
+              <a:srgbClr val="000000"/>
+            </a:solidFill>
+            <a:round/>
+          </a:ln>
+        </p:spPr>
+        <p:style>
+          <a:lnRef idx="0"/>
+          <a:fillRef idx="0"/>
+          <a:effectRef idx="0"/>
+          <a:fontRef idx="minor"/>
+        </p:style>
+      </p:sp>
+      <p:sp>
+        <p:nvSpPr>
+          <p:cNvPr id="108" name="CustomShape 5"/>
+          <p:cNvSpPr/>
+          <p:nvPr/>
+        </p:nvSpPr>
+        <p:spPr>
+          <a:xfrm>
+            <a:off x="3200400" y="1920240"/>
+            <a:ext cx="1371600" cy="274320"/>
+          </a:xfrm>
+          <a:prstGeom prst="rect">
+            <a:avLst/>
+          </a:prstGeom>
+          <a:solidFill>
+            <a:srgbClr val="ffffff"/>
+          </a:solidFill>
+          <a:ln w="18360">
+            <a:solidFill>
+              <a:srgbClr val="000000"/>
+            </a:solidFill>
+            <a:round/>
+          </a:ln>
+        </p:spPr>
+        <p:style>
+          <a:lnRef idx="0"/>
+          <a:fillRef idx="0"/>
+          <a:effectRef idx="0"/>
+          <a:fontRef idx="minor"/>
+        </p:style>
+      </p:sp>
+    </p:spTree>
+  </p:cSld>
+  <p:timing>
+    <p:tnLst>
+      <p:par>
+        <p:cTn id="22" dur="indefinite" restart="never" nodeType="tmRoot">
+          <p:childTnLst>
+            <p:seq>
+              <p:cTn id="23" dur="indefinite" nodeType="mainSeq"/>
               <p:prevCondLst>
                 <p:cond delay="0" evt="onPrev">
                   <p:tgtEl>

--- a/design.pptx
+++ b/design.pptx
@@ -1,26 +1,127 @@
 
 <file path=ppt/presentation.xml><?xml version="1.0" encoding="utf-8"?>
-<p:presentation xmlns:a="http://schemas.openxmlformats.org/drawingml/2006/main" xmlns:p="http://schemas.openxmlformats.org/presentationml/2006/main" xmlns:r="http://schemas.openxmlformats.org/officeDocument/2006/relationships" xmlns:p14="http://schemas.microsoft.com/office/powerpoint/2010/main" xmlns:p15="http://schemas.microsoft.com/office/powerpoint/2012/main" xmlns:mc="http://schemas.openxmlformats.org/markup-compatibility/2006">
+<p:presentation xmlns:a="http://schemas.openxmlformats.org/drawingml/2006/main" xmlns:r="http://schemas.openxmlformats.org/officeDocument/2006/relationships" xmlns:p="http://schemas.openxmlformats.org/presentationml/2006/main">
   <p:sldMasterIdLst>
-    <p:sldMasterId id="2147483648" r:id="rId2"/>
-    <p:sldMasterId id="2147483661" r:id="rId3"/>
+    <p:sldMasterId id="2147483648" r:id="rId1"/>
+    <p:sldMasterId id="2147483661" r:id="rId2"/>
   </p:sldMasterIdLst>
   <p:sldIdLst>
-    <p:sldId id="256" r:id="rId4"/>
-    <p:sldId id="257" r:id="rId5"/>
-    <p:sldId id="258" r:id="rId6"/>
-    <p:sldId id="259" r:id="rId7"/>
-    <p:sldId id="260" r:id="rId8"/>
-    <p:sldId id="261" r:id="rId9"/>
-    <p:sldId id="262" r:id="rId10"/>
+    <p:sldId id="256" r:id="rId3"/>
+    <p:sldId id="257" r:id="rId4"/>
+    <p:sldId id="258" r:id="rId5"/>
+    <p:sldId id="259" r:id="rId6"/>
+    <p:sldId id="260" r:id="rId7"/>
+    <p:sldId id="261" r:id="rId8"/>
+    <p:sldId id="262" r:id="rId9"/>
+    <p:sldId id="263" r:id="rId10"/>
   </p:sldIdLst>
   <p:sldSz cx="12192000" cy="6858000"/>
-  <p:notesSz cx="7559675" cy="10691812"/>
+  <p:notesSz cx="7559675" cy="10691813"/>
+  <p:defaultTextStyle>
+    <a:defPPr>
+      <a:defRPr lang="de-DE"/>
+    </a:defPPr>
+    <a:lvl1pPr marL="0" algn="l" defTabSz="914400" rtl="0" eaLnBrk="1" latinLnBrk="0" hangingPunct="1">
+      <a:defRPr sz="1800" kern="1200">
+        <a:solidFill>
+          <a:schemeClr val="tx1"/>
+        </a:solidFill>
+        <a:latin typeface="+mn-lt"/>
+        <a:ea typeface="+mn-ea"/>
+        <a:cs typeface="+mn-cs"/>
+      </a:defRPr>
+    </a:lvl1pPr>
+    <a:lvl2pPr marL="457200" algn="l" defTabSz="914400" rtl="0" eaLnBrk="1" latinLnBrk="0" hangingPunct="1">
+      <a:defRPr sz="1800" kern="1200">
+        <a:solidFill>
+          <a:schemeClr val="tx1"/>
+        </a:solidFill>
+        <a:latin typeface="+mn-lt"/>
+        <a:ea typeface="+mn-ea"/>
+        <a:cs typeface="+mn-cs"/>
+      </a:defRPr>
+    </a:lvl2pPr>
+    <a:lvl3pPr marL="914400" algn="l" defTabSz="914400" rtl="0" eaLnBrk="1" latinLnBrk="0" hangingPunct="1">
+      <a:defRPr sz="1800" kern="1200">
+        <a:solidFill>
+          <a:schemeClr val="tx1"/>
+        </a:solidFill>
+        <a:latin typeface="+mn-lt"/>
+        <a:ea typeface="+mn-ea"/>
+        <a:cs typeface="+mn-cs"/>
+      </a:defRPr>
+    </a:lvl3pPr>
+    <a:lvl4pPr marL="1371600" algn="l" defTabSz="914400" rtl="0" eaLnBrk="1" latinLnBrk="0" hangingPunct="1">
+      <a:defRPr sz="1800" kern="1200">
+        <a:solidFill>
+          <a:schemeClr val="tx1"/>
+        </a:solidFill>
+        <a:latin typeface="+mn-lt"/>
+        <a:ea typeface="+mn-ea"/>
+        <a:cs typeface="+mn-cs"/>
+      </a:defRPr>
+    </a:lvl4pPr>
+    <a:lvl5pPr marL="1828800" algn="l" defTabSz="914400" rtl="0" eaLnBrk="1" latinLnBrk="0" hangingPunct="1">
+      <a:defRPr sz="1800" kern="1200">
+        <a:solidFill>
+          <a:schemeClr val="tx1"/>
+        </a:solidFill>
+        <a:latin typeface="+mn-lt"/>
+        <a:ea typeface="+mn-ea"/>
+        <a:cs typeface="+mn-cs"/>
+      </a:defRPr>
+    </a:lvl5pPr>
+    <a:lvl6pPr marL="2286000" algn="l" defTabSz="914400" rtl="0" eaLnBrk="1" latinLnBrk="0" hangingPunct="1">
+      <a:defRPr sz="1800" kern="1200">
+        <a:solidFill>
+          <a:schemeClr val="tx1"/>
+        </a:solidFill>
+        <a:latin typeface="+mn-lt"/>
+        <a:ea typeface="+mn-ea"/>
+        <a:cs typeface="+mn-cs"/>
+      </a:defRPr>
+    </a:lvl6pPr>
+    <a:lvl7pPr marL="2743200" algn="l" defTabSz="914400" rtl="0" eaLnBrk="1" latinLnBrk="0" hangingPunct="1">
+      <a:defRPr sz="1800" kern="1200">
+        <a:solidFill>
+          <a:schemeClr val="tx1"/>
+        </a:solidFill>
+        <a:latin typeface="+mn-lt"/>
+        <a:ea typeface="+mn-ea"/>
+        <a:cs typeface="+mn-cs"/>
+      </a:defRPr>
+    </a:lvl7pPr>
+    <a:lvl8pPr marL="3200400" algn="l" defTabSz="914400" rtl="0" eaLnBrk="1" latinLnBrk="0" hangingPunct="1">
+      <a:defRPr sz="1800" kern="1200">
+        <a:solidFill>
+          <a:schemeClr val="tx1"/>
+        </a:solidFill>
+        <a:latin typeface="+mn-lt"/>
+        <a:ea typeface="+mn-ea"/>
+        <a:cs typeface="+mn-cs"/>
+      </a:defRPr>
+    </a:lvl8pPr>
+    <a:lvl9pPr marL="3657600" algn="l" defTabSz="914400" rtl="0" eaLnBrk="1" latinLnBrk="0" hangingPunct="1">
+      <a:defRPr sz="1800" kern="1200">
+        <a:solidFill>
+          <a:schemeClr val="tx1"/>
+        </a:solidFill>
+        <a:latin typeface="+mn-lt"/>
+        <a:ea typeface="+mn-ea"/>
+        <a:cs typeface="+mn-cs"/>
+      </a:defRPr>
+    </a:lvl9pPr>
+  </p:defaultTextStyle>
+  <p:extLst>
+    <p:ext uri="{EFAFB233-063F-42B5-8137-9DF3F51BA10A}">
+      <p15:sldGuideLst xmlns:p15="http://schemas.microsoft.com/office/powerpoint/2012/main"/>
+    </p:ext>
+  </p:extLst>
 </p:presentation>
 </file>
 
 <file path=ppt/slideLayouts/slideLayout1.xml><?xml version="1.0" encoding="utf-8"?>
-<p:sldLayout xmlns:a="http://schemas.openxmlformats.org/drawingml/2006/main" xmlns:p="http://schemas.openxmlformats.org/presentationml/2006/main" xmlns:r="http://schemas.openxmlformats.org/officeDocument/2006/relationships" xmlns:p14="http://schemas.microsoft.com/office/powerpoint/2010/main" xmlns:p15="http://schemas.microsoft.com/office/powerpoint/2012/main" xmlns:mc="http://schemas.openxmlformats.org/markup-compatibility/2006" type="blank" preserve="1">
+<p:sldLayout xmlns:a="http://schemas.openxmlformats.org/drawingml/2006/main" xmlns:r="http://schemas.openxmlformats.org/officeDocument/2006/relationships" xmlns:p="http://schemas.openxmlformats.org/presentationml/2006/main" type="blank" preserve="1">
   <p:cSld name="Blank Slide">
     <p:spTree>
       <p:nvGrpSpPr>
@@ -38,11 +139,14 @@
       </p:grpSpPr>
     </p:spTree>
   </p:cSld>
+  <p:clrMapOvr>
+    <a:masterClrMapping/>
+  </p:clrMapOvr>
 </p:sldLayout>
 </file>
 
 <file path=ppt/slideLayouts/slideLayout10.xml><?xml version="1.0" encoding="utf-8"?>
-<p:sldLayout xmlns:a="http://schemas.openxmlformats.org/drawingml/2006/main" xmlns:p="http://schemas.openxmlformats.org/presentationml/2006/main" xmlns:r="http://schemas.openxmlformats.org/officeDocument/2006/relationships" xmlns:p14="http://schemas.microsoft.com/office/powerpoint/2010/main" xmlns:p15="http://schemas.microsoft.com/office/powerpoint/2012/main" xmlns:mc="http://schemas.openxmlformats.org/markup-compatibility/2006" type="objOverTx" preserve="1">
+<p:sldLayout xmlns:a="http://schemas.openxmlformats.org/drawingml/2006/main" xmlns:r="http://schemas.openxmlformats.org/officeDocument/2006/relationships" xmlns:p="http://schemas.openxmlformats.org/presentationml/2006/main" type="objOverTx" preserve="1">
   <p:cSld name="Title, Content over Content">
     <p:spTree>
       <p:nvGrpSpPr>
@@ -78,10 +182,11 @@
           </a:prstGeom>
         </p:spPr>
         <p:txBody>
-          <a:bodyPr lIns="0" rIns="0" tIns="0" bIns="0" anchor="ctr"/>
+          <a:bodyPr lIns="0" tIns="0" rIns="0" bIns="0" anchor="ctr"/>
+          <a:lstStyle/>
           <a:p>
             <a:pPr algn="ctr"/>
-            <a:endParaRPr b="0" lang="en-US" sz="4400" spc="-1" strike="noStrike">
+            <a:endParaRPr lang="en-US" sz="4400" b="0" strike="noStrike" spc="-1">
               <a:latin typeface="Arial"/>
             </a:endParaRPr>
           </a:p>
@@ -107,11 +212,12 @@
           </a:prstGeom>
         </p:spPr>
         <p:txBody>
-          <a:bodyPr lIns="0" rIns="0" tIns="0" bIns="0">
+          <a:bodyPr lIns="0" tIns="0" rIns="0" bIns="0">
             <a:normAutofit/>
           </a:bodyPr>
-          <a:p>
-            <a:endParaRPr b="0" lang="en-US" sz="3200" spc="-1" strike="noStrike">
+          <a:lstStyle/>
+          <a:p>
+            <a:endParaRPr lang="en-US" sz="3200" b="0" strike="noStrike" spc="-1">
               <a:latin typeface="Arial"/>
             </a:endParaRPr>
           </a:p>
@@ -137,11 +243,12 @@
           </a:prstGeom>
         </p:spPr>
         <p:txBody>
-          <a:bodyPr lIns="0" rIns="0" tIns="0" bIns="0">
+          <a:bodyPr lIns="0" tIns="0" rIns="0" bIns="0">
             <a:normAutofit/>
           </a:bodyPr>
-          <a:p>
-            <a:endParaRPr b="0" lang="en-US" sz="3200" spc="-1" strike="noStrike">
+          <a:lstStyle/>
+          <a:p>
+            <a:endParaRPr lang="en-US" sz="3200" b="0" strike="noStrike" spc="-1">
               <a:latin typeface="Arial"/>
             </a:endParaRPr>
           </a:p>
@@ -149,11 +256,14 @@
       </p:sp>
     </p:spTree>
   </p:cSld>
+  <p:clrMapOvr>
+    <a:masterClrMapping/>
+  </p:clrMapOvr>
 </p:sldLayout>
 </file>
 
 <file path=ppt/slideLayouts/slideLayout11.xml><?xml version="1.0" encoding="utf-8"?>
-<p:sldLayout xmlns:a="http://schemas.openxmlformats.org/drawingml/2006/main" xmlns:p="http://schemas.openxmlformats.org/presentationml/2006/main" xmlns:r="http://schemas.openxmlformats.org/officeDocument/2006/relationships" xmlns:p14="http://schemas.microsoft.com/office/powerpoint/2010/main" xmlns:p15="http://schemas.microsoft.com/office/powerpoint/2012/main" xmlns:mc="http://schemas.openxmlformats.org/markup-compatibility/2006" type="fourObj" preserve="1">
+<p:sldLayout xmlns:a="http://schemas.openxmlformats.org/drawingml/2006/main" xmlns:r="http://schemas.openxmlformats.org/officeDocument/2006/relationships" xmlns:p="http://schemas.openxmlformats.org/presentationml/2006/main" type="fourObj" preserve="1">
   <p:cSld name="Title, 4 Content">
     <p:spTree>
       <p:nvGrpSpPr>
@@ -189,10 +299,11 @@
           </a:prstGeom>
         </p:spPr>
         <p:txBody>
-          <a:bodyPr lIns="0" rIns="0" tIns="0" bIns="0" anchor="ctr"/>
+          <a:bodyPr lIns="0" tIns="0" rIns="0" bIns="0" anchor="ctr"/>
+          <a:lstStyle/>
           <a:p>
             <a:pPr algn="ctr"/>
-            <a:endParaRPr b="0" lang="en-US" sz="4400" spc="-1" strike="noStrike">
+            <a:endParaRPr lang="en-US" sz="4400" b="0" strike="noStrike" spc="-1">
               <a:latin typeface="Arial"/>
             </a:endParaRPr>
           </a:p>
@@ -218,11 +329,12 @@
           </a:prstGeom>
         </p:spPr>
         <p:txBody>
-          <a:bodyPr lIns="0" rIns="0" tIns="0" bIns="0">
+          <a:bodyPr lIns="0" tIns="0" rIns="0" bIns="0">
             <a:normAutofit/>
           </a:bodyPr>
-          <a:p>
-            <a:endParaRPr b="0" lang="en-US" sz="3200" spc="-1" strike="noStrike">
+          <a:lstStyle/>
+          <a:p>
+            <a:endParaRPr lang="en-US" sz="3200" b="0" strike="noStrike" spc="-1">
               <a:latin typeface="Arial"/>
             </a:endParaRPr>
           </a:p>
@@ -248,11 +360,12 @@
           </a:prstGeom>
         </p:spPr>
         <p:txBody>
-          <a:bodyPr lIns="0" rIns="0" tIns="0" bIns="0">
+          <a:bodyPr lIns="0" tIns="0" rIns="0" bIns="0">
             <a:normAutofit/>
           </a:bodyPr>
-          <a:p>
-            <a:endParaRPr b="0" lang="en-US" sz="3200" spc="-1" strike="noStrike">
+          <a:lstStyle/>
+          <a:p>
+            <a:endParaRPr lang="en-US" sz="3200" b="0" strike="noStrike" spc="-1">
               <a:latin typeface="Arial"/>
             </a:endParaRPr>
           </a:p>
@@ -278,11 +391,12 @@
           </a:prstGeom>
         </p:spPr>
         <p:txBody>
-          <a:bodyPr lIns="0" rIns="0" tIns="0" bIns="0">
+          <a:bodyPr lIns="0" tIns="0" rIns="0" bIns="0">
             <a:normAutofit/>
           </a:bodyPr>
-          <a:p>
-            <a:endParaRPr b="0" lang="en-US" sz="3200" spc="-1" strike="noStrike">
+          <a:lstStyle/>
+          <a:p>
+            <a:endParaRPr lang="en-US" sz="3200" b="0" strike="noStrike" spc="-1">
               <a:latin typeface="Arial"/>
             </a:endParaRPr>
           </a:p>
@@ -308,11 +422,12 @@
           </a:prstGeom>
         </p:spPr>
         <p:txBody>
-          <a:bodyPr lIns="0" rIns="0" tIns="0" bIns="0">
+          <a:bodyPr lIns="0" tIns="0" rIns="0" bIns="0">
             <a:normAutofit/>
           </a:bodyPr>
-          <a:p>
-            <a:endParaRPr b="0" lang="en-US" sz="3200" spc="-1" strike="noStrike">
+          <a:lstStyle/>
+          <a:p>
+            <a:endParaRPr lang="en-US" sz="3200" b="0" strike="noStrike" spc="-1">
               <a:latin typeface="Arial"/>
             </a:endParaRPr>
           </a:p>
@@ -320,11 +435,14 @@
       </p:sp>
     </p:spTree>
   </p:cSld>
+  <p:clrMapOvr>
+    <a:masterClrMapping/>
+  </p:clrMapOvr>
 </p:sldLayout>
 </file>
 
 <file path=ppt/slideLayouts/slideLayout12.xml><?xml version="1.0" encoding="utf-8"?>
-<p:sldLayout xmlns:a="http://schemas.openxmlformats.org/drawingml/2006/main" xmlns:p="http://schemas.openxmlformats.org/presentationml/2006/main" xmlns:r="http://schemas.openxmlformats.org/officeDocument/2006/relationships" xmlns:p14="http://schemas.microsoft.com/office/powerpoint/2010/main" xmlns:p15="http://schemas.microsoft.com/office/powerpoint/2012/main" xmlns:mc="http://schemas.openxmlformats.org/markup-compatibility/2006" type="blank" preserve="1">
+<p:sldLayout xmlns:a="http://schemas.openxmlformats.org/drawingml/2006/main" xmlns:r="http://schemas.openxmlformats.org/officeDocument/2006/relationships" xmlns:p="http://schemas.openxmlformats.org/presentationml/2006/main" type="blank" preserve="1">
   <p:cSld name="Title, 6 Content">
     <p:spTree>
       <p:nvGrpSpPr>
@@ -360,10 +478,11 @@
           </a:prstGeom>
         </p:spPr>
         <p:txBody>
-          <a:bodyPr lIns="0" rIns="0" tIns="0" bIns="0" anchor="ctr"/>
+          <a:bodyPr lIns="0" tIns="0" rIns="0" bIns="0" anchor="ctr"/>
+          <a:lstStyle/>
           <a:p>
             <a:pPr algn="ctr"/>
-            <a:endParaRPr b="0" lang="en-US" sz="4400" spc="-1" strike="noStrike">
+            <a:endParaRPr lang="en-US" sz="4400" b="0" strike="noStrike" spc="-1">
               <a:latin typeface="Arial"/>
             </a:endParaRPr>
           </a:p>
@@ -389,11 +508,12 @@
           </a:prstGeom>
         </p:spPr>
         <p:txBody>
-          <a:bodyPr lIns="0" rIns="0" tIns="0" bIns="0">
+          <a:bodyPr lIns="0" tIns="0" rIns="0" bIns="0">
             <a:normAutofit/>
           </a:bodyPr>
-          <a:p>
-            <a:endParaRPr b="0" lang="en-US" sz="3200" spc="-1" strike="noStrike">
+          <a:lstStyle/>
+          <a:p>
+            <a:endParaRPr lang="en-US" sz="3200" b="0" strike="noStrike" spc="-1">
               <a:latin typeface="Arial"/>
             </a:endParaRPr>
           </a:p>
@@ -419,11 +539,12 @@
           </a:prstGeom>
         </p:spPr>
         <p:txBody>
-          <a:bodyPr lIns="0" rIns="0" tIns="0" bIns="0">
+          <a:bodyPr lIns="0" tIns="0" rIns="0" bIns="0">
             <a:normAutofit/>
           </a:bodyPr>
-          <a:p>
-            <a:endParaRPr b="0" lang="en-US" sz="3200" spc="-1" strike="noStrike">
+          <a:lstStyle/>
+          <a:p>
+            <a:endParaRPr lang="en-US" sz="3200" b="0" strike="noStrike" spc="-1">
               <a:latin typeface="Arial"/>
             </a:endParaRPr>
           </a:p>
@@ -449,11 +570,12 @@
           </a:prstGeom>
         </p:spPr>
         <p:txBody>
-          <a:bodyPr lIns="0" rIns="0" tIns="0" bIns="0">
+          <a:bodyPr lIns="0" tIns="0" rIns="0" bIns="0">
             <a:normAutofit/>
           </a:bodyPr>
-          <a:p>
-            <a:endParaRPr b="0" lang="en-US" sz="3200" spc="-1" strike="noStrike">
+          <a:lstStyle/>
+          <a:p>
+            <a:endParaRPr lang="en-US" sz="3200" b="0" strike="noStrike" spc="-1">
               <a:latin typeface="Arial"/>
             </a:endParaRPr>
           </a:p>
@@ -479,11 +601,12 @@
           </a:prstGeom>
         </p:spPr>
         <p:txBody>
-          <a:bodyPr lIns="0" rIns="0" tIns="0" bIns="0">
+          <a:bodyPr lIns="0" tIns="0" rIns="0" bIns="0">
             <a:normAutofit/>
           </a:bodyPr>
-          <a:p>
-            <a:endParaRPr b="0" lang="en-US" sz="3200" spc="-1" strike="noStrike">
+          <a:lstStyle/>
+          <a:p>
+            <a:endParaRPr lang="en-US" sz="3200" b="0" strike="noStrike" spc="-1">
               <a:latin typeface="Arial"/>
             </a:endParaRPr>
           </a:p>
@@ -509,11 +632,12 @@
           </a:prstGeom>
         </p:spPr>
         <p:txBody>
-          <a:bodyPr lIns="0" rIns="0" tIns="0" bIns="0">
+          <a:bodyPr lIns="0" tIns="0" rIns="0" bIns="0">
             <a:normAutofit/>
           </a:bodyPr>
-          <a:p>
-            <a:endParaRPr b="0" lang="en-US" sz="3200" spc="-1" strike="noStrike">
+          <a:lstStyle/>
+          <a:p>
+            <a:endParaRPr lang="en-US" sz="3200" b="0" strike="noStrike" spc="-1">
               <a:latin typeface="Arial"/>
             </a:endParaRPr>
           </a:p>
@@ -539,11 +663,12 @@
           </a:prstGeom>
         </p:spPr>
         <p:txBody>
-          <a:bodyPr lIns="0" rIns="0" tIns="0" bIns="0">
+          <a:bodyPr lIns="0" tIns="0" rIns="0" bIns="0">
             <a:normAutofit/>
           </a:bodyPr>
-          <a:p>
-            <a:endParaRPr b="0" lang="en-US" sz="3200" spc="-1" strike="noStrike">
+          <a:lstStyle/>
+          <a:p>
+            <a:endParaRPr lang="en-US" sz="3200" b="0" strike="noStrike" spc="-1">
               <a:latin typeface="Arial"/>
             </a:endParaRPr>
           </a:p>
@@ -551,11 +676,14 @@
       </p:sp>
     </p:spTree>
   </p:cSld>
+  <p:clrMapOvr>
+    <a:masterClrMapping/>
+  </p:clrMapOvr>
 </p:sldLayout>
 </file>
 
 <file path=ppt/slideLayouts/slideLayout13.xml><?xml version="1.0" encoding="utf-8"?>
-<p:sldLayout xmlns:a="http://schemas.openxmlformats.org/drawingml/2006/main" xmlns:p="http://schemas.openxmlformats.org/presentationml/2006/main" xmlns:r="http://schemas.openxmlformats.org/officeDocument/2006/relationships" xmlns:p14="http://schemas.microsoft.com/office/powerpoint/2010/main" xmlns:p15="http://schemas.microsoft.com/office/powerpoint/2012/main" xmlns:mc="http://schemas.openxmlformats.org/markup-compatibility/2006" type="blank" preserve="1">
+<p:sldLayout xmlns:a="http://schemas.openxmlformats.org/drawingml/2006/main" xmlns:r="http://schemas.openxmlformats.org/officeDocument/2006/relationships" xmlns:p="http://schemas.openxmlformats.org/presentationml/2006/main" type="blank" preserve="1">
   <p:cSld name="Blank Slide">
     <p:spTree>
       <p:nvGrpSpPr>
@@ -573,11 +701,14 @@
       </p:grpSpPr>
     </p:spTree>
   </p:cSld>
+  <p:clrMapOvr>
+    <a:masterClrMapping/>
+  </p:clrMapOvr>
 </p:sldLayout>
 </file>
 
 <file path=ppt/slideLayouts/slideLayout14.xml><?xml version="1.0" encoding="utf-8"?>
-<p:sldLayout xmlns:a="http://schemas.openxmlformats.org/drawingml/2006/main" xmlns:p="http://schemas.openxmlformats.org/presentationml/2006/main" xmlns:r="http://schemas.openxmlformats.org/officeDocument/2006/relationships" xmlns:p14="http://schemas.microsoft.com/office/powerpoint/2010/main" xmlns:p15="http://schemas.microsoft.com/office/powerpoint/2012/main" xmlns:mc="http://schemas.openxmlformats.org/markup-compatibility/2006" type="tx" preserve="1">
+<p:sldLayout xmlns:a="http://schemas.openxmlformats.org/drawingml/2006/main" xmlns:r="http://schemas.openxmlformats.org/officeDocument/2006/relationships" xmlns:p="http://schemas.openxmlformats.org/presentationml/2006/main" type="tx" preserve="1">
   <p:cSld name="Title Slide">
     <p:spTree>
       <p:nvGrpSpPr>
@@ -613,10 +744,11 @@
           </a:prstGeom>
         </p:spPr>
         <p:txBody>
-          <a:bodyPr lIns="0" rIns="0" tIns="0" bIns="0" anchor="ctr"/>
+          <a:bodyPr lIns="0" tIns="0" rIns="0" bIns="0" anchor="ctr"/>
+          <a:lstStyle/>
           <a:p>
             <a:pPr algn="ctr"/>
-            <a:endParaRPr b="0" lang="en-US" sz="4400" spc="-1" strike="noStrike">
+            <a:endParaRPr lang="en-US" sz="4400" b="0" strike="noStrike" spc="-1">
               <a:latin typeface="Arial"/>
             </a:endParaRPr>
           </a:p>
@@ -642,10 +774,11 @@
           </a:prstGeom>
         </p:spPr>
         <p:txBody>
-          <a:bodyPr lIns="0" rIns="0" tIns="0" bIns="0" anchor="ctr"/>
+          <a:bodyPr lIns="0" tIns="0" rIns="0" bIns="0" anchor="ctr"/>
+          <a:lstStyle/>
           <a:p>
             <a:pPr algn="ctr"/>
-            <a:endParaRPr b="0" lang="en-US" sz="3200" spc="-1" strike="noStrike">
+            <a:endParaRPr lang="en-US" sz="3200" b="0" strike="noStrike" spc="-1">
               <a:latin typeface="Arial"/>
             </a:endParaRPr>
           </a:p>
@@ -653,11 +786,14 @@
       </p:sp>
     </p:spTree>
   </p:cSld>
+  <p:clrMapOvr>
+    <a:masterClrMapping/>
+  </p:clrMapOvr>
 </p:sldLayout>
 </file>
 
 <file path=ppt/slideLayouts/slideLayout15.xml><?xml version="1.0" encoding="utf-8"?>
-<p:sldLayout xmlns:a="http://schemas.openxmlformats.org/drawingml/2006/main" xmlns:p="http://schemas.openxmlformats.org/presentationml/2006/main" xmlns:r="http://schemas.openxmlformats.org/officeDocument/2006/relationships" xmlns:p14="http://schemas.microsoft.com/office/powerpoint/2010/main" xmlns:p15="http://schemas.microsoft.com/office/powerpoint/2012/main" xmlns:mc="http://schemas.openxmlformats.org/markup-compatibility/2006" type="obj" preserve="1">
+<p:sldLayout xmlns:a="http://schemas.openxmlformats.org/drawingml/2006/main" xmlns:r="http://schemas.openxmlformats.org/officeDocument/2006/relationships" xmlns:p="http://schemas.openxmlformats.org/presentationml/2006/main" type="obj" preserve="1">
   <p:cSld name="Title, Content">
     <p:spTree>
       <p:nvGrpSpPr>
@@ -693,10 +829,11 @@
           </a:prstGeom>
         </p:spPr>
         <p:txBody>
-          <a:bodyPr lIns="0" rIns="0" tIns="0" bIns="0" anchor="ctr"/>
+          <a:bodyPr lIns="0" tIns="0" rIns="0" bIns="0" anchor="ctr"/>
+          <a:lstStyle/>
           <a:p>
             <a:pPr algn="ctr"/>
-            <a:endParaRPr b="0" lang="en-US" sz="4400" spc="-1" strike="noStrike">
+            <a:endParaRPr lang="en-US" sz="4400" b="0" strike="noStrike" spc="-1">
               <a:latin typeface="Arial"/>
             </a:endParaRPr>
           </a:p>
@@ -722,11 +859,12 @@
           </a:prstGeom>
         </p:spPr>
         <p:txBody>
-          <a:bodyPr lIns="0" rIns="0" tIns="0" bIns="0">
+          <a:bodyPr lIns="0" tIns="0" rIns="0" bIns="0">
             <a:normAutofit/>
           </a:bodyPr>
-          <a:p>
-            <a:endParaRPr b="0" lang="en-US" sz="3200" spc="-1" strike="noStrike">
+          <a:lstStyle/>
+          <a:p>
+            <a:endParaRPr lang="en-US" sz="3200" b="0" strike="noStrike" spc="-1">
               <a:latin typeface="Arial"/>
             </a:endParaRPr>
           </a:p>
@@ -734,11 +872,14 @@
       </p:sp>
     </p:spTree>
   </p:cSld>
+  <p:clrMapOvr>
+    <a:masterClrMapping/>
+  </p:clrMapOvr>
 </p:sldLayout>
 </file>
 
 <file path=ppt/slideLayouts/slideLayout16.xml><?xml version="1.0" encoding="utf-8"?>
-<p:sldLayout xmlns:a="http://schemas.openxmlformats.org/drawingml/2006/main" xmlns:p="http://schemas.openxmlformats.org/presentationml/2006/main" xmlns:r="http://schemas.openxmlformats.org/officeDocument/2006/relationships" xmlns:p14="http://schemas.microsoft.com/office/powerpoint/2010/main" xmlns:p15="http://schemas.microsoft.com/office/powerpoint/2012/main" xmlns:mc="http://schemas.openxmlformats.org/markup-compatibility/2006" type="twoObj" preserve="1">
+<p:sldLayout xmlns:a="http://schemas.openxmlformats.org/drawingml/2006/main" xmlns:r="http://schemas.openxmlformats.org/officeDocument/2006/relationships" xmlns:p="http://schemas.openxmlformats.org/presentationml/2006/main" type="twoObj" preserve="1">
   <p:cSld name="Title, 2 Content">
     <p:spTree>
       <p:nvGrpSpPr>
@@ -774,10 +915,11 @@
           </a:prstGeom>
         </p:spPr>
         <p:txBody>
-          <a:bodyPr lIns="0" rIns="0" tIns="0" bIns="0" anchor="ctr"/>
+          <a:bodyPr lIns="0" tIns="0" rIns="0" bIns="0" anchor="ctr"/>
+          <a:lstStyle/>
           <a:p>
             <a:pPr algn="ctr"/>
-            <a:endParaRPr b="0" lang="en-US" sz="4400" spc="-1" strike="noStrike">
+            <a:endParaRPr lang="en-US" sz="4400" b="0" strike="noStrike" spc="-1">
               <a:latin typeface="Arial"/>
             </a:endParaRPr>
           </a:p>
@@ -803,11 +945,12 @@
           </a:prstGeom>
         </p:spPr>
         <p:txBody>
-          <a:bodyPr lIns="0" rIns="0" tIns="0" bIns="0">
+          <a:bodyPr lIns="0" tIns="0" rIns="0" bIns="0">
             <a:normAutofit/>
           </a:bodyPr>
-          <a:p>
-            <a:endParaRPr b="0" lang="en-US" sz="3200" spc="-1" strike="noStrike">
+          <a:lstStyle/>
+          <a:p>
+            <a:endParaRPr lang="en-US" sz="3200" b="0" strike="noStrike" spc="-1">
               <a:latin typeface="Arial"/>
             </a:endParaRPr>
           </a:p>
@@ -833,11 +976,12 @@
           </a:prstGeom>
         </p:spPr>
         <p:txBody>
-          <a:bodyPr lIns="0" rIns="0" tIns="0" bIns="0">
+          <a:bodyPr lIns="0" tIns="0" rIns="0" bIns="0">
             <a:normAutofit/>
           </a:bodyPr>
-          <a:p>
-            <a:endParaRPr b="0" lang="en-US" sz="3200" spc="-1" strike="noStrike">
+          <a:lstStyle/>
+          <a:p>
+            <a:endParaRPr lang="en-US" sz="3200" b="0" strike="noStrike" spc="-1">
               <a:latin typeface="Arial"/>
             </a:endParaRPr>
           </a:p>
@@ -845,11 +989,14 @@
       </p:sp>
     </p:spTree>
   </p:cSld>
+  <p:clrMapOvr>
+    <a:masterClrMapping/>
+  </p:clrMapOvr>
 </p:sldLayout>
 </file>
 
 <file path=ppt/slideLayouts/slideLayout17.xml><?xml version="1.0" encoding="utf-8"?>
-<p:sldLayout xmlns:a="http://schemas.openxmlformats.org/drawingml/2006/main" xmlns:p="http://schemas.openxmlformats.org/presentationml/2006/main" xmlns:r="http://schemas.openxmlformats.org/officeDocument/2006/relationships" xmlns:p14="http://schemas.microsoft.com/office/powerpoint/2010/main" xmlns:p15="http://schemas.microsoft.com/office/powerpoint/2012/main" xmlns:mc="http://schemas.openxmlformats.org/markup-compatibility/2006" type="titleOnly" preserve="1">
+<p:sldLayout xmlns:a="http://schemas.openxmlformats.org/drawingml/2006/main" xmlns:r="http://schemas.openxmlformats.org/officeDocument/2006/relationships" xmlns:p="http://schemas.openxmlformats.org/presentationml/2006/main" type="titleOnly" preserve="1">
   <p:cSld name="Title Only">
     <p:spTree>
       <p:nvGrpSpPr>
@@ -885,10 +1032,11 @@
           </a:prstGeom>
         </p:spPr>
         <p:txBody>
-          <a:bodyPr lIns="0" rIns="0" tIns="0" bIns="0" anchor="ctr"/>
+          <a:bodyPr lIns="0" tIns="0" rIns="0" bIns="0" anchor="ctr"/>
+          <a:lstStyle/>
           <a:p>
             <a:pPr algn="ctr"/>
-            <a:endParaRPr b="0" lang="en-US" sz="4400" spc="-1" strike="noStrike">
+            <a:endParaRPr lang="en-US" sz="4400" b="0" strike="noStrike" spc="-1">
               <a:latin typeface="Arial"/>
             </a:endParaRPr>
           </a:p>
@@ -896,11 +1044,14 @@
       </p:sp>
     </p:spTree>
   </p:cSld>
+  <p:clrMapOvr>
+    <a:masterClrMapping/>
+  </p:clrMapOvr>
 </p:sldLayout>
 </file>
 
 <file path=ppt/slideLayouts/slideLayout18.xml><?xml version="1.0" encoding="utf-8"?>
-<p:sldLayout xmlns:a="http://schemas.openxmlformats.org/drawingml/2006/main" xmlns:p="http://schemas.openxmlformats.org/presentationml/2006/main" xmlns:r="http://schemas.openxmlformats.org/officeDocument/2006/relationships" xmlns:p14="http://schemas.microsoft.com/office/powerpoint/2010/main" xmlns:p15="http://schemas.microsoft.com/office/powerpoint/2012/main" xmlns:mc="http://schemas.openxmlformats.org/markup-compatibility/2006" type="objOnly" preserve="1">
+<p:sldLayout xmlns:a="http://schemas.openxmlformats.org/drawingml/2006/main" xmlns:r="http://schemas.openxmlformats.org/officeDocument/2006/relationships" xmlns:p="http://schemas.openxmlformats.org/presentationml/2006/main" type="objOnly" preserve="1">
   <p:cSld name="Centered Text">
     <p:spTree>
       <p:nvGrpSpPr>
@@ -936,10 +1087,11 @@
           </a:prstGeom>
         </p:spPr>
         <p:txBody>
-          <a:bodyPr lIns="0" rIns="0" tIns="0" bIns="0" anchor="ctr"/>
+          <a:bodyPr lIns="0" tIns="0" rIns="0" bIns="0" anchor="ctr"/>
+          <a:lstStyle/>
           <a:p>
             <a:pPr algn="ctr"/>
-            <a:endParaRPr b="0" lang="en-US" sz="3200" spc="-1" strike="noStrike">
+            <a:endParaRPr lang="en-US" sz="3200" b="0" strike="noStrike" spc="-1">
               <a:latin typeface="Arial"/>
             </a:endParaRPr>
           </a:p>
@@ -947,11 +1099,14 @@
       </p:sp>
     </p:spTree>
   </p:cSld>
+  <p:clrMapOvr>
+    <a:masterClrMapping/>
+  </p:clrMapOvr>
 </p:sldLayout>
 </file>
 
 <file path=ppt/slideLayouts/slideLayout19.xml><?xml version="1.0" encoding="utf-8"?>
-<p:sldLayout xmlns:a="http://schemas.openxmlformats.org/drawingml/2006/main" xmlns:p="http://schemas.openxmlformats.org/presentationml/2006/main" xmlns:r="http://schemas.openxmlformats.org/officeDocument/2006/relationships" xmlns:p14="http://schemas.microsoft.com/office/powerpoint/2010/main" xmlns:p15="http://schemas.microsoft.com/office/powerpoint/2012/main" xmlns:mc="http://schemas.openxmlformats.org/markup-compatibility/2006" type="twoObjAndObj" preserve="1">
+<p:sldLayout xmlns:a="http://schemas.openxmlformats.org/drawingml/2006/main" xmlns:r="http://schemas.openxmlformats.org/officeDocument/2006/relationships" xmlns:p="http://schemas.openxmlformats.org/presentationml/2006/main" type="twoObjAndObj" preserve="1">
   <p:cSld name="Title, 2 Content and Content">
     <p:spTree>
       <p:nvGrpSpPr>
@@ -987,10 +1142,11 @@
           </a:prstGeom>
         </p:spPr>
         <p:txBody>
-          <a:bodyPr lIns="0" rIns="0" tIns="0" bIns="0" anchor="ctr"/>
+          <a:bodyPr lIns="0" tIns="0" rIns="0" bIns="0" anchor="ctr"/>
+          <a:lstStyle/>
           <a:p>
             <a:pPr algn="ctr"/>
-            <a:endParaRPr b="0" lang="en-US" sz="4400" spc="-1" strike="noStrike">
+            <a:endParaRPr lang="en-US" sz="4400" b="0" strike="noStrike" spc="-1">
               <a:latin typeface="Arial"/>
             </a:endParaRPr>
           </a:p>
@@ -1016,11 +1172,12 @@
           </a:prstGeom>
         </p:spPr>
         <p:txBody>
-          <a:bodyPr lIns="0" rIns="0" tIns="0" bIns="0">
+          <a:bodyPr lIns="0" tIns="0" rIns="0" bIns="0">
             <a:normAutofit/>
           </a:bodyPr>
-          <a:p>
-            <a:endParaRPr b="0" lang="en-US" sz="3200" spc="-1" strike="noStrike">
+          <a:lstStyle/>
+          <a:p>
+            <a:endParaRPr lang="en-US" sz="3200" b="0" strike="noStrike" spc="-1">
               <a:latin typeface="Arial"/>
             </a:endParaRPr>
           </a:p>
@@ -1046,11 +1203,12 @@
           </a:prstGeom>
         </p:spPr>
         <p:txBody>
-          <a:bodyPr lIns="0" rIns="0" tIns="0" bIns="0">
+          <a:bodyPr lIns="0" tIns="0" rIns="0" bIns="0">
             <a:normAutofit/>
           </a:bodyPr>
-          <a:p>
-            <a:endParaRPr b="0" lang="en-US" sz="3200" spc="-1" strike="noStrike">
+          <a:lstStyle/>
+          <a:p>
+            <a:endParaRPr lang="en-US" sz="3200" b="0" strike="noStrike" spc="-1">
               <a:latin typeface="Arial"/>
             </a:endParaRPr>
           </a:p>
@@ -1076,11 +1234,12 @@
           </a:prstGeom>
         </p:spPr>
         <p:txBody>
-          <a:bodyPr lIns="0" rIns="0" tIns="0" bIns="0">
+          <a:bodyPr lIns="0" tIns="0" rIns="0" bIns="0">
             <a:normAutofit/>
           </a:bodyPr>
-          <a:p>
-            <a:endParaRPr b="0" lang="en-US" sz="3200" spc="-1" strike="noStrike">
+          <a:lstStyle/>
+          <a:p>
+            <a:endParaRPr lang="en-US" sz="3200" b="0" strike="noStrike" spc="-1">
               <a:latin typeface="Arial"/>
             </a:endParaRPr>
           </a:p>
@@ -1088,11 +1247,14 @@
       </p:sp>
     </p:spTree>
   </p:cSld>
+  <p:clrMapOvr>
+    <a:masterClrMapping/>
+  </p:clrMapOvr>
 </p:sldLayout>
 </file>
 
 <file path=ppt/slideLayouts/slideLayout2.xml><?xml version="1.0" encoding="utf-8"?>
-<p:sldLayout xmlns:a="http://schemas.openxmlformats.org/drawingml/2006/main" xmlns:p="http://schemas.openxmlformats.org/presentationml/2006/main" xmlns:r="http://schemas.openxmlformats.org/officeDocument/2006/relationships" xmlns:p14="http://schemas.microsoft.com/office/powerpoint/2010/main" xmlns:p15="http://schemas.microsoft.com/office/powerpoint/2012/main" xmlns:mc="http://schemas.openxmlformats.org/markup-compatibility/2006" type="tx" preserve="1">
+<p:sldLayout xmlns:a="http://schemas.openxmlformats.org/drawingml/2006/main" xmlns:r="http://schemas.openxmlformats.org/officeDocument/2006/relationships" xmlns:p="http://schemas.openxmlformats.org/presentationml/2006/main" type="tx" preserve="1">
   <p:cSld name="Title Slide">
     <p:spTree>
       <p:nvGrpSpPr>
@@ -1128,10 +1290,11 @@
           </a:prstGeom>
         </p:spPr>
         <p:txBody>
-          <a:bodyPr lIns="0" rIns="0" tIns="0" bIns="0" anchor="ctr"/>
+          <a:bodyPr lIns="0" tIns="0" rIns="0" bIns="0" anchor="ctr"/>
+          <a:lstStyle/>
           <a:p>
             <a:pPr algn="ctr"/>
-            <a:endParaRPr b="0" lang="en-US" sz="4400" spc="-1" strike="noStrike">
+            <a:endParaRPr lang="en-US" sz="4400" b="0" strike="noStrike" spc="-1">
               <a:latin typeface="Arial"/>
             </a:endParaRPr>
           </a:p>
@@ -1157,10 +1320,11 @@
           </a:prstGeom>
         </p:spPr>
         <p:txBody>
-          <a:bodyPr lIns="0" rIns="0" tIns="0" bIns="0" anchor="ctr"/>
+          <a:bodyPr lIns="0" tIns="0" rIns="0" bIns="0" anchor="ctr"/>
+          <a:lstStyle/>
           <a:p>
             <a:pPr algn="ctr"/>
-            <a:endParaRPr b="0" lang="en-US" sz="3200" spc="-1" strike="noStrike">
+            <a:endParaRPr lang="en-US" sz="3200" b="0" strike="noStrike" spc="-1">
               <a:latin typeface="Arial"/>
             </a:endParaRPr>
           </a:p>
@@ -1168,11 +1332,14 @@
       </p:sp>
     </p:spTree>
   </p:cSld>
+  <p:clrMapOvr>
+    <a:masterClrMapping/>
+  </p:clrMapOvr>
 </p:sldLayout>
 </file>
 
 <file path=ppt/slideLayouts/slideLayout20.xml><?xml version="1.0" encoding="utf-8"?>
-<p:sldLayout xmlns:a="http://schemas.openxmlformats.org/drawingml/2006/main" xmlns:p="http://schemas.openxmlformats.org/presentationml/2006/main" xmlns:r="http://schemas.openxmlformats.org/officeDocument/2006/relationships" xmlns:p14="http://schemas.microsoft.com/office/powerpoint/2010/main" xmlns:p15="http://schemas.microsoft.com/office/powerpoint/2012/main" xmlns:mc="http://schemas.openxmlformats.org/markup-compatibility/2006" type="objAndTwoObj" preserve="1">
+<p:sldLayout xmlns:a="http://schemas.openxmlformats.org/drawingml/2006/main" xmlns:r="http://schemas.openxmlformats.org/officeDocument/2006/relationships" xmlns:p="http://schemas.openxmlformats.org/presentationml/2006/main" type="objAndTwoObj" preserve="1">
   <p:cSld name="Title Content and 2 Content">
     <p:spTree>
       <p:nvGrpSpPr>
@@ -1208,10 +1375,11 @@
           </a:prstGeom>
         </p:spPr>
         <p:txBody>
-          <a:bodyPr lIns="0" rIns="0" tIns="0" bIns="0" anchor="ctr"/>
+          <a:bodyPr lIns="0" tIns="0" rIns="0" bIns="0" anchor="ctr"/>
+          <a:lstStyle/>
           <a:p>
             <a:pPr algn="ctr"/>
-            <a:endParaRPr b="0" lang="en-US" sz="4400" spc="-1" strike="noStrike">
+            <a:endParaRPr lang="en-US" sz="4400" b="0" strike="noStrike" spc="-1">
               <a:latin typeface="Arial"/>
             </a:endParaRPr>
           </a:p>
@@ -1237,11 +1405,12 @@
           </a:prstGeom>
         </p:spPr>
         <p:txBody>
-          <a:bodyPr lIns="0" rIns="0" tIns="0" bIns="0">
+          <a:bodyPr lIns="0" tIns="0" rIns="0" bIns="0">
             <a:normAutofit/>
           </a:bodyPr>
-          <a:p>
-            <a:endParaRPr b="0" lang="en-US" sz="3200" spc="-1" strike="noStrike">
+          <a:lstStyle/>
+          <a:p>
+            <a:endParaRPr lang="en-US" sz="3200" b="0" strike="noStrike" spc="-1">
               <a:latin typeface="Arial"/>
             </a:endParaRPr>
           </a:p>
@@ -1267,11 +1436,12 @@
           </a:prstGeom>
         </p:spPr>
         <p:txBody>
-          <a:bodyPr lIns="0" rIns="0" tIns="0" bIns="0">
+          <a:bodyPr lIns="0" tIns="0" rIns="0" bIns="0">
             <a:normAutofit/>
           </a:bodyPr>
-          <a:p>
-            <a:endParaRPr b="0" lang="en-US" sz="3200" spc="-1" strike="noStrike">
+          <a:lstStyle/>
+          <a:p>
+            <a:endParaRPr lang="en-US" sz="3200" b="0" strike="noStrike" spc="-1">
               <a:latin typeface="Arial"/>
             </a:endParaRPr>
           </a:p>
@@ -1297,11 +1467,12 @@
           </a:prstGeom>
         </p:spPr>
         <p:txBody>
-          <a:bodyPr lIns="0" rIns="0" tIns="0" bIns="0">
+          <a:bodyPr lIns="0" tIns="0" rIns="0" bIns="0">
             <a:normAutofit/>
           </a:bodyPr>
-          <a:p>
-            <a:endParaRPr b="0" lang="en-US" sz="3200" spc="-1" strike="noStrike">
+          <a:lstStyle/>
+          <a:p>
+            <a:endParaRPr lang="en-US" sz="3200" b="0" strike="noStrike" spc="-1">
               <a:latin typeface="Arial"/>
             </a:endParaRPr>
           </a:p>
@@ -1309,11 +1480,14 @@
       </p:sp>
     </p:spTree>
   </p:cSld>
+  <p:clrMapOvr>
+    <a:masterClrMapping/>
+  </p:clrMapOvr>
 </p:sldLayout>
 </file>
 
 <file path=ppt/slideLayouts/slideLayout21.xml><?xml version="1.0" encoding="utf-8"?>
-<p:sldLayout xmlns:a="http://schemas.openxmlformats.org/drawingml/2006/main" xmlns:p="http://schemas.openxmlformats.org/presentationml/2006/main" xmlns:r="http://schemas.openxmlformats.org/officeDocument/2006/relationships" xmlns:p14="http://schemas.microsoft.com/office/powerpoint/2010/main" xmlns:p15="http://schemas.microsoft.com/office/powerpoint/2012/main" xmlns:mc="http://schemas.openxmlformats.org/markup-compatibility/2006" type="twoObjOverTx" preserve="1">
+<p:sldLayout xmlns:a="http://schemas.openxmlformats.org/drawingml/2006/main" xmlns:r="http://schemas.openxmlformats.org/officeDocument/2006/relationships" xmlns:p="http://schemas.openxmlformats.org/presentationml/2006/main" type="twoObjOverTx" preserve="1">
   <p:cSld name="Title, 2 Content over Content">
     <p:spTree>
       <p:nvGrpSpPr>
@@ -1349,10 +1523,11 @@
           </a:prstGeom>
         </p:spPr>
         <p:txBody>
-          <a:bodyPr lIns="0" rIns="0" tIns="0" bIns="0" anchor="ctr"/>
+          <a:bodyPr lIns="0" tIns="0" rIns="0" bIns="0" anchor="ctr"/>
+          <a:lstStyle/>
           <a:p>
             <a:pPr algn="ctr"/>
-            <a:endParaRPr b="0" lang="en-US" sz="4400" spc="-1" strike="noStrike">
+            <a:endParaRPr lang="en-US" sz="4400" b="0" strike="noStrike" spc="-1">
               <a:latin typeface="Arial"/>
             </a:endParaRPr>
           </a:p>
@@ -1378,11 +1553,12 @@
           </a:prstGeom>
         </p:spPr>
         <p:txBody>
-          <a:bodyPr lIns="0" rIns="0" tIns="0" bIns="0">
+          <a:bodyPr lIns="0" tIns="0" rIns="0" bIns="0">
             <a:normAutofit/>
           </a:bodyPr>
-          <a:p>
-            <a:endParaRPr b="0" lang="en-US" sz="3200" spc="-1" strike="noStrike">
+          <a:lstStyle/>
+          <a:p>
+            <a:endParaRPr lang="en-US" sz="3200" b="0" strike="noStrike" spc="-1">
               <a:latin typeface="Arial"/>
             </a:endParaRPr>
           </a:p>
@@ -1408,11 +1584,12 @@
           </a:prstGeom>
         </p:spPr>
         <p:txBody>
-          <a:bodyPr lIns="0" rIns="0" tIns="0" bIns="0">
+          <a:bodyPr lIns="0" tIns="0" rIns="0" bIns="0">
             <a:normAutofit/>
           </a:bodyPr>
-          <a:p>
-            <a:endParaRPr b="0" lang="en-US" sz="3200" spc="-1" strike="noStrike">
+          <a:lstStyle/>
+          <a:p>
+            <a:endParaRPr lang="en-US" sz="3200" b="0" strike="noStrike" spc="-1">
               <a:latin typeface="Arial"/>
             </a:endParaRPr>
           </a:p>
@@ -1438,11 +1615,12 @@
           </a:prstGeom>
         </p:spPr>
         <p:txBody>
-          <a:bodyPr lIns="0" rIns="0" tIns="0" bIns="0">
+          <a:bodyPr lIns="0" tIns="0" rIns="0" bIns="0">
             <a:normAutofit/>
           </a:bodyPr>
-          <a:p>
-            <a:endParaRPr b="0" lang="en-US" sz="3200" spc="-1" strike="noStrike">
+          <a:lstStyle/>
+          <a:p>
+            <a:endParaRPr lang="en-US" sz="3200" b="0" strike="noStrike" spc="-1">
               <a:latin typeface="Arial"/>
             </a:endParaRPr>
           </a:p>
@@ -1450,11 +1628,14 @@
       </p:sp>
     </p:spTree>
   </p:cSld>
+  <p:clrMapOvr>
+    <a:masterClrMapping/>
+  </p:clrMapOvr>
 </p:sldLayout>
 </file>
 
 <file path=ppt/slideLayouts/slideLayout22.xml><?xml version="1.0" encoding="utf-8"?>
-<p:sldLayout xmlns:a="http://schemas.openxmlformats.org/drawingml/2006/main" xmlns:p="http://schemas.openxmlformats.org/presentationml/2006/main" xmlns:r="http://schemas.openxmlformats.org/officeDocument/2006/relationships" xmlns:p14="http://schemas.microsoft.com/office/powerpoint/2010/main" xmlns:p15="http://schemas.microsoft.com/office/powerpoint/2012/main" xmlns:mc="http://schemas.openxmlformats.org/markup-compatibility/2006" type="objOverTx" preserve="1">
+<p:sldLayout xmlns:a="http://schemas.openxmlformats.org/drawingml/2006/main" xmlns:r="http://schemas.openxmlformats.org/officeDocument/2006/relationships" xmlns:p="http://schemas.openxmlformats.org/presentationml/2006/main" type="objOverTx" preserve="1">
   <p:cSld name="Title, Content over Content">
     <p:spTree>
       <p:nvGrpSpPr>
@@ -1490,10 +1671,11 @@
           </a:prstGeom>
         </p:spPr>
         <p:txBody>
-          <a:bodyPr lIns="0" rIns="0" tIns="0" bIns="0" anchor="ctr"/>
+          <a:bodyPr lIns="0" tIns="0" rIns="0" bIns="0" anchor="ctr"/>
+          <a:lstStyle/>
           <a:p>
             <a:pPr algn="ctr"/>
-            <a:endParaRPr b="0" lang="en-US" sz="4400" spc="-1" strike="noStrike">
+            <a:endParaRPr lang="en-US" sz="4400" b="0" strike="noStrike" spc="-1">
               <a:latin typeface="Arial"/>
             </a:endParaRPr>
           </a:p>
@@ -1519,11 +1701,12 @@
           </a:prstGeom>
         </p:spPr>
         <p:txBody>
-          <a:bodyPr lIns="0" rIns="0" tIns="0" bIns="0">
+          <a:bodyPr lIns="0" tIns="0" rIns="0" bIns="0">
             <a:normAutofit/>
           </a:bodyPr>
-          <a:p>
-            <a:endParaRPr b="0" lang="en-US" sz="3200" spc="-1" strike="noStrike">
+          <a:lstStyle/>
+          <a:p>
+            <a:endParaRPr lang="en-US" sz="3200" b="0" strike="noStrike" spc="-1">
               <a:latin typeface="Arial"/>
             </a:endParaRPr>
           </a:p>
@@ -1549,11 +1732,12 @@
           </a:prstGeom>
         </p:spPr>
         <p:txBody>
-          <a:bodyPr lIns="0" rIns="0" tIns="0" bIns="0">
+          <a:bodyPr lIns="0" tIns="0" rIns="0" bIns="0">
             <a:normAutofit/>
           </a:bodyPr>
-          <a:p>
-            <a:endParaRPr b="0" lang="en-US" sz="3200" spc="-1" strike="noStrike">
+          <a:lstStyle/>
+          <a:p>
+            <a:endParaRPr lang="en-US" sz="3200" b="0" strike="noStrike" spc="-1">
               <a:latin typeface="Arial"/>
             </a:endParaRPr>
           </a:p>
@@ -1561,11 +1745,14 @@
       </p:sp>
     </p:spTree>
   </p:cSld>
+  <p:clrMapOvr>
+    <a:masterClrMapping/>
+  </p:clrMapOvr>
 </p:sldLayout>
 </file>
 
 <file path=ppt/slideLayouts/slideLayout23.xml><?xml version="1.0" encoding="utf-8"?>
-<p:sldLayout xmlns:a="http://schemas.openxmlformats.org/drawingml/2006/main" xmlns:p="http://schemas.openxmlformats.org/presentationml/2006/main" xmlns:r="http://schemas.openxmlformats.org/officeDocument/2006/relationships" xmlns:p14="http://schemas.microsoft.com/office/powerpoint/2010/main" xmlns:p15="http://schemas.microsoft.com/office/powerpoint/2012/main" xmlns:mc="http://schemas.openxmlformats.org/markup-compatibility/2006" type="fourObj" preserve="1">
+<p:sldLayout xmlns:a="http://schemas.openxmlformats.org/drawingml/2006/main" xmlns:r="http://schemas.openxmlformats.org/officeDocument/2006/relationships" xmlns:p="http://schemas.openxmlformats.org/presentationml/2006/main" type="fourObj" preserve="1">
   <p:cSld name="Title, 4 Content">
     <p:spTree>
       <p:nvGrpSpPr>
@@ -1601,10 +1788,11 @@
           </a:prstGeom>
         </p:spPr>
         <p:txBody>
-          <a:bodyPr lIns="0" rIns="0" tIns="0" bIns="0" anchor="ctr"/>
+          <a:bodyPr lIns="0" tIns="0" rIns="0" bIns="0" anchor="ctr"/>
+          <a:lstStyle/>
           <a:p>
             <a:pPr algn="ctr"/>
-            <a:endParaRPr b="0" lang="en-US" sz="4400" spc="-1" strike="noStrike">
+            <a:endParaRPr lang="en-US" sz="4400" b="0" strike="noStrike" spc="-1">
               <a:latin typeface="Arial"/>
             </a:endParaRPr>
           </a:p>
@@ -1630,11 +1818,12 @@
           </a:prstGeom>
         </p:spPr>
         <p:txBody>
-          <a:bodyPr lIns="0" rIns="0" tIns="0" bIns="0">
+          <a:bodyPr lIns="0" tIns="0" rIns="0" bIns="0">
             <a:normAutofit/>
           </a:bodyPr>
-          <a:p>
-            <a:endParaRPr b="0" lang="en-US" sz="3200" spc="-1" strike="noStrike">
+          <a:lstStyle/>
+          <a:p>
+            <a:endParaRPr lang="en-US" sz="3200" b="0" strike="noStrike" spc="-1">
               <a:latin typeface="Arial"/>
             </a:endParaRPr>
           </a:p>
@@ -1660,11 +1849,12 @@
           </a:prstGeom>
         </p:spPr>
         <p:txBody>
-          <a:bodyPr lIns="0" rIns="0" tIns="0" bIns="0">
+          <a:bodyPr lIns="0" tIns="0" rIns="0" bIns="0">
             <a:normAutofit/>
           </a:bodyPr>
-          <a:p>
-            <a:endParaRPr b="0" lang="en-US" sz="3200" spc="-1" strike="noStrike">
+          <a:lstStyle/>
+          <a:p>
+            <a:endParaRPr lang="en-US" sz="3200" b="0" strike="noStrike" spc="-1">
               <a:latin typeface="Arial"/>
             </a:endParaRPr>
           </a:p>
@@ -1690,11 +1880,12 @@
           </a:prstGeom>
         </p:spPr>
         <p:txBody>
-          <a:bodyPr lIns="0" rIns="0" tIns="0" bIns="0">
+          <a:bodyPr lIns="0" tIns="0" rIns="0" bIns="0">
             <a:normAutofit/>
           </a:bodyPr>
-          <a:p>
-            <a:endParaRPr b="0" lang="en-US" sz="3200" spc="-1" strike="noStrike">
+          <a:lstStyle/>
+          <a:p>
+            <a:endParaRPr lang="en-US" sz="3200" b="0" strike="noStrike" spc="-1">
               <a:latin typeface="Arial"/>
             </a:endParaRPr>
           </a:p>
@@ -1720,11 +1911,12 @@
           </a:prstGeom>
         </p:spPr>
         <p:txBody>
-          <a:bodyPr lIns="0" rIns="0" tIns="0" bIns="0">
+          <a:bodyPr lIns="0" tIns="0" rIns="0" bIns="0">
             <a:normAutofit/>
           </a:bodyPr>
-          <a:p>
-            <a:endParaRPr b="0" lang="en-US" sz="3200" spc="-1" strike="noStrike">
+          <a:lstStyle/>
+          <a:p>
+            <a:endParaRPr lang="en-US" sz="3200" b="0" strike="noStrike" spc="-1">
               <a:latin typeface="Arial"/>
             </a:endParaRPr>
           </a:p>
@@ -1732,11 +1924,14 @@
       </p:sp>
     </p:spTree>
   </p:cSld>
+  <p:clrMapOvr>
+    <a:masterClrMapping/>
+  </p:clrMapOvr>
 </p:sldLayout>
 </file>
 
 <file path=ppt/slideLayouts/slideLayout24.xml><?xml version="1.0" encoding="utf-8"?>
-<p:sldLayout xmlns:a="http://schemas.openxmlformats.org/drawingml/2006/main" xmlns:p="http://schemas.openxmlformats.org/presentationml/2006/main" xmlns:r="http://schemas.openxmlformats.org/officeDocument/2006/relationships" xmlns:p14="http://schemas.microsoft.com/office/powerpoint/2010/main" xmlns:p15="http://schemas.microsoft.com/office/powerpoint/2012/main" xmlns:mc="http://schemas.openxmlformats.org/markup-compatibility/2006" type="blank" preserve="1">
+<p:sldLayout xmlns:a="http://schemas.openxmlformats.org/drawingml/2006/main" xmlns:r="http://schemas.openxmlformats.org/officeDocument/2006/relationships" xmlns:p="http://schemas.openxmlformats.org/presentationml/2006/main" type="blank" preserve="1">
   <p:cSld name="Title, 6 Content">
     <p:spTree>
       <p:nvGrpSpPr>
@@ -1772,10 +1967,11 @@
           </a:prstGeom>
         </p:spPr>
         <p:txBody>
-          <a:bodyPr lIns="0" rIns="0" tIns="0" bIns="0" anchor="ctr"/>
+          <a:bodyPr lIns="0" tIns="0" rIns="0" bIns="0" anchor="ctr"/>
+          <a:lstStyle/>
           <a:p>
             <a:pPr algn="ctr"/>
-            <a:endParaRPr b="0" lang="en-US" sz="4400" spc="-1" strike="noStrike">
+            <a:endParaRPr lang="en-US" sz="4400" b="0" strike="noStrike" spc="-1">
               <a:latin typeface="Arial"/>
             </a:endParaRPr>
           </a:p>
@@ -1801,11 +1997,12 @@
           </a:prstGeom>
         </p:spPr>
         <p:txBody>
-          <a:bodyPr lIns="0" rIns="0" tIns="0" bIns="0">
+          <a:bodyPr lIns="0" tIns="0" rIns="0" bIns="0">
             <a:normAutofit/>
           </a:bodyPr>
-          <a:p>
-            <a:endParaRPr b="0" lang="en-US" sz="3200" spc="-1" strike="noStrike">
+          <a:lstStyle/>
+          <a:p>
+            <a:endParaRPr lang="en-US" sz="3200" b="0" strike="noStrike" spc="-1">
               <a:latin typeface="Arial"/>
             </a:endParaRPr>
           </a:p>
@@ -1831,11 +2028,12 @@
           </a:prstGeom>
         </p:spPr>
         <p:txBody>
-          <a:bodyPr lIns="0" rIns="0" tIns="0" bIns="0">
+          <a:bodyPr lIns="0" tIns="0" rIns="0" bIns="0">
             <a:normAutofit/>
           </a:bodyPr>
-          <a:p>
-            <a:endParaRPr b="0" lang="en-US" sz="3200" spc="-1" strike="noStrike">
+          <a:lstStyle/>
+          <a:p>
+            <a:endParaRPr lang="en-US" sz="3200" b="0" strike="noStrike" spc="-1">
               <a:latin typeface="Arial"/>
             </a:endParaRPr>
           </a:p>
@@ -1861,11 +2059,12 @@
           </a:prstGeom>
         </p:spPr>
         <p:txBody>
-          <a:bodyPr lIns="0" rIns="0" tIns="0" bIns="0">
+          <a:bodyPr lIns="0" tIns="0" rIns="0" bIns="0">
             <a:normAutofit/>
           </a:bodyPr>
-          <a:p>
-            <a:endParaRPr b="0" lang="en-US" sz="3200" spc="-1" strike="noStrike">
+          <a:lstStyle/>
+          <a:p>
+            <a:endParaRPr lang="en-US" sz="3200" b="0" strike="noStrike" spc="-1">
               <a:latin typeface="Arial"/>
             </a:endParaRPr>
           </a:p>
@@ -1891,11 +2090,12 @@
           </a:prstGeom>
         </p:spPr>
         <p:txBody>
-          <a:bodyPr lIns="0" rIns="0" tIns="0" bIns="0">
+          <a:bodyPr lIns="0" tIns="0" rIns="0" bIns="0">
             <a:normAutofit/>
           </a:bodyPr>
-          <a:p>
-            <a:endParaRPr b="0" lang="en-US" sz="3200" spc="-1" strike="noStrike">
+          <a:lstStyle/>
+          <a:p>
+            <a:endParaRPr lang="en-US" sz="3200" b="0" strike="noStrike" spc="-1">
               <a:latin typeface="Arial"/>
             </a:endParaRPr>
           </a:p>
@@ -1921,11 +2121,12 @@
           </a:prstGeom>
         </p:spPr>
         <p:txBody>
-          <a:bodyPr lIns="0" rIns="0" tIns="0" bIns="0">
+          <a:bodyPr lIns="0" tIns="0" rIns="0" bIns="0">
             <a:normAutofit/>
           </a:bodyPr>
-          <a:p>
-            <a:endParaRPr b="0" lang="en-US" sz="3200" spc="-1" strike="noStrike">
+          <a:lstStyle/>
+          <a:p>
+            <a:endParaRPr lang="en-US" sz="3200" b="0" strike="noStrike" spc="-1">
               <a:latin typeface="Arial"/>
             </a:endParaRPr>
           </a:p>
@@ -1951,11 +2152,12 @@
           </a:prstGeom>
         </p:spPr>
         <p:txBody>
-          <a:bodyPr lIns="0" rIns="0" tIns="0" bIns="0">
+          <a:bodyPr lIns="0" tIns="0" rIns="0" bIns="0">
             <a:normAutofit/>
           </a:bodyPr>
-          <a:p>
-            <a:endParaRPr b="0" lang="en-US" sz="3200" spc="-1" strike="noStrike">
+          <a:lstStyle/>
+          <a:p>
+            <a:endParaRPr lang="en-US" sz="3200" b="0" strike="noStrike" spc="-1">
               <a:latin typeface="Arial"/>
             </a:endParaRPr>
           </a:p>
@@ -1963,11 +2165,14 @@
       </p:sp>
     </p:spTree>
   </p:cSld>
+  <p:clrMapOvr>
+    <a:masterClrMapping/>
+  </p:clrMapOvr>
 </p:sldLayout>
 </file>
 
 <file path=ppt/slideLayouts/slideLayout3.xml><?xml version="1.0" encoding="utf-8"?>
-<p:sldLayout xmlns:a="http://schemas.openxmlformats.org/drawingml/2006/main" xmlns:p="http://schemas.openxmlformats.org/presentationml/2006/main" xmlns:r="http://schemas.openxmlformats.org/officeDocument/2006/relationships" xmlns:p14="http://schemas.microsoft.com/office/powerpoint/2010/main" xmlns:p15="http://schemas.microsoft.com/office/powerpoint/2012/main" xmlns:mc="http://schemas.openxmlformats.org/markup-compatibility/2006" type="obj" preserve="1">
+<p:sldLayout xmlns:a="http://schemas.openxmlformats.org/drawingml/2006/main" xmlns:r="http://schemas.openxmlformats.org/officeDocument/2006/relationships" xmlns:p="http://schemas.openxmlformats.org/presentationml/2006/main" type="obj" preserve="1">
   <p:cSld name="Title, Content">
     <p:spTree>
       <p:nvGrpSpPr>
@@ -2003,10 +2208,11 @@
           </a:prstGeom>
         </p:spPr>
         <p:txBody>
-          <a:bodyPr lIns="0" rIns="0" tIns="0" bIns="0" anchor="ctr"/>
+          <a:bodyPr lIns="0" tIns="0" rIns="0" bIns="0" anchor="ctr"/>
+          <a:lstStyle/>
           <a:p>
             <a:pPr algn="ctr"/>
-            <a:endParaRPr b="0" lang="en-US" sz="4400" spc="-1" strike="noStrike">
+            <a:endParaRPr lang="en-US" sz="4400" b="0" strike="noStrike" spc="-1">
               <a:latin typeface="Arial"/>
             </a:endParaRPr>
           </a:p>
@@ -2032,11 +2238,12 @@
           </a:prstGeom>
         </p:spPr>
         <p:txBody>
-          <a:bodyPr lIns="0" rIns="0" tIns="0" bIns="0">
+          <a:bodyPr lIns="0" tIns="0" rIns="0" bIns="0">
             <a:normAutofit/>
           </a:bodyPr>
-          <a:p>
-            <a:endParaRPr b="0" lang="en-US" sz="3200" spc="-1" strike="noStrike">
+          <a:lstStyle/>
+          <a:p>
+            <a:endParaRPr lang="en-US" sz="3200" b="0" strike="noStrike" spc="-1">
               <a:latin typeface="Arial"/>
             </a:endParaRPr>
           </a:p>
@@ -2044,11 +2251,14 @@
       </p:sp>
     </p:spTree>
   </p:cSld>
+  <p:clrMapOvr>
+    <a:masterClrMapping/>
+  </p:clrMapOvr>
 </p:sldLayout>
 </file>
 
 <file path=ppt/slideLayouts/slideLayout4.xml><?xml version="1.0" encoding="utf-8"?>
-<p:sldLayout xmlns:a="http://schemas.openxmlformats.org/drawingml/2006/main" xmlns:p="http://schemas.openxmlformats.org/presentationml/2006/main" xmlns:r="http://schemas.openxmlformats.org/officeDocument/2006/relationships" xmlns:p14="http://schemas.microsoft.com/office/powerpoint/2010/main" xmlns:p15="http://schemas.microsoft.com/office/powerpoint/2012/main" xmlns:mc="http://schemas.openxmlformats.org/markup-compatibility/2006" type="twoObj" preserve="1">
+<p:sldLayout xmlns:a="http://schemas.openxmlformats.org/drawingml/2006/main" xmlns:r="http://schemas.openxmlformats.org/officeDocument/2006/relationships" xmlns:p="http://schemas.openxmlformats.org/presentationml/2006/main" type="twoObj" preserve="1">
   <p:cSld name="Title, 2 Content">
     <p:spTree>
       <p:nvGrpSpPr>
@@ -2084,10 +2294,11 @@
           </a:prstGeom>
         </p:spPr>
         <p:txBody>
-          <a:bodyPr lIns="0" rIns="0" tIns="0" bIns="0" anchor="ctr"/>
+          <a:bodyPr lIns="0" tIns="0" rIns="0" bIns="0" anchor="ctr"/>
+          <a:lstStyle/>
           <a:p>
             <a:pPr algn="ctr"/>
-            <a:endParaRPr b="0" lang="en-US" sz="4400" spc="-1" strike="noStrike">
+            <a:endParaRPr lang="en-US" sz="4400" b="0" strike="noStrike" spc="-1">
               <a:latin typeface="Arial"/>
             </a:endParaRPr>
           </a:p>
@@ -2113,11 +2324,12 @@
           </a:prstGeom>
         </p:spPr>
         <p:txBody>
-          <a:bodyPr lIns="0" rIns="0" tIns="0" bIns="0">
+          <a:bodyPr lIns="0" tIns="0" rIns="0" bIns="0">
             <a:normAutofit/>
           </a:bodyPr>
-          <a:p>
-            <a:endParaRPr b="0" lang="en-US" sz="3200" spc="-1" strike="noStrike">
+          <a:lstStyle/>
+          <a:p>
+            <a:endParaRPr lang="en-US" sz="3200" b="0" strike="noStrike" spc="-1">
               <a:latin typeface="Arial"/>
             </a:endParaRPr>
           </a:p>
@@ -2143,11 +2355,12 @@
           </a:prstGeom>
         </p:spPr>
         <p:txBody>
-          <a:bodyPr lIns="0" rIns="0" tIns="0" bIns="0">
+          <a:bodyPr lIns="0" tIns="0" rIns="0" bIns="0">
             <a:normAutofit/>
           </a:bodyPr>
-          <a:p>
-            <a:endParaRPr b="0" lang="en-US" sz="3200" spc="-1" strike="noStrike">
+          <a:lstStyle/>
+          <a:p>
+            <a:endParaRPr lang="en-US" sz="3200" b="0" strike="noStrike" spc="-1">
               <a:latin typeface="Arial"/>
             </a:endParaRPr>
           </a:p>
@@ -2155,11 +2368,14 @@
       </p:sp>
     </p:spTree>
   </p:cSld>
+  <p:clrMapOvr>
+    <a:masterClrMapping/>
+  </p:clrMapOvr>
 </p:sldLayout>
 </file>
 
 <file path=ppt/slideLayouts/slideLayout5.xml><?xml version="1.0" encoding="utf-8"?>
-<p:sldLayout xmlns:a="http://schemas.openxmlformats.org/drawingml/2006/main" xmlns:p="http://schemas.openxmlformats.org/presentationml/2006/main" xmlns:r="http://schemas.openxmlformats.org/officeDocument/2006/relationships" xmlns:p14="http://schemas.microsoft.com/office/powerpoint/2010/main" xmlns:p15="http://schemas.microsoft.com/office/powerpoint/2012/main" xmlns:mc="http://schemas.openxmlformats.org/markup-compatibility/2006" type="titleOnly" preserve="1">
+<p:sldLayout xmlns:a="http://schemas.openxmlformats.org/drawingml/2006/main" xmlns:r="http://schemas.openxmlformats.org/officeDocument/2006/relationships" xmlns:p="http://schemas.openxmlformats.org/presentationml/2006/main" type="titleOnly" preserve="1">
   <p:cSld name="Title Only">
     <p:spTree>
       <p:nvGrpSpPr>
@@ -2195,10 +2411,11 @@
           </a:prstGeom>
         </p:spPr>
         <p:txBody>
-          <a:bodyPr lIns="0" rIns="0" tIns="0" bIns="0" anchor="ctr"/>
+          <a:bodyPr lIns="0" tIns="0" rIns="0" bIns="0" anchor="ctr"/>
+          <a:lstStyle/>
           <a:p>
             <a:pPr algn="ctr"/>
-            <a:endParaRPr b="0" lang="en-US" sz="4400" spc="-1" strike="noStrike">
+            <a:endParaRPr lang="en-US" sz="4400" b="0" strike="noStrike" spc="-1">
               <a:latin typeface="Arial"/>
             </a:endParaRPr>
           </a:p>
@@ -2206,11 +2423,14 @@
       </p:sp>
     </p:spTree>
   </p:cSld>
+  <p:clrMapOvr>
+    <a:masterClrMapping/>
+  </p:clrMapOvr>
 </p:sldLayout>
 </file>
 
 <file path=ppt/slideLayouts/slideLayout6.xml><?xml version="1.0" encoding="utf-8"?>
-<p:sldLayout xmlns:a="http://schemas.openxmlformats.org/drawingml/2006/main" xmlns:p="http://schemas.openxmlformats.org/presentationml/2006/main" xmlns:r="http://schemas.openxmlformats.org/officeDocument/2006/relationships" xmlns:p14="http://schemas.microsoft.com/office/powerpoint/2010/main" xmlns:p15="http://schemas.microsoft.com/office/powerpoint/2012/main" xmlns:mc="http://schemas.openxmlformats.org/markup-compatibility/2006" type="objOnly" preserve="1">
+<p:sldLayout xmlns:a="http://schemas.openxmlformats.org/drawingml/2006/main" xmlns:r="http://schemas.openxmlformats.org/officeDocument/2006/relationships" xmlns:p="http://schemas.openxmlformats.org/presentationml/2006/main" type="objOnly" preserve="1">
   <p:cSld name="Centered Text">
     <p:spTree>
       <p:nvGrpSpPr>
@@ -2246,10 +2466,11 @@
           </a:prstGeom>
         </p:spPr>
         <p:txBody>
-          <a:bodyPr lIns="0" rIns="0" tIns="0" bIns="0" anchor="ctr"/>
+          <a:bodyPr lIns="0" tIns="0" rIns="0" bIns="0" anchor="ctr"/>
+          <a:lstStyle/>
           <a:p>
             <a:pPr algn="ctr"/>
-            <a:endParaRPr b="0" lang="en-US" sz="3200" spc="-1" strike="noStrike">
+            <a:endParaRPr lang="en-US" sz="3200" b="0" strike="noStrike" spc="-1">
               <a:latin typeface="Arial"/>
             </a:endParaRPr>
           </a:p>
@@ -2257,11 +2478,14 @@
       </p:sp>
     </p:spTree>
   </p:cSld>
+  <p:clrMapOvr>
+    <a:masterClrMapping/>
+  </p:clrMapOvr>
 </p:sldLayout>
 </file>
 
 <file path=ppt/slideLayouts/slideLayout7.xml><?xml version="1.0" encoding="utf-8"?>
-<p:sldLayout xmlns:a="http://schemas.openxmlformats.org/drawingml/2006/main" xmlns:p="http://schemas.openxmlformats.org/presentationml/2006/main" xmlns:r="http://schemas.openxmlformats.org/officeDocument/2006/relationships" xmlns:p14="http://schemas.microsoft.com/office/powerpoint/2010/main" xmlns:p15="http://schemas.microsoft.com/office/powerpoint/2012/main" xmlns:mc="http://schemas.openxmlformats.org/markup-compatibility/2006" type="twoObjAndObj" preserve="1">
+<p:sldLayout xmlns:a="http://schemas.openxmlformats.org/drawingml/2006/main" xmlns:r="http://schemas.openxmlformats.org/officeDocument/2006/relationships" xmlns:p="http://schemas.openxmlformats.org/presentationml/2006/main" type="twoObjAndObj" preserve="1">
   <p:cSld name="Title, 2 Content and Content">
     <p:spTree>
       <p:nvGrpSpPr>
@@ -2297,10 +2521,11 @@
           </a:prstGeom>
         </p:spPr>
         <p:txBody>
-          <a:bodyPr lIns="0" rIns="0" tIns="0" bIns="0" anchor="ctr"/>
+          <a:bodyPr lIns="0" tIns="0" rIns="0" bIns="0" anchor="ctr"/>
+          <a:lstStyle/>
           <a:p>
             <a:pPr algn="ctr"/>
-            <a:endParaRPr b="0" lang="en-US" sz="4400" spc="-1" strike="noStrike">
+            <a:endParaRPr lang="en-US" sz="4400" b="0" strike="noStrike" spc="-1">
               <a:latin typeface="Arial"/>
             </a:endParaRPr>
           </a:p>
@@ -2326,11 +2551,12 @@
           </a:prstGeom>
         </p:spPr>
         <p:txBody>
-          <a:bodyPr lIns="0" rIns="0" tIns="0" bIns="0">
+          <a:bodyPr lIns="0" tIns="0" rIns="0" bIns="0">
             <a:normAutofit/>
           </a:bodyPr>
-          <a:p>
-            <a:endParaRPr b="0" lang="en-US" sz="3200" spc="-1" strike="noStrike">
+          <a:lstStyle/>
+          <a:p>
+            <a:endParaRPr lang="en-US" sz="3200" b="0" strike="noStrike" spc="-1">
               <a:latin typeface="Arial"/>
             </a:endParaRPr>
           </a:p>
@@ -2356,11 +2582,12 @@
           </a:prstGeom>
         </p:spPr>
         <p:txBody>
-          <a:bodyPr lIns="0" rIns="0" tIns="0" bIns="0">
+          <a:bodyPr lIns="0" tIns="0" rIns="0" bIns="0">
             <a:normAutofit/>
           </a:bodyPr>
-          <a:p>
-            <a:endParaRPr b="0" lang="en-US" sz="3200" spc="-1" strike="noStrike">
+          <a:lstStyle/>
+          <a:p>
+            <a:endParaRPr lang="en-US" sz="3200" b="0" strike="noStrike" spc="-1">
               <a:latin typeface="Arial"/>
             </a:endParaRPr>
           </a:p>
@@ -2386,11 +2613,12 @@
           </a:prstGeom>
         </p:spPr>
         <p:txBody>
-          <a:bodyPr lIns="0" rIns="0" tIns="0" bIns="0">
+          <a:bodyPr lIns="0" tIns="0" rIns="0" bIns="0">
             <a:normAutofit/>
           </a:bodyPr>
-          <a:p>
-            <a:endParaRPr b="0" lang="en-US" sz="3200" spc="-1" strike="noStrike">
+          <a:lstStyle/>
+          <a:p>
+            <a:endParaRPr lang="en-US" sz="3200" b="0" strike="noStrike" spc="-1">
               <a:latin typeface="Arial"/>
             </a:endParaRPr>
           </a:p>
@@ -2398,11 +2626,14 @@
       </p:sp>
     </p:spTree>
   </p:cSld>
+  <p:clrMapOvr>
+    <a:masterClrMapping/>
+  </p:clrMapOvr>
 </p:sldLayout>
 </file>
 
 <file path=ppt/slideLayouts/slideLayout8.xml><?xml version="1.0" encoding="utf-8"?>
-<p:sldLayout xmlns:a="http://schemas.openxmlformats.org/drawingml/2006/main" xmlns:p="http://schemas.openxmlformats.org/presentationml/2006/main" xmlns:r="http://schemas.openxmlformats.org/officeDocument/2006/relationships" xmlns:p14="http://schemas.microsoft.com/office/powerpoint/2010/main" xmlns:p15="http://schemas.microsoft.com/office/powerpoint/2012/main" xmlns:mc="http://schemas.openxmlformats.org/markup-compatibility/2006" type="objAndTwoObj" preserve="1">
+<p:sldLayout xmlns:a="http://schemas.openxmlformats.org/drawingml/2006/main" xmlns:r="http://schemas.openxmlformats.org/officeDocument/2006/relationships" xmlns:p="http://schemas.openxmlformats.org/presentationml/2006/main" type="objAndTwoObj" preserve="1">
   <p:cSld name="Title Content and 2 Content">
     <p:spTree>
       <p:nvGrpSpPr>
@@ -2438,10 +2669,11 @@
           </a:prstGeom>
         </p:spPr>
         <p:txBody>
-          <a:bodyPr lIns="0" rIns="0" tIns="0" bIns="0" anchor="ctr"/>
+          <a:bodyPr lIns="0" tIns="0" rIns="0" bIns="0" anchor="ctr"/>
+          <a:lstStyle/>
           <a:p>
             <a:pPr algn="ctr"/>
-            <a:endParaRPr b="0" lang="en-US" sz="4400" spc="-1" strike="noStrike">
+            <a:endParaRPr lang="en-US" sz="4400" b="0" strike="noStrike" spc="-1">
               <a:latin typeface="Arial"/>
             </a:endParaRPr>
           </a:p>
@@ -2467,11 +2699,12 @@
           </a:prstGeom>
         </p:spPr>
         <p:txBody>
-          <a:bodyPr lIns="0" rIns="0" tIns="0" bIns="0">
+          <a:bodyPr lIns="0" tIns="0" rIns="0" bIns="0">
             <a:normAutofit/>
           </a:bodyPr>
-          <a:p>
-            <a:endParaRPr b="0" lang="en-US" sz="3200" spc="-1" strike="noStrike">
+          <a:lstStyle/>
+          <a:p>
+            <a:endParaRPr lang="en-US" sz="3200" b="0" strike="noStrike" spc="-1">
               <a:latin typeface="Arial"/>
             </a:endParaRPr>
           </a:p>
@@ -2497,11 +2730,12 @@
           </a:prstGeom>
         </p:spPr>
         <p:txBody>
-          <a:bodyPr lIns="0" rIns="0" tIns="0" bIns="0">
+          <a:bodyPr lIns="0" tIns="0" rIns="0" bIns="0">
             <a:normAutofit/>
           </a:bodyPr>
-          <a:p>
-            <a:endParaRPr b="0" lang="en-US" sz="3200" spc="-1" strike="noStrike">
+          <a:lstStyle/>
+          <a:p>
+            <a:endParaRPr lang="en-US" sz="3200" b="0" strike="noStrike" spc="-1">
               <a:latin typeface="Arial"/>
             </a:endParaRPr>
           </a:p>
@@ -2527,11 +2761,12 @@
           </a:prstGeom>
         </p:spPr>
         <p:txBody>
-          <a:bodyPr lIns="0" rIns="0" tIns="0" bIns="0">
+          <a:bodyPr lIns="0" tIns="0" rIns="0" bIns="0">
             <a:normAutofit/>
           </a:bodyPr>
-          <a:p>
-            <a:endParaRPr b="0" lang="en-US" sz="3200" spc="-1" strike="noStrike">
+          <a:lstStyle/>
+          <a:p>
+            <a:endParaRPr lang="en-US" sz="3200" b="0" strike="noStrike" spc="-1">
               <a:latin typeface="Arial"/>
             </a:endParaRPr>
           </a:p>
@@ -2539,11 +2774,14 @@
       </p:sp>
     </p:spTree>
   </p:cSld>
+  <p:clrMapOvr>
+    <a:masterClrMapping/>
+  </p:clrMapOvr>
 </p:sldLayout>
 </file>
 
 <file path=ppt/slideLayouts/slideLayout9.xml><?xml version="1.0" encoding="utf-8"?>
-<p:sldLayout xmlns:a="http://schemas.openxmlformats.org/drawingml/2006/main" xmlns:p="http://schemas.openxmlformats.org/presentationml/2006/main" xmlns:r="http://schemas.openxmlformats.org/officeDocument/2006/relationships" xmlns:p14="http://schemas.microsoft.com/office/powerpoint/2010/main" xmlns:p15="http://schemas.microsoft.com/office/powerpoint/2012/main" xmlns:mc="http://schemas.openxmlformats.org/markup-compatibility/2006" type="twoObjOverTx" preserve="1">
+<p:sldLayout xmlns:a="http://schemas.openxmlformats.org/drawingml/2006/main" xmlns:r="http://schemas.openxmlformats.org/officeDocument/2006/relationships" xmlns:p="http://schemas.openxmlformats.org/presentationml/2006/main" type="twoObjOverTx" preserve="1">
   <p:cSld name="Title, 2 Content over Content">
     <p:spTree>
       <p:nvGrpSpPr>
@@ -2579,10 +2817,11 @@
           </a:prstGeom>
         </p:spPr>
         <p:txBody>
-          <a:bodyPr lIns="0" rIns="0" tIns="0" bIns="0" anchor="ctr"/>
+          <a:bodyPr lIns="0" tIns="0" rIns="0" bIns="0" anchor="ctr"/>
+          <a:lstStyle/>
           <a:p>
             <a:pPr algn="ctr"/>
-            <a:endParaRPr b="0" lang="en-US" sz="4400" spc="-1" strike="noStrike">
+            <a:endParaRPr lang="en-US" sz="4400" b="0" strike="noStrike" spc="-1">
               <a:latin typeface="Arial"/>
             </a:endParaRPr>
           </a:p>
@@ -2608,11 +2847,12 @@
           </a:prstGeom>
         </p:spPr>
         <p:txBody>
-          <a:bodyPr lIns="0" rIns="0" tIns="0" bIns="0">
+          <a:bodyPr lIns="0" tIns="0" rIns="0" bIns="0">
             <a:normAutofit/>
           </a:bodyPr>
-          <a:p>
-            <a:endParaRPr b="0" lang="en-US" sz="3200" spc="-1" strike="noStrike">
+          <a:lstStyle/>
+          <a:p>
+            <a:endParaRPr lang="en-US" sz="3200" b="0" strike="noStrike" spc="-1">
               <a:latin typeface="Arial"/>
             </a:endParaRPr>
           </a:p>
@@ -2638,11 +2878,12 @@
           </a:prstGeom>
         </p:spPr>
         <p:txBody>
-          <a:bodyPr lIns="0" rIns="0" tIns="0" bIns="0">
+          <a:bodyPr lIns="0" tIns="0" rIns="0" bIns="0">
             <a:normAutofit/>
           </a:bodyPr>
-          <a:p>
-            <a:endParaRPr b="0" lang="en-US" sz="3200" spc="-1" strike="noStrike">
+          <a:lstStyle/>
+          <a:p>
+            <a:endParaRPr lang="en-US" sz="3200" b="0" strike="noStrike" spc="-1">
               <a:latin typeface="Arial"/>
             </a:endParaRPr>
           </a:p>
@@ -2668,11 +2909,12 @@
           </a:prstGeom>
         </p:spPr>
         <p:txBody>
-          <a:bodyPr lIns="0" rIns="0" tIns="0" bIns="0">
+          <a:bodyPr lIns="0" tIns="0" rIns="0" bIns="0">
             <a:normAutofit/>
           </a:bodyPr>
-          <a:p>
-            <a:endParaRPr b="0" lang="en-US" sz="3200" spc="-1" strike="noStrike">
+          <a:lstStyle/>
+          <a:p>
+            <a:endParaRPr lang="en-US" sz="3200" b="0" strike="noStrike" spc="-1">
               <a:latin typeface="Arial"/>
             </a:endParaRPr>
           </a:p>
@@ -2680,17 +2922,21 @@
       </p:sp>
     </p:spTree>
   </p:cSld>
+  <p:clrMapOvr>
+    <a:masterClrMapping/>
+  </p:clrMapOvr>
 </p:sldLayout>
 </file>
 
 <file path=ppt/slideMasters/slideMaster1.xml><?xml version="1.0" encoding="utf-8"?>
-<p:sldMaster xmlns:a="http://schemas.openxmlformats.org/drawingml/2006/main" xmlns:p="http://schemas.openxmlformats.org/presentationml/2006/main" xmlns:r="http://schemas.openxmlformats.org/officeDocument/2006/relationships" xmlns:p14="http://schemas.microsoft.com/office/powerpoint/2010/main" xmlns:p15="http://schemas.microsoft.com/office/powerpoint/2012/main" xmlns:mc="http://schemas.openxmlformats.org/markup-compatibility/2006">
+<p:sldMaster xmlns:a="http://schemas.openxmlformats.org/drawingml/2006/main" xmlns:r="http://schemas.openxmlformats.org/officeDocument/2006/relationships" xmlns:p="http://schemas.openxmlformats.org/presentationml/2006/main">
   <p:cSld>
     <p:bg>
       <p:bgPr>
         <a:solidFill>
-          <a:srgbClr val="ffffff"/>
+          <a:srgbClr val="FFFFFF"/>
         </a:solidFill>
+        <a:effectLst/>
       </p:bgPr>
     </p:bg>
     <p:spTree>
@@ -2709,7 +2955,7 @@
       </p:grpSpPr>
       <p:sp>
         <p:nvSpPr>
-          <p:cNvPr id="0" name="PlaceHolder 1"/>
+          <p:cNvPr id="2" name="PlaceHolder 1"/>
           <p:cNvSpPr>
             <a:spLocks noGrp="1"/>
           </p:cNvSpPr>
@@ -2727,23 +2973,21 @@
           </a:prstGeom>
         </p:spPr>
         <p:txBody>
-          <a:bodyPr lIns="0" rIns="0" tIns="0" bIns="0" anchor="ctr"/>
+          <a:bodyPr lIns="0" tIns="0" rIns="0" bIns="0" anchor="ctr"/>
+          <a:lstStyle/>
           <a:p>
             <a:r>
-              <a:rPr b="0" lang="en-US" sz="1800" spc="-1" strike="noStrike">
+              <a:rPr lang="en-US" sz="1800" b="0" strike="noStrike" spc="-1">
                 <a:latin typeface="Arial"/>
               </a:rPr>
               <a:t>Click to edit the title text format</a:t>
             </a:r>
-            <a:endParaRPr b="0" lang="en-US" sz="1800" spc="-1" strike="noStrike">
-              <a:latin typeface="Arial"/>
-            </a:endParaRPr>
           </a:p>
         </p:txBody>
       </p:sp>
       <p:sp>
         <p:nvSpPr>
-          <p:cNvPr id="1" name="PlaceHolder 2"/>
+          <p:cNvPr id="3" name="PlaceHolder 2"/>
           <p:cNvSpPr>
             <a:spLocks noGrp="1"/>
           </p:cNvSpPr>
@@ -2761,9 +3005,10 @@
           </a:prstGeom>
         </p:spPr>
         <p:txBody>
-          <a:bodyPr lIns="0" rIns="0" tIns="0" bIns="0">
+          <a:bodyPr lIns="0" tIns="0" rIns="0" bIns="0">
             <a:normAutofit/>
           </a:bodyPr>
+          <a:lstStyle/>
           <a:p>
             <a:pPr marL="432000" indent="-324000">
               <a:spcBef>
@@ -2777,17 +3022,14 @@
               <a:buChar char=""/>
             </a:pPr>
             <a:r>
-              <a:rPr b="0" lang="en-US" sz="3200" spc="-1" strike="noStrike">
+              <a:rPr lang="en-US" sz="3200" b="0" strike="noStrike" spc="-1">
                 <a:latin typeface="Arial"/>
               </a:rPr>
               <a:t>Click to edit the outline text format</a:t>
             </a:r>
-            <a:endParaRPr b="0" lang="en-US" sz="3200" spc="-1" strike="noStrike">
-              <a:latin typeface="Arial"/>
-            </a:endParaRPr>
-          </a:p>
-          <a:p>
-            <a:pPr lvl="1" marL="864000" indent="-324000">
+          </a:p>
+          <a:p>
+            <a:pPr marL="864000" lvl="1" indent="-324000">
               <a:spcBef>
                 <a:spcPts val="1134"/>
               </a:spcBef>
@@ -2799,17 +3041,14 @@
               <a:buChar char=""/>
             </a:pPr>
             <a:r>
-              <a:rPr b="0" lang="en-US" sz="2800" spc="-1" strike="noStrike">
+              <a:rPr lang="en-US" sz="2800" b="0" strike="noStrike" spc="-1">
                 <a:latin typeface="Arial"/>
               </a:rPr>
               <a:t>Second Outline Level</a:t>
             </a:r>
-            <a:endParaRPr b="0" lang="en-US" sz="2800" spc="-1" strike="noStrike">
-              <a:latin typeface="Arial"/>
-            </a:endParaRPr>
-          </a:p>
-          <a:p>
-            <a:pPr lvl="2" marL="1296000" indent="-288000">
+          </a:p>
+          <a:p>
+            <a:pPr marL="1296000" lvl="2" indent="-288000">
               <a:spcBef>
                 <a:spcPts val="850"/>
               </a:spcBef>
@@ -2821,17 +3060,14 @@
               <a:buChar char=""/>
             </a:pPr>
             <a:r>
-              <a:rPr b="0" lang="en-US" sz="2400" spc="-1" strike="noStrike">
+              <a:rPr lang="en-US" sz="2400" b="0" strike="noStrike" spc="-1">
                 <a:latin typeface="Arial"/>
               </a:rPr>
               <a:t>Third Outline Level</a:t>
             </a:r>
-            <a:endParaRPr b="0" lang="en-US" sz="2400" spc="-1" strike="noStrike">
-              <a:latin typeface="Arial"/>
-            </a:endParaRPr>
-          </a:p>
-          <a:p>
-            <a:pPr lvl="3" marL="1728000" indent="-216000">
+          </a:p>
+          <a:p>
+            <a:pPr marL="1728000" lvl="3" indent="-216000">
               <a:spcBef>
                 <a:spcPts val="567"/>
               </a:spcBef>
@@ -2843,17 +3079,14 @@
               <a:buChar char=""/>
             </a:pPr>
             <a:r>
-              <a:rPr b="0" lang="en-US" sz="2000" spc="-1" strike="noStrike">
+              <a:rPr lang="en-US" sz="2000" b="0" strike="noStrike" spc="-1">
                 <a:latin typeface="Arial"/>
               </a:rPr>
               <a:t>Fourth Outline Level</a:t>
             </a:r>
-            <a:endParaRPr b="0" lang="en-US" sz="2000" spc="-1" strike="noStrike">
-              <a:latin typeface="Arial"/>
-            </a:endParaRPr>
-          </a:p>
-          <a:p>
-            <a:pPr lvl="4" marL="2160000" indent="-216000">
+          </a:p>
+          <a:p>
+            <a:pPr marL="2160000" lvl="4" indent="-216000">
               <a:spcBef>
                 <a:spcPts val="283"/>
               </a:spcBef>
@@ -2865,17 +3098,14 @@
               <a:buChar char=""/>
             </a:pPr>
             <a:r>
-              <a:rPr b="0" lang="en-US" sz="2000" spc="-1" strike="noStrike">
+              <a:rPr lang="en-US" sz="2000" b="0" strike="noStrike" spc="-1">
                 <a:latin typeface="Arial"/>
               </a:rPr>
               <a:t>Fifth Outline Level</a:t>
             </a:r>
-            <a:endParaRPr b="0" lang="en-US" sz="2000" spc="-1" strike="noStrike">
-              <a:latin typeface="Arial"/>
-            </a:endParaRPr>
-          </a:p>
-          <a:p>
-            <a:pPr lvl="5" marL="2592000" indent="-216000">
+          </a:p>
+          <a:p>
+            <a:pPr marL="2592000" lvl="5" indent="-216000">
               <a:spcBef>
                 <a:spcPts val="283"/>
               </a:spcBef>
@@ -2887,17 +3117,14 @@
               <a:buChar char=""/>
             </a:pPr>
             <a:r>
-              <a:rPr b="0" lang="en-US" sz="2000" spc="-1" strike="noStrike">
+              <a:rPr lang="en-US" sz="2000" b="0" strike="noStrike" spc="-1">
                 <a:latin typeface="Arial"/>
               </a:rPr>
               <a:t>Sixth Outline Level</a:t>
             </a:r>
-            <a:endParaRPr b="0" lang="en-US" sz="2000" spc="-1" strike="noStrike">
-              <a:latin typeface="Arial"/>
-            </a:endParaRPr>
-          </a:p>
-          <a:p>
-            <a:pPr lvl="6" marL="3024000" indent="-216000">
+          </a:p>
+          <a:p>
+            <a:pPr marL="3024000" lvl="6" indent="-216000">
               <a:spcBef>
                 <a:spcPts val="283"/>
               </a:spcBef>
@@ -2909,45 +3136,323 @@
               <a:buChar char=""/>
             </a:pPr>
             <a:r>
-              <a:rPr b="0" lang="en-US" sz="2000" spc="-1" strike="noStrike">
+              <a:rPr lang="en-US" sz="2000" b="0" strike="noStrike" spc="-1">
                 <a:latin typeface="Arial"/>
               </a:rPr>
               <a:t>Seventh Outline Level</a:t>
             </a:r>
-            <a:endParaRPr b="0" lang="en-US" sz="2000" spc="-1" strike="noStrike">
-              <a:latin typeface="Arial"/>
-            </a:endParaRPr>
           </a:p>
         </p:txBody>
       </p:sp>
     </p:spTree>
   </p:cSld>
-  <p:clrMap bg1="lt1" bg2="lt2" tx1="dk1" tx2="dk2" accent1="accent1" accent2="accent2" accent3="accent3" accent4="accent4" accent5="accent5" accent6="accent6" hlink="hlink" folHlink="folHlink"/>
+  <p:clrMap bg1="lt1" tx1="dk1" bg2="lt2" tx2="dk2" accent1="accent1" accent2="accent2" accent3="accent3" accent4="accent4" accent5="accent5" accent6="accent6" hlink="hlink" folHlink="folHlink"/>
   <p:sldLayoutIdLst>
-    <p:sldLayoutId id="2147483649" r:id="rId2"/>
-    <p:sldLayoutId id="2147483650" r:id="rId3"/>
-    <p:sldLayoutId id="2147483651" r:id="rId4"/>
-    <p:sldLayoutId id="2147483652" r:id="rId5"/>
-    <p:sldLayoutId id="2147483653" r:id="rId6"/>
-    <p:sldLayoutId id="2147483654" r:id="rId7"/>
-    <p:sldLayoutId id="2147483655" r:id="rId8"/>
-    <p:sldLayoutId id="2147483656" r:id="rId9"/>
-    <p:sldLayoutId id="2147483657" r:id="rId10"/>
-    <p:sldLayoutId id="2147483658" r:id="rId11"/>
-    <p:sldLayoutId id="2147483659" r:id="rId12"/>
-    <p:sldLayoutId id="2147483660" r:id="rId13"/>
+    <p:sldLayoutId id="2147483649" r:id="rId1"/>
+    <p:sldLayoutId id="2147483650" r:id="rId2"/>
+    <p:sldLayoutId id="2147483651" r:id="rId3"/>
+    <p:sldLayoutId id="2147483652" r:id="rId4"/>
+    <p:sldLayoutId id="2147483653" r:id="rId5"/>
+    <p:sldLayoutId id="2147483654" r:id="rId6"/>
+    <p:sldLayoutId id="2147483655" r:id="rId7"/>
+    <p:sldLayoutId id="2147483656" r:id="rId8"/>
+    <p:sldLayoutId id="2147483657" r:id="rId9"/>
+    <p:sldLayoutId id="2147483658" r:id="rId10"/>
+    <p:sldLayoutId id="2147483659" r:id="rId11"/>
+    <p:sldLayoutId id="2147483660" r:id="rId12"/>
   </p:sldLayoutIdLst>
+  <p:txStyles>
+    <p:titleStyle>
+      <a:lvl1pPr algn="l" defTabSz="914400" rtl="0" eaLnBrk="1" latinLnBrk="0" hangingPunct="1">
+        <a:lnSpc>
+          <a:spcPct val="90000"/>
+        </a:lnSpc>
+        <a:spcBef>
+          <a:spcPct val="0"/>
+        </a:spcBef>
+        <a:buNone/>
+        <a:defRPr sz="4400" kern="1200">
+          <a:solidFill>
+            <a:schemeClr val="tx1"/>
+          </a:solidFill>
+          <a:latin typeface="+mj-lt"/>
+          <a:ea typeface="+mj-ea"/>
+          <a:cs typeface="+mj-cs"/>
+        </a:defRPr>
+      </a:lvl1pPr>
+    </p:titleStyle>
+    <p:bodyStyle>
+      <a:lvl1pPr marL="228600" indent="-228600" algn="l" defTabSz="914400" rtl="0" eaLnBrk="1" latinLnBrk="0" hangingPunct="1">
+        <a:lnSpc>
+          <a:spcPct val="90000"/>
+        </a:lnSpc>
+        <a:spcBef>
+          <a:spcPts val="1000"/>
+        </a:spcBef>
+        <a:buFont typeface="Arial" panose="020B0604020202020204" pitchFamily="34" charset="0"/>
+        <a:buChar char="•"/>
+        <a:defRPr sz="2800" kern="1200">
+          <a:solidFill>
+            <a:schemeClr val="tx1"/>
+          </a:solidFill>
+          <a:latin typeface="+mn-lt"/>
+          <a:ea typeface="+mn-ea"/>
+          <a:cs typeface="+mn-cs"/>
+        </a:defRPr>
+      </a:lvl1pPr>
+      <a:lvl2pPr marL="685800" indent="-228600" algn="l" defTabSz="914400" rtl="0" eaLnBrk="1" latinLnBrk="0" hangingPunct="1">
+        <a:lnSpc>
+          <a:spcPct val="90000"/>
+        </a:lnSpc>
+        <a:spcBef>
+          <a:spcPts val="500"/>
+        </a:spcBef>
+        <a:buFont typeface="Arial" panose="020B0604020202020204" pitchFamily="34" charset="0"/>
+        <a:buChar char="•"/>
+        <a:defRPr sz="2400" kern="1200">
+          <a:solidFill>
+            <a:schemeClr val="tx1"/>
+          </a:solidFill>
+          <a:latin typeface="+mn-lt"/>
+          <a:ea typeface="+mn-ea"/>
+          <a:cs typeface="+mn-cs"/>
+        </a:defRPr>
+      </a:lvl2pPr>
+      <a:lvl3pPr marL="1143000" indent="-228600" algn="l" defTabSz="914400" rtl="0" eaLnBrk="1" latinLnBrk="0" hangingPunct="1">
+        <a:lnSpc>
+          <a:spcPct val="90000"/>
+        </a:lnSpc>
+        <a:spcBef>
+          <a:spcPts val="500"/>
+        </a:spcBef>
+        <a:buFont typeface="Arial" panose="020B0604020202020204" pitchFamily="34" charset="0"/>
+        <a:buChar char="•"/>
+        <a:defRPr sz="2000" kern="1200">
+          <a:solidFill>
+            <a:schemeClr val="tx1"/>
+          </a:solidFill>
+          <a:latin typeface="+mn-lt"/>
+          <a:ea typeface="+mn-ea"/>
+          <a:cs typeface="+mn-cs"/>
+        </a:defRPr>
+      </a:lvl3pPr>
+      <a:lvl4pPr marL="1600200" indent="-228600" algn="l" defTabSz="914400" rtl="0" eaLnBrk="1" latinLnBrk="0" hangingPunct="1">
+        <a:lnSpc>
+          <a:spcPct val="90000"/>
+        </a:lnSpc>
+        <a:spcBef>
+          <a:spcPts val="500"/>
+        </a:spcBef>
+        <a:buFont typeface="Arial" panose="020B0604020202020204" pitchFamily="34" charset="0"/>
+        <a:buChar char="•"/>
+        <a:defRPr sz="1800" kern="1200">
+          <a:solidFill>
+            <a:schemeClr val="tx1"/>
+          </a:solidFill>
+          <a:latin typeface="+mn-lt"/>
+          <a:ea typeface="+mn-ea"/>
+          <a:cs typeface="+mn-cs"/>
+        </a:defRPr>
+      </a:lvl4pPr>
+      <a:lvl5pPr marL="2057400" indent="-228600" algn="l" defTabSz="914400" rtl="0" eaLnBrk="1" latinLnBrk="0" hangingPunct="1">
+        <a:lnSpc>
+          <a:spcPct val="90000"/>
+        </a:lnSpc>
+        <a:spcBef>
+          <a:spcPts val="500"/>
+        </a:spcBef>
+        <a:buFont typeface="Arial" panose="020B0604020202020204" pitchFamily="34" charset="0"/>
+        <a:buChar char="•"/>
+        <a:defRPr sz="1800" kern="1200">
+          <a:solidFill>
+            <a:schemeClr val="tx1"/>
+          </a:solidFill>
+          <a:latin typeface="+mn-lt"/>
+          <a:ea typeface="+mn-ea"/>
+          <a:cs typeface="+mn-cs"/>
+        </a:defRPr>
+      </a:lvl5pPr>
+      <a:lvl6pPr marL="2514600" indent="-228600" algn="l" defTabSz="914400" rtl="0" eaLnBrk="1" latinLnBrk="0" hangingPunct="1">
+        <a:lnSpc>
+          <a:spcPct val="90000"/>
+        </a:lnSpc>
+        <a:spcBef>
+          <a:spcPts val="500"/>
+        </a:spcBef>
+        <a:buFont typeface="Arial" panose="020B0604020202020204" pitchFamily="34" charset="0"/>
+        <a:buChar char="•"/>
+        <a:defRPr sz="1800" kern="1200">
+          <a:solidFill>
+            <a:schemeClr val="tx1"/>
+          </a:solidFill>
+          <a:latin typeface="+mn-lt"/>
+          <a:ea typeface="+mn-ea"/>
+          <a:cs typeface="+mn-cs"/>
+        </a:defRPr>
+      </a:lvl6pPr>
+      <a:lvl7pPr marL="2971800" indent="-228600" algn="l" defTabSz="914400" rtl="0" eaLnBrk="1" latinLnBrk="0" hangingPunct="1">
+        <a:lnSpc>
+          <a:spcPct val="90000"/>
+        </a:lnSpc>
+        <a:spcBef>
+          <a:spcPts val="500"/>
+        </a:spcBef>
+        <a:buFont typeface="Arial" panose="020B0604020202020204" pitchFamily="34" charset="0"/>
+        <a:buChar char="•"/>
+        <a:defRPr sz="1800" kern="1200">
+          <a:solidFill>
+            <a:schemeClr val="tx1"/>
+          </a:solidFill>
+          <a:latin typeface="+mn-lt"/>
+          <a:ea typeface="+mn-ea"/>
+          <a:cs typeface="+mn-cs"/>
+        </a:defRPr>
+      </a:lvl7pPr>
+      <a:lvl8pPr marL="3429000" indent="-228600" algn="l" defTabSz="914400" rtl="0" eaLnBrk="1" latinLnBrk="0" hangingPunct="1">
+        <a:lnSpc>
+          <a:spcPct val="90000"/>
+        </a:lnSpc>
+        <a:spcBef>
+          <a:spcPts val="500"/>
+        </a:spcBef>
+        <a:buFont typeface="Arial" panose="020B0604020202020204" pitchFamily="34" charset="0"/>
+        <a:buChar char="•"/>
+        <a:defRPr sz="1800" kern="1200">
+          <a:solidFill>
+            <a:schemeClr val="tx1"/>
+          </a:solidFill>
+          <a:latin typeface="+mn-lt"/>
+          <a:ea typeface="+mn-ea"/>
+          <a:cs typeface="+mn-cs"/>
+        </a:defRPr>
+      </a:lvl8pPr>
+      <a:lvl9pPr marL="3886200" indent="-228600" algn="l" defTabSz="914400" rtl="0" eaLnBrk="1" latinLnBrk="0" hangingPunct="1">
+        <a:lnSpc>
+          <a:spcPct val="90000"/>
+        </a:lnSpc>
+        <a:spcBef>
+          <a:spcPts val="500"/>
+        </a:spcBef>
+        <a:buFont typeface="Arial" panose="020B0604020202020204" pitchFamily="34" charset="0"/>
+        <a:buChar char="•"/>
+        <a:defRPr sz="1800" kern="1200">
+          <a:solidFill>
+            <a:schemeClr val="tx1"/>
+          </a:solidFill>
+          <a:latin typeface="+mn-lt"/>
+          <a:ea typeface="+mn-ea"/>
+          <a:cs typeface="+mn-cs"/>
+        </a:defRPr>
+      </a:lvl9pPr>
+    </p:bodyStyle>
+    <p:otherStyle>
+      <a:defPPr>
+        <a:defRPr lang="de-DE"/>
+      </a:defPPr>
+      <a:lvl1pPr marL="0" algn="l" defTabSz="914400" rtl="0" eaLnBrk="1" latinLnBrk="0" hangingPunct="1">
+        <a:defRPr sz="1800" kern="1200">
+          <a:solidFill>
+            <a:schemeClr val="tx1"/>
+          </a:solidFill>
+          <a:latin typeface="+mn-lt"/>
+          <a:ea typeface="+mn-ea"/>
+          <a:cs typeface="+mn-cs"/>
+        </a:defRPr>
+      </a:lvl1pPr>
+      <a:lvl2pPr marL="457200" algn="l" defTabSz="914400" rtl="0" eaLnBrk="1" latinLnBrk="0" hangingPunct="1">
+        <a:defRPr sz="1800" kern="1200">
+          <a:solidFill>
+            <a:schemeClr val="tx1"/>
+          </a:solidFill>
+          <a:latin typeface="+mn-lt"/>
+          <a:ea typeface="+mn-ea"/>
+          <a:cs typeface="+mn-cs"/>
+        </a:defRPr>
+      </a:lvl2pPr>
+      <a:lvl3pPr marL="914400" algn="l" defTabSz="914400" rtl="0" eaLnBrk="1" latinLnBrk="0" hangingPunct="1">
+        <a:defRPr sz="1800" kern="1200">
+          <a:solidFill>
+            <a:schemeClr val="tx1"/>
+          </a:solidFill>
+          <a:latin typeface="+mn-lt"/>
+          <a:ea typeface="+mn-ea"/>
+          <a:cs typeface="+mn-cs"/>
+        </a:defRPr>
+      </a:lvl3pPr>
+      <a:lvl4pPr marL="1371600" algn="l" defTabSz="914400" rtl="0" eaLnBrk="1" latinLnBrk="0" hangingPunct="1">
+        <a:defRPr sz="1800" kern="1200">
+          <a:solidFill>
+            <a:schemeClr val="tx1"/>
+          </a:solidFill>
+          <a:latin typeface="+mn-lt"/>
+          <a:ea typeface="+mn-ea"/>
+          <a:cs typeface="+mn-cs"/>
+        </a:defRPr>
+      </a:lvl4pPr>
+      <a:lvl5pPr marL="1828800" algn="l" defTabSz="914400" rtl="0" eaLnBrk="1" latinLnBrk="0" hangingPunct="1">
+        <a:defRPr sz="1800" kern="1200">
+          <a:solidFill>
+            <a:schemeClr val="tx1"/>
+          </a:solidFill>
+          <a:latin typeface="+mn-lt"/>
+          <a:ea typeface="+mn-ea"/>
+          <a:cs typeface="+mn-cs"/>
+        </a:defRPr>
+      </a:lvl5pPr>
+      <a:lvl6pPr marL="2286000" algn="l" defTabSz="914400" rtl="0" eaLnBrk="1" latinLnBrk="0" hangingPunct="1">
+        <a:defRPr sz="1800" kern="1200">
+          <a:solidFill>
+            <a:schemeClr val="tx1"/>
+          </a:solidFill>
+          <a:latin typeface="+mn-lt"/>
+          <a:ea typeface="+mn-ea"/>
+          <a:cs typeface="+mn-cs"/>
+        </a:defRPr>
+      </a:lvl6pPr>
+      <a:lvl7pPr marL="2743200" algn="l" defTabSz="914400" rtl="0" eaLnBrk="1" latinLnBrk="0" hangingPunct="1">
+        <a:defRPr sz="1800" kern="1200">
+          <a:solidFill>
+            <a:schemeClr val="tx1"/>
+          </a:solidFill>
+          <a:latin typeface="+mn-lt"/>
+          <a:ea typeface="+mn-ea"/>
+          <a:cs typeface="+mn-cs"/>
+        </a:defRPr>
+      </a:lvl7pPr>
+      <a:lvl8pPr marL="3200400" algn="l" defTabSz="914400" rtl="0" eaLnBrk="1" latinLnBrk="0" hangingPunct="1">
+        <a:defRPr sz="1800" kern="1200">
+          <a:solidFill>
+            <a:schemeClr val="tx1"/>
+          </a:solidFill>
+          <a:latin typeface="+mn-lt"/>
+          <a:ea typeface="+mn-ea"/>
+          <a:cs typeface="+mn-cs"/>
+        </a:defRPr>
+      </a:lvl8pPr>
+      <a:lvl9pPr marL="3657600" algn="l" defTabSz="914400" rtl="0" eaLnBrk="1" latinLnBrk="0" hangingPunct="1">
+        <a:defRPr sz="1800" kern="1200">
+          <a:solidFill>
+            <a:schemeClr val="tx1"/>
+          </a:solidFill>
+          <a:latin typeface="+mn-lt"/>
+          <a:ea typeface="+mn-ea"/>
+          <a:cs typeface="+mn-cs"/>
+        </a:defRPr>
+      </a:lvl9pPr>
+    </p:otherStyle>
+  </p:txStyles>
 </p:sldMaster>
 </file>
 
 <file path=ppt/slideMasters/slideMaster2.xml><?xml version="1.0" encoding="utf-8"?>
-<p:sldMaster xmlns:a="http://schemas.openxmlformats.org/drawingml/2006/main" xmlns:p="http://schemas.openxmlformats.org/presentationml/2006/main" xmlns:r="http://schemas.openxmlformats.org/officeDocument/2006/relationships" xmlns:p14="http://schemas.microsoft.com/office/powerpoint/2010/main" xmlns:p15="http://schemas.microsoft.com/office/powerpoint/2012/main" xmlns:mc="http://schemas.openxmlformats.org/markup-compatibility/2006">
+<p:sldMaster xmlns:a="http://schemas.openxmlformats.org/drawingml/2006/main" xmlns:r="http://schemas.openxmlformats.org/officeDocument/2006/relationships" xmlns:p="http://schemas.openxmlformats.org/presentationml/2006/main">
   <p:cSld>
     <p:bg>
       <p:bgPr>
         <a:solidFill>
-          <a:srgbClr val="ffffff"/>
+          <a:srgbClr val="FFFFFF"/>
         </a:solidFill>
+        <a:effectLst/>
       </p:bgPr>
     </p:bg>
     <p:spTree>
@@ -2984,18 +3489,16 @@
           </a:prstGeom>
         </p:spPr>
         <p:txBody>
-          <a:bodyPr lIns="0" rIns="0" tIns="0" bIns="0" anchor="ctr"/>
+          <a:bodyPr lIns="0" tIns="0" rIns="0" bIns="0" anchor="ctr"/>
+          <a:lstStyle/>
           <a:p>
             <a:pPr algn="ctr"/>
             <a:r>
-              <a:rPr b="0" lang="en-US" sz="4400" spc="-1" strike="noStrike">
+              <a:rPr lang="en-US" sz="4400" b="0" strike="noStrike" spc="-1">
                 <a:latin typeface="Arial"/>
               </a:rPr>
               <a:t>Click to edit the title text format</a:t>
             </a:r>
-            <a:endParaRPr b="0" lang="en-US" sz="4400" spc="-1" strike="noStrike">
-              <a:latin typeface="Arial"/>
-            </a:endParaRPr>
           </a:p>
         </p:txBody>
       </p:sp>
@@ -3019,9 +3522,10 @@
           </a:prstGeom>
         </p:spPr>
         <p:txBody>
-          <a:bodyPr lIns="0" rIns="0" tIns="0" bIns="0">
+          <a:bodyPr lIns="0" tIns="0" rIns="0" bIns="0">
             <a:normAutofit/>
           </a:bodyPr>
+          <a:lstStyle/>
           <a:p>
             <a:pPr marL="432000" indent="-324000">
               <a:spcBef>
@@ -3035,17 +3539,14 @@
               <a:buChar char=""/>
             </a:pPr>
             <a:r>
-              <a:rPr b="0" lang="en-US" sz="3200" spc="-1" strike="noStrike">
+              <a:rPr lang="en-US" sz="3200" b="0" strike="noStrike" spc="-1">
                 <a:latin typeface="Arial"/>
               </a:rPr>
               <a:t>Click to edit the outline text format</a:t>
             </a:r>
-            <a:endParaRPr b="0" lang="en-US" sz="3200" spc="-1" strike="noStrike">
-              <a:latin typeface="Arial"/>
-            </a:endParaRPr>
-          </a:p>
-          <a:p>
-            <a:pPr lvl="1" marL="864000" indent="-324000">
+          </a:p>
+          <a:p>
+            <a:pPr marL="864000" lvl="1" indent="-324000">
               <a:spcBef>
                 <a:spcPts val="1134"/>
               </a:spcBef>
@@ -3057,17 +3558,14 @@
               <a:buChar char=""/>
             </a:pPr>
             <a:r>
-              <a:rPr b="0" lang="en-US" sz="2800" spc="-1" strike="noStrike">
+              <a:rPr lang="en-US" sz="2800" b="0" strike="noStrike" spc="-1">
                 <a:latin typeface="Arial"/>
               </a:rPr>
               <a:t>Second Outline Level</a:t>
             </a:r>
-            <a:endParaRPr b="0" lang="en-US" sz="2800" spc="-1" strike="noStrike">
-              <a:latin typeface="Arial"/>
-            </a:endParaRPr>
-          </a:p>
-          <a:p>
-            <a:pPr lvl="2" marL="1296000" indent="-288000">
+          </a:p>
+          <a:p>
+            <a:pPr marL="1296000" lvl="2" indent="-288000">
               <a:spcBef>
                 <a:spcPts val="850"/>
               </a:spcBef>
@@ -3079,17 +3577,14 @@
               <a:buChar char=""/>
             </a:pPr>
             <a:r>
-              <a:rPr b="0" lang="en-US" sz="2400" spc="-1" strike="noStrike">
+              <a:rPr lang="en-US" sz="2400" b="0" strike="noStrike" spc="-1">
                 <a:latin typeface="Arial"/>
               </a:rPr>
               <a:t>Third Outline Level</a:t>
             </a:r>
-            <a:endParaRPr b="0" lang="en-US" sz="2400" spc="-1" strike="noStrike">
-              <a:latin typeface="Arial"/>
-            </a:endParaRPr>
-          </a:p>
-          <a:p>
-            <a:pPr lvl="3" marL="1728000" indent="-216000">
+          </a:p>
+          <a:p>
+            <a:pPr marL="1728000" lvl="3" indent="-216000">
               <a:spcBef>
                 <a:spcPts val="567"/>
               </a:spcBef>
@@ -3101,17 +3596,14 @@
               <a:buChar char=""/>
             </a:pPr>
             <a:r>
-              <a:rPr b="0" lang="en-US" sz="2000" spc="-1" strike="noStrike">
+              <a:rPr lang="en-US" sz="2000" b="0" strike="noStrike" spc="-1">
                 <a:latin typeface="Arial"/>
               </a:rPr>
               <a:t>Fourth Outline Level</a:t>
             </a:r>
-            <a:endParaRPr b="0" lang="en-US" sz="2000" spc="-1" strike="noStrike">
-              <a:latin typeface="Arial"/>
-            </a:endParaRPr>
-          </a:p>
-          <a:p>
-            <a:pPr lvl="4" marL="2160000" indent="-216000">
+          </a:p>
+          <a:p>
+            <a:pPr marL="2160000" lvl="4" indent="-216000">
               <a:spcBef>
                 <a:spcPts val="283"/>
               </a:spcBef>
@@ -3123,17 +3615,14 @@
               <a:buChar char=""/>
             </a:pPr>
             <a:r>
-              <a:rPr b="0" lang="en-US" sz="2000" spc="-1" strike="noStrike">
+              <a:rPr lang="en-US" sz="2000" b="0" strike="noStrike" spc="-1">
                 <a:latin typeface="Arial"/>
               </a:rPr>
               <a:t>Fifth Outline Level</a:t>
             </a:r>
-            <a:endParaRPr b="0" lang="en-US" sz="2000" spc="-1" strike="noStrike">
-              <a:latin typeface="Arial"/>
-            </a:endParaRPr>
-          </a:p>
-          <a:p>
-            <a:pPr lvl="5" marL="2592000" indent="-216000">
+          </a:p>
+          <a:p>
+            <a:pPr marL="2592000" lvl="5" indent="-216000">
               <a:spcBef>
                 <a:spcPts val="283"/>
               </a:spcBef>
@@ -3145,17 +3634,14 @@
               <a:buChar char=""/>
             </a:pPr>
             <a:r>
-              <a:rPr b="0" lang="en-US" sz="2000" spc="-1" strike="noStrike">
+              <a:rPr lang="en-US" sz="2000" b="0" strike="noStrike" spc="-1">
                 <a:latin typeface="Arial"/>
               </a:rPr>
               <a:t>Sixth Outline Level</a:t>
             </a:r>
-            <a:endParaRPr b="0" lang="en-US" sz="2000" spc="-1" strike="noStrike">
-              <a:latin typeface="Arial"/>
-            </a:endParaRPr>
-          </a:p>
-          <a:p>
-            <a:pPr lvl="6" marL="3024000" indent="-216000">
+          </a:p>
+          <a:p>
+            <a:pPr marL="3024000" lvl="6" indent="-216000">
               <a:spcBef>
                 <a:spcPts val="283"/>
               </a:spcBef>
@@ -3167,39 +3653,316 @@
               <a:buChar char=""/>
             </a:pPr>
             <a:r>
-              <a:rPr b="0" lang="en-US" sz="2000" spc="-1" strike="noStrike">
+              <a:rPr lang="en-US" sz="2000" b="0" strike="noStrike" spc="-1">
                 <a:latin typeface="Arial"/>
               </a:rPr>
               <a:t>Seventh Outline Level</a:t>
             </a:r>
-            <a:endParaRPr b="0" lang="en-US" sz="2000" spc="-1" strike="noStrike">
-              <a:latin typeface="Arial"/>
-            </a:endParaRPr>
           </a:p>
         </p:txBody>
       </p:sp>
     </p:spTree>
   </p:cSld>
-  <p:clrMap bg1="lt1" bg2="lt2" tx1="dk1" tx2="dk2" accent1="accent1" accent2="accent2" accent3="accent3" accent4="accent4" accent5="accent5" accent6="accent6" hlink="hlink" folHlink="folHlink"/>
+  <p:clrMap bg1="lt1" tx1="dk1" bg2="lt2" tx2="dk2" accent1="accent1" accent2="accent2" accent3="accent3" accent4="accent4" accent5="accent5" accent6="accent6" hlink="hlink" folHlink="folHlink"/>
   <p:sldLayoutIdLst>
-    <p:sldLayoutId id="2147483662" r:id="rId2"/>
-    <p:sldLayoutId id="2147483663" r:id="rId3"/>
-    <p:sldLayoutId id="2147483664" r:id="rId4"/>
-    <p:sldLayoutId id="2147483665" r:id="rId5"/>
-    <p:sldLayoutId id="2147483666" r:id="rId6"/>
-    <p:sldLayoutId id="2147483667" r:id="rId7"/>
-    <p:sldLayoutId id="2147483668" r:id="rId8"/>
-    <p:sldLayoutId id="2147483669" r:id="rId9"/>
-    <p:sldLayoutId id="2147483670" r:id="rId10"/>
-    <p:sldLayoutId id="2147483671" r:id="rId11"/>
-    <p:sldLayoutId id="2147483672" r:id="rId12"/>
-    <p:sldLayoutId id="2147483673" r:id="rId13"/>
+    <p:sldLayoutId id="2147483662" r:id="rId1"/>
+    <p:sldLayoutId id="2147483663" r:id="rId2"/>
+    <p:sldLayoutId id="2147483664" r:id="rId3"/>
+    <p:sldLayoutId id="2147483665" r:id="rId4"/>
+    <p:sldLayoutId id="2147483666" r:id="rId5"/>
+    <p:sldLayoutId id="2147483667" r:id="rId6"/>
+    <p:sldLayoutId id="2147483668" r:id="rId7"/>
+    <p:sldLayoutId id="2147483669" r:id="rId8"/>
+    <p:sldLayoutId id="2147483670" r:id="rId9"/>
+    <p:sldLayoutId id="2147483671" r:id="rId10"/>
+    <p:sldLayoutId id="2147483672" r:id="rId11"/>
+    <p:sldLayoutId id="2147483673" r:id="rId12"/>
   </p:sldLayoutIdLst>
+  <p:txStyles>
+    <p:titleStyle>
+      <a:lvl1pPr algn="l" defTabSz="914400" rtl="0" eaLnBrk="1" latinLnBrk="0" hangingPunct="1">
+        <a:lnSpc>
+          <a:spcPct val="90000"/>
+        </a:lnSpc>
+        <a:spcBef>
+          <a:spcPct val="0"/>
+        </a:spcBef>
+        <a:buNone/>
+        <a:defRPr sz="4400" kern="1200">
+          <a:solidFill>
+            <a:schemeClr val="tx1"/>
+          </a:solidFill>
+          <a:latin typeface="+mj-lt"/>
+          <a:ea typeface="+mj-ea"/>
+          <a:cs typeface="+mj-cs"/>
+        </a:defRPr>
+      </a:lvl1pPr>
+    </p:titleStyle>
+    <p:bodyStyle>
+      <a:lvl1pPr marL="228600" indent="-228600" algn="l" defTabSz="914400" rtl="0" eaLnBrk="1" latinLnBrk="0" hangingPunct="1">
+        <a:lnSpc>
+          <a:spcPct val="90000"/>
+        </a:lnSpc>
+        <a:spcBef>
+          <a:spcPts val="1000"/>
+        </a:spcBef>
+        <a:buFont typeface="Arial" panose="020B0604020202020204" pitchFamily="34" charset="0"/>
+        <a:buChar char="•"/>
+        <a:defRPr sz="2800" kern="1200">
+          <a:solidFill>
+            <a:schemeClr val="tx1"/>
+          </a:solidFill>
+          <a:latin typeface="+mn-lt"/>
+          <a:ea typeface="+mn-ea"/>
+          <a:cs typeface="+mn-cs"/>
+        </a:defRPr>
+      </a:lvl1pPr>
+      <a:lvl2pPr marL="685800" indent="-228600" algn="l" defTabSz="914400" rtl="0" eaLnBrk="1" latinLnBrk="0" hangingPunct="1">
+        <a:lnSpc>
+          <a:spcPct val="90000"/>
+        </a:lnSpc>
+        <a:spcBef>
+          <a:spcPts val="500"/>
+        </a:spcBef>
+        <a:buFont typeface="Arial" panose="020B0604020202020204" pitchFamily="34" charset="0"/>
+        <a:buChar char="•"/>
+        <a:defRPr sz="2400" kern="1200">
+          <a:solidFill>
+            <a:schemeClr val="tx1"/>
+          </a:solidFill>
+          <a:latin typeface="+mn-lt"/>
+          <a:ea typeface="+mn-ea"/>
+          <a:cs typeface="+mn-cs"/>
+        </a:defRPr>
+      </a:lvl2pPr>
+      <a:lvl3pPr marL="1143000" indent="-228600" algn="l" defTabSz="914400" rtl="0" eaLnBrk="1" latinLnBrk="0" hangingPunct="1">
+        <a:lnSpc>
+          <a:spcPct val="90000"/>
+        </a:lnSpc>
+        <a:spcBef>
+          <a:spcPts val="500"/>
+        </a:spcBef>
+        <a:buFont typeface="Arial" panose="020B0604020202020204" pitchFamily="34" charset="0"/>
+        <a:buChar char="•"/>
+        <a:defRPr sz="2000" kern="1200">
+          <a:solidFill>
+            <a:schemeClr val="tx1"/>
+          </a:solidFill>
+          <a:latin typeface="+mn-lt"/>
+          <a:ea typeface="+mn-ea"/>
+          <a:cs typeface="+mn-cs"/>
+        </a:defRPr>
+      </a:lvl3pPr>
+      <a:lvl4pPr marL="1600200" indent="-228600" algn="l" defTabSz="914400" rtl="0" eaLnBrk="1" latinLnBrk="0" hangingPunct="1">
+        <a:lnSpc>
+          <a:spcPct val="90000"/>
+        </a:lnSpc>
+        <a:spcBef>
+          <a:spcPts val="500"/>
+        </a:spcBef>
+        <a:buFont typeface="Arial" panose="020B0604020202020204" pitchFamily="34" charset="0"/>
+        <a:buChar char="•"/>
+        <a:defRPr sz="1800" kern="1200">
+          <a:solidFill>
+            <a:schemeClr val="tx1"/>
+          </a:solidFill>
+          <a:latin typeface="+mn-lt"/>
+          <a:ea typeface="+mn-ea"/>
+          <a:cs typeface="+mn-cs"/>
+        </a:defRPr>
+      </a:lvl4pPr>
+      <a:lvl5pPr marL="2057400" indent="-228600" algn="l" defTabSz="914400" rtl="0" eaLnBrk="1" latinLnBrk="0" hangingPunct="1">
+        <a:lnSpc>
+          <a:spcPct val="90000"/>
+        </a:lnSpc>
+        <a:spcBef>
+          <a:spcPts val="500"/>
+        </a:spcBef>
+        <a:buFont typeface="Arial" panose="020B0604020202020204" pitchFamily="34" charset="0"/>
+        <a:buChar char="•"/>
+        <a:defRPr sz="1800" kern="1200">
+          <a:solidFill>
+            <a:schemeClr val="tx1"/>
+          </a:solidFill>
+          <a:latin typeface="+mn-lt"/>
+          <a:ea typeface="+mn-ea"/>
+          <a:cs typeface="+mn-cs"/>
+        </a:defRPr>
+      </a:lvl5pPr>
+      <a:lvl6pPr marL="2514600" indent="-228600" algn="l" defTabSz="914400" rtl="0" eaLnBrk="1" latinLnBrk="0" hangingPunct="1">
+        <a:lnSpc>
+          <a:spcPct val="90000"/>
+        </a:lnSpc>
+        <a:spcBef>
+          <a:spcPts val="500"/>
+        </a:spcBef>
+        <a:buFont typeface="Arial" panose="020B0604020202020204" pitchFamily="34" charset="0"/>
+        <a:buChar char="•"/>
+        <a:defRPr sz="1800" kern="1200">
+          <a:solidFill>
+            <a:schemeClr val="tx1"/>
+          </a:solidFill>
+          <a:latin typeface="+mn-lt"/>
+          <a:ea typeface="+mn-ea"/>
+          <a:cs typeface="+mn-cs"/>
+        </a:defRPr>
+      </a:lvl6pPr>
+      <a:lvl7pPr marL="2971800" indent="-228600" algn="l" defTabSz="914400" rtl="0" eaLnBrk="1" latinLnBrk="0" hangingPunct="1">
+        <a:lnSpc>
+          <a:spcPct val="90000"/>
+        </a:lnSpc>
+        <a:spcBef>
+          <a:spcPts val="500"/>
+        </a:spcBef>
+        <a:buFont typeface="Arial" panose="020B0604020202020204" pitchFamily="34" charset="0"/>
+        <a:buChar char="•"/>
+        <a:defRPr sz="1800" kern="1200">
+          <a:solidFill>
+            <a:schemeClr val="tx1"/>
+          </a:solidFill>
+          <a:latin typeface="+mn-lt"/>
+          <a:ea typeface="+mn-ea"/>
+          <a:cs typeface="+mn-cs"/>
+        </a:defRPr>
+      </a:lvl7pPr>
+      <a:lvl8pPr marL="3429000" indent="-228600" algn="l" defTabSz="914400" rtl="0" eaLnBrk="1" latinLnBrk="0" hangingPunct="1">
+        <a:lnSpc>
+          <a:spcPct val="90000"/>
+        </a:lnSpc>
+        <a:spcBef>
+          <a:spcPts val="500"/>
+        </a:spcBef>
+        <a:buFont typeface="Arial" panose="020B0604020202020204" pitchFamily="34" charset="0"/>
+        <a:buChar char="•"/>
+        <a:defRPr sz="1800" kern="1200">
+          <a:solidFill>
+            <a:schemeClr val="tx1"/>
+          </a:solidFill>
+          <a:latin typeface="+mn-lt"/>
+          <a:ea typeface="+mn-ea"/>
+          <a:cs typeface="+mn-cs"/>
+        </a:defRPr>
+      </a:lvl8pPr>
+      <a:lvl9pPr marL="3886200" indent="-228600" algn="l" defTabSz="914400" rtl="0" eaLnBrk="1" latinLnBrk="0" hangingPunct="1">
+        <a:lnSpc>
+          <a:spcPct val="90000"/>
+        </a:lnSpc>
+        <a:spcBef>
+          <a:spcPts val="500"/>
+        </a:spcBef>
+        <a:buFont typeface="Arial" panose="020B0604020202020204" pitchFamily="34" charset="0"/>
+        <a:buChar char="•"/>
+        <a:defRPr sz="1800" kern="1200">
+          <a:solidFill>
+            <a:schemeClr val="tx1"/>
+          </a:solidFill>
+          <a:latin typeface="+mn-lt"/>
+          <a:ea typeface="+mn-ea"/>
+          <a:cs typeface="+mn-cs"/>
+        </a:defRPr>
+      </a:lvl9pPr>
+    </p:bodyStyle>
+    <p:otherStyle>
+      <a:defPPr>
+        <a:defRPr lang="de-DE"/>
+      </a:defPPr>
+      <a:lvl1pPr marL="0" algn="l" defTabSz="914400" rtl="0" eaLnBrk="1" latinLnBrk="0" hangingPunct="1">
+        <a:defRPr sz="1800" kern="1200">
+          <a:solidFill>
+            <a:schemeClr val="tx1"/>
+          </a:solidFill>
+          <a:latin typeface="+mn-lt"/>
+          <a:ea typeface="+mn-ea"/>
+          <a:cs typeface="+mn-cs"/>
+        </a:defRPr>
+      </a:lvl1pPr>
+      <a:lvl2pPr marL="457200" algn="l" defTabSz="914400" rtl="0" eaLnBrk="1" latinLnBrk="0" hangingPunct="1">
+        <a:defRPr sz="1800" kern="1200">
+          <a:solidFill>
+            <a:schemeClr val="tx1"/>
+          </a:solidFill>
+          <a:latin typeface="+mn-lt"/>
+          <a:ea typeface="+mn-ea"/>
+          <a:cs typeface="+mn-cs"/>
+        </a:defRPr>
+      </a:lvl2pPr>
+      <a:lvl3pPr marL="914400" algn="l" defTabSz="914400" rtl="0" eaLnBrk="1" latinLnBrk="0" hangingPunct="1">
+        <a:defRPr sz="1800" kern="1200">
+          <a:solidFill>
+            <a:schemeClr val="tx1"/>
+          </a:solidFill>
+          <a:latin typeface="+mn-lt"/>
+          <a:ea typeface="+mn-ea"/>
+          <a:cs typeface="+mn-cs"/>
+        </a:defRPr>
+      </a:lvl3pPr>
+      <a:lvl4pPr marL="1371600" algn="l" defTabSz="914400" rtl="0" eaLnBrk="1" latinLnBrk="0" hangingPunct="1">
+        <a:defRPr sz="1800" kern="1200">
+          <a:solidFill>
+            <a:schemeClr val="tx1"/>
+          </a:solidFill>
+          <a:latin typeface="+mn-lt"/>
+          <a:ea typeface="+mn-ea"/>
+          <a:cs typeface="+mn-cs"/>
+        </a:defRPr>
+      </a:lvl4pPr>
+      <a:lvl5pPr marL="1828800" algn="l" defTabSz="914400" rtl="0" eaLnBrk="1" latinLnBrk="0" hangingPunct="1">
+        <a:defRPr sz="1800" kern="1200">
+          <a:solidFill>
+            <a:schemeClr val="tx1"/>
+          </a:solidFill>
+          <a:latin typeface="+mn-lt"/>
+          <a:ea typeface="+mn-ea"/>
+          <a:cs typeface="+mn-cs"/>
+        </a:defRPr>
+      </a:lvl5pPr>
+      <a:lvl6pPr marL="2286000" algn="l" defTabSz="914400" rtl="0" eaLnBrk="1" latinLnBrk="0" hangingPunct="1">
+        <a:defRPr sz="1800" kern="1200">
+          <a:solidFill>
+            <a:schemeClr val="tx1"/>
+          </a:solidFill>
+          <a:latin typeface="+mn-lt"/>
+          <a:ea typeface="+mn-ea"/>
+          <a:cs typeface="+mn-cs"/>
+        </a:defRPr>
+      </a:lvl6pPr>
+      <a:lvl7pPr marL="2743200" algn="l" defTabSz="914400" rtl="0" eaLnBrk="1" latinLnBrk="0" hangingPunct="1">
+        <a:defRPr sz="1800" kern="1200">
+          <a:solidFill>
+            <a:schemeClr val="tx1"/>
+          </a:solidFill>
+          <a:latin typeface="+mn-lt"/>
+          <a:ea typeface="+mn-ea"/>
+          <a:cs typeface="+mn-cs"/>
+        </a:defRPr>
+      </a:lvl7pPr>
+      <a:lvl8pPr marL="3200400" algn="l" defTabSz="914400" rtl="0" eaLnBrk="1" latinLnBrk="0" hangingPunct="1">
+        <a:defRPr sz="1800" kern="1200">
+          <a:solidFill>
+            <a:schemeClr val="tx1"/>
+          </a:solidFill>
+          <a:latin typeface="+mn-lt"/>
+          <a:ea typeface="+mn-ea"/>
+          <a:cs typeface="+mn-cs"/>
+        </a:defRPr>
+      </a:lvl8pPr>
+      <a:lvl9pPr marL="3657600" algn="l" defTabSz="914400" rtl="0" eaLnBrk="1" latinLnBrk="0" hangingPunct="1">
+        <a:defRPr sz="1800" kern="1200">
+          <a:solidFill>
+            <a:schemeClr val="tx1"/>
+          </a:solidFill>
+          <a:latin typeface="+mn-lt"/>
+          <a:ea typeface="+mn-ea"/>
+          <a:cs typeface="+mn-cs"/>
+        </a:defRPr>
+      </a:lvl9pPr>
+    </p:otherStyle>
+  </p:txStyles>
 </p:sldMaster>
 </file>
 
 <file path=ppt/slides/slide1.xml><?xml version="1.0" encoding="utf-8"?>
-<p:sld xmlns:a="http://schemas.openxmlformats.org/drawingml/2006/main" xmlns:p="http://schemas.openxmlformats.org/presentationml/2006/main" xmlns:r="http://schemas.openxmlformats.org/officeDocument/2006/relationships" xmlns:p14="http://schemas.microsoft.com/office/powerpoint/2010/main" xmlns:p15="http://schemas.microsoft.com/office/powerpoint/2012/main" xmlns:mc="http://schemas.openxmlformats.org/markup-compatibility/2006">
+<p:sld xmlns:a="http://schemas.openxmlformats.org/drawingml/2006/main" xmlns:r="http://schemas.openxmlformats.org/officeDocument/2006/relationships" xmlns:p="http://schemas.openxmlformats.org/presentationml/2006/main">
   <p:cSld>
     <p:spTree>
       <p:nvGrpSpPr>
@@ -3217,21 +3980,21 @@
       </p:grpSpPr>
       <p:pic>
         <p:nvPicPr>
-          <p:cNvPr id="76" name="Picture 1" descr="">
+          <p:cNvPr id="76" name="Picture 1">
             <a:hlinkClick r:id="" action="ppaction://media"/>
           </p:cNvPr>
           <p:cNvPicPr/>
           <p:nvPr>
-            <a:videoFile r:link="rId1"/>
+            <a:videoFile r:link="rId2"/>
             <p:extLst>
               <p:ext uri="{DAA4B4D4-6D71-4841-9C94-3DE7FCFB9230}">
-                <p14:media r:embed="rId2"/>
+                <p14:media xmlns:p14="http://schemas.microsoft.com/office/powerpoint/2010/main" r:embed="rId1"/>
               </p:ext>
             </p:extLst>
           </p:nvPr>
         </p:nvPicPr>
         <p:blipFill>
-          <a:blip r:embed="rId3"/>
+          <a:blip r:embed="rId4"/>
         </p:blipFill>
         <p:spPr>
           <a:xfrm>
@@ -3266,13 +4029,20 @@
           </a:ln>
         </p:spPr>
         <p:style>
-          <a:lnRef idx="0"/>
-          <a:fillRef idx="0"/>
-          <a:effectRef idx="0"/>
+          <a:lnRef idx="0">
+            <a:scrgbClr r="0" g="0" b="0"/>
+          </a:lnRef>
+          <a:fillRef idx="0">
+            <a:scrgbClr r="0" g="0" b="0"/>
+          </a:fillRef>
+          <a:effectRef idx="0">
+            <a:scrgbClr r="0" g="0" b="0"/>
+          </a:effectRef>
           <a:fontRef idx="minor"/>
         </p:style>
         <p:txBody>
-          <a:bodyPr wrap="none" lIns="90000" rIns="90000" tIns="45000" bIns="45000"/>
+          <a:bodyPr wrap="none" lIns="90000" tIns="45000" rIns="90000" bIns="45000"/>
+          <a:lstStyle/>
           <a:p>
             <a:pPr>
               <a:lnSpc>
@@ -3280,18 +4050,18 @@
               </a:lnSpc>
             </a:pPr>
             <a:r>
-              <a:rPr b="0" lang="en-US" sz="1800" spc="-1" strike="noStrike" u="sng">
+              <a:rPr lang="en-US" sz="1800" b="0" u="sng" strike="noStrike" spc="-1">
                 <a:solidFill>
-                  <a:srgbClr val="0563c1"/>
+                  <a:srgbClr val="0563C1"/>
                 </a:solidFill>
                 <a:uFillTx/>
                 <a:latin typeface="Calibri"/>
                 <a:ea typeface="DejaVu Sans"/>
-                <a:hlinkClick r:id="rId4"/>
+                <a:hlinkClick r:id="rId5"/>
               </a:rPr>
               <a:t>https://about.chartipedia.com/</a:t>
             </a:r>
-            <a:endParaRPr b="0" lang="en-US" sz="1800" spc="-1" strike="noStrike">
+            <a:endParaRPr lang="en-US" sz="1800" b="0" strike="noStrike" spc="-1">
               <a:latin typeface="Arial"/>
             </a:endParaRPr>
           </a:p>
@@ -3299,6 +4069,9 @@
       </p:sp>
     </p:spTree>
   </p:cSld>
+  <p:clrMapOvr>
+    <a:masterClrMapping/>
+  </p:clrMapOvr>
   <p:timing>
     <p:tnLst>
       <p:par>
@@ -3320,7 +4093,7 @@
                             </p:stCondLst>
                             <p:childTnLst>
                               <p:par>
-                                <p:cTn id="5" nodeType="clickEffect" fill="hold" presetClass="mediacall">
+                                <p:cTn id="5" presetClass="mediacall" fill="hold" nodeType="clickEffect">
                                   <p:stCondLst>
                                     <p:cond delay="0"/>
                                   </p:stCondLst>
@@ -3345,14 +4118,14 @@
                 </p:childTnLst>
               </p:cTn>
               <p:prevCondLst>
-                <p:cond delay="0" evt="onPrev">
+                <p:cond evt="onPrev" delay="0">
                   <p:tgtEl>
                     <p:sldTgt/>
                   </p:tgtEl>
                 </p:cond>
               </p:prevCondLst>
               <p:nextCondLst>
-                <p:cond delay="0" evt="onNext">
+                <p:cond evt="onNext" delay="0">
                   <p:tgtEl>
                     <p:sldTgt/>
                   </p:tgtEl>
@@ -3360,7 +4133,7 @@
               </p:nextCondLst>
             </p:seq>
             <p:seq>
-              <p:cTn id="7" restart="whenNotActive" nodeType="interactiveSeq" fill="hold">
+              <p:cTn id="7" restart="whenNotActive" fill="hold" nodeType="interactiveSeq">
                 <p:childTnLst>
                   <p:par>
                     <p:cTn id="8" fill="hold">
@@ -3372,7 +4145,7 @@
                             </p:stCondLst>
                             <p:childTnLst>
                               <p:par>
-                                <p:cTn id="10" nodeType="clickEffect" fill="hold" presetClass="mediacall">
+                                <p:cTn id="10" presetClass="mediacall" fill="hold" nodeType="clickEffect">
                                   <p:stCondLst>
                                     <p:cond delay="0"/>
                                   </p:stCondLst>
@@ -3397,14 +4170,14 @@
                 </p:childTnLst>
               </p:cTn>
               <p:prevCondLst>
-                <p:cond delay="0" evt="onPrev">
+                <p:cond evt="onPrev" delay="0">
                   <p:tgtEl>
                     <p:sldTgt/>
                   </p:tgtEl>
                 </p:cond>
               </p:prevCondLst>
               <p:nextCondLst>
-                <p:cond delay="0" evt="onNext">
+                <p:cond evt="onNext" delay="0">
                   <p:tgtEl>
                     <p:sldTgt/>
                   </p:tgtEl>
@@ -3420,7 +4193,7 @@
 </file>
 
 <file path=ppt/slides/slide2.xml><?xml version="1.0" encoding="utf-8"?>
-<p:sld xmlns:a="http://schemas.openxmlformats.org/drawingml/2006/main" xmlns:p="http://schemas.openxmlformats.org/presentationml/2006/main" xmlns:r="http://schemas.openxmlformats.org/officeDocument/2006/relationships" xmlns:p14="http://schemas.microsoft.com/office/powerpoint/2010/main" xmlns:p15="http://schemas.microsoft.com/office/powerpoint/2012/main" xmlns:mc="http://schemas.openxmlformats.org/markup-compatibility/2006">
+<p:sld xmlns:a="http://schemas.openxmlformats.org/drawingml/2006/main" xmlns:r="http://schemas.openxmlformats.org/officeDocument/2006/relationships" xmlns:p="http://schemas.openxmlformats.org/presentationml/2006/main">
   <p:cSld>
     <p:spTree>
       <p:nvGrpSpPr>
@@ -3438,43 +4211,19 @@
       </p:grpSpPr>
       <p:pic>
         <p:nvPicPr>
-          <p:cNvPr id="78" name="Inhaltsplatzhalter 4" descr=""/>
-          <p:cNvPicPr/>
-          <p:nvPr/>
-        </p:nvPicPr>
-        <p:blipFill>
-          <a:blip r:embed="rId1"/>
-          <a:srcRect l="0" t="0" r="71962" b="45824"/>
-          <a:stretch/>
-        </p:blipFill>
-        <p:spPr>
-          <a:xfrm>
-            <a:off x="0" y="493920"/>
-            <a:ext cx="2704320" cy="2356560"/>
-          </a:xfrm>
-          <a:prstGeom prst="rect">
-            <a:avLst/>
-          </a:prstGeom>
-          <a:ln>
-            <a:noFill/>
-          </a:ln>
-        </p:spPr>
-      </p:pic>
-      <p:pic>
-        <p:nvPicPr>
-          <p:cNvPr id="79" name="Grafik 7" descr=""/>
+          <p:cNvPr id="78" name="Inhaltsplatzhalter 4"/>
           <p:cNvPicPr/>
           <p:nvPr/>
         </p:nvPicPr>
         <p:blipFill>
           <a:blip r:embed="rId2"/>
-          <a:srcRect l="0" t="76879" r="54417" b="8268"/>
+          <a:srcRect r="71962" b="45824"/>
           <a:stretch/>
         </p:blipFill>
         <p:spPr>
           <a:xfrm>
-            <a:off x="3206880" y="352080"/>
-            <a:ext cx="5556960" cy="816120"/>
+            <a:off x="0" y="493920"/>
+            <a:ext cx="2704320" cy="2356560"/>
           </a:xfrm>
           <a:prstGeom prst="rect">
             <a:avLst/>
@@ -3486,19 +4235,19 @@
       </p:pic>
       <p:pic>
         <p:nvPicPr>
-          <p:cNvPr id="80" name="Grafik 9" descr=""/>
+          <p:cNvPr id="79" name="Grafik 7"/>
           <p:cNvPicPr/>
           <p:nvPr/>
         </p:nvPicPr>
         <p:blipFill>
           <a:blip r:embed="rId3"/>
-          <a:srcRect l="0" t="7266" r="68873" b="72172"/>
+          <a:srcRect t="76879" r="54417" b="8268"/>
           <a:stretch/>
         </p:blipFill>
         <p:spPr>
           <a:xfrm>
-            <a:off x="3280680" y="1444680"/>
-            <a:ext cx="3794040" cy="1130040"/>
+            <a:off x="3206880" y="352080"/>
+            <a:ext cx="5556960" cy="816120"/>
           </a:xfrm>
           <a:prstGeom prst="rect">
             <a:avLst/>
@@ -3510,19 +4259,19 @@
       </p:pic>
       <p:pic>
         <p:nvPicPr>
-          <p:cNvPr id="81" name="Grafik 10" descr=""/>
+          <p:cNvPr id="80" name="Grafik 9"/>
           <p:cNvPicPr/>
           <p:nvPr/>
         </p:nvPicPr>
         <p:blipFill>
           <a:blip r:embed="rId4"/>
-          <a:srcRect l="0" t="27134" r="23290" b="0"/>
+          <a:srcRect t="7266" r="68873" b="72172"/>
           <a:stretch/>
         </p:blipFill>
         <p:spPr>
           <a:xfrm>
-            <a:off x="501840" y="2851200"/>
-            <a:ext cx="9351720" cy="4006080"/>
+            <a:off x="3280680" y="1444680"/>
+            <a:ext cx="3794040" cy="1130040"/>
           </a:xfrm>
           <a:prstGeom prst="rect">
             <a:avLst/>
@@ -3534,19 +4283,19 @@
       </p:pic>
       <p:pic>
         <p:nvPicPr>
-          <p:cNvPr id="82" name="Grafik 11" descr=""/>
+          <p:cNvPr id="81" name="Grafik 10"/>
           <p:cNvPicPr/>
           <p:nvPr/>
         </p:nvPicPr>
         <p:blipFill>
           <a:blip r:embed="rId5"/>
-          <a:srcRect l="0" t="70045" r="81767" b="23409"/>
+          <a:srcRect t="27134" r="23290"/>
           <a:stretch/>
         </p:blipFill>
         <p:spPr>
           <a:xfrm>
-            <a:off x="3521880" y="988920"/>
-            <a:ext cx="2221920" cy="359280"/>
+            <a:off x="501840" y="2851200"/>
+            <a:ext cx="9351720" cy="4006080"/>
           </a:xfrm>
           <a:prstGeom prst="rect">
             <a:avLst/>
@@ -3558,19 +4307,19 @@
       </p:pic>
       <p:pic>
         <p:nvPicPr>
-          <p:cNvPr id="83" name="Grafik 5" descr=""/>
+          <p:cNvPr id="82" name="Grafik 11"/>
           <p:cNvPicPr/>
           <p:nvPr/>
         </p:nvPicPr>
         <p:blipFill>
-          <a:blip r:embed="rId6"/>
-          <a:srcRect l="0" t="52409" r="77811" b="35494"/>
+          <a:blip r:embed="rId3"/>
+          <a:srcRect t="70045" r="81767" b="23409"/>
           <a:stretch/>
         </p:blipFill>
         <p:spPr>
           <a:xfrm>
-            <a:off x="3280680" y="2509920"/>
-            <a:ext cx="2704320" cy="664920"/>
+            <a:off x="3521880" y="988920"/>
+            <a:ext cx="2221920" cy="359280"/>
           </a:xfrm>
           <a:prstGeom prst="rect">
             <a:avLst/>
@@ -3580,24 +4329,51 @@
           </a:ln>
         </p:spPr>
       </p:pic>
+      <p:pic>
+        <p:nvPicPr>
+          <p:cNvPr id="83" name="Grafik 5"/>
+          <p:cNvPicPr/>
+          <p:nvPr/>
+        </p:nvPicPr>
+        <p:blipFill>
+          <a:blip r:embed="rId3"/>
+          <a:srcRect t="52409" r="77811" b="35494"/>
+          <a:stretch/>
+        </p:blipFill>
+        <p:spPr>
+          <a:xfrm>
+            <a:off x="3280680" y="2509920"/>
+            <a:ext cx="2704320" cy="664920"/>
+          </a:xfrm>
+          <a:prstGeom prst="rect">
+            <a:avLst/>
+          </a:prstGeom>
+          <a:ln>
+            <a:noFill/>
+          </a:ln>
+        </p:spPr>
+      </p:pic>
     </p:spTree>
   </p:cSld>
+  <p:clrMapOvr>
+    <a:masterClrMapping/>
+  </p:clrMapOvr>
   <p:timing>
     <p:tnLst>
       <p:par>
-        <p:cTn id="12" dur="indefinite" restart="never" nodeType="tmRoot">
+        <p:cTn id="1" dur="indefinite" restart="never" nodeType="tmRoot">
           <p:childTnLst>
             <p:seq>
-              <p:cTn id="13" dur="indefinite" nodeType="mainSeq"/>
+              <p:cTn id="2" dur="indefinite" nodeType="mainSeq"/>
               <p:prevCondLst>
-                <p:cond delay="0" evt="onPrev">
+                <p:cond evt="onPrev" delay="0">
                   <p:tgtEl>
                     <p:sldTgt/>
                   </p:tgtEl>
                 </p:cond>
               </p:prevCondLst>
               <p:nextCondLst>
-                <p:cond delay="0" evt="onNext">
+                <p:cond evt="onNext" delay="0">
                   <p:tgtEl>
                     <p:sldTgt/>
                   </p:tgtEl>
@@ -3613,7 +4389,7 @@
 </file>
 
 <file path=ppt/slides/slide3.xml><?xml version="1.0" encoding="utf-8"?>
-<p:sld xmlns:a="http://schemas.openxmlformats.org/drawingml/2006/main" xmlns:p="http://schemas.openxmlformats.org/presentationml/2006/main" xmlns:r="http://schemas.openxmlformats.org/officeDocument/2006/relationships" xmlns:p14="http://schemas.microsoft.com/office/powerpoint/2010/main" xmlns:p15="http://schemas.microsoft.com/office/powerpoint/2012/main" xmlns:mc="http://schemas.openxmlformats.org/markup-compatibility/2006">
+<p:sld xmlns:a="http://schemas.openxmlformats.org/drawingml/2006/main" xmlns:r="http://schemas.openxmlformats.org/officeDocument/2006/relationships" xmlns:p="http://schemas.openxmlformats.org/presentationml/2006/main">
   <p:cSld>
     <p:spTree>
       <p:nvGrpSpPr>
@@ -3631,43 +4407,19 @@
       </p:grpSpPr>
       <p:pic>
         <p:nvPicPr>
-          <p:cNvPr id="84" name="Inhaltsplatzhalter 4" descr=""/>
-          <p:cNvPicPr/>
-          <p:nvPr/>
-        </p:nvPicPr>
-        <p:blipFill>
-          <a:blip r:embed="rId1"/>
-          <a:srcRect l="0" t="0" r="71962" b="45824"/>
-          <a:stretch/>
-        </p:blipFill>
-        <p:spPr>
-          <a:xfrm>
-            <a:off x="0" y="493920"/>
-            <a:ext cx="2704320" cy="2356560"/>
-          </a:xfrm>
-          <a:prstGeom prst="rect">
-            <a:avLst/>
-          </a:prstGeom>
-          <a:ln>
-            <a:noFill/>
-          </a:ln>
-        </p:spPr>
-      </p:pic>
-      <p:pic>
-        <p:nvPicPr>
-          <p:cNvPr id="85" name="Grafik 7" descr=""/>
+          <p:cNvPr id="84" name="Inhaltsplatzhalter 4"/>
           <p:cNvPicPr/>
           <p:nvPr/>
         </p:nvPicPr>
         <p:blipFill>
           <a:blip r:embed="rId2"/>
-          <a:srcRect l="0" t="76879" r="54417" b="8268"/>
+          <a:srcRect r="71962" b="45824"/>
           <a:stretch/>
         </p:blipFill>
         <p:spPr>
           <a:xfrm>
-            <a:off x="3206880" y="352080"/>
-            <a:ext cx="5556960" cy="816120"/>
+            <a:off x="0" y="493920"/>
+            <a:ext cx="2704320" cy="2356560"/>
           </a:xfrm>
           <a:prstGeom prst="rect">
             <a:avLst/>
@@ -3679,19 +4431,19 @@
       </p:pic>
       <p:pic>
         <p:nvPicPr>
-          <p:cNvPr id="86" name="Grafik 9" descr=""/>
+          <p:cNvPr id="85" name="Grafik 7"/>
           <p:cNvPicPr/>
           <p:nvPr/>
         </p:nvPicPr>
         <p:blipFill>
           <a:blip r:embed="rId3"/>
-          <a:srcRect l="0" t="7266" r="68873" b="72172"/>
+          <a:srcRect t="76879" r="54417" b="8268"/>
           <a:stretch/>
         </p:blipFill>
         <p:spPr>
           <a:xfrm>
-            <a:off x="3280680" y="1444680"/>
-            <a:ext cx="3794040" cy="1130040"/>
+            <a:off x="3206880" y="352080"/>
+            <a:ext cx="5556960" cy="816120"/>
           </a:xfrm>
           <a:prstGeom prst="rect">
             <a:avLst/>
@@ -3703,19 +4455,19 @@
       </p:pic>
       <p:pic>
         <p:nvPicPr>
-          <p:cNvPr id="87" name="Grafik 10" descr=""/>
+          <p:cNvPr id="86" name="Grafik 9"/>
           <p:cNvPicPr/>
           <p:nvPr/>
         </p:nvPicPr>
         <p:blipFill>
           <a:blip r:embed="rId4"/>
-          <a:srcRect l="0" t="27134" r="23290" b="0"/>
+          <a:srcRect t="7266" r="68873" b="72172"/>
           <a:stretch/>
         </p:blipFill>
         <p:spPr>
           <a:xfrm>
-            <a:off x="501840" y="2851200"/>
-            <a:ext cx="9351720" cy="4006080"/>
+            <a:off x="3280680" y="1444680"/>
+            <a:ext cx="3794040" cy="1130040"/>
           </a:xfrm>
           <a:prstGeom prst="rect">
             <a:avLst/>
@@ -3727,19 +4479,19 @@
       </p:pic>
       <p:pic>
         <p:nvPicPr>
-          <p:cNvPr id="88" name="Grafik 11" descr=""/>
+          <p:cNvPr id="87" name="Grafik 10"/>
           <p:cNvPicPr/>
           <p:nvPr/>
         </p:nvPicPr>
         <p:blipFill>
           <a:blip r:embed="rId5"/>
-          <a:srcRect l="0" t="70045" r="81767" b="23409"/>
+          <a:srcRect t="27134" r="23290"/>
           <a:stretch/>
         </p:blipFill>
         <p:spPr>
           <a:xfrm>
-            <a:off x="3521880" y="988920"/>
-            <a:ext cx="2221920" cy="359280"/>
+            <a:off x="501840" y="2851200"/>
+            <a:ext cx="9351720" cy="4006080"/>
           </a:xfrm>
           <a:prstGeom prst="rect">
             <a:avLst/>
@@ -3751,19 +4503,19 @@
       </p:pic>
       <p:pic>
         <p:nvPicPr>
-          <p:cNvPr id="89" name="Grafik 5" descr=""/>
+          <p:cNvPr id="88" name="Grafik 11"/>
           <p:cNvPicPr/>
           <p:nvPr/>
         </p:nvPicPr>
         <p:blipFill>
-          <a:blip r:embed="rId6"/>
-          <a:srcRect l="0" t="52409" r="77811" b="35494"/>
+          <a:blip r:embed="rId3"/>
+          <a:srcRect t="70045" r="81767" b="23409"/>
           <a:stretch/>
         </p:blipFill>
         <p:spPr>
           <a:xfrm>
-            <a:off x="3280680" y="2509920"/>
-            <a:ext cx="2704320" cy="664920"/>
+            <a:off x="3521880" y="988920"/>
+            <a:ext cx="2221920" cy="359280"/>
           </a:xfrm>
           <a:prstGeom prst="rect">
             <a:avLst/>
@@ -3773,24 +4525,51 @@
           </a:ln>
         </p:spPr>
       </p:pic>
+      <p:pic>
+        <p:nvPicPr>
+          <p:cNvPr id="89" name="Grafik 5"/>
+          <p:cNvPicPr/>
+          <p:nvPr/>
+        </p:nvPicPr>
+        <p:blipFill>
+          <a:blip r:embed="rId3"/>
+          <a:srcRect t="52409" r="77811" b="35494"/>
+          <a:stretch/>
+        </p:blipFill>
+        <p:spPr>
+          <a:xfrm>
+            <a:off x="3280680" y="2509920"/>
+            <a:ext cx="2704320" cy="664920"/>
+          </a:xfrm>
+          <a:prstGeom prst="rect">
+            <a:avLst/>
+          </a:prstGeom>
+          <a:ln>
+            <a:noFill/>
+          </a:ln>
+        </p:spPr>
+      </p:pic>
     </p:spTree>
   </p:cSld>
+  <p:clrMapOvr>
+    <a:masterClrMapping/>
+  </p:clrMapOvr>
   <p:timing>
     <p:tnLst>
       <p:par>
-        <p:cTn id="14" dur="indefinite" restart="never" nodeType="tmRoot">
+        <p:cTn id="1" dur="indefinite" restart="never" nodeType="tmRoot">
           <p:childTnLst>
             <p:seq>
-              <p:cTn id="15" dur="indefinite" nodeType="mainSeq"/>
+              <p:cTn id="2" dur="indefinite" nodeType="mainSeq"/>
               <p:prevCondLst>
-                <p:cond delay="0" evt="onPrev">
+                <p:cond evt="onPrev" delay="0">
                   <p:tgtEl>
                     <p:sldTgt/>
                   </p:tgtEl>
                 </p:cond>
               </p:prevCondLst>
               <p:nextCondLst>
-                <p:cond delay="0" evt="onNext">
+                <p:cond evt="onNext" delay="0">
                   <p:tgtEl>
                     <p:sldTgt/>
                   </p:tgtEl>
@@ -3806,7 +4585,7 @@
 </file>
 
 <file path=ppt/slides/slide4.xml><?xml version="1.0" encoding="utf-8"?>
-<p:sld xmlns:a="http://schemas.openxmlformats.org/drawingml/2006/main" xmlns:p="http://schemas.openxmlformats.org/presentationml/2006/main" xmlns:r="http://schemas.openxmlformats.org/officeDocument/2006/relationships" xmlns:p14="http://schemas.microsoft.com/office/powerpoint/2010/main" xmlns:p15="http://schemas.microsoft.com/office/powerpoint/2012/main" xmlns:mc="http://schemas.openxmlformats.org/markup-compatibility/2006">
+<p:sld xmlns:a="http://schemas.openxmlformats.org/drawingml/2006/main" xmlns:r="http://schemas.openxmlformats.org/officeDocument/2006/relationships" xmlns:p="http://schemas.openxmlformats.org/presentationml/2006/main">
   <p:cSld>
     <p:spTree>
       <p:nvGrpSpPr>
@@ -3837,7 +4616,7 @@
             <a:avLst/>
           </a:prstGeom>
           <a:solidFill>
-            <a:srgbClr val="88bcd9"/>
+            <a:srgbClr val="88BCD9"/>
           </a:solidFill>
           <a:ln>
             <a:noFill/>
@@ -3860,12 +4639,12 @@
       </p:sp>
       <p:pic>
         <p:nvPicPr>
-          <p:cNvPr id="91" name="Inhaltsplatzhalter 4" descr=""/>
+          <p:cNvPr id="91" name="Inhaltsplatzhalter 4"/>
           <p:cNvPicPr/>
           <p:nvPr/>
         </p:nvPicPr>
         <p:blipFill>
-          <a:blip r:embed="rId1"/>
+          <a:blip r:embed="rId2"/>
           <a:stretch/>
         </p:blipFill>
         <p:spPr>
@@ -3880,7 +4659,7 @@
             <a:noFill/>
           </a:ln>
           <a:effectLst>
-            <a:outerShdw algn="tl" blurRad="292100" dir="2700000" dist="139700" rotWithShape="0">
+            <a:outerShdw blurRad="292100" dist="139700" dir="2700000" algn="tl" rotWithShape="0">
               <a:srgbClr val="333333">
                 <a:alpha val="65000"/>
               </a:srgbClr>
@@ -3908,13 +4687,20 @@
           </a:ln>
         </p:spPr>
         <p:style>
-          <a:lnRef idx="0"/>
-          <a:fillRef idx="0"/>
-          <a:effectRef idx="0"/>
+          <a:lnRef idx="0">
+            <a:scrgbClr r="0" g="0" b="0"/>
+          </a:lnRef>
+          <a:fillRef idx="0">
+            <a:scrgbClr r="0" g="0" b="0"/>
+          </a:fillRef>
+          <a:effectRef idx="0">
+            <a:scrgbClr r="0" g="0" b="0"/>
+          </a:effectRef>
           <a:fontRef idx="minor"/>
         </p:style>
         <p:txBody>
-          <a:bodyPr wrap="none" lIns="90000" rIns="90000" tIns="45000" bIns="45000"/>
+          <a:bodyPr wrap="none" lIns="90000" tIns="45000" rIns="90000" bIns="45000"/>
+          <a:lstStyle/>
           <a:p>
             <a:pPr>
               <a:lnSpc>
@@ -3922,16 +4708,16 @@
               </a:lnSpc>
             </a:pPr>
             <a:r>
-              <a:rPr b="0" lang="en-US" sz="6600" spc="-1" strike="noStrike">
+              <a:rPr lang="en-US" sz="6600" b="0" strike="noStrike" spc="-1">
                 <a:solidFill>
-                  <a:srgbClr val="f2f2f2"/>
+                  <a:srgbClr val="F2F2F2"/>
                 </a:solidFill>
                 <a:latin typeface="Calibri"/>
                 <a:ea typeface="DejaVu Sans"/>
               </a:rPr>
               <a:t>Welcome</a:t>
             </a:r>
-            <a:endParaRPr b="0" lang="en-US" sz="6600" spc="-1" strike="noStrike">
+            <a:endParaRPr lang="en-US" sz="6600" b="0" strike="noStrike" spc="-1">
               <a:latin typeface="Arial"/>
             </a:endParaRPr>
           </a:p>
@@ -3957,13 +4743,20 @@
           </a:ln>
         </p:spPr>
         <p:style>
-          <a:lnRef idx="0"/>
-          <a:fillRef idx="0"/>
-          <a:effectRef idx="0"/>
+          <a:lnRef idx="0">
+            <a:scrgbClr r="0" g="0" b="0"/>
+          </a:lnRef>
+          <a:fillRef idx="0">
+            <a:scrgbClr r="0" g="0" b="0"/>
+          </a:fillRef>
+          <a:effectRef idx="0">
+            <a:scrgbClr r="0" g="0" b="0"/>
+          </a:effectRef>
           <a:fontRef idx="minor"/>
         </p:style>
         <p:txBody>
-          <a:bodyPr lIns="90000" rIns="90000" tIns="45000" bIns="45000"/>
+          <a:bodyPr lIns="90000" tIns="45000" rIns="90000" bIns="45000"/>
+          <a:lstStyle/>
           <a:p>
             <a:pPr>
               <a:lnSpc>
@@ -3971,18 +4764,18 @@
               </a:lnSpc>
             </a:pPr>
             <a:r>
-              <a:rPr b="0" lang="en-US" sz="1800" spc="-1" strike="noStrike" u="sng">
+              <a:rPr lang="en-US" sz="1800" b="0" u="sng" strike="noStrike" spc="-1">
                 <a:solidFill>
-                  <a:srgbClr val="0563c1"/>
+                  <a:srgbClr val="0563C1"/>
                 </a:solidFill>
                 <a:uFillTx/>
                 <a:latin typeface="Calibri"/>
                 <a:ea typeface="DejaVu Sans"/>
-                <a:hlinkClick r:id="rId2"/>
+                <a:hlinkClick r:id="rId3"/>
               </a:rPr>
               <a:t>https://codepen.io/pen/?&amp;editable=true=https%3A%2F%2Fcodepen.io%2Felectricgarden%2Fembed%2FoNNjbqZ%3Fheight%3D603%26theme-id%3Ddefault%26slug-hash%3DoNNjbqZ%26default-tab%3Dresult%26animations%3Drun%26editable%3D%26embed-version%3D2%26preview%3Dtrue%26user%3Delectricgarden%26name%3Dcp_embed_1</a:t>
             </a:r>
-            <a:endParaRPr b="0" lang="en-US" sz="1800" spc="-1" strike="noStrike">
+            <a:endParaRPr lang="en-US" sz="1800" b="0" strike="noStrike" spc="-1">
               <a:latin typeface="Arial"/>
             </a:endParaRPr>
           </a:p>
@@ -3990,22 +4783,25 @@
       </p:sp>
     </p:spTree>
   </p:cSld>
+  <p:clrMapOvr>
+    <a:masterClrMapping/>
+  </p:clrMapOvr>
   <p:timing>
     <p:tnLst>
       <p:par>
-        <p:cTn id="16" dur="indefinite" restart="never" nodeType="tmRoot">
+        <p:cTn id="1" dur="indefinite" restart="never" nodeType="tmRoot">
           <p:childTnLst>
             <p:seq>
-              <p:cTn id="17" dur="indefinite" nodeType="mainSeq"/>
+              <p:cTn id="2" dur="indefinite" nodeType="mainSeq"/>
               <p:prevCondLst>
-                <p:cond delay="0" evt="onPrev">
+                <p:cond evt="onPrev" delay="0">
                   <p:tgtEl>
                     <p:sldTgt/>
                   </p:tgtEl>
                 </p:cond>
               </p:prevCondLst>
               <p:nextCondLst>
-                <p:cond delay="0" evt="onNext">
+                <p:cond evt="onNext" delay="0">
                   <p:tgtEl>
                     <p:sldTgt/>
                   </p:tgtEl>
@@ -4021,7 +4817,7 @@
 </file>
 
 <file path=ppt/slides/slide5.xml><?xml version="1.0" encoding="utf-8"?>
-<p:sld xmlns:a="http://schemas.openxmlformats.org/drawingml/2006/main" xmlns:p="http://schemas.openxmlformats.org/presentationml/2006/main" xmlns:r="http://schemas.openxmlformats.org/officeDocument/2006/relationships" xmlns:p14="http://schemas.microsoft.com/office/powerpoint/2010/main" xmlns:p15="http://schemas.microsoft.com/office/powerpoint/2012/main" xmlns:mc="http://schemas.openxmlformats.org/markup-compatibility/2006">
+<p:sld xmlns:a="http://schemas.openxmlformats.org/drawingml/2006/main" xmlns:r="http://schemas.openxmlformats.org/officeDocument/2006/relationships" xmlns:p="http://schemas.openxmlformats.org/presentationml/2006/main">
   <p:cSld>
     <p:spTree>
       <p:nvGrpSpPr>
@@ -4078,12 +4874,12 @@
       </p:sp>
       <p:pic>
         <p:nvPicPr>
-          <p:cNvPr id="95" name="Inhaltsplatzhalter 4" descr=""/>
+          <p:cNvPr id="95" name="Inhaltsplatzhalter 4"/>
           <p:cNvPicPr/>
           <p:nvPr/>
         </p:nvPicPr>
         <p:blipFill>
-          <a:blip r:embed="rId1"/>
+          <a:blip r:embed="rId2"/>
           <a:stretch/>
         </p:blipFill>
         <p:spPr>
@@ -4098,7 +4894,7 @@
             <a:noFill/>
           </a:ln>
           <a:effectLst>
-            <a:outerShdw algn="tl" blurRad="292100" dir="2700000" dist="139700" rotWithShape="0">
+            <a:outerShdw blurRad="292100" dist="139700" dir="2700000" algn="tl" rotWithShape="0">
               <a:srgbClr val="333333">
                 <a:alpha val="65000"/>
               </a:srgbClr>
@@ -4149,22 +4945,25 @@
       </p:sp>
     </p:spTree>
   </p:cSld>
+  <p:clrMapOvr>
+    <a:masterClrMapping/>
+  </p:clrMapOvr>
   <p:timing>
     <p:tnLst>
       <p:par>
-        <p:cTn id="18" dur="indefinite" restart="never" nodeType="tmRoot">
+        <p:cTn id="1" dur="indefinite" restart="never" nodeType="tmRoot">
           <p:childTnLst>
             <p:seq>
-              <p:cTn id="19" dur="indefinite" nodeType="mainSeq"/>
+              <p:cTn id="2" dur="indefinite" nodeType="mainSeq"/>
               <p:prevCondLst>
-                <p:cond delay="0" evt="onPrev">
+                <p:cond evt="onPrev" delay="0">
                   <p:tgtEl>
                     <p:sldTgt/>
                   </p:tgtEl>
                 </p:cond>
               </p:prevCondLst>
               <p:nextCondLst>
-                <p:cond delay="0" evt="onNext">
+                <p:cond evt="onNext" delay="0">
                   <p:tgtEl>
                     <p:sldTgt/>
                   </p:tgtEl>
@@ -4180,7 +4979,7 @@
 </file>
 
 <file path=ppt/slides/slide6.xml><?xml version="1.0" encoding="utf-8"?>
-<p:sld xmlns:a="http://schemas.openxmlformats.org/drawingml/2006/main" xmlns:p="http://schemas.openxmlformats.org/presentationml/2006/main" xmlns:r="http://schemas.openxmlformats.org/officeDocument/2006/relationships" xmlns:p14="http://schemas.microsoft.com/office/powerpoint/2010/main" xmlns:p15="http://schemas.microsoft.com/office/powerpoint/2012/main" xmlns:mc="http://schemas.openxmlformats.org/markup-compatibility/2006">
+<p:sld xmlns:a="http://schemas.openxmlformats.org/drawingml/2006/main" xmlns:r="http://schemas.openxmlformats.org/officeDocument/2006/relationships" xmlns:p="http://schemas.openxmlformats.org/presentationml/2006/main">
   <p:cSld>
     <p:spTree>
       <p:nvGrpSpPr>
@@ -4198,42 +4997,18 @@
       </p:grpSpPr>
       <p:pic>
         <p:nvPicPr>
-          <p:cNvPr id="97" name="" descr=""/>
-          <p:cNvPicPr/>
-          <p:nvPr/>
-        </p:nvPicPr>
-        <p:blipFill>
-          <a:blip r:embed="rId1"/>
-          <a:stretch/>
-        </p:blipFill>
-        <p:spPr>
-          <a:xfrm>
-            <a:off x="23760" y="-4680"/>
-            <a:ext cx="10276920" cy="6857280"/>
-          </a:xfrm>
-          <a:prstGeom prst="rect">
-            <a:avLst/>
-          </a:prstGeom>
-          <a:ln>
-            <a:noFill/>
-          </a:ln>
-        </p:spPr>
-      </p:pic>
-      <p:pic>
-        <p:nvPicPr>
-          <p:cNvPr id="98" name="" descr=""/>
+          <p:cNvPr id="97" name="Grafik 96"/>
           <p:cNvPicPr/>
           <p:nvPr/>
         </p:nvPicPr>
         <p:blipFill>
           <a:blip r:embed="rId2"/>
-          <a:srcRect l="62034" t="0" r="0" b="0"/>
           <a:stretch/>
         </p:blipFill>
         <p:spPr>
           <a:xfrm>
-            <a:off x="8294760" y="9360"/>
-            <a:ext cx="3899880" cy="6857280"/>
+            <a:off x="23760" y="-4680"/>
+            <a:ext cx="10276920" cy="6857280"/>
           </a:xfrm>
           <a:prstGeom prst="rect">
             <a:avLst/>
@@ -4245,7 +5020,31 @@
       </p:pic>
       <p:pic>
         <p:nvPicPr>
-          <p:cNvPr id="99" name="Inhaltsplatzhalter 4" descr=""/>
+          <p:cNvPr id="98" name="Grafik 97"/>
+          <p:cNvPicPr/>
+          <p:nvPr/>
+        </p:nvPicPr>
+        <p:blipFill>
+          <a:blip r:embed="rId2"/>
+          <a:srcRect l="62034"/>
+          <a:stretch/>
+        </p:blipFill>
+        <p:spPr>
+          <a:xfrm>
+            <a:off x="8294760" y="9360"/>
+            <a:ext cx="3899880" cy="6857280"/>
+          </a:xfrm>
+          <a:prstGeom prst="rect">
+            <a:avLst/>
+          </a:prstGeom>
+          <a:ln>
+            <a:noFill/>
+          </a:ln>
+        </p:spPr>
+      </p:pic>
+      <p:pic>
+        <p:nvPicPr>
+          <p:cNvPr id="99" name="Inhaltsplatzhalter 4"/>
           <p:cNvPicPr/>
           <p:nvPr/>
         </p:nvPicPr>
@@ -4265,7 +5064,7 @@
             <a:noFill/>
           </a:ln>
           <a:effectLst>
-            <a:outerShdw algn="tl" blurRad="292100" dir="2700000" dist="139700" rotWithShape="0">
+            <a:outerShdw blurRad="292100" dist="139700" dir="2700000" algn="tl" rotWithShape="0">
               <a:srgbClr val="333333">
                 <a:alpha val="65000"/>
               </a:srgbClr>
@@ -4275,22 +5074,25 @@
       </p:pic>
     </p:spTree>
   </p:cSld>
+  <p:clrMapOvr>
+    <a:masterClrMapping/>
+  </p:clrMapOvr>
   <p:timing>
     <p:tnLst>
       <p:par>
-        <p:cTn id="20" dur="indefinite" restart="never" nodeType="tmRoot">
+        <p:cTn id="1" dur="indefinite" restart="never" nodeType="tmRoot">
           <p:childTnLst>
             <p:seq>
-              <p:cTn id="21" dur="indefinite" nodeType="mainSeq"/>
+              <p:cTn id="2" dur="indefinite" nodeType="mainSeq"/>
               <p:prevCondLst>
-                <p:cond delay="0" evt="onPrev">
+                <p:cond evt="onPrev" delay="0">
                   <p:tgtEl>
                     <p:sldTgt/>
                   </p:tgtEl>
                 </p:cond>
               </p:prevCondLst>
               <p:nextCondLst>
-                <p:cond delay="0" evt="onNext">
+                <p:cond evt="onNext" delay="0">
                   <p:tgtEl>
                     <p:sldTgt/>
                   </p:tgtEl>
@@ -4306,7 +5108,7 @@
 </file>
 
 <file path=ppt/slides/slide7.xml><?xml version="1.0" encoding="utf-8"?>
-<p:sld xmlns:a="http://schemas.openxmlformats.org/drawingml/2006/main" xmlns:p="http://schemas.openxmlformats.org/presentationml/2006/main" xmlns:r="http://schemas.openxmlformats.org/officeDocument/2006/relationships" xmlns:p14="http://schemas.microsoft.com/office/powerpoint/2010/main" xmlns:p15="http://schemas.microsoft.com/office/powerpoint/2012/main" xmlns:mc="http://schemas.openxmlformats.org/markup-compatibility/2006">
+<p:sld xmlns:a="http://schemas.openxmlformats.org/drawingml/2006/main" xmlns:r="http://schemas.openxmlformats.org/officeDocument/2006/relationships" xmlns:p="http://schemas.openxmlformats.org/presentationml/2006/main">
   <p:cSld>
     <p:spTree>
       <p:nvGrpSpPr>
@@ -4337,7 +5139,7 @@
             <a:avLst/>
           </a:prstGeom>
           <a:solidFill>
-            <a:srgbClr val="ffffff"/>
+            <a:srgbClr val="FFFFFF"/>
           </a:solidFill>
           <a:ln w="6480">
             <a:solidFill>
@@ -4347,45 +5149,51 @@
           </a:ln>
         </p:spPr>
         <p:style>
-          <a:lnRef idx="0"/>
-          <a:fillRef idx="0"/>
-          <a:effectRef idx="0"/>
+          <a:lnRef idx="0">
+            <a:scrgbClr r="0" g="0" b="0"/>
+          </a:lnRef>
+          <a:fillRef idx="0">
+            <a:scrgbClr r="0" g="0" b="0"/>
+          </a:fillRef>
+          <a:effectRef idx="0">
+            <a:scrgbClr r="0" g="0" b="0"/>
+          </a:effectRef>
           <a:fontRef idx="minor"/>
         </p:style>
       </p:sp>
       <p:pic>
         <p:nvPicPr>
-          <p:cNvPr id="101" name="" descr=""/>
-          <p:cNvPicPr/>
-          <p:nvPr/>
-        </p:nvPicPr>
-        <p:blipFill>
-          <a:blip r:embed="rId1"/>
-          <a:srcRect l="0" t="22412" r="0" b="0"/>
-          <a:stretch/>
-        </p:blipFill>
-        <p:spPr>
-          <a:xfrm>
-            <a:off x="1920240" y="3749040"/>
-            <a:ext cx="2752200" cy="3480120"/>
-          </a:xfrm>
-          <a:prstGeom prst="rect">
-            <a:avLst/>
-          </a:prstGeom>
-          <a:ln w="18360">
-            <a:noFill/>
-          </a:ln>
-        </p:spPr>
-      </p:pic>
-      <p:pic>
-        <p:nvPicPr>
-          <p:cNvPr id="102" name="" descr=""/>
+          <p:cNvPr id="101" name="Grafik 100"/>
           <p:cNvPicPr/>
           <p:nvPr/>
         </p:nvPicPr>
         <p:blipFill>
           <a:blip r:embed="rId2"/>
-          <a:srcRect l="0" t="0" r="0" b="77572"/>
+          <a:srcRect t="22412"/>
+          <a:stretch/>
+        </p:blipFill>
+        <p:spPr>
+          <a:xfrm>
+            <a:off x="1920240" y="3749040"/>
+            <a:ext cx="2752200" cy="3480120"/>
+          </a:xfrm>
+          <a:prstGeom prst="rect">
+            <a:avLst/>
+          </a:prstGeom>
+          <a:ln w="18360">
+            <a:noFill/>
+          </a:ln>
+        </p:spPr>
+      </p:pic>
+      <p:pic>
+        <p:nvPicPr>
+          <p:cNvPr id="102" name="Grafik 101"/>
+          <p:cNvPicPr/>
+          <p:nvPr/>
+        </p:nvPicPr>
+        <p:blipFill>
+          <a:blip r:embed="rId2"/>
+          <a:srcRect b="77572"/>
           <a:stretch/>
         </p:blipFill>
         <p:spPr>
@@ -4421,111 +5229,91 @@
           </a:ln>
         </p:spPr>
         <p:txBody>
-          <a:bodyPr lIns="90000" rIns="90000" tIns="45000" bIns="45000"/>
+          <a:bodyPr lIns="90000" tIns="45000" rIns="90000" bIns="45000"/>
+          <a:lstStyle/>
           <a:p>
             <a:r>
-              <a:rPr b="0" lang="en-US" sz="1800" spc="-1" strike="noStrike">
+              <a:rPr lang="en-US" sz="1800" b="0" strike="noStrike" spc="-1">
                 <a:latin typeface="Arial"/>
               </a:rPr>
               <a:t>Weight:</a:t>
             </a:r>
-            <a:endParaRPr b="0" lang="en-US" sz="1800" spc="-1" strike="noStrike">
-              <a:latin typeface="Arial"/>
-            </a:endParaRPr>
           </a:p>
           <a:p>
             <a:r>
-              <a:rPr b="0" lang="en-US" sz="1800" spc="-1" strike="noStrike">
+              <a:rPr lang="en-US" sz="1800" b="0" strike="noStrike" spc="-1">
                 <a:latin typeface="Arial"/>
               </a:rPr>
               <a:t>Weight_R:</a:t>
             </a:r>
-            <a:endParaRPr b="0" lang="en-US" sz="1800" spc="-1" strike="noStrike">
-              <a:latin typeface="Arial"/>
-            </a:endParaRPr>
           </a:p>
           <a:p>
             <a:r>
-              <a:rPr b="0" lang="en-US" sz="1800" spc="-1" strike="noStrike">
+              <a:rPr lang="en-US" sz="1800" b="0" strike="noStrike" spc="-1">
                 <a:latin typeface="Arial"/>
               </a:rPr>
               <a:t>Current Streak: 0 days</a:t>
             </a:r>
-            <a:endParaRPr b="0" lang="en-US" sz="1800" spc="-1" strike="noStrike">
-              <a:latin typeface="Arial"/>
-            </a:endParaRPr>
           </a:p>
           <a:p>
             <a:r>
-              <a:rPr b="0" lang="en-US" sz="1800" spc="-1" strike="noStrike">
+              <a:rPr lang="en-US" sz="1800" b="0" strike="noStrike" spc="-1">
                 <a:latin typeface="Arial"/>
                 <a:ea typeface="Noto Sans CJK SC"/>
               </a:rPr>
               <a:t>Streak Target:</a:t>
             </a:r>
             <a:r>
-              <a:rPr b="0" lang="en-US" sz="1800" spc="-1" strike="noStrike">
+              <a:rPr lang="en-US" sz="1800" b="0" strike="noStrike" spc="-1">
                 <a:latin typeface="Arial"/>
               </a:rPr>
               <a:t>  0 days</a:t>
             </a:r>
-            <a:endParaRPr b="0" lang="en-US" sz="1800" spc="-1" strike="noStrike">
-              <a:latin typeface="Arial"/>
-            </a:endParaRPr>
           </a:p>
           <a:p>
             <a:r>
-              <a:rPr b="0" lang="en-US" sz="1800" spc="-1" strike="noStrike">
+              <a:rPr lang="en-US" sz="1800" b="0" strike="noStrike" spc="-1">
                 <a:latin typeface="Arial"/>
                 <a:ea typeface="Noto Sans CJK SC"/>
               </a:rPr>
               <a:t>Streak Attempts:</a:t>
             </a:r>
             <a:r>
-              <a:rPr b="0" lang="en-US" sz="1800" spc="-1" strike="noStrike">
+              <a:rPr lang="en-US" sz="1800" b="0" strike="noStrike" spc="-1">
                 <a:latin typeface="Arial"/>
               </a:rPr>
               <a:t> 0 days</a:t>
             </a:r>
-            <a:endParaRPr b="0" lang="en-US" sz="1800" spc="-1" strike="noStrike">
-              <a:latin typeface="Arial"/>
-            </a:endParaRPr>
           </a:p>
           <a:p>
             <a:r>
-              <a:rPr b="0" lang="en-US" sz="1800" spc="-1" strike="noStrike">
+              <a:rPr lang="en-US" sz="1800" b="0" strike="noStrike" spc="-1">
                 <a:latin typeface="Arial"/>
                 <a:ea typeface="Noto Sans CJK SC"/>
               </a:rPr>
               <a:t>Longest Strike:</a:t>
             </a:r>
             <a:r>
-              <a:rPr b="0" lang="en-US" sz="1800" spc="-1" strike="noStrike">
+              <a:rPr lang="en-US" sz="1800" b="0" strike="noStrike" spc="-1">
                 <a:latin typeface="Arial"/>
               </a:rPr>
               <a:t> 0 days</a:t>
             </a:r>
-            <a:endParaRPr b="0" lang="en-US" sz="1800" spc="-1" strike="noStrike">
-              <a:latin typeface="Arial"/>
-            </a:endParaRPr>
           </a:p>
           <a:p>
             <a:r>
-              <a:rPr b="0" lang="en-US" sz="1800" spc="-1" strike="noStrike">
+              <a:rPr lang="en-US" sz="1800" b="0" strike="noStrike" spc="-1">
                 <a:latin typeface="Arial"/>
                 <a:ea typeface="Noto Sans CJK SC"/>
               </a:rPr>
               <a:t>Shortest Strike:</a:t>
             </a:r>
             <a:r>
-              <a:rPr b="0" lang="en-US" sz="1800" spc="-1" strike="noStrike">
+              <a:rPr lang="en-US" sz="1800" b="0" strike="noStrike" spc="-1">
                 <a:latin typeface="Arial"/>
               </a:rPr>
               <a:t> 0 days</a:t>
             </a:r>
-            <a:endParaRPr b="0" lang="en-US" sz="1800" spc="-1" strike="noStrike">
-              <a:latin typeface="Arial"/>
-            </a:endParaRPr>
           </a:p>
         </p:txBody>
       </p:sp>
@@ -4549,223 +5337,179 @@
           </a:ln>
         </p:spPr>
         <p:txBody>
-          <a:bodyPr lIns="90000" rIns="90000" tIns="45000" bIns="45000"/>
+          <a:bodyPr lIns="90000" tIns="45000" rIns="90000" bIns="45000"/>
+          <a:lstStyle/>
           <a:p>
             <a:r>
-              <a:rPr b="0" lang="en-US" sz="1800" spc="-1" strike="noStrike">
+              <a:rPr lang="en-US" sz="1800" b="0" strike="noStrike" spc="-1">
                 <a:latin typeface="Arial"/>
               </a:rPr>
               <a:t>Technical implementation:</a:t>
             </a:r>
-            <a:endParaRPr b="0" lang="en-US" sz="1800" spc="-1" strike="noStrike">
-              <a:latin typeface="Arial"/>
-            </a:endParaRPr>
           </a:p>
           <a:p>
             <a:r>
-              <a:rPr b="0" lang="en-US" sz="1800" spc="-1" strike="noStrike">
+              <a:rPr lang="en-US" sz="1800" b="0" strike="noStrike" spc="-1">
                 <a:latin typeface="Arial"/>
               </a:rPr>
               <a:t>New url to get the strike information:</a:t>
             </a:r>
-            <a:endParaRPr b="0" lang="en-US" sz="1800" spc="-1" strike="noStrike">
+          </a:p>
+          <a:p>
+            <a:endParaRPr lang="en-US" sz="1800" b="0" strike="noStrike" spc="-1">
               <a:latin typeface="Arial"/>
             </a:endParaRPr>
           </a:p>
           <a:p>
-            <a:endParaRPr b="0" lang="en-US" sz="1800" spc="-1" strike="noStrike">
-              <a:latin typeface="Arial"/>
-            </a:endParaRPr>
-          </a:p>
-          <a:p>
             <a:r>
-              <a:rPr b="0" lang="en-US" sz="1800" spc="-1" strike="noStrike">
+              <a:rPr lang="en-US" sz="1800" b="0" strike="noStrike" spc="-1">
                 <a:latin typeface="Arial"/>
               </a:rPr>
               <a:t>Based on a weight it returns the information:</a:t>
             </a:r>
-            <a:endParaRPr b="0" lang="en-US" sz="1800" spc="-1" strike="noStrike">
+          </a:p>
+          <a:p>
+            <a:endParaRPr lang="en-US" sz="1800" b="0" strike="noStrike" spc="-1">
               <a:latin typeface="Arial"/>
             </a:endParaRPr>
           </a:p>
           <a:p>
-            <a:endParaRPr b="0" lang="en-US" sz="1800" spc="-1" strike="noStrike">
-              <a:latin typeface="Arial"/>
-            </a:endParaRPr>
-          </a:p>
-          <a:p>
             <a:r>
-              <a:rPr b="0" lang="en-US" sz="1800" spc="-1" strike="noStrike">
+              <a:rPr lang="en-US" sz="1800" b="0" strike="noStrike" spc="-1">
                 <a:latin typeface="Arial"/>
               </a:rPr>
               <a:t>##Current Strike##:</a:t>
             </a:r>
-            <a:endParaRPr b="0" lang="en-US" sz="1800" spc="-1" strike="noStrike">
-              <a:latin typeface="Arial"/>
-            </a:endParaRPr>
           </a:p>
           <a:p>
             <a:r>
-              <a:rPr b="0" lang="en-US" sz="1800" spc="-1" strike="noStrike">
+              <a:rPr lang="en-US" sz="1800" b="0" strike="noStrike" spc="-1">
                 <a:latin typeface="Arial"/>
               </a:rPr>
               <a:t>#1.Step Query all data</a:t>
             </a:r>
-            <a:endParaRPr b="0" lang="en-US" sz="1800" spc="-1" strike="noStrike">
-              <a:latin typeface="Arial"/>
-            </a:endParaRPr>
           </a:p>
           <a:p>
             <a:r>
-              <a:rPr b="0" lang="en-US" sz="1800" spc="-1" strike="noStrike">
+              <a:rPr lang="en-US" sz="1800" b="0" strike="noStrike" spc="-1">
                 <a:latin typeface="Arial"/>
               </a:rPr>
               <a:t>#2. Step: Sort by data</a:t>
             </a:r>
-            <a:endParaRPr b="0" lang="en-US" sz="1800" spc="-1" strike="noStrike">
-              <a:latin typeface="Arial"/>
-            </a:endParaRPr>
           </a:p>
           <a:p>
             <a:r>
-              <a:rPr b="0" lang="en-US" sz="1800" spc="-1" strike="noStrike">
+              <a:rPr lang="en-US" sz="1800" b="0" strike="noStrike" spc="-1">
                 <a:latin typeface="Arial"/>
               </a:rPr>
               <a:t>#3. Step: Loop for days,</a:t>
             </a:r>
-            <a:endParaRPr b="0" lang="en-US" sz="1800" spc="-1" strike="noStrike">
-              <a:latin typeface="Arial"/>
-            </a:endParaRPr>
           </a:p>
           <a:p>
             <a:r>
-              <a:rPr b="0" lang="en-US" sz="1800" spc="-1" strike="noStrike">
+              <a:rPr lang="en-US" sz="1800" b="0" strike="noStrike" spc="-1">
                 <a:latin typeface="Arial"/>
               </a:rPr>
               <a:t>Check if previous day is still under the “weight” if not stop the loop</a:t>
             </a:r>
-            <a:endParaRPr b="0" lang="en-US" sz="1800" spc="-1" strike="noStrike">
+          </a:p>
+          <a:p>
+            <a:endParaRPr lang="en-US" sz="1800" b="0" strike="noStrike" spc="-1">
               <a:latin typeface="Arial"/>
             </a:endParaRPr>
           </a:p>
           <a:p>
-            <a:endParaRPr b="0" lang="en-US" sz="1800" spc="-1" strike="noStrike">
-              <a:latin typeface="Arial"/>
-            </a:endParaRPr>
-          </a:p>
-          <a:p>
             <a:r>
-              <a:rPr b="0" lang="en-US" sz="1800" spc="-1" strike="noStrike">
+              <a:rPr lang="en-US" sz="1800" b="0" strike="noStrike" spc="-1">
                 <a:latin typeface="Arial"/>
                 <a:ea typeface="Noto Sans CJK SC"/>
               </a:rPr>
               <a:t>##Streak Attempts</a:t>
             </a:r>
             <a:r>
-              <a:rPr b="0" lang="en-US" sz="1800" spc="-1" strike="noStrike">
+              <a:rPr lang="en-US" sz="1800" b="0" strike="noStrike" spc="-1">
                 <a:latin typeface="Arial"/>
               </a:rPr>
               <a:t>##</a:t>
             </a:r>
-            <a:endParaRPr b="0" lang="en-US" sz="1800" spc="-1" strike="noStrike">
-              <a:latin typeface="Arial"/>
-            </a:endParaRPr>
           </a:p>
           <a:p>
             <a:r>
-              <a:rPr b="0" lang="en-US" sz="1800" spc="-1" strike="noStrike">
+              <a:rPr lang="en-US" sz="1800" b="0" strike="noStrike" spc="-1">
                 <a:latin typeface="Arial"/>
               </a:rPr>
               <a:t>#1.Step:try bins</a:t>
             </a:r>
-            <a:endParaRPr b="0" lang="en-US" sz="1800" spc="-1" strike="noStrike">
-              <a:latin typeface="Arial"/>
-            </a:endParaRPr>
           </a:p>
           <a:p>
             <a:r>
-              <a:rPr b="0" lang="en-US" sz="1800" spc="-1" strike="noStrike">
+              <a:rPr lang="en-US" sz="1800" b="0" strike="noStrike" spc="-1">
                 <a:latin typeface="Arial"/>
                 <a:ea typeface="Noto Sans CJK SC"/>
               </a:rPr>
               <a:t>## Longest Strike</a:t>
             </a:r>
             <a:r>
-              <a:rPr b="0" lang="en-US" sz="1800" spc="-1" strike="noStrike">
+              <a:rPr lang="en-US" sz="1800" b="0" strike="noStrike" spc="-1">
                 <a:latin typeface="Arial"/>
               </a:rPr>
               <a:t>##</a:t>
             </a:r>
-            <a:endParaRPr b="0" lang="en-US" sz="1800" spc="-1" strike="noStrike">
-              <a:latin typeface="Arial"/>
-            </a:endParaRPr>
           </a:p>
           <a:p>
             <a:r>
-              <a:rPr b="0" lang="en-US" sz="1800" spc="-1" strike="noStrike">
+              <a:rPr lang="en-US" sz="1800" b="0" strike="noStrike" spc="-1">
                 <a:latin typeface="Arial"/>
               </a:rPr>
               <a:t>#1.Step:try bins</a:t>
             </a:r>
-            <a:endParaRPr b="0" lang="en-US" sz="1800" spc="-1" strike="noStrike">
-              <a:latin typeface="Arial"/>
-            </a:endParaRPr>
           </a:p>
           <a:p>
             <a:r>
-              <a:rPr b="0" lang="en-US" sz="1800" spc="-1" strike="noStrike">
+              <a:rPr lang="en-US" sz="1800" b="0" strike="noStrike" spc="-1">
                 <a:latin typeface="Arial"/>
                 <a:ea typeface="Noto Sans CJK SC"/>
               </a:rPr>
               <a:t>## Shortest Strike</a:t>
             </a:r>
             <a:r>
-              <a:rPr b="0" lang="en-US" sz="1800" spc="-1" strike="noStrike">
+              <a:rPr lang="en-US" sz="1800" b="0" strike="noStrike" spc="-1">
                 <a:latin typeface="Arial"/>
               </a:rPr>
               <a:t>##</a:t>
             </a:r>
-            <a:endParaRPr b="0" lang="en-US" sz="1800" spc="-1" strike="noStrike">
-              <a:latin typeface="Arial"/>
-            </a:endParaRPr>
           </a:p>
           <a:p>
             <a:r>
-              <a:rPr b="0" lang="en-US" sz="1800" spc="-1" strike="noStrike">
+              <a:rPr lang="en-US" sz="1800" b="0" strike="noStrike" spc="-1">
                 <a:latin typeface="Arial"/>
               </a:rPr>
               <a:t>#1.Step:try bins</a:t>
             </a:r>
-            <a:endParaRPr b="0" lang="en-US" sz="1800" spc="-1" strike="noStrike">
-              <a:latin typeface="Arial"/>
-            </a:endParaRPr>
           </a:p>
           <a:p>
             <a:r>
-              <a:rPr b="0" lang="en-US" sz="1800" spc="-1" strike="noStrike">
+              <a:rPr lang="en-US" sz="1800" b="0" strike="noStrike" spc="-1">
                 <a:latin typeface="Arial"/>
               </a:rPr>
               <a:t> </a:t>
             </a:r>
-            <a:endParaRPr b="0" lang="en-US" sz="1800" spc="-1" strike="noStrike">
+          </a:p>
+          <a:p>
+            <a:endParaRPr lang="en-US" sz="1800" b="0" strike="noStrike" spc="-1">
               <a:latin typeface="Arial"/>
             </a:endParaRPr>
           </a:p>
           <a:p>
-            <a:endParaRPr b="0" lang="en-US" sz="1800" spc="-1" strike="noStrike">
+            <a:endParaRPr lang="en-US" sz="1800" b="0" strike="noStrike" spc="-1">
               <a:latin typeface="Arial"/>
             </a:endParaRPr>
           </a:p>
-          <a:p>
-            <a:endParaRPr b="0" lang="en-US" sz="1800" spc="-1" strike="noStrike">
-              <a:latin typeface="Arial"/>
-            </a:endParaRPr>
-          </a:p>
         </p:txBody>
       </p:sp>
       <p:pic>
         <p:nvPicPr>
-          <p:cNvPr id="105" name="" descr=""/>
+          <p:cNvPr id="105" name="Grafik 104"/>
           <p:cNvPicPr/>
           <p:nvPr/>
         </p:nvPicPr>
@@ -4788,13 +5532,13 @@
       </p:pic>
       <p:pic>
         <p:nvPicPr>
-          <p:cNvPr id="106" name="" descr=""/>
+          <p:cNvPr id="106" name="Grafik 105"/>
           <p:cNvPicPr/>
           <p:nvPr/>
         </p:nvPicPr>
         <p:blipFill>
-          <a:blip r:embed="rId4"/>
-          <a:srcRect l="0" t="11748" r="0" b="77572"/>
+          <a:blip r:embed="rId2"/>
+          <a:srcRect t="11748" b="77572"/>
           <a:stretch/>
         </p:blipFill>
         <p:spPr>
@@ -4825,7 +5569,7 @@
             <a:avLst/>
           </a:prstGeom>
           <a:solidFill>
-            <a:srgbClr val="ffffff"/>
+            <a:srgbClr val="FFFFFF"/>
           </a:solidFill>
           <a:ln w="18360">
             <a:solidFill>
@@ -4835,9 +5579,15 @@
           </a:ln>
         </p:spPr>
         <p:style>
-          <a:lnRef idx="0"/>
-          <a:fillRef idx="0"/>
-          <a:effectRef idx="0"/>
+          <a:lnRef idx="0">
+            <a:scrgbClr r="0" g="0" b="0"/>
+          </a:lnRef>
+          <a:fillRef idx="0">
+            <a:scrgbClr r="0" g="0" b="0"/>
+          </a:fillRef>
+          <a:effectRef idx="0">
+            <a:scrgbClr r="0" g="0" b="0"/>
+          </a:effectRef>
           <a:fontRef idx="minor"/>
         </p:style>
       </p:sp>
@@ -4856,7 +5606,7 @@
             <a:avLst/>
           </a:prstGeom>
           <a:solidFill>
-            <a:srgbClr val="ffffff"/>
+            <a:srgbClr val="FFFFFF"/>
           </a:solidFill>
           <a:ln w="18360">
             <a:solidFill>
@@ -4866,30 +5616,39 @@
           </a:ln>
         </p:spPr>
         <p:style>
-          <a:lnRef idx="0"/>
-          <a:fillRef idx="0"/>
-          <a:effectRef idx="0"/>
+          <a:lnRef idx="0">
+            <a:scrgbClr r="0" g="0" b="0"/>
+          </a:lnRef>
+          <a:fillRef idx="0">
+            <a:scrgbClr r="0" g="0" b="0"/>
+          </a:fillRef>
+          <a:effectRef idx="0">
+            <a:scrgbClr r="0" g="0" b="0"/>
+          </a:effectRef>
           <a:fontRef idx="minor"/>
         </p:style>
       </p:sp>
     </p:spTree>
   </p:cSld>
+  <p:clrMapOvr>
+    <a:masterClrMapping/>
+  </p:clrMapOvr>
   <p:timing>
     <p:tnLst>
       <p:par>
-        <p:cTn id="22" dur="indefinite" restart="never" nodeType="tmRoot">
+        <p:cTn id="1" dur="indefinite" restart="never" nodeType="tmRoot">
           <p:childTnLst>
             <p:seq>
-              <p:cTn id="23" dur="indefinite" nodeType="mainSeq"/>
+              <p:cTn id="2" dur="indefinite" nodeType="mainSeq"/>
               <p:prevCondLst>
-                <p:cond delay="0" evt="onPrev">
+                <p:cond evt="onPrev" delay="0">
                   <p:tgtEl>
                     <p:sldTgt/>
                   </p:tgtEl>
                 </p:cond>
               </p:prevCondLst>
               <p:nextCondLst>
-                <p:cond delay="0" evt="onNext">
+                <p:cond evt="onNext" delay="0">
                   <p:tgtEl>
                     <p:sldTgt/>
                   </p:tgtEl>
@@ -4904,6 +5663,2209 @@
 </p:sld>
 </file>
 
+<file path=ppt/slides/slide8.xml><?xml version="1.0" encoding="utf-8"?>
+<p:sld xmlns:a="http://schemas.openxmlformats.org/drawingml/2006/main" xmlns:r="http://schemas.openxmlformats.org/officeDocument/2006/relationships" xmlns:p="http://schemas.openxmlformats.org/presentationml/2006/main">
+  <p:cSld>
+    <p:spTree>
+      <p:nvGrpSpPr>
+        <p:cNvPr id="1" name=""/>
+        <p:cNvGrpSpPr/>
+        <p:nvPr/>
+      </p:nvGrpSpPr>
+      <p:grpSpPr>
+        <a:xfrm>
+          <a:off x="0" y="0"/>
+          <a:ext cx="0" cy="0"/>
+          <a:chOff x="0" y="0"/>
+          <a:chExt cx="0" cy="0"/>
+        </a:xfrm>
+      </p:grpSpPr>
+      <p:grpSp>
+        <p:nvGrpSpPr>
+          <p:cNvPr id="2" name="Group 9">
+            <a:extLst>
+              <a:ext uri="{FF2B5EF4-FFF2-40B4-BE49-F238E27FC236}">
+                <a16:creationId xmlns:a16="http://schemas.microsoft.com/office/drawing/2014/main" id="{140BAA7C-8637-461D-A6A8-7914F0904273}"/>
+              </a:ext>
+            </a:extLst>
+          </p:cNvPr>
+          <p:cNvGrpSpPr/>
+          <p:nvPr/>
+        </p:nvGrpSpPr>
+        <p:grpSpPr>
+          <a:xfrm>
+            <a:off x="1276825" y="494481"/>
+            <a:ext cx="3018085" cy="5633056"/>
+            <a:chOff x="3501573" y="3178068"/>
+            <a:chExt cx="1340594" cy="2737840"/>
+          </a:xfrm>
+        </p:grpSpPr>
+        <p:sp>
+          <p:nvSpPr>
+            <p:cNvPr id="3" name="Freeform: Shape 10">
+              <a:extLst>
+                <a:ext uri="{FF2B5EF4-FFF2-40B4-BE49-F238E27FC236}">
+                  <a16:creationId xmlns:a16="http://schemas.microsoft.com/office/drawing/2014/main" id="{A3097157-648F-457C-9FDB-BAFEFE437F67}"/>
+                </a:ext>
+              </a:extLst>
+            </p:cNvPr>
+            <p:cNvSpPr/>
+            <p:nvPr/>
+          </p:nvSpPr>
+          <p:spPr>
+            <a:xfrm>
+              <a:off x="3504728" y="3612346"/>
+              <a:ext cx="62939" cy="220286"/>
+            </a:xfrm>
+            <a:custGeom>
+              <a:avLst/>
+              <a:gdLst>
+                <a:gd name="connsiteX0" fmla="*/ 12859 w 19050"/>
+                <a:gd name="connsiteY0" fmla="*/ 68104 h 66675"/>
+                <a:gd name="connsiteX1" fmla="*/ 12859 w 19050"/>
+                <a:gd name="connsiteY1" fmla="*/ 68104 h 66675"/>
+                <a:gd name="connsiteX2" fmla="*/ 7144 w 19050"/>
+                <a:gd name="connsiteY2" fmla="*/ 62389 h 66675"/>
+                <a:gd name="connsiteX3" fmla="*/ 7144 w 19050"/>
+                <a:gd name="connsiteY3" fmla="*/ 12859 h 66675"/>
+                <a:gd name="connsiteX4" fmla="*/ 12859 w 19050"/>
+                <a:gd name="connsiteY4" fmla="*/ 7144 h 66675"/>
+                <a:gd name="connsiteX5" fmla="*/ 12859 w 19050"/>
+                <a:gd name="connsiteY5" fmla="*/ 7144 h 66675"/>
+                <a:gd name="connsiteX6" fmla="*/ 18574 w 19050"/>
+                <a:gd name="connsiteY6" fmla="*/ 12859 h 66675"/>
+                <a:gd name="connsiteX7" fmla="*/ 18574 w 19050"/>
+                <a:gd name="connsiteY7" fmla="*/ 62389 h 66675"/>
+                <a:gd name="connsiteX8" fmla="*/ 12859 w 19050"/>
+                <a:gd name="connsiteY8" fmla="*/ 68104 h 66675"/>
+              </a:gdLst>
+              <a:ahLst/>
+              <a:cxnLst>
+                <a:cxn ang="0">
+                  <a:pos x="connsiteX0" y="connsiteY0"/>
+                </a:cxn>
+                <a:cxn ang="0">
+                  <a:pos x="connsiteX1" y="connsiteY1"/>
+                </a:cxn>
+                <a:cxn ang="0">
+                  <a:pos x="connsiteX2" y="connsiteY2"/>
+                </a:cxn>
+                <a:cxn ang="0">
+                  <a:pos x="connsiteX3" y="connsiteY3"/>
+                </a:cxn>
+                <a:cxn ang="0">
+                  <a:pos x="connsiteX4" y="connsiteY4"/>
+                </a:cxn>
+                <a:cxn ang="0">
+                  <a:pos x="connsiteX5" y="connsiteY5"/>
+                </a:cxn>
+                <a:cxn ang="0">
+                  <a:pos x="connsiteX6" y="connsiteY6"/>
+                </a:cxn>
+                <a:cxn ang="0">
+                  <a:pos x="connsiteX7" y="connsiteY7"/>
+                </a:cxn>
+                <a:cxn ang="0">
+                  <a:pos x="connsiteX8" y="connsiteY8"/>
+                </a:cxn>
+              </a:cxnLst>
+              <a:rect l="l" t="t" r="r" b="b"/>
+              <a:pathLst>
+                <a:path w="19050" h="66675">
+                  <a:moveTo>
+                    <a:pt x="12859" y="68104"/>
+                  </a:moveTo>
+                  <a:lnTo>
+                    <a:pt x="12859" y="68104"/>
+                  </a:lnTo>
+                  <a:cubicBezTo>
+                    <a:pt x="10001" y="68104"/>
+                    <a:pt x="7144" y="65246"/>
+                    <a:pt x="7144" y="62389"/>
+                  </a:cubicBezTo>
+                  <a:lnTo>
+                    <a:pt x="7144" y="12859"/>
+                  </a:lnTo>
+                  <a:cubicBezTo>
+                    <a:pt x="7144" y="10001"/>
+                    <a:pt x="10001" y="7144"/>
+                    <a:pt x="12859" y="7144"/>
+                  </a:cubicBezTo>
+                  <a:lnTo>
+                    <a:pt x="12859" y="7144"/>
+                  </a:lnTo>
+                  <a:cubicBezTo>
+                    <a:pt x="15716" y="7144"/>
+                    <a:pt x="18574" y="10001"/>
+                    <a:pt x="18574" y="12859"/>
+                  </a:cubicBezTo>
+                  <a:lnTo>
+                    <a:pt x="18574" y="62389"/>
+                  </a:lnTo>
+                  <a:cubicBezTo>
+                    <a:pt x="18574" y="65246"/>
+                    <a:pt x="15716" y="68104"/>
+                    <a:pt x="12859" y="68104"/>
+                  </a:cubicBezTo>
+                  <a:close/>
+                </a:path>
+              </a:pathLst>
+            </a:custGeom>
+            <a:solidFill>
+              <a:srgbClr val="808080"/>
+            </a:solidFill>
+            <a:ln w="9525" cap="flat">
+              <a:noFill/>
+              <a:prstDash val="solid"/>
+              <a:miter/>
+            </a:ln>
+          </p:spPr>
+          <p:txBody>
+            <a:bodyPr rtlCol="0" anchor="ctr"/>
+            <a:lstStyle>
+              <a:defPPr>
+                <a:defRPr lang="en-US"/>
+              </a:defPPr>
+              <a:lvl1pPr marL="0" algn="l" defTabSz="914400" rtl="0" eaLnBrk="1" latinLnBrk="0" hangingPunct="1">
+                <a:defRPr sz="1800" kern="1200">
+                  <a:solidFill>
+                    <a:schemeClr val="tx1"/>
+                  </a:solidFill>
+                  <a:latin typeface="+mn-lt"/>
+                  <a:ea typeface="+mn-ea"/>
+                  <a:cs typeface="+mn-cs"/>
+                </a:defRPr>
+              </a:lvl1pPr>
+              <a:lvl2pPr marL="457200" algn="l" defTabSz="914400" rtl="0" eaLnBrk="1" latinLnBrk="0" hangingPunct="1">
+                <a:defRPr sz="1800" kern="1200">
+                  <a:solidFill>
+                    <a:schemeClr val="tx1"/>
+                  </a:solidFill>
+                  <a:latin typeface="+mn-lt"/>
+                  <a:ea typeface="+mn-ea"/>
+                  <a:cs typeface="+mn-cs"/>
+                </a:defRPr>
+              </a:lvl2pPr>
+              <a:lvl3pPr marL="914400" algn="l" defTabSz="914400" rtl="0" eaLnBrk="1" latinLnBrk="0" hangingPunct="1">
+                <a:defRPr sz="1800" kern="1200">
+                  <a:solidFill>
+                    <a:schemeClr val="tx1"/>
+                  </a:solidFill>
+                  <a:latin typeface="+mn-lt"/>
+                  <a:ea typeface="+mn-ea"/>
+                  <a:cs typeface="+mn-cs"/>
+                </a:defRPr>
+              </a:lvl3pPr>
+              <a:lvl4pPr marL="1371600" algn="l" defTabSz="914400" rtl="0" eaLnBrk="1" latinLnBrk="0" hangingPunct="1">
+                <a:defRPr sz="1800" kern="1200">
+                  <a:solidFill>
+                    <a:schemeClr val="tx1"/>
+                  </a:solidFill>
+                  <a:latin typeface="+mn-lt"/>
+                  <a:ea typeface="+mn-ea"/>
+                  <a:cs typeface="+mn-cs"/>
+                </a:defRPr>
+              </a:lvl4pPr>
+              <a:lvl5pPr marL="1828800" algn="l" defTabSz="914400" rtl="0" eaLnBrk="1" latinLnBrk="0" hangingPunct="1">
+                <a:defRPr sz="1800" kern="1200">
+                  <a:solidFill>
+                    <a:schemeClr val="tx1"/>
+                  </a:solidFill>
+                  <a:latin typeface="+mn-lt"/>
+                  <a:ea typeface="+mn-ea"/>
+                  <a:cs typeface="+mn-cs"/>
+                </a:defRPr>
+              </a:lvl5pPr>
+              <a:lvl6pPr marL="2286000" algn="l" defTabSz="914400" rtl="0" eaLnBrk="1" latinLnBrk="0" hangingPunct="1">
+                <a:defRPr sz="1800" kern="1200">
+                  <a:solidFill>
+                    <a:schemeClr val="tx1"/>
+                  </a:solidFill>
+                  <a:latin typeface="+mn-lt"/>
+                  <a:ea typeface="+mn-ea"/>
+                  <a:cs typeface="+mn-cs"/>
+                </a:defRPr>
+              </a:lvl6pPr>
+              <a:lvl7pPr marL="2743200" algn="l" defTabSz="914400" rtl="0" eaLnBrk="1" latinLnBrk="0" hangingPunct="1">
+                <a:defRPr sz="1800" kern="1200">
+                  <a:solidFill>
+                    <a:schemeClr val="tx1"/>
+                  </a:solidFill>
+                  <a:latin typeface="+mn-lt"/>
+                  <a:ea typeface="+mn-ea"/>
+                  <a:cs typeface="+mn-cs"/>
+                </a:defRPr>
+              </a:lvl7pPr>
+              <a:lvl8pPr marL="3200400" algn="l" defTabSz="914400" rtl="0" eaLnBrk="1" latinLnBrk="0" hangingPunct="1">
+                <a:defRPr sz="1800" kern="1200">
+                  <a:solidFill>
+                    <a:schemeClr val="tx1"/>
+                  </a:solidFill>
+                  <a:latin typeface="+mn-lt"/>
+                  <a:ea typeface="+mn-ea"/>
+                  <a:cs typeface="+mn-cs"/>
+                </a:defRPr>
+              </a:lvl8pPr>
+              <a:lvl9pPr marL="3657600" algn="l" defTabSz="914400" rtl="0" eaLnBrk="1" latinLnBrk="0" hangingPunct="1">
+                <a:defRPr sz="1800" kern="1200">
+                  <a:solidFill>
+                    <a:schemeClr val="tx1"/>
+                  </a:solidFill>
+                  <a:latin typeface="+mn-lt"/>
+                  <a:ea typeface="+mn-ea"/>
+                  <a:cs typeface="+mn-cs"/>
+                </a:defRPr>
+              </a:lvl9pPr>
+            </a:lstStyle>
+            <a:p>
+              <a:endParaRPr lang="en-US"/>
+            </a:p>
+          </p:txBody>
+        </p:sp>
+        <p:sp>
+          <p:nvSpPr>
+            <p:cNvPr id="4" name="Freeform: Shape 11">
+              <a:extLst>
+                <a:ext uri="{FF2B5EF4-FFF2-40B4-BE49-F238E27FC236}">
+                  <a16:creationId xmlns:a16="http://schemas.microsoft.com/office/drawing/2014/main" id="{557C26D5-5DB6-40F2-9243-CF745572BE45}"/>
+                </a:ext>
+              </a:extLst>
+            </p:cNvPr>
+            <p:cNvSpPr/>
+            <p:nvPr/>
+          </p:nvSpPr>
+          <p:spPr>
+            <a:xfrm>
+              <a:off x="3501573" y="3832632"/>
+              <a:ext cx="62939" cy="220286"/>
+            </a:xfrm>
+            <a:custGeom>
+              <a:avLst/>
+              <a:gdLst>
+                <a:gd name="connsiteX0" fmla="*/ 12859 w 19050"/>
+                <a:gd name="connsiteY0" fmla="*/ 68104 h 66675"/>
+                <a:gd name="connsiteX1" fmla="*/ 12859 w 19050"/>
+                <a:gd name="connsiteY1" fmla="*/ 68104 h 66675"/>
+                <a:gd name="connsiteX2" fmla="*/ 7144 w 19050"/>
+                <a:gd name="connsiteY2" fmla="*/ 62389 h 66675"/>
+                <a:gd name="connsiteX3" fmla="*/ 7144 w 19050"/>
+                <a:gd name="connsiteY3" fmla="*/ 12859 h 66675"/>
+                <a:gd name="connsiteX4" fmla="*/ 12859 w 19050"/>
+                <a:gd name="connsiteY4" fmla="*/ 7144 h 66675"/>
+                <a:gd name="connsiteX5" fmla="*/ 12859 w 19050"/>
+                <a:gd name="connsiteY5" fmla="*/ 7144 h 66675"/>
+                <a:gd name="connsiteX6" fmla="*/ 18574 w 19050"/>
+                <a:gd name="connsiteY6" fmla="*/ 12859 h 66675"/>
+                <a:gd name="connsiteX7" fmla="*/ 18574 w 19050"/>
+                <a:gd name="connsiteY7" fmla="*/ 62389 h 66675"/>
+                <a:gd name="connsiteX8" fmla="*/ 12859 w 19050"/>
+                <a:gd name="connsiteY8" fmla="*/ 68104 h 66675"/>
+              </a:gdLst>
+              <a:ahLst/>
+              <a:cxnLst>
+                <a:cxn ang="0">
+                  <a:pos x="connsiteX0" y="connsiteY0"/>
+                </a:cxn>
+                <a:cxn ang="0">
+                  <a:pos x="connsiteX1" y="connsiteY1"/>
+                </a:cxn>
+                <a:cxn ang="0">
+                  <a:pos x="connsiteX2" y="connsiteY2"/>
+                </a:cxn>
+                <a:cxn ang="0">
+                  <a:pos x="connsiteX3" y="connsiteY3"/>
+                </a:cxn>
+                <a:cxn ang="0">
+                  <a:pos x="connsiteX4" y="connsiteY4"/>
+                </a:cxn>
+                <a:cxn ang="0">
+                  <a:pos x="connsiteX5" y="connsiteY5"/>
+                </a:cxn>
+                <a:cxn ang="0">
+                  <a:pos x="connsiteX6" y="connsiteY6"/>
+                </a:cxn>
+                <a:cxn ang="0">
+                  <a:pos x="connsiteX7" y="connsiteY7"/>
+                </a:cxn>
+                <a:cxn ang="0">
+                  <a:pos x="connsiteX8" y="connsiteY8"/>
+                </a:cxn>
+              </a:cxnLst>
+              <a:rect l="l" t="t" r="r" b="b"/>
+              <a:pathLst>
+                <a:path w="19050" h="66675">
+                  <a:moveTo>
+                    <a:pt x="12859" y="68104"/>
+                  </a:moveTo>
+                  <a:lnTo>
+                    <a:pt x="12859" y="68104"/>
+                  </a:lnTo>
+                  <a:cubicBezTo>
+                    <a:pt x="10001" y="68104"/>
+                    <a:pt x="7144" y="65246"/>
+                    <a:pt x="7144" y="62389"/>
+                  </a:cubicBezTo>
+                  <a:lnTo>
+                    <a:pt x="7144" y="12859"/>
+                  </a:lnTo>
+                  <a:cubicBezTo>
+                    <a:pt x="7144" y="10001"/>
+                    <a:pt x="10001" y="7144"/>
+                    <a:pt x="12859" y="7144"/>
+                  </a:cubicBezTo>
+                  <a:lnTo>
+                    <a:pt x="12859" y="7144"/>
+                  </a:lnTo>
+                  <a:cubicBezTo>
+                    <a:pt x="15716" y="7144"/>
+                    <a:pt x="18574" y="10001"/>
+                    <a:pt x="18574" y="12859"/>
+                  </a:cubicBezTo>
+                  <a:lnTo>
+                    <a:pt x="18574" y="62389"/>
+                  </a:lnTo>
+                  <a:cubicBezTo>
+                    <a:pt x="18574" y="65246"/>
+                    <a:pt x="15716" y="68104"/>
+                    <a:pt x="12859" y="68104"/>
+                  </a:cubicBezTo>
+                  <a:close/>
+                </a:path>
+              </a:pathLst>
+            </a:custGeom>
+            <a:solidFill>
+              <a:srgbClr val="808080"/>
+            </a:solidFill>
+            <a:ln w="9525" cap="flat">
+              <a:noFill/>
+              <a:prstDash val="solid"/>
+              <a:miter/>
+            </a:ln>
+          </p:spPr>
+          <p:txBody>
+            <a:bodyPr rtlCol="0" anchor="ctr"/>
+            <a:lstStyle>
+              <a:defPPr>
+                <a:defRPr lang="en-US"/>
+              </a:defPPr>
+              <a:lvl1pPr marL="0" algn="l" defTabSz="914400" rtl="0" eaLnBrk="1" latinLnBrk="0" hangingPunct="1">
+                <a:defRPr sz="1800" kern="1200">
+                  <a:solidFill>
+                    <a:schemeClr val="tx1"/>
+                  </a:solidFill>
+                  <a:latin typeface="+mn-lt"/>
+                  <a:ea typeface="+mn-ea"/>
+                  <a:cs typeface="+mn-cs"/>
+                </a:defRPr>
+              </a:lvl1pPr>
+              <a:lvl2pPr marL="457200" algn="l" defTabSz="914400" rtl="0" eaLnBrk="1" latinLnBrk="0" hangingPunct="1">
+                <a:defRPr sz="1800" kern="1200">
+                  <a:solidFill>
+                    <a:schemeClr val="tx1"/>
+                  </a:solidFill>
+                  <a:latin typeface="+mn-lt"/>
+                  <a:ea typeface="+mn-ea"/>
+                  <a:cs typeface="+mn-cs"/>
+                </a:defRPr>
+              </a:lvl2pPr>
+              <a:lvl3pPr marL="914400" algn="l" defTabSz="914400" rtl="0" eaLnBrk="1" latinLnBrk="0" hangingPunct="1">
+                <a:defRPr sz="1800" kern="1200">
+                  <a:solidFill>
+                    <a:schemeClr val="tx1"/>
+                  </a:solidFill>
+                  <a:latin typeface="+mn-lt"/>
+                  <a:ea typeface="+mn-ea"/>
+                  <a:cs typeface="+mn-cs"/>
+                </a:defRPr>
+              </a:lvl3pPr>
+              <a:lvl4pPr marL="1371600" algn="l" defTabSz="914400" rtl="0" eaLnBrk="1" latinLnBrk="0" hangingPunct="1">
+                <a:defRPr sz="1800" kern="1200">
+                  <a:solidFill>
+                    <a:schemeClr val="tx1"/>
+                  </a:solidFill>
+                  <a:latin typeface="+mn-lt"/>
+                  <a:ea typeface="+mn-ea"/>
+                  <a:cs typeface="+mn-cs"/>
+                </a:defRPr>
+              </a:lvl4pPr>
+              <a:lvl5pPr marL="1828800" algn="l" defTabSz="914400" rtl="0" eaLnBrk="1" latinLnBrk="0" hangingPunct="1">
+                <a:defRPr sz="1800" kern="1200">
+                  <a:solidFill>
+                    <a:schemeClr val="tx1"/>
+                  </a:solidFill>
+                  <a:latin typeface="+mn-lt"/>
+                  <a:ea typeface="+mn-ea"/>
+                  <a:cs typeface="+mn-cs"/>
+                </a:defRPr>
+              </a:lvl5pPr>
+              <a:lvl6pPr marL="2286000" algn="l" defTabSz="914400" rtl="0" eaLnBrk="1" latinLnBrk="0" hangingPunct="1">
+                <a:defRPr sz="1800" kern="1200">
+                  <a:solidFill>
+                    <a:schemeClr val="tx1"/>
+                  </a:solidFill>
+                  <a:latin typeface="+mn-lt"/>
+                  <a:ea typeface="+mn-ea"/>
+                  <a:cs typeface="+mn-cs"/>
+                </a:defRPr>
+              </a:lvl6pPr>
+              <a:lvl7pPr marL="2743200" algn="l" defTabSz="914400" rtl="0" eaLnBrk="1" latinLnBrk="0" hangingPunct="1">
+                <a:defRPr sz="1800" kern="1200">
+                  <a:solidFill>
+                    <a:schemeClr val="tx1"/>
+                  </a:solidFill>
+                  <a:latin typeface="+mn-lt"/>
+                  <a:ea typeface="+mn-ea"/>
+                  <a:cs typeface="+mn-cs"/>
+                </a:defRPr>
+              </a:lvl7pPr>
+              <a:lvl8pPr marL="3200400" algn="l" defTabSz="914400" rtl="0" eaLnBrk="1" latinLnBrk="0" hangingPunct="1">
+                <a:defRPr sz="1800" kern="1200">
+                  <a:solidFill>
+                    <a:schemeClr val="tx1"/>
+                  </a:solidFill>
+                  <a:latin typeface="+mn-lt"/>
+                  <a:ea typeface="+mn-ea"/>
+                  <a:cs typeface="+mn-cs"/>
+                </a:defRPr>
+              </a:lvl8pPr>
+              <a:lvl9pPr marL="3657600" algn="l" defTabSz="914400" rtl="0" eaLnBrk="1" latinLnBrk="0" hangingPunct="1">
+                <a:defRPr sz="1800" kern="1200">
+                  <a:solidFill>
+                    <a:schemeClr val="tx1"/>
+                  </a:solidFill>
+                  <a:latin typeface="+mn-lt"/>
+                  <a:ea typeface="+mn-ea"/>
+                  <a:cs typeface="+mn-cs"/>
+                </a:defRPr>
+              </a:lvl9pPr>
+            </a:lstStyle>
+            <a:p>
+              <a:endParaRPr lang="en-US"/>
+            </a:p>
+          </p:txBody>
+        </p:sp>
+        <p:sp>
+          <p:nvSpPr>
+            <p:cNvPr id="5" name="Freeform: Shape 12">
+              <a:extLst>
+                <a:ext uri="{FF2B5EF4-FFF2-40B4-BE49-F238E27FC236}">
+                  <a16:creationId xmlns:a16="http://schemas.microsoft.com/office/drawing/2014/main" id="{7FBFE6CF-3D1D-41A3-9B62-ED07E3DC5693}"/>
+                </a:ext>
+              </a:extLst>
+            </p:cNvPr>
+            <p:cNvSpPr/>
+            <p:nvPr/>
+          </p:nvSpPr>
+          <p:spPr>
+            <a:xfrm>
+              <a:off x="4776089" y="3829487"/>
+              <a:ext cx="62939" cy="220286"/>
+            </a:xfrm>
+            <a:custGeom>
+              <a:avLst/>
+              <a:gdLst>
+                <a:gd name="connsiteX0" fmla="*/ 12859 w 19050"/>
+                <a:gd name="connsiteY0" fmla="*/ 68104 h 66675"/>
+                <a:gd name="connsiteX1" fmla="*/ 12859 w 19050"/>
+                <a:gd name="connsiteY1" fmla="*/ 68104 h 66675"/>
+                <a:gd name="connsiteX2" fmla="*/ 7144 w 19050"/>
+                <a:gd name="connsiteY2" fmla="*/ 62389 h 66675"/>
+                <a:gd name="connsiteX3" fmla="*/ 7144 w 19050"/>
+                <a:gd name="connsiteY3" fmla="*/ 12859 h 66675"/>
+                <a:gd name="connsiteX4" fmla="*/ 12859 w 19050"/>
+                <a:gd name="connsiteY4" fmla="*/ 7144 h 66675"/>
+                <a:gd name="connsiteX5" fmla="*/ 12859 w 19050"/>
+                <a:gd name="connsiteY5" fmla="*/ 7144 h 66675"/>
+                <a:gd name="connsiteX6" fmla="*/ 18574 w 19050"/>
+                <a:gd name="connsiteY6" fmla="*/ 12859 h 66675"/>
+                <a:gd name="connsiteX7" fmla="*/ 18574 w 19050"/>
+                <a:gd name="connsiteY7" fmla="*/ 62389 h 66675"/>
+                <a:gd name="connsiteX8" fmla="*/ 12859 w 19050"/>
+                <a:gd name="connsiteY8" fmla="*/ 68104 h 66675"/>
+              </a:gdLst>
+              <a:ahLst/>
+              <a:cxnLst>
+                <a:cxn ang="0">
+                  <a:pos x="connsiteX0" y="connsiteY0"/>
+                </a:cxn>
+                <a:cxn ang="0">
+                  <a:pos x="connsiteX1" y="connsiteY1"/>
+                </a:cxn>
+                <a:cxn ang="0">
+                  <a:pos x="connsiteX2" y="connsiteY2"/>
+                </a:cxn>
+                <a:cxn ang="0">
+                  <a:pos x="connsiteX3" y="connsiteY3"/>
+                </a:cxn>
+                <a:cxn ang="0">
+                  <a:pos x="connsiteX4" y="connsiteY4"/>
+                </a:cxn>
+                <a:cxn ang="0">
+                  <a:pos x="connsiteX5" y="connsiteY5"/>
+                </a:cxn>
+                <a:cxn ang="0">
+                  <a:pos x="connsiteX6" y="connsiteY6"/>
+                </a:cxn>
+                <a:cxn ang="0">
+                  <a:pos x="connsiteX7" y="connsiteY7"/>
+                </a:cxn>
+                <a:cxn ang="0">
+                  <a:pos x="connsiteX8" y="connsiteY8"/>
+                </a:cxn>
+              </a:cxnLst>
+              <a:rect l="l" t="t" r="r" b="b"/>
+              <a:pathLst>
+                <a:path w="19050" h="66675">
+                  <a:moveTo>
+                    <a:pt x="12859" y="68104"/>
+                  </a:moveTo>
+                  <a:lnTo>
+                    <a:pt x="12859" y="68104"/>
+                  </a:lnTo>
+                  <a:cubicBezTo>
+                    <a:pt x="10001" y="68104"/>
+                    <a:pt x="7144" y="65246"/>
+                    <a:pt x="7144" y="62389"/>
+                  </a:cubicBezTo>
+                  <a:lnTo>
+                    <a:pt x="7144" y="12859"/>
+                  </a:lnTo>
+                  <a:cubicBezTo>
+                    <a:pt x="7144" y="10001"/>
+                    <a:pt x="10001" y="7144"/>
+                    <a:pt x="12859" y="7144"/>
+                  </a:cubicBezTo>
+                  <a:lnTo>
+                    <a:pt x="12859" y="7144"/>
+                  </a:lnTo>
+                  <a:cubicBezTo>
+                    <a:pt x="15716" y="7144"/>
+                    <a:pt x="18574" y="10001"/>
+                    <a:pt x="18574" y="12859"/>
+                  </a:cubicBezTo>
+                  <a:lnTo>
+                    <a:pt x="18574" y="62389"/>
+                  </a:lnTo>
+                  <a:cubicBezTo>
+                    <a:pt x="19526" y="65246"/>
+                    <a:pt x="16669" y="68104"/>
+                    <a:pt x="12859" y="68104"/>
+                  </a:cubicBezTo>
+                  <a:close/>
+                </a:path>
+              </a:pathLst>
+            </a:custGeom>
+            <a:solidFill>
+              <a:srgbClr val="808080"/>
+            </a:solidFill>
+            <a:ln w="9525" cap="flat">
+              <a:noFill/>
+              <a:prstDash val="solid"/>
+              <a:miter/>
+            </a:ln>
+          </p:spPr>
+          <p:txBody>
+            <a:bodyPr rtlCol="0" anchor="ctr"/>
+            <a:lstStyle>
+              <a:defPPr>
+                <a:defRPr lang="en-US"/>
+              </a:defPPr>
+              <a:lvl1pPr marL="0" algn="l" defTabSz="914400" rtl="0" eaLnBrk="1" latinLnBrk="0" hangingPunct="1">
+                <a:defRPr sz="1800" kern="1200">
+                  <a:solidFill>
+                    <a:schemeClr val="tx1"/>
+                  </a:solidFill>
+                  <a:latin typeface="+mn-lt"/>
+                  <a:ea typeface="+mn-ea"/>
+                  <a:cs typeface="+mn-cs"/>
+                </a:defRPr>
+              </a:lvl1pPr>
+              <a:lvl2pPr marL="457200" algn="l" defTabSz="914400" rtl="0" eaLnBrk="1" latinLnBrk="0" hangingPunct="1">
+                <a:defRPr sz="1800" kern="1200">
+                  <a:solidFill>
+                    <a:schemeClr val="tx1"/>
+                  </a:solidFill>
+                  <a:latin typeface="+mn-lt"/>
+                  <a:ea typeface="+mn-ea"/>
+                  <a:cs typeface="+mn-cs"/>
+                </a:defRPr>
+              </a:lvl2pPr>
+              <a:lvl3pPr marL="914400" algn="l" defTabSz="914400" rtl="0" eaLnBrk="1" latinLnBrk="0" hangingPunct="1">
+                <a:defRPr sz="1800" kern="1200">
+                  <a:solidFill>
+                    <a:schemeClr val="tx1"/>
+                  </a:solidFill>
+                  <a:latin typeface="+mn-lt"/>
+                  <a:ea typeface="+mn-ea"/>
+                  <a:cs typeface="+mn-cs"/>
+                </a:defRPr>
+              </a:lvl3pPr>
+              <a:lvl4pPr marL="1371600" algn="l" defTabSz="914400" rtl="0" eaLnBrk="1" latinLnBrk="0" hangingPunct="1">
+                <a:defRPr sz="1800" kern="1200">
+                  <a:solidFill>
+                    <a:schemeClr val="tx1"/>
+                  </a:solidFill>
+                  <a:latin typeface="+mn-lt"/>
+                  <a:ea typeface="+mn-ea"/>
+                  <a:cs typeface="+mn-cs"/>
+                </a:defRPr>
+              </a:lvl4pPr>
+              <a:lvl5pPr marL="1828800" algn="l" defTabSz="914400" rtl="0" eaLnBrk="1" latinLnBrk="0" hangingPunct="1">
+                <a:defRPr sz="1800" kern="1200">
+                  <a:solidFill>
+                    <a:schemeClr val="tx1"/>
+                  </a:solidFill>
+                  <a:latin typeface="+mn-lt"/>
+                  <a:ea typeface="+mn-ea"/>
+                  <a:cs typeface="+mn-cs"/>
+                </a:defRPr>
+              </a:lvl5pPr>
+              <a:lvl6pPr marL="2286000" algn="l" defTabSz="914400" rtl="0" eaLnBrk="1" latinLnBrk="0" hangingPunct="1">
+                <a:defRPr sz="1800" kern="1200">
+                  <a:solidFill>
+                    <a:schemeClr val="tx1"/>
+                  </a:solidFill>
+                  <a:latin typeface="+mn-lt"/>
+                  <a:ea typeface="+mn-ea"/>
+                  <a:cs typeface="+mn-cs"/>
+                </a:defRPr>
+              </a:lvl6pPr>
+              <a:lvl7pPr marL="2743200" algn="l" defTabSz="914400" rtl="0" eaLnBrk="1" latinLnBrk="0" hangingPunct="1">
+                <a:defRPr sz="1800" kern="1200">
+                  <a:solidFill>
+                    <a:schemeClr val="tx1"/>
+                  </a:solidFill>
+                  <a:latin typeface="+mn-lt"/>
+                  <a:ea typeface="+mn-ea"/>
+                  <a:cs typeface="+mn-cs"/>
+                </a:defRPr>
+              </a:lvl7pPr>
+              <a:lvl8pPr marL="3200400" algn="l" defTabSz="914400" rtl="0" eaLnBrk="1" latinLnBrk="0" hangingPunct="1">
+                <a:defRPr sz="1800" kern="1200">
+                  <a:solidFill>
+                    <a:schemeClr val="tx1"/>
+                  </a:solidFill>
+                  <a:latin typeface="+mn-lt"/>
+                  <a:ea typeface="+mn-ea"/>
+                  <a:cs typeface="+mn-cs"/>
+                </a:defRPr>
+              </a:lvl8pPr>
+              <a:lvl9pPr marL="3657600" algn="l" defTabSz="914400" rtl="0" eaLnBrk="1" latinLnBrk="0" hangingPunct="1">
+                <a:defRPr sz="1800" kern="1200">
+                  <a:solidFill>
+                    <a:schemeClr val="tx1"/>
+                  </a:solidFill>
+                  <a:latin typeface="+mn-lt"/>
+                  <a:ea typeface="+mn-ea"/>
+                  <a:cs typeface="+mn-cs"/>
+                </a:defRPr>
+              </a:lvl9pPr>
+            </a:lstStyle>
+            <a:p>
+              <a:endParaRPr lang="en-US"/>
+            </a:p>
+          </p:txBody>
+        </p:sp>
+        <p:sp>
+          <p:nvSpPr>
+            <p:cNvPr id="6" name="Freeform: Shape 13">
+              <a:extLst>
+                <a:ext uri="{FF2B5EF4-FFF2-40B4-BE49-F238E27FC236}">
+                  <a16:creationId xmlns:a16="http://schemas.microsoft.com/office/drawing/2014/main" id="{5BA0EE19-9FF0-478A-B275-B814417B74F5}"/>
+                </a:ext>
+              </a:extLst>
+            </p:cNvPr>
+            <p:cNvSpPr/>
+            <p:nvPr/>
+          </p:nvSpPr>
+          <p:spPr>
+            <a:xfrm>
+              <a:off x="3520451" y="3178068"/>
+              <a:ext cx="1321716" cy="2737840"/>
+            </a:xfrm>
+            <a:custGeom>
+              <a:avLst/>
+              <a:gdLst>
+                <a:gd name="connsiteX0" fmla="*/ 350044 w 400050"/>
+                <a:gd name="connsiteY0" fmla="*/ 7144 h 828675"/>
+                <a:gd name="connsiteX1" fmla="*/ 53816 w 400050"/>
+                <a:gd name="connsiteY1" fmla="*/ 7144 h 828675"/>
+                <a:gd name="connsiteX2" fmla="*/ 7144 w 400050"/>
+                <a:gd name="connsiteY2" fmla="*/ 53816 h 828675"/>
+                <a:gd name="connsiteX3" fmla="*/ 7144 w 400050"/>
+                <a:gd name="connsiteY3" fmla="*/ 781526 h 828675"/>
+                <a:gd name="connsiteX4" fmla="*/ 53816 w 400050"/>
+                <a:gd name="connsiteY4" fmla="*/ 828199 h 828675"/>
+                <a:gd name="connsiteX5" fmla="*/ 350044 w 400050"/>
+                <a:gd name="connsiteY5" fmla="*/ 828199 h 828675"/>
+                <a:gd name="connsiteX6" fmla="*/ 396716 w 400050"/>
+                <a:gd name="connsiteY6" fmla="*/ 781526 h 828675"/>
+                <a:gd name="connsiteX7" fmla="*/ 396716 w 400050"/>
+                <a:gd name="connsiteY7" fmla="*/ 53816 h 828675"/>
+                <a:gd name="connsiteX8" fmla="*/ 350044 w 400050"/>
+                <a:gd name="connsiteY8" fmla="*/ 7144 h 828675"/>
+              </a:gdLst>
+              <a:ahLst/>
+              <a:cxnLst>
+                <a:cxn ang="0">
+                  <a:pos x="connsiteX0" y="connsiteY0"/>
+                </a:cxn>
+                <a:cxn ang="0">
+                  <a:pos x="connsiteX1" y="connsiteY1"/>
+                </a:cxn>
+                <a:cxn ang="0">
+                  <a:pos x="connsiteX2" y="connsiteY2"/>
+                </a:cxn>
+                <a:cxn ang="0">
+                  <a:pos x="connsiteX3" y="connsiteY3"/>
+                </a:cxn>
+                <a:cxn ang="0">
+                  <a:pos x="connsiteX4" y="connsiteY4"/>
+                </a:cxn>
+                <a:cxn ang="0">
+                  <a:pos x="connsiteX5" y="connsiteY5"/>
+                </a:cxn>
+                <a:cxn ang="0">
+                  <a:pos x="connsiteX6" y="connsiteY6"/>
+                </a:cxn>
+                <a:cxn ang="0">
+                  <a:pos x="connsiteX7" y="connsiteY7"/>
+                </a:cxn>
+                <a:cxn ang="0">
+                  <a:pos x="connsiteX8" y="connsiteY8"/>
+                </a:cxn>
+              </a:cxnLst>
+              <a:rect l="l" t="t" r="r" b="b"/>
+              <a:pathLst>
+                <a:path w="400050" h="828675">
+                  <a:moveTo>
+                    <a:pt x="350044" y="7144"/>
+                  </a:moveTo>
+                  <a:lnTo>
+                    <a:pt x="53816" y="7144"/>
+                  </a:lnTo>
+                  <a:cubicBezTo>
+                    <a:pt x="28099" y="7144"/>
+                    <a:pt x="7144" y="28099"/>
+                    <a:pt x="7144" y="53816"/>
+                  </a:cubicBezTo>
+                  <a:lnTo>
+                    <a:pt x="7144" y="781526"/>
+                  </a:lnTo>
+                  <a:cubicBezTo>
+                    <a:pt x="7144" y="807244"/>
+                    <a:pt x="28099" y="828199"/>
+                    <a:pt x="53816" y="828199"/>
+                  </a:cubicBezTo>
+                  <a:lnTo>
+                    <a:pt x="350044" y="828199"/>
+                  </a:lnTo>
+                  <a:cubicBezTo>
+                    <a:pt x="375761" y="828199"/>
+                    <a:pt x="396716" y="807244"/>
+                    <a:pt x="396716" y="781526"/>
+                  </a:cubicBezTo>
+                  <a:lnTo>
+                    <a:pt x="396716" y="53816"/>
+                  </a:lnTo>
+                  <a:cubicBezTo>
+                    <a:pt x="396716" y="28099"/>
+                    <a:pt x="375761" y="7144"/>
+                    <a:pt x="350044" y="7144"/>
+                  </a:cubicBezTo>
+                  <a:close/>
+                </a:path>
+              </a:pathLst>
+            </a:custGeom>
+            <a:solidFill>
+              <a:srgbClr val="808080"/>
+            </a:solidFill>
+            <a:ln w="9525" cap="flat">
+              <a:noFill/>
+              <a:prstDash val="solid"/>
+              <a:miter/>
+            </a:ln>
+          </p:spPr>
+          <p:txBody>
+            <a:bodyPr rtlCol="0" anchor="ctr"/>
+            <a:lstStyle>
+              <a:defPPr>
+                <a:defRPr lang="en-US"/>
+              </a:defPPr>
+              <a:lvl1pPr marL="0" algn="l" defTabSz="914400" rtl="0" eaLnBrk="1" latinLnBrk="0" hangingPunct="1">
+                <a:defRPr sz="1800" kern="1200">
+                  <a:solidFill>
+                    <a:schemeClr val="tx1"/>
+                  </a:solidFill>
+                  <a:latin typeface="+mn-lt"/>
+                  <a:ea typeface="+mn-ea"/>
+                  <a:cs typeface="+mn-cs"/>
+                </a:defRPr>
+              </a:lvl1pPr>
+              <a:lvl2pPr marL="457200" algn="l" defTabSz="914400" rtl="0" eaLnBrk="1" latinLnBrk="0" hangingPunct="1">
+                <a:defRPr sz="1800" kern="1200">
+                  <a:solidFill>
+                    <a:schemeClr val="tx1"/>
+                  </a:solidFill>
+                  <a:latin typeface="+mn-lt"/>
+                  <a:ea typeface="+mn-ea"/>
+                  <a:cs typeface="+mn-cs"/>
+                </a:defRPr>
+              </a:lvl2pPr>
+              <a:lvl3pPr marL="914400" algn="l" defTabSz="914400" rtl="0" eaLnBrk="1" latinLnBrk="0" hangingPunct="1">
+                <a:defRPr sz="1800" kern="1200">
+                  <a:solidFill>
+                    <a:schemeClr val="tx1"/>
+                  </a:solidFill>
+                  <a:latin typeface="+mn-lt"/>
+                  <a:ea typeface="+mn-ea"/>
+                  <a:cs typeface="+mn-cs"/>
+                </a:defRPr>
+              </a:lvl3pPr>
+              <a:lvl4pPr marL="1371600" algn="l" defTabSz="914400" rtl="0" eaLnBrk="1" latinLnBrk="0" hangingPunct="1">
+                <a:defRPr sz="1800" kern="1200">
+                  <a:solidFill>
+                    <a:schemeClr val="tx1"/>
+                  </a:solidFill>
+                  <a:latin typeface="+mn-lt"/>
+                  <a:ea typeface="+mn-ea"/>
+                  <a:cs typeface="+mn-cs"/>
+                </a:defRPr>
+              </a:lvl4pPr>
+              <a:lvl5pPr marL="1828800" algn="l" defTabSz="914400" rtl="0" eaLnBrk="1" latinLnBrk="0" hangingPunct="1">
+                <a:defRPr sz="1800" kern="1200">
+                  <a:solidFill>
+                    <a:schemeClr val="tx1"/>
+                  </a:solidFill>
+                  <a:latin typeface="+mn-lt"/>
+                  <a:ea typeface="+mn-ea"/>
+                  <a:cs typeface="+mn-cs"/>
+                </a:defRPr>
+              </a:lvl5pPr>
+              <a:lvl6pPr marL="2286000" algn="l" defTabSz="914400" rtl="0" eaLnBrk="1" latinLnBrk="0" hangingPunct="1">
+                <a:defRPr sz="1800" kern="1200">
+                  <a:solidFill>
+                    <a:schemeClr val="tx1"/>
+                  </a:solidFill>
+                  <a:latin typeface="+mn-lt"/>
+                  <a:ea typeface="+mn-ea"/>
+                  <a:cs typeface="+mn-cs"/>
+                </a:defRPr>
+              </a:lvl6pPr>
+              <a:lvl7pPr marL="2743200" algn="l" defTabSz="914400" rtl="0" eaLnBrk="1" latinLnBrk="0" hangingPunct="1">
+                <a:defRPr sz="1800" kern="1200">
+                  <a:solidFill>
+                    <a:schemeClr val="tx1"/>
+                  </a:solidFill>
+                  <a:latin typeface="+mn-lt"/>
+                  <a:ea typeface="+mn-ea"/>
+                  <a:cs typeface="+mn-cs"/>
+                </a:defRPr>
+              </a:lvl7pPr>
+              <a:lvl8pPr marL="3200400" algn="l" defTabSz="914400" rtl="0" eaLnBrk="1" latinLnBrk="0" hangingPunct="1">
+                <a:defRPr sz="1800" kern="1200">
+                  <a:solidFill>
+                    <a:schemeClr val="tx1"/>
+                  </a:solidFill>
+                  <a:latin typeface="+mn-lt"/>
+                  <a:ea typeface="+mn-ea"/>
+                  <a:cs typeface="+mn-cs"/>
+                </a:defRPr>
+              </a:lvl8pPr>
+              <a:lvl9pPr marL="3657600" algn="l" defTabSz="914400" rtl="0" eaLnBrk="1" latinLnBrk="0" hangingPunct="1">
+                <a:defRPr sz="1800" kern="1200">
+                  <a:solidFill>
+                    <a:schemeClr val="tx1"/>
+                  </a:solidFill>
+                  <a:latin typeface="+mn-lt"/>
+                  <a:ea typeface="+mn-ea"/>
+                  <a:cs typeface="+mn-cs"/>
+                </a:defRPr>
+              </a:lvl9pPr>
+            </a:lstStyle>
+            <a:p>
+              <a:endParaRPr lang="en-US"/>
+            </a:p>
+          </p:txBody>
+        </p:sp>
+        <p:sp>
+          <p:nvSpPr>
+            <p:cNvPr id="7" name="Freeform: Shape 14">
+              <a:extLst>
+                <a:ext uri="{FF2B5EF4-FFF2-40B4-BE49-F238E27FC236}">
+                  <a16:creationId xmlns:a16="http://schemas.microsoft.com/office/drawing/2014/main" id="{947CAFC5-9B11-4470-937C-E3BA9F0CFECC}"/>
+                </a:ext>
+              </a:extLst>
+            </p:cNvPr>
+            <p:cNvSpPr/>
+            <p:nvPr/>
+          </p:nvSpPr>
+          <p:spPr>
+            <a:xfrm>
+              <a:off x="3529897" y="3190651"/>
+              <a:ext cx="1290246" cy="2706371"/>
+            </a:xfrm>
+            <a:custGeom>
+              <a:avLst/>
+              <a:gdLst>
+                <a:gd name="connsiteX0" fmla="*/ 345281 w 390525"/>
+                <a:gd name="connsiteY0" fmla="*/ 7144 h 819150"/>
+                <a:gd name="connsiteX1" fmla="*/ 52864 w 390525"/>
+                <a:gd name="connsiteY1" fmla="*/ 7144 h 819150"/>
+                <a:gd name="connsiteX2" fmla="*/ 7144 w 390525"/>
+                <a:gd name="connsiteY2" fmla="*/ 52864 h 819150"/>
+                <a:gd name="connsiteX3" fmla="*/ 7144 w 390525"/>
+                <a:gd name="connsiteY3" fmla="*/ 772954 h 819150"/>
+                <a:gd name="connsiteX4" fmla="*/ 52864 w 390525"/>
+                <a:gd name="connsiteY4" fmla="*/ 818674 h 819150"/>
+                <a:gd name="connsiteX5" fmla="*/ 345281 w 390525"/>
+                <a:gd name="connsiteY5" fmla="*/ 818674 h 819150"/>
+                <a:gd name="connsiteX6" fmla="*/ 391001 w 390525"/>
+                <a:gd name="connsiteY6" fmla="*/ 772954 h 819150"/>
+                <a:gd name="connsiteX7" fmla="*/ 391001 w 390525"/>
+                <a:gd name="connsiteY7" fmla="*/ 52864 h 819150"/>
+                <a:gd name="connsiteX8" fmla="*/ 345281 w 390525"/>
+                <a:gd name="connsiteY8" fmla="*/ 7144 h 819150"/>
+              </a:gdLst>
+              <a:ahLst/>
+              <a:cxnLst>
+                <a:cxn ang="0">
+                  <a:pos x="connsiteX0" y="connsiteY0"/>
+                </a:cxn>
+                <a:cxn ang="0">
+                  <a:pos x="connsiteX1" y="connsiteY1"/>
+                </a:cxn>
+                <a:cxn ang="0">
+                  <a:pos x="connsiteX2" y="connsiteY2"/>
+                </a:cxn>
+                <a:cxn ang="0">
+                  <a:pos x="connsiteX3" y="connsiteY3"/>
+                </a:cxn>
+                <a:cxn ang="0">
+                  <a:pos x="connsiteX4" y="connsiteY4"/>
+                </a:cxn>
+                <a:cxn ang="0">
+                  <a:pos x="connsiteX5" y="connsiteY5"/>
+                </a:cxn>
+                <a:cxn ang="0">
+                  <a:pos x="connsiteX6" y="connsiteY6"/>
+                </a:cxn>
+                <a:cxn ang="0">
+                  <a:pos x="connsiteX7" y="connsiteY7"/>
+                </a:cxn>
+                <a:cxn ang="0">
+                  <a:pos x="connsiteX8" y="connsiteY8"/>
+                </a:cxn>
+              </a:cxnLst>
+              <a:rect l="l" t="t" r="r" b="b"/>
+              <a:pathLst>
+                <a:path w="390525" h="819150">
+                  <a:moveTo>
+                    <a:pt x="345281" y="7144"/>
+                  </a:moveTo>
+                  <a:lnTo>
+                    <a:pt x="52864" y="7144"/>
+                  </a:lnTo>
+                  <a:cubicBezTo>
+                    <a:pt x="27146" y="7144"/>
+                    <a:pt x="7144" y="27146"/>
+                    <a:pt x="7144" y="52864"/>
+                  </a:cubicBezTo>
+                  <a:lnTo>
+                    <a:pt x="7144" y="772954"/>
+                  </a:lnTo>
+                  <a:cubicBezTo>
+                    <a:pt x="7144" y="798671"/>
+                    <a:pt x="27146" y="818674"/>
+                    <a:pt x="52864" y="818674"/>
+                  </a:cubicBezTo>
+                  <a:lnTo>
+                    <a:pt x="345281" y="818674"/>
+                  </a:lnTo>
+                  <a:cubicBezTo>
+                    <a:pt x="370999" y="818674"/>
+                    <a:pt x="391001" y="798671"/>
+                    <a:pt x="391001" y="772954"/>
+                  </a:cubicBezTo>
+                  <a:lnTo>
+                    <a:pt x="391001" y="52864"/>
+                  </a:lnTo>
+                  <a:cubicBezTo>
+                    <a:pt x="391001" y="28099"/>
+                    <a:pt x="370046" y="7144"/>
+                    <a:pt x="345281" y="7144"/>
+                  </a:cubicBezTo>
+                  <a:close/>
+                </a:path>
+              </a:pathLst>
+            </a:custGeom>
+            <a:solidFill>
+              <a:srgbClr val="1A1A1A"/>
+            </a:solidFill>
+            <a:ln w="9525" cap="flat">
+              <a:noFill/>
+              <a:prstDash val="solid"/>
+              <a:miter/>
+            </a:ln>
+          </p:spPr>
+          <p:txBody>
+            <a:bodyPr rtlCol="0" anchor="ctr"/>
+            <a:lstStyle>
+              <a:defPPr>
+                <a:defRPr lang="en-US"/>
+              </a:defPPr>
+              <a:lvl1pPr marL="0" algn="l" defTabSz="914400" rtl="0" eaLnBrk="1" latinLnBrk="0" hangingPunct="1">
+                <a:defRPr sz="1800" kern="1200">
+                  <a:solidFill>
+                    <a:schemeClr val="tx1"/>
+                  </a:solidFill>
+                  <a:latin typeface="+mn-lt"/>
+                  <a:ea typeface="+mn-ea"/>
+                  <a:cs typeface="+mn-cs"/>
+                </a:defRPr>
+              </a:lvl1pPr>
+              <a:lvl2pPr marL="457200" algn="l" defTabSz="914400" rtl="0" eaLnBrk="1" latinLnBrk="0" hangingPunct="1">
+                <a:defRPr sz="1800" kern="1200">
+                  <a:solidFill>
+                    <a:schemeClr val="tx1"/>
+                  </a:solidFill>
+                  <a:latin typeface="+mn-lt"/>
+                  <a:ea typeface="+mn-ea"/>
+                  <a:cs typeface="+mn-cs"/>
+                </a:defRPr>
+              </a:lvl2pPr>
+              <a:lvl3pPr marL="914400" algn="l" defTabSz="914400" rtl="0" eaLnBrk="1" latinLnBrk="0" hangingPunct="1">
+                <a:defRPr sz="1800" kern="1200">
+                  <a:solidFill>
+                    <a:schemeClr val="tx1"/>
+                  </a:solidFill>
+                  <a:latin typeface="+mn-lt"/>
+                  <a:ea typeface="+mn-ea"/>
+                  <a:cs typeface="+mn-cs"/>
+                </a:defRPr>
+              </a:lvl3pPr>
+              <a:lvl4pPr marL="1371600" algn="l" defTabSz="914400" rtl="0" eaLnBrk="1" latinLnBrk="0" hangingPunct="1">
+                <a:defRPr sz="1800" kern="1200">
+                  <a:solidFill>
+                    <a:schemeClr val="tx1"/>
+                  </a:solidFill>
+                  <a:latin typeface="+mn-lt"/>
+                  <a:ea typeface="+mn-ea"/>
+                  <a:cs typeface="+mn-cs"/>
+                </a:defRPr>
+              </a:lvl4pPr>
+              <a:lvl5pPr marL="1828800" algn="l" defTabSz="914400" rtl="0" eaLnBrk="1" latinLnBrk="0" hangingPunct="1">
+                <a:defRPr sz="1800" kern="1200">
+                  <a:solidFill>
+                    <a:schemeClr val="tx1"/>
+                  </a:solidFill>
+                  <a:latin typeface="+mn-lt"/>
+                  <a:ea typeface="+mn-ea"/>
+                  <a:cs typeface="+mn-cs"/>
+                </a:defRPr>
+              </a:lvl5pPr>
+              <a:lvl6pPr marL="2286000" algn="l" defTabSz="914400" rtl="0" eaLnBrk="1" latinLnBrk="0" hangingPunct="1">
+                <a:defRPr sz="1800" kern="1200">
+                  <a:solidFill>
+                    <a:schemeClr val="tx1"/>
+                  </a:solidFill>
+                  <a:latin typeface="+mn-lt"/>
+                  <a:ea typeface="+mn-ea"/>
+                  <a:cs typeface="+mn-cs"/>
+                </a:defRPr>
+              </a:lvl6pPr>
+              <a:lvl7pPr marL="2743200" algn="l" defTabSz="914400" rtl="0" eaLnBrk="1" latinLnBrk="0" hangingPunct="1">
+                <a:defRPr sz="1800" kern="1200">
+                  <a:solidFill>
+                    <a:schemeClr val="tx1"/>
+                  </a:solidFill>
+                  <a:latin typeface="+mn-lt"/>
+                  <a:ea typeface="+mn-ea"/>
+                  <a:cs typeface="+mn-cs"/>
+                </a:defRPr>
+              </a:lvl7pPr>
+              <a:lvl8pPr marL="3200400" algn="l" defTabSz="914400" rtl="0" eaLnBrk="1" latinLnBrk="0" hangingPunct="1">
+                <a:defRPr sz="1800" kern="1200">
+                  <a:solidFill>
+                    <a:schemeClr val="tx1"/>
+                  </a:solidFill>
+                  <a:latin typeface="+mn-lt"/>
+                  <a:ea typeface="+mn-ea"/>
+                  <a:cs typeface="+mn-cs"/>
+                </a:defRPr>
+              </a:lvl8pPr>
+              <a:lvl9pPr marL="3657600" algn="l" defTabSz="914400" rtl="0" eaLnBrk="1" latinLnBrk="0" hangingPunct="1">
+                <a:defRPr sz="1800" kern="1200">
+                  <a:solidFill>
+                    <a:schemeClr val="tx1"/>
+                  </a:solidFill>
+                  <a:latin typeface="+mn-lt"/>
+                  <a:ea typeface="+mn-ea"/>
+                  <a:cs typeface="+mn-cs"/>
+                </a:defRPr>
+              </a:lvl9pPr>
+            </a:lstStyle>
+            <a:p>
+              <a:endParaRPr lang="en-US"/>
+            </a:p>
+          </p:txBody>
+        </p:sp>
+        <p:sp>
+          <p:nvSpPr>
+            <p:cNvPr id="8" name="Freeform: Shape 15">
+              <a:extLst>
+                <a:ext uri="{FF2B5EF4-FFF2-40B4-BE49-F238E27FC236}">
+                  <a16:creationId xmlns:a16="http://schemas.microsoft.com/office/drawing/2014/main" id="{FF27A98E-ABEB-4BA4-9204-27F363840D21}"/>
+                </a:ext>
+              </a:extLst>
+            </p:cNvPr>
+            <p:cNvSpPr/>
+            <p:nvPr/>
+          </p:nvSpPr>
+          <p:spPr>
+            <a:xfrm>
+              <a:off x="3627447" y="3596610"/>
+              <a:ext cx="1101430" cy="1951104"/>
+            </a:xfrm>
+            <a:custGeom>
+              <a:avLst/>
+              <a:gdLst>
+                <a:gd name="connsiteX0" fmla="*/ 7144 w 333375"/>
+                <a:gd name="connsiteY0" fmla="*/ 7144 h 590550"/>
+                <a:gd name="connsiteX1" fmla="*/ 331946 w 333375"/>
+                <a:gd name="connsiteY1" fmla="*/ 7144 h 590550"/>
+                <a:gd name="connsiteX2" fmla="*/ 331946 w 333375"/>
+                <a:gd name="connsiteY2" fmla="*/ 586264 h 590550"/>
+                <a:gd name="connsiteX3" fmla="*/ 7144 w 333375"/>
+                <a:gd name="connsiteY3" fmla="*/ 586264 h 590550"/>
+              </a:gdLst>
+              <a:ahLst/>
+              <a:cxnLst>
+                <a:cxn ang="0">
+                  <a:pos x="connsiteX0" y="connsiteY0"/>
+                </a:cxn>
+                <a:cxn ang="0">
+                  <a:pos x="connsiteX1" y="connsiteY1"/>
+                </a:cxn>
+                <a:cxn ang="0">
+                  <a:pos x="connsiteX2" y="connsiteY2"/>
+                </a:cxn>
+                <a:cxn ang="0">
+                  <a:pos x="connsiteX3" y="connsiteY3"/>
+                </a:cxn>
+              </a:cxnLst>
+              <a:rect l="l" t="t" r="r" b="b"/>
+              <a:pathLst>
+                <a:path w="333375" h="590550">
+                  <a:moveTo>
+                    <a:pt x="7144" y="7144"/>
+                  </a:moveTo>
+                  <a:lnTo>
+                    <a:pt x="331946" y="7144"/>
+                  </a:lnTo>
+                  <a:lnTo>
+                    <a:pt x="331946" y="586264"/>
+                  </a:lnTo>
+                  <a:lnTo>
+                    <a:pt x="7144" y="586264"/>
+                  </a:lnTo>
+                  <a:close/>
+                </a:path>
+              </a:pathLst>
+            </a:custGeom>
+            <a:solidFill>
+              <a:schemeClr val="bg1">
+                <a:lumMod val="95000"/>
+              </a:schemeClr>
+            </a:solidFill>
+            <a:ln w="9525" cap="flat">
+              <a:noFill/>
+              <a:prstDash val="solid"/>
+              <a:miter/>
+            </a:ln>
+          </p:spPr>
+          <p:txBody>
+            <a:bodyPr rtlCol="0" anchor="ctr"/>
+            <a:lstStyle>
+              <a:defPPr>
+                <a:defRPr lang="en-US"/>
+              </a:defPPr>
+              <a:lvl1pPr marL="0" algn="l" defTabSz="914400" rtl="0" eaLnBrk="1" latinLnBrk="0" hangingPunct="1">
+                <a:defRPr sz="1800" kern="1200">
+                  <a:solidFill>
+                    <a:schemeClr val="tx1"/>
+                  </a:solidFill>
+                  <a:latin typeface="+mn-lt"/>
+                  <a:ea typeface="+mn-ea"/>
+                  <a:cs typeface="+mn-cs"/>
+                </a:defRPr>
+              </a:lvl1pPr>
+              <a:lvl2pPr marL="457200" algn="l" defTabSz="914400" rtl="0" eaLnBrk="1" latinLnBrk="0" hangingPunct="1">
+                <a:defRPr sz="1800" kern="1200">
+                  <a:solidFill>
+                    <a:schemeClr val="tx1"/>
+                  </a:solidFill>
+                  <a:latin typeface="+mn-lt"/>
+                  <a:ea typeface="+mn-ea"/>
+                  <a:cs typeface="+mn-cs"/>
+                </a:defRPr>
+              </a:lvl2pPr>
+              <a:lvl3pPr marL="914400" algn="l" defTabSz="914400" rtl="0" eaLnBrk="1" latinLnBrk="0" hangingPunct="1">
+                <a:defRPr sz="1800" kern="1200">
+                  <a:solidFill>
+                    <a:schemeClr val="tx1"/>
+                  </a:solidFill>
+                  <a:latin typeface="+mn-lt"/>
+                  <a:ea typeface="+mn-ea"/>
+                  <a:cs typeface="+mn-cs"/>
+                </a:defRPr>
+              </a:lvl3pPr>
+              <a:lvl4pPr marL="1371600" algn="l" defTabSz="914400" rtl="0" eaLnBrk="1" latinLnBrk="0" hangingPunct="1">
+                <a:defRPr sz="1800" kern="1200">
+                  <a:solidFill>
+                    <a:schemeClr val="tx1"/>
+                  </a:solidFill>
+                  <a:latin typeface="+mn-lt"/>
+                  <a:ea typeface="+mn-ea"/>
+                  <a:cs typeface="+mn-cs"/>
+                </a:defRPr>
+              </a:lvl4pPr>
+              <a:lvl5pPr marL="1828800" algn="l" defTabSz="914400" rtl="0" eaLnBrk="1" latinLnBrk="0" hangingPunct="1">
+                <a:defRPr sz="1800" kern="1200">
+                  <a:solidFill>
+                    <a:schemeClr val="tx1"/>
+                  </a:solidFill>
+                  <a:latin typeface="+mn-lt"/>
+                  <a:ea typeface="+mn-ea"/>
+                  <a:cs typeface="+mn-cs"/>
+                </a:defRPr>
+              </a:lvl5pPr>
+              <a:lvl6pPr marL="2286000" algn="l" defTabSz="914400" rtl="0" eaLnBrk="1" latinLnBrk="0" hangingPunct="1">
+                <a:defRPr sz="1800" kern="1200">
+                  <a:solidFill>
+                    <a:schemeClr val="tx1"/>
+                  </a:solidFill>
+                  <a:latin typeface="+mn-lt"/>
+                  <a:ea typeface="+mn-ea"/>
+                  <a:cs typeface="+mn-cs"/>
+                </a:defRPr>
+              </a:lvl6pPr>
+              <a:lvl7pPr marL="2743200" algn="l" defTabSz="914400" rtl="0" eaLnBrk="1" latinLnBrk="0" hangingPunct="1">
+                <a:defRPr sz="1800" kern="1200">
+                  <a:solidFill>
+                    <a:schemeClr val="tx1"/>
+                  </a:solidFill>
+                  <a:latin typeface="+mn-lt"/>
+                  <a:ea typeface="+mn-ea"/>
+                  <a:cs typeface="+mn-cs"/>
+                </a:defRPr>
+              </a:lvl7pPr>
+              <a:lvl8pPr marL="3200400" algn="l" defTabSz="914400" rtl="0" eaLnBrk="1" latinLnBrk="0" hangingPunct="1">
+                <a:defRPr sz="1800" kern="1200">
+                  <a:solidFill>
+                    <a:schemeClr val="tx1"/>
+                  </a:solidFill>
+                  <a:latin typeface="+mn-lt"/>
+                  <a:ea typeface="+mn-ea"/>
+                  <a:cs typeface="+mn-cs"/>
+                </a:defRPr>
+              </a:lvl8pPr>
+              <a:lvl9pPr marL="3657600" algn="l" defTabSz="914400" rtl="0" eaLnBrk="1" latinLnBrk="0" hangingPunct="1">
+                <a:defRPr sz="1800" kern="1200">
+                  <a:solidFill>
+                    <a:schemeClr val="tx1"/>
+                  </a:solidFill>
+                  <a:latin typeface="+mn-lt"/>
+                  <a:ea typeface="+mn-ea"/>
+                  <a:cs typeface="+mn-cs"/>
+                </a:defRPr>
+              </a:lvl9pPr>
+            </a:lstStyle>
+            <a:p>
+              <a:endParaRPr lang="en-US" dirty="0"/>
+            </a:p>
+          </p:txBody>
+        </p:sp>
+        <p:grpSp>
+          <p:nvGrpSpPr>
+            <p:cNvPr id="9" name="Group 16">
+              <a:extLst>
+                <a:ext uri="{FF2B5EF4-FFF2-40B4-BE49-F238E27FC236}">
+                  <a16:creationId xmlns:a16="http://schemas.microsoft.com/office/drawing/2014/main" id="{05C76FAE-B9C9-45F1-A081-D4451C94F65A}"/>
+                </a:ext>
+              </a:extLst>
+            </p:cNvPr>
+            <p:cNvGrpSpPr/>
+            <p:nvPr/>
+          </p:nvGrpSpPr>
+          <p:grpSpPr>
+            <a:xfrm>
+              <a:off x="4092761" y="5635852"/>
+              <a:ext cx="164520" cy="173080"/>
+              <a:chOff x="6772303" y="6038214"/>
+              <a:chExt cx="140650" cy="147968"/>
+            </a:xfrm>
+          </p:grpSpPr>
+          <p:sp>
+            <p:nvSpPr>
+              <p:cNvPr id="13" name="Oval 20">
+                <a:extLst>
+                  <a:ext uri="{FF2B5EF4-FFF2-40B4-BE49-F238E27FC236}">
+                    <a16:creationId xmlns:a16="http://schemas.microsoft.com/office/drawing/2014/main" id="{A38A34F2-502C-4713-9A09-24DDF9A4CB0C}"/>
+                  </a:ext>
+                </a:extLst>
+              </p:cNvPr>
+              <p:cNvSpPr/>
+              <p:nvPr/>
+            </p:nvSpPr>
+            <p:spPr>
+              <a:xfrm>
+                <a:off x="6772303" y="6038214"/>
+                <a:ext cx="140650" cy="147968"/>
+              </a:xfrm>
+              <a:prstGeom prst="ellipse">
+                <a:avLst/>
+              </a:prstGeom>
+              <a:solidFill>
+                <a:schemeClr val="bg1">
+                  <a:lumMod val="65000"/>
+                </a:schemeClr>
+              </a:solidFill>
+              <a:ln>
+                <a:noFill/>
+              </a:ln>
+            </p:spPr>
+            <p:style>
+              <a:lnRef idx="2">
+                <a:schemeClr val="accent1">
+                  <a:shade val="50000"/>
+                </a:schemeClr>
+              </a:lnRef>
+              <a:fillRef idx="1">
+                <a:schemeClr val="accent1"/>
+              </a:fillRef>
+              <a:effectRef idx="0">
+                <a:schemeClr val="accent1"/>
+              </a:effectRef>
+              <a:fontRef idx="minor">
+                <a:schemeClr val="lt1"/>
+              </a:fontRef>
+            </p:style>
+            <p:txBody>
+              <a:bodyPr rtlCol="0" anchor="ctr"/>
+              <a:lstStyle>
+                <a:defPPr>
+                  <a:defRPr lang="en-US"/>
+                </a:defPPr>
+                <a:lvl1pPr marL="0" algn="l" defTabSz="914400" rtl="0" eaLnBrk="1" latinLnBrk="0" hangingPunct="1">
+                  <a:defRPr sz="1800" kern="1200">
+                    <a:solidFill>
+                      <a:schemeClr val="lt1"/>
+                    </a:solidFill>
+                    <a:latin typeface="+mn-lt"/>
+                    <a:ea typeface="+mn-ea"/>
+                    <a:cs typeface="+mn-cs"/>
+                  </a:defRPr>
+                </a:lvl1pPr>
+                <a:lvl2pPr marL="457200" algn="l" defTabSz="914400" rtl="0" eaLnBrk="1" latinLnBrk="0" hangingPunct="1">
+                  <a:defRPr sz="1800" kern="1200">
+                    <a:solidFill>
+                      <a:schemeClr val="lt1"/>
+                    </a:solidFill>
+                    <a:latin typeface="+mn-lt"/>
+                    <a:ea typeface="+mn-ea"/>
+                    <a:cs typeface="+mn-cs"/>
+                  </a:defRPr>
+                </a:lvl2pPr>
+                <a:lvl3pPr marL="914400" algn="l" defTabSz="914400" rtl="0" eaLnBrk="1" latinLnBrk="0" hangingPunct="1">
+                  <a:defRPr sz="1800" kern="1200">
+                    <a:solidFill>
+                      <a:schemeClr val="lt1"/>
+                    </a:solidFill>
+                    <a:latin typeface="+mn-lt"/>
+                    <a:ea typeface="+mn-ea"/>
+                    <a:cs typeface="+mn-cs"/>
+                  </a:defRPr>
+                </a:lvl3pPr>
+                <a:lvl4pPr marL="1371600" algn="l" defTabSz="914400" rtl="0" eaLnBrk="1" latinLnBrk="0" hangingPunct="1">
+                  <a:defRPr sz="1800" kern="1200">
+                    <a:solidFill>
+                      <a:schemeClr val="lt1"/>
+                    </a:solidFill>
+                    <a:latin typeface="+mn-lt"/>
+                    <a:ea typeface="+mn-ea"/>
+                    <a:cs typeface="+mn-cs"/>
+                  </a:defRPr>
+                </a:lvl4pPr>
+                <a:lvl5pPr marL="1828800" algn="l" defTabSz="914400" rtl="0" eaLnBrk="1" latinLnBrk="0" hangingPunct="1">
+                  <a:defRPr sz="1800" kern="1200">
+                    <a:solidFill>
+                      <a:schemeClr val="lt1"/>
+                    </a:solidFill>
+                    <a:latin typeface="+mn-lt"/>
+                    <a:ea typeface="+mn-ea"/>
+                    <a:cs typeface="+mn-cs"/>
+                  </a:defRPr>
+                </a:lvl5pPr>
+                <a:lvl6pPr marL="2286000" algn="l" defTabSz="914400" rtl="0" eaLnBrk="1" latinLnBrk="0" hangingPunct="1">
+                  <a:defRPr sz="1800" kern="1200">
+                    <a:solidFill>
+                      <a:schemeClr val="lt1"/>
+                    </a:solidFill>
+                    <a:latin typeface="+mn-lt"/>
+                    <a:ea typeface="+mn-ea"/>
+                    <a:cs typeface="+mn-cs"/>
+                  </a:defRPr>
+                </a:lvl6pPr>
+                <a:lvl7pPr marL="2743200" algn="l" defTabSz="914400" rtl="0" eaLnBrk="1" latinLnBrk="0" hangingPunct="1">
+                  <a:defRPr sz="1800" kern="1200">
+                    <a:solidFill>
+                      <a:schemeClr val="lt1"/>
+                    </a:solidFill>
+                    <a:latin typeface="+mn-lt"/>
+                    <a:ea typeface="+mn-ea"/>
+                    <a:cs typeface="+mn-cs"/>
+                  </a:defRPr>
+                </a:lvl7pPr>
+                <a:lvl8pPr marL="3200400" algn="l" defTabSz="914400" rtl="0" eaLnBrk="1" latinLnBrk="0" hangingPunct="1">
+                  <a:defRPr sz="1800" kern="1200">
+                    <a:solidFill>
+                      <a:schemeClr val="lt1"/>
+                    </a:solidFill>
+                    <a:latin typeface="+mn-lt"/>
+                    <a:ea typeface="+mn-ea"/>
+                    <a:cs typeface="+mn-cs"/>
+                  </a:defRPr>
+                </a:lvl8pPr>
+                <a:lvl9pPr marL="3657600" algn="l" defTabSz="914400" rtl="0" eaLnBrk="1" latinLnBrk="0" hangingPunct="1">
+                  <a:defRPr sz="1800" kern="1200">
+                    <a:solidFill>
+                      <a:schemeClr val="lt1"/>
+                    </a:solidFill>
+                    <a:latin typeface="+mn-lt"/>
+                    <a:ea typeface="+mn-ea"/>
+                    <a:cs typeface="+mn-cs"/>
+                  </a:defRPr>
+                </a:lvl9pPr>
+              </a:lstStyle>
+              <a:p>
+                <a:pPr algn="ctr"/>
+                <a:endParaRPr lang="en-US"/>
+              </a:p>
+            </p:txBody>
+          </p:sp>
+          <p:sp>
+            <p:nvSpPr>
+              <p:cNvPr id="14" name="Oval 21">
+                <a:extLst>
+                  <a:ext uri="{FF2B5EF4-FFF2-40B4-BE49-F238E27FC236}">
+                    <a16:creationId xmlns:a16="http://schemas.microsoft.com/office/drawing/2014/main" id="{95648016-DCBA-45FF-AB98-83C7CAE0A909}"/>
+                  </a:ext>
+                </a:extLst>
+              </p:cNvPr>
+              <p:cNvSpPr/>
+              <p:nvPr/>
+            </p:nvSpPr>
+            <p:spPr>
+              <a:xfrm>
+                <a:off x="6807465" y="6071635"/>
+                <a:ext cx="70326" cy="81180"/>
+              </a:xfrm>
+              <a:prstGeom prst="ellipse">
+                <a:avLst/>
+              </a:prstGeom>
+              <a:solidFill>
+                <a:schemeClr val="bg1">
+                  <a:lumMod val="85000"/>
+                </a:schemeClr>
+              </a:solidFill>
+              <a:ln>
+                <a:noFill/>
+              </a:ln>
+            </p:spPr>
+            <p:style>
+              <a:lnRef idx="2">
+                <a:schemeClr val="accent1">
+                  <a:shade val="50000"/>
+                </a:schemeClr>
+              </a:lnRef>
+              <a:fillRef idx="1">
+                <a:schemeClr val="accent1"/>
+              </a:fillRef>
+              <a:effectRef idx="0">
+                <a:schemeClr val="accent1"/>
+              </a:effectRef>
+              <a:fontRef idx="minor">
+                <a:schemeClr val="lt1"/>
+              </a:fontRef>
+            </p:style>
+            <p:txBody>
+              <a:bodyPr rtlCol="0" anchor="ctr"/>
+              <a:lstStyle>
+                <a:defPPr>
+                  <a:defRPr lang="en-US"/>
+                </a:defPPr>
+                <a:lvl1pPr marL="0" algn="l" defTabSz="914400" rtl="0" eaLnBrk="1" latinLnBrk="0" hangingPunct="1">
+                  <a:defRPr sz="1800" kern="1200">
+                    <a:solidFill>
+                      <a:schemeClr val="lt1"/>
+                    </a:solidFill>
+                    <a:latin typeface="+mn-lt"/>
+                    <a:ea typeface="+mn-ea"/>
+                    <a:cs typeface="+mn-cs"/>
+                  </a:defRPr>
+                </a:lvl1pPr>
+                <a:lvl2pPr marL="457200" algn="l" defTabSz="914400" rtl="0" eaLnBrk="1" latinLnBrk="0" hangingPunct="1">
+                  <a:defRPr sz="1800" kern="1200">
+                    <a:solidFill>
+                      <a:schemeClr val="lt1"/>
+                    </a:solidFill>
+                    <a:latin typeface="+mn-lt"/>
+                    <a:ea typeface="+mn-ea"/>
+                    <a:cs typeface="+mn-cs"/>
+                  </a:defRPr>
+                </a:lvl2pPr>
+                <a:lvl3pPr marL="914400" algn="l" defTabSz="914400" rtl="0" eaLnBrk="1" latinLnBrk="0" hangingPunct="1">
+                  <a:defRPr sz="1800" kern="1200">
+                    <a:solidFill>
+                      <a:schemeClr val="lt1"/>
+                    </a:solidFill>
+                    <a:latin typeface="+mn-lt"/>
+                    <a:ea typeface="+mn-ea"/>
+                    <a:cs typeface="+mn-cs"/>
+                  </a:defRPr>
+                </a:lvl3pPr>
+                <a:lvl4pPr marL="1371600" algn="l" defTabSz="914400" rtl="0" eaLnBrk="1" latinLnBrk="0" hangingPunct="1">
+                  <a:defRPr sz="1800" kern="1200">
+                    <a:solidFill>
+                      <a:schemeClr val="lt1"/>
+                    </a:solidFill>
+                    <a:latin typeface="+mn-lt"/>
+                    <a:ea typeface="+mn-ea"/>
+                    <a:cs typeface="+mn-cs"/>
+                  </a:defRPr>
+                </a:lvl4pPr>
+                <a:lvl5pPr marL="1828800" algn="l" defTabSz="914400" rtl="0" eaLnBrk="1" latinLnBrk="0" hangingPunct="1">
+                  <a:defRPr sz="1800" kern="1200">
+                    <a:solidFill>
+                      <a:schemeClr val="lt1"/>
+                    </a:solidFill>
+                    <a:latin typeface="+mn-lt"/>
+                    <a:ea typeface="+mn-ea"/>
+                    <a:cs typeface="+mn-cs"/>
+                  </a:defRPr>
+                </a:lvl5pPr>
+                <a:lvl6pPr marL="2286000" algn="l" defTabSz="914400" rtl="0" eaLnBrk="1" latinLnBrk="0" hangingPunct="1">
+                  <a:defRPr sz="1800" kern="1200">
+                    <a:solidFill>
+                      <a:schemeClr val="lt1"/>
+                    </a:solidFill>
+                    <a:latin typeface="+mn-lt"/>
+                    <a:ea typeface="+mn-ea"/>
+                    <a:cs typeface="+mn-cs"/>
+                  </a:defRPr>
+                </a:lvl6pPr>
+                <a:lvl7pPr marL="2743200" algn="l" defTabSz="914400" rtl="0" eaLnBrk="1" latinLnBrk="0" hangingPunct="1">
+                  <a:defRPr sz="1800" kern="1200">
+                    <a:solidFill>
+                      <a:schemeClr val="lt1"/>
+                    </a:solidFill>
+                    <a:latin typeface="+mn-lt"/>
+                    <a:ea typeface="+mn-ea"/>
+                    <a:cs typeface="+mn-cs"/>
+                  </a:defRPr>
+                </a:lvl7pPr>
+                <a:lvl8pPr marL="3200400" algn="l" defTabSz="914400" rtl="0" eaLnBrk="1" latinLnBrk="0" hangingPunct="1">
+                  <a:defRPr sz="1800" kern="1200">
+                    <a:solidFill>
+                      <a:schemeClr val="lt1"/>
+                    </a:solidFill>
+                    <a:latin typeface="+mn-lt"/>
+                    <a:ea typeface="+mn-ea"/>
+                    <a:cs typeface="+mn-cs"/>
+                  </a:defRPr>
+                </a:lvl8pPr>
+                <a:lvl9pPr marL="3657600" algn="l" defTabSz="914400" rtl="0" eaLnBrk="1" latinLnBrk="0" hangingPunct="1">
+                  <a:defRPr sz="1800" kern="1200">
+                    <a:solidFill>
+                      <a:schemeClr val="lt1"/>
+                    </a:solidFill>
+                    <a:latin typeface="+mn-lt"/>
+                    <a:ea typeface="+mn-ea"/>
+                    <a:cs typeface="+mn-cs"/>
+                  </a:defRPr>
+                </a:lvl9pPr>
+              </a:lstStyle>
+              <a:p>
+                <a:pPr algn="ctr"/>
+                <a:endParaRPr lang="en-US" dirty="0"/>
+              </a:p>
+            </p:txBody>
+          </p:sp>
+        </p:grpSp>
+        <p:sp>
+          <p:nvSpPr>
+            <p:cNvPr id="10" name="Freeform: Shape 17">
+              <a:extLst>
+                <a:ext uri="{FF2B5EF4-FFF2-40B4-BE49-F238E27FC236}">
+                  <a16:creationId xmlns:a16="http://schemas.microsoft.com/office/drawing/2014/main" id="{D1A5628E-C674-47B2-A2F7-9700144FA16D}"/>
+                </a:ext>
+              </a:extLst>
+            </p:cNvPr>
+            <p:cNvSpPr/>
+            <p:nvPr/>
+          </p:nvSpPr>
+          <p:spPr>
+            <a:xfrm>
+              <a:off x="3821102" y="3628406"/>
+              <a:ext cx="906450" cy="1887518"/>
+            </a:xfrm>
+            <a:custGeom>
+              <a:avLst/>
+              <a:gdLst>
+                <a:gd name="connsiteX0" fmla="*/ 614149 w 1119116"/>
+                <a:gd name="connsiteY0" fmla="*/ 0 h 2330356"/>
+                <a:gd name="connsiteX1" fmla="*/ 1115704 w 1119116"/>
+                <a:gd name="connsiteY1" fmla="*/ 6824 h 2330356"/>
+                <a:gd name="connsiteX2" fmla="*/ 1119116 w 1119116"/>
+                <a:gd name="connsiteY2" fmla="*/ 2330356 h 2330356"/>
+                <a:gd name="connsiteX3" fmla="*/ 0 w 1119116"/>
+                <a:gd name="connsiteY3" fmla="*/ 2330356 h 2330356"/>
+                <a:gd name="connsiteX4" fmla="*/ 614149 w 1119116"/>
+                <a:gd name="connsiteY4" fmla="*/ 0 h 2330356"/>
+                <a:gd name="connsiteX0" fmla="*/ 614149 w 1119116"/>
+                <a:gd name="connsiteY0" fmla="*/ 0 h 2330356"/>
+                <a:gd name="connsiteX1" fmla="*/ 1115704 w 1119116"/>
+                <a:gd name="connsiteY1" fmla="*/ 3412 h 2330356"/>
+                <a:gd name="connsiteX2" fmla="*/ 1119116 w 1119116"/>
+                <a:gd name="connsiteY2" fmla="*/ 2330356 h 2330356"/>
+                <a:gd name="connsiteX3" fmla="*/ 0 w 1119116"/>
+                <a:gd name="connsiteY3" fmla="*/ 2330356 h 2330356"/>
+                <a:gd name="connsiteX4" fmla="*/ 614149 w 1119116"/>
+                <a:gd name="connsiteY4" fmla="*/ 0 h 2330356"/>
+              </a:gdLst>
+              <a:ahLst/>
+              <a:cxnLst>
+                <a:cxn ang="0">
+                  <a:pos x="connsiteX0" y="connsiteY0"/>
+                </a:cxn>
+                <a:cxn ang="0">
+                  <a:pos x="connsiteX1" y="connsiteY1"/>
+                </a:cxn>
+                <a:cxn ang="0">
+                  <a:pos x="connsiteX2" y="connsiteY2"/>
+                </a:cxn>
+                <a:cxn ang="0">
+                  <a:pos x="connsiteX3" y="connsiteY3"/>
+                </a:cxn>
+                <a:cxn ang="0">
+                  <a:pos x="connsiteX4" y="connsiteY4"/>
+                </a:cxn>
+              </a:cxnLst>
+              <a:rect l="l" t="t" r="r" b="b"/>
+              <a:pathLst>
+                <a:path w="1119116" h="2330356">
+                  <a:moveTo>
+                    <a:pt x="614149" y="0"/>
+                  </a:moveTo>
+                  <a:lnTo>
+                    <a:pt x="1115704" y="3412"/>
+                  </a:lnTo>
+                  <a:cubicBezTo>
+                    <a:pt x="1116841" y="777923"/>
+                    <a:pt x="1117979" y="1555845"/>
+                    <a:pt x="1119116" y="2330356"/>
+                  </a:cubicBezTo>
+                  <a:lnTo>
+                    <a:pt x="0" y="2330356"/>
+                  </a:lnTo>
+                  <a:lnTo>
+                    <a:pt x="614149" y="0"/>
+                  </a:lnTo>
+                  <a:close/>
+                </a:path>
+              </a:pathLst>
+            </a:custGeom>
+            <a:solidFill>
+              <a:srgbClr val="999999">
+                <a:alpha val="10000"/>
+              </a:srgbClr>
+            </a:solidFill>
+            <a:ln w="9525" cap="flat">
+              <a:noFill/>
+              <a:prstDash val="solid"/>
+              <a:miter/>
+            </a:ln>
+          </p:spPr>
+          <p:txBody>
+            <a:bodyPr rot="0" spcFirstLastPara="0" vert="horz" wrap="square" lIns="91440" tIns="45720" rIns="91440" bIns="45720" numCol="1" spcCol="0" rtlCol="0" fromWordArt="0" anchor="ctr" anchorCtr="0" forceAA="0" compatLnSpc="1">
+              <a:prstTxWarp prst="textNoShape">
+                <a:avLst/>
+              </a:prstTxWarp>
+              <a:noAutofit/>
+            </a:bodyPr>
+            <a:lstStyle>
+              <a:defPPr>
+                <a:defRPr lang="en-US"/>
+              </a:defPPr>
+              <a:lvl1pPr marL="0" algn="l" defTabSz="914400" rtl="0" eaLnBrk="1" latinLnBrk="0" hangingPunct="1">
+                <a:defRPr sz="1800" kern="1200">
+                  <a:solidFill>
+                    <a:schemeClr val="tx1"/>
+                  </a:solidFill>
+                  <a:latin typeface="+mn-lt"/>
+                  <a:ea typeface="+mn-ea"/>
+                  <a:cs typeface="+mn-cs"/>
+                </a:defRPr>
+              </a:lvl1pPr>
+              <a:lvl2pPr marL="457200" algn="l" defTabSz="914400" rtl="0" eaLnBrk="1" latinLnBrk="0" hangingPunct="1">
+                <a:defRPr sz="1800" kern="1200">
+                  <a:solidFill>
+                    <a:schemeClr val="tx1"/>
+                  </a:solidFill>
+                  <a:latin typeface="+mn-lt"/>
+                  <a:ea typeface="+mn-ea"/>
+                  <a:cs typeface="+mn-cs"/>
+                </a:defRPr>
+              </a:lvl2pPr>
+              <a:lvl3pPr marL="914400" algn="l" defTabSz="914400" rtl="0" eaLnBrk="1" latinLnBrk="0" hangingPunct="1">
+                <a:defRPr sz="1800" kern="1200">
+                  <a:solidFill>
+                    <a:schemeClr val="tx1"/>
+                  </a:solidFill>
+                  <a:latin typeface="+mn-lt"/>
+                  <a:ea typeface="+mn-ea"/>
+                  <a:cs typeface="+mn-cs"/>
+                </a:defRPr>
+              </a:lvl3pPr>
+              <a:lvl4pPr marL="1371600" algn="l" defTabSz="914400" rtl="0" eaLnBrk="1" latinLnBrk="0" hangingPunct="1">
+                <a:defRPr sz="1800" kern="1200">
+                  <a:solidFill>
+                    <a:schemeClr val="tx1"/>
+                  </a:solidFill>
+                  <a:latin typeface="+mn-lt"/>
+                  <a:ea typeface="+mn-ea"/>
+                  <a:cs typeface="+mn-cs"/>
+                </a:defRPr>
+              </a:lvl4pPr>
+              <a:lvl5pPr marL="1828800" algn="l" defTabSz="914400" rtl="0" eaLnBrk="1" latinLnBrk="0" hangingPunct="1">
+                <a:defRPr sz="1800" kern="1200">
+                  <a:solidFill>
+                    <a:schemeClr val="tx1"/>
+                  </a:solidFill>
+                  <a:latin typeface="+mn-lt"/>
+                  <a:ea typeface="+mn-ea"/>
+                  <a:cs typeface="+mn-cs"/>
+                </a:defRPr>
+              </a:lvl5pPr>
+              <a:lvl6pPr marL="2286000" algn="l" defTabSz="914400" rtl="0" eaLnBrk="1" latinLnBrk="0" hangingPunct="1">
+                <a:defRPr sz="1800" kern="1200">
+                  <a:solidFill>
+                    <a:schemeClr val="tx1"/>
+                  </a:solidFill>
+                  <a:latin typeface="+mn-lt"/>
+                  <a:ea typeface="+mn-ea"/>
+                  <a:cs typeface="+mn-cs"/>
+                </a:defRPr>
+              </a:lvl6pPr>
+              <a:lvl7pPr marL="2743200" algn="l" defTabSz="914400" rtl="0" eaLnBrk="1" latinLnBrk="0" hangingPunct="1">
+                <a:defRPr sz="1800" kern="1200">
+                  <a:solidFill>
+                    <a:schemeClr val="tx1"/>
+                  </a:solidFill>
+                  <a:latin typeface="+mn-lt"/>
+                  <a:ea typeface="+mn-ea"/>
+                  <a:cs typeface="+mn-cs"/>
+                </a:defRPr>
+              </a:lvl7pPr>
+              <a:lvl8pPr marL="3200400" algn="l" defTabSz="914400" rtl="0" eaLnBrk="1" latinLnBrk="0" hangingPunct="1">
+                <a:defRPr sz="1800" kern="1200">
+                  <a:solidFill>
+                    <a:schemeClr val="tx1"/>
+                  </a:solidFill>
+                  <a:latin typeface="+mn-lt"/>
+                  <a:ea typeface="+mn-ea"/>
+                  <a:cs typeface="+mn-cs"/>
+                </a:defRPr>
+              </a:lvl8pPr>
+              <a:lvl9pPr marL="3657600" algn="l" defTabSz="914400" rtl="0" eaLnBrk="1" latinLnBrk="0" hangingPunct="1">
+                <a:defRPr sz="1800" kern="1200">
+                  <a:solidFill>
+                    <a:schemeClr val="tx1"/>
+                  </a:solidFill>
+                  <a:latin typeface="+mn-lt"/>
+                  <a:ea typeface="+mn-ea"/>
+                  <a:cs typeface="+mn-cs"/>
+                </a:defRPr>
+              </a:lvl9pPr>
+            </a:lstStyle>
+            <a:p>
+              <a:endParaRPr lang="en-US" dirty="0">
+                <a:solidFill>
+                  <a:schemeClr val="tx1"/>
+                </a:solidFill>
+              </a:endParaRPr>
+            </a:p>
+          </p:txBody>
+        </p:sp>
+        <p:sp>
+          <p:nvSpPr>
+            <p:cNvPr id="11" name="Rectangle: Rounded Corners 18">
+              <a:extLst>
+                <a:ext uri="{FF2B5EF4-FFF2-40B4-BE49-F238E27FC236}">
+                  <a16:creationId xmlns:a16="http://schemas.microsoft.com/office/drawing/2014/main" id="{CD6F97D0-A8F7-4FDC-8AAF-85A2996A8882}"/>
+                </a:ext>
+              </a:extLst>
+            </p:cNvPr>
+            <p:cNvSpPr/>
+            <p:nvPr/>
+          </p:nvSpPr>
+          <p:spPr>
+            <a:xfrm>
+              <a:off x="4058661" y="3449093"/>
+              <a:ext cx="254255" cy="58393"/>
+            </a:xfrm>
+            <a:prstGeom prst="roundRect">
+              <a:avLst>
+                <a:gd name="adj" fmla="val 50000"/>
+              </a:avLst>
+            </a:prstGeom>
+            <a:solidFill>
+              <a:schemeClr val="bg1">
+                <a:lumMod val="50000"/>
+              </a:schemeClr>
+            </a:solidFill>
+            <a:ln>
+              <a:noFill/>
+            </a:ln>
+          </p:spPr>
+          <p:style>
+            <a:lnRef idx="2">
+              <a:schemeClr val="accent1">
+                <a:shade val="50000"/>
+              </a:schemeClr>
+            </a:lnRef>
+            <a:fillRef idx="1">
+              <a:schemeClr val="accent1"/>
+            </a:fillRef>
+            <a:effectRef idx="0">
+              <a:schemeClr val="accent1"/>
+            </a:effectRef>
+            <a:fontRef idx="minor">
+              <a:schemeClr val="lt1"/>
+            </a:fontRef>
+          </p:style>
+          <p:txBody>
+            <a:bodyPr rtlCol="0" anchor="ctr"/>
+            <a:lstStyle>
+              <a:defPPr>
+                <a:defRPr lang="en-US"/>
+              </a:defPPr>
+              <a:lvl1pPr marL="0" algn="l" defTabSz="914400" rtl="0" eaLnBrk="1" latinLnBrk="0" hangingPunct="1">
+                <a:defRPr sz="1800" kern="1200">
+                  <a:solidFill>
+                    <a:schemeClr val="lt1"/>
+                  </a:solidFill>
+                  <a:latin typeface="+mn-lt"/>
+                  <a:ea typeface="+mn-ea"/>
+                  <a:cs typeface="+mn-cs"/>
+                </a:defRPr>
+              </a:lvl1pPr>
+              <a:lvl2pPr marL="457200" algn="l" defTabSz="914400" rtl="0" eaLnBrk="1" latinLnBrk="0" hangingPunct="1">
+                <a:defRPr sz="1800" kern="1200">
+                  <a:solidFill>
+                    <a:schemeClr val="lt1"/>
+                  </a:solidFill>
+                  <a:latin typeface="+mn-lt"/>
+                  <a:ea typeface="+mn-ea"/>
+                  <a:cs typeface="+mn-cs"/>
+                </a:defRPr>
+              </a:lvl2pPr>
+              <a:lvl3pPr marL="914400" algn="l" defTabSz="914400" rtl="0" eaLnBrk="1" latinLnBrk="0" hangingPunct="1">
+                <a:defRPr sz="1800" kern="1200">
+                  <a:solidFill>
+                    <a:schemeClr val="lt1"/>
+                  </a:solidFill>
+                  <a:latin typeface="+mn-lt"/>
+                  <a:ea typeface="+mn-ea"/>
+                  <a:cs typeface="+mn-cs"/>
+                </a:defRPr>
+              </a:lvl3pPr>
+              <a:lvl4pPr marL="1371600" algn="l" defTabSz="914400" rtl="0" eaLnBrk="1" latinLnBrk="0" hangingPunct="1">
+                <a:defRPr sz="1800" kern="1200">
+                  <a:solidFill>
+                    <a:schemeClr val="lt1"/>
+                  </a:solidFill>
+                  <a:latin typeface="+mn-lt"/>
+                  <a:ea typeface="+mn-ea"/>
+                  <a:cs typeface="+mn-cs"/>
+                </a:defRPr>
+              </a:lvl4pPr>
+              <a:lvl5pPr marL="1828800" algn="l" defTabSz="914400" rtl="0" eaLnBrk="1" latinLnBrk="0" hangingPunct="1">
+                <a:defRPr sz="1800" kern="1200">
+                  <a:solidFill>
+                    <a:schemeClr val="lt1"/>
+                  </a:solidFill>
+                  <a:latin typeface="+mn-lt"/>
+                  <a:ea typeface="+mn-ea"/>
+                  <a:cs typeface="+mn-cs"/>
+                </a:defRPr>
+              </a:lvl5pPr>
+              <a:lvl6pPr marL="2286000" algn="l" defTabSz="914400" rtl="0" eaLnBrk="1" latinLnBrk="0" hangingPunct="1">
+                <a:defRPr sz="1800" kern="1200">
+                  <a:solidFill>
+                    <a:schemeClr val="lt1"/>
+                  </a:solidFill>
+                  <a:latin typeface="+mn-lt"/>
+                  <a:ea typeface="+mn-ea"/>
+                  <a:cs typeface="+mn-cs"/>
+                </a:defRPr>
+              </a:lvl6pPr>
+              <a:lvl7pPr marL="2743200" algn="l" defTabSz="914400" rtl="0" eaLnBrk="1" latinLnBrk="0" hangingPunct="1">
+                <a:defRPr sz="1800" kern="1200">
+                  <a:solidFill>
+                    <a:schemeClr val="lt1"/>
+                  </a:solidFill>
+                  <a:latin typeface="+mn-lt"/>
+                  <a:ea typeface="+mn-ea"/>
+                  <a:cs typeface="+mn-cs"/>
+                </a:defRPr>
+              </a:lvl7pPr>
+              <a:lvl8pPr marL="3200400" algn="l" defTabSz="914400" rtl="0" eaLnBrk="1" latinLnBrk="0" hangingPunct="1">
+                <a:defRPr sz="1800" kern="1200">
+                  <a:solidFill>
+                    <a:schemeClr val="lt1"/>
+                  </a:solidFill>
+                  <a:latin typeface="+mn-lt"/>
+                  <a:ea typeface="+mn-ea"/>
+                  <a:cs typeface="+mn-cs"/>
+                </a:defRPr>
+              </a:lvl8pPr>
+              <a:lvl9pPr marL="3657600" algn="l" defTabSz="914400" rtl="0" eaLnBrk="1" latinLnBrk="0" hangingPunct="1">
+                <a:defRPr sz="1800" kern="1200">
+                  <a:solidFill>
+                    <a:schemeClr val="lt1"/>
+                  </a:solidFill>
+                  <a:latin typeface="+mn-lt"/>
+                  <a:ea typeface="+mn-ea"/>
+                  <a:cs typeface="+mn-cs"/>
+                </a:defRPr>
+              </a:lvl9pPr>
+            </a:lstStyle>
+            <a:p>
+              <a:pPr algn="ctr"/>
+              <a:endParaRPr lang="en-US"/>
+            </a:p>
+          </p:txBody>
+        </p:sp>
+        <p:sp>
+          <p:nvSpPr>
+            <p:cNvPr id="12" name="Oval 19">
+              <a:extLst>
+                <a:ext uri="{FF2B5EF4-FFF2-40B4-BE49-F238E27FC236}">
+                  <a16:creationId xmlns:a16="http://schemas.microsoft.com/office/drawing/2014/main" id="{191FF37E-DD5F-4349-8C8B-B64F2A444C51}"/>
+                </a:ext>
+              </a:extLst>
+            </p:cNvPr>
+            <p:cNvSpPr/>
+            <p:nvPr/>
+          </p:nvSpPr>
+          <p:spPr>
+            <a:xfrm>
+              <a:off x="3922825" y="3449093"/>
+              <a:ext cx="58393" cy="58393"/>
+            </a:xfrm>
+            <a:prstGeom prst="ellipse">
+              <a:avLst/>
+            </a:prstGeom>
+            <a:solidFill>
+              <a:schemeClr val="bg1">
+                <a:lumMod val="65000"/>
+              </a:schemeClr>
+            </a:solidFill>
+            <a:ln>
+              <a:noFill/>
+            </a:ln>
+          </p:spPr>
+          <p:style>
+            <a:lnRef idx="2">
+              <a:schemeClr val="accent1">
+                <a:shade val="50000"/>
+              </a:schemeClr>
+            </a:lnRef>
+            <a:fillRef idx="1">
+              <a:schemeClr val="accent1"/>
+            </a:fillRef>
+            <a:effectRef idx="0">
+              <a:schemeClr val="accent1"/>
+            </a:effectRef>
+            <a:fontRef idx="minor">
+              <a:schemeClr val="lt1"/>
+            </a:fontRef>
+          </p:style>
+          <p:txBody>
+            <a:bodyPr rtlCol="0" anchor="ctr"/>
+            <a:lstStyle>
+              <a:defPPr>
+                <a:defRPr lang="en-US"/>
+              </a:defPPr>
+              <a:lvl1pPr marL="0" algn="l" defTabSz="914400" rtl="0" eaLnBrk="1" latinLnBrk="0" hangingPunct="1">
+                <a:defRPr sz="1800" kern="1200">
+                  <a:solidFill>
+                    <a:schemeClr val="lt1"/>
+                  </a:solidFill>
+                  <a:latin typeface="+mn-lt"/>
+                  <a:ea typeface="+mn-ea"/>
+                  <a:cs typeface="+mn-cs"/>
+                </a:defRPr>
+              </a:lvl1pPr>
+              <a:lvl2pPr marL="457200" algn="l" defTabSz="914400" rtl="0" eaLnBrk="1" latinLnBrk="0" hangingPunct="1">
+                <a:defRPr sz="1800" kern="1200">
+                  <a:solidFill>
+                    <a:schemeClr val="lt1"/>
+                  </a:solidFill>
+                  <a:latin typeface="+mn-lt"/>
+                  <a:ea typeface="+mn-ea"/>
+                  <a:cs typeface="+mn-cs"/>
+                </a:defRPr>
+              </a:lvl2pPr>
+              <a:lvl3pPr marL="914400" algn="l" defTabSz="914400" rtl="0" eaLnBrk="1" latinLnBrk="0" hangingPunct="1">
+                <a:defRPr sz="1800" kern="1200">
+                  <a:solidFill>
+                    <a:schemeClr val="lt1"/>
+                  </a:solidFill>
+                  <a:latin typeface="+mn-lt"/>
+                  <a:ea typeface="+mn-ea"/>
+                  <a:cs typeface="+mn-cs"/>
+                </a:defRPr>
+              </a:lvl3pPr>
+              <a:lvl4pPr marL="1371600" algn="l" defTabSz="914400" rtl="0" eaLnBrk="1" latinLnBrk="0" hangingPunct="1">
+                <a:defRPr sz="1800" kern="1200">
+                  <a:solidFill>
+                    <a:schemeClr val="lt1"/>
+                  </a:solidFill>
+                  <a:latin typeface="+mn-lt"/>
+                  <a:ea typeface="+mn-ea"/>
+                  <a:cs typeface="+mn-cs"/>
+                </a:defRPr>
+              </a:lvl4pPr>
+              <a:lvl5pPr marL="1828800" algn="l" defTabSz="914400" rtl="0" eaLnBrk="1" latinLnBrk="0" hangingPunct="1">
+                <a:defRPr sz="1800" kern="1200">
+                  <a:solidFill>
+                    <a:schemeClr val="lt1"/>
+                  </a:solidFill>
+                  <a:latin typeface="+mn-lt"/>
+                  <a:ea typeface="+mn-ea"/>
+                  <a:cs typeface="+mn-cs"/>
+                </a:defRPr>
+              </a:lvl5pPr>
+              <a:lvl6pPr marL="2286000" algn="l" defTabSz="914400" rtl="0" eaLnBrk="1" latinLnBrk="0" hangingPunct="1">
+                <a:defRPr sz="1800" kern="1200">
+                  <a:solidFill>
+                    <a:schemeClr val="lt1"/>
+                  </a:solidFill>
+                  <a:latin typeface="+mn-lt"/>
+                  <a:ea typeface="+mn-ea"/>
+                  <a:cs typeface="+mn-cs"/>
+                </a:defRPr>
+              </a:lvl6pPr>
+              <a:lvl7pPr marL="2743200" algn="l" defTabSz="914400" rtl="0" eaLnBrk="1" latinLnBrk="0" hangingPunct="1">
+                <a:defRPr sz="1800" kern="1200">
+                  <a:solidFill>
+                    <a:schemeClr val="lt1"/>
+                  </a:solidFill>
+                  <a:latin typeface="+mn-lt"/>
+                  <a:ea typeface="+mn-ea"/>
+                  <a:cs typeface="+mn-cs"/>
+                </a:defRPr>
+              </a:lvl7pPr>
+              <a:lvl8pPr marL="3200400" algn="l" defTabSz="914400" rtl="0" eaLnBrk="1" latinLnBrk="0" hangingPunct="1">
+                <a:defRPr sz="1800" kern="1200">
+                  <a:solidFill>
+                    <a:schemeClr val="lt1"/>
+                  </a:solidFill>
+                  <a:latin typeface="+mn-lt"/>
+                  <a:ea typeface="+mn-ea"/>
+                  <a:cs typeface="+mn-cs"/>
+                </a:defRPr>
+              </a:lvl8pPr>
+              <a:lvl9pPr marL="3657600" algn="l" defTabSz="914400" rtl="0" eaLnBrk="1" latinLnBrk="0" hangingPunct="1">
+                <a:defRPr sz="1800" kern="1200">
+                  <a:solidFill>
+                    <a:schemeClr val="lt1"/>
+                  </a:solidFill>
+                  <a:latin typeface="+mn-lt"/>
+                  <a:ea typeface="+mn-ea"/>
+                  <a:cs typeface="+mn-cs"/>
+                </a:defRPr>
+              </a:lvl9pPr>
+            </a:lstStyle>
+            <a:p>
+              <a:pPr algn="ctr"/>
+              <a:endParaRPr lang="en-US"/>
+            </a:p>
+          </p:txBody>
+        </p:sp>
+      </p:grpSp>
+      <p:sp>
+        <p:nvSpPr>
+          <p:cNvPr id="15" name="Rechteck 14">
+            <a:extLst>
+              <a:ext uri="{FF2B5EF4-FFF2-40B4-BE49-F238E27FC236}">
+                <a16:creationId xmlns:a16="http://schemas.microsoft.com/office/drawing/2014/main" id="{3069BCAE-92F6-40D7-9744-5FF805188781}"/>
+              </a:ext>
+            </a:extLst>
+          </p:cNvPr>
+          <p:cNvSpPr/>
+          <p:nvPr/>
+        </p:nvSpPr>
+        <p:spPr>
+          <a:xfrm>
+            <a:off x="1622204" y="1388001"/>
+            <a:ext cx="2414673" cy="1888600"/>
+          </a:xfrm>
+          <a:prstGeom prst="rect">
+            <a:avLst/>
+          </a:prstGeom>
+        </p:spPr>
+        <p:style>
+          <a:lnRef idx="2">
+            <a:schemeClr val="accent1">
+              <a:shade val="50000"/>
+            </a:schemeClr>
+          </a:lnRef>
+          <a:fillRef idx="1">
+            <a:schemeClr val="accent1"/>
+          </a:fillRef>
+          <a:effectRef idx="0">
+            <a:schemeClr val="accent1"/>
+          </a:effectRef>
+          <a:fontRef idx="minor">
+            <a:schemeClr val="lt1"/>
+          </a:fontRef>
+        </p:style>
+        <p:txBody>
+          <a:bodyPr rtlCol="0" anchor="ctr"/>
+          <a:lstStyle/>
+          <a:p>
+            <a:pPr algn="ctr"/>
+            <a:endParaRPr lang="en-AU"/>
+          </a:p>
+        </p:txBody>
+      </p:sp>
+    </p:spTree>
+    <p:extLst>
+      <p:ext uri="{BB962C8B-B14F-4D97-AF65-F5344CB8AC3E}">
+        <p14:creationId xmlns:p14="http://schemas.microsoft.com/office/powerpoint/2010/main" val="4215993908"/>
+      </p:ext>
+    </p:extLst>
+  </p:cSld>
+  <p:clrMapOvr>
+    <a:masterClrMapping/>
+  </p:clrMapOvr>
+</p:sld>
+</file>
+
 <file path=ppt/theme/theme1.xml><?xml version="1.0" encoding="utf-8"?>
 <a:theme xmlns:a="http://schemas.openxmlformats.org/drawingml/2006/main" name="Office Theme">
   <a:themeElements>
@@ -4915,34 +7877,34 @@
         <a:sysClr val="window" lastClr="FFFFFF"/>
       </a:lt1>
       <a:dk2>
-        <a:srgbClr val="44546a"/>
+        <a:srgbClr val="44546A"/>
       </a:dk2>
       <a:lt2>
-        <a:srgbClr val="e7e6e6"/>
+        <a:srgbClr val="E7E6E6"/>
       </a:lt2>
       <a:accent1>
-        <a:srgbClr val="4472c4"/>
+        <a:srgbClr val="4472C4"/>
       </a:accent1>
       <a:accent2>
-        <a:srgbClr val="ed7d31"/>
+        <a:srgbClr val="ED7D31"/>
       </a:accent2>
       <a:accent3>
-        <a:srgbClr val="a5a5a5"/>
+        <a:srgbClr val="A5A5A5"/>
       </a:accent3>
       <a:accent4>
-        <a:srgbClr val="ffc000"/>
+        <a:srgbClr val="FFC000"/>
       </a:accent4>
       <a:accent5>
-        <a:srgbClr val="5b9bd5"/>
+        <a:srgbClr val="5B9BD5"/>
       </a:accent5>
       <a:accent6>
-        <a:srgbClr val="70ad47"/>
+        <a:srgbClr val="70AD47"/>
       </a:accent6>
       <a:hlink>
-        <a:srgbClr val="0563c1"/>
+        <a:srgbClr val="0563C1"/>
       </a:hlink>
       <a:folHlink>
-        <a:srgbClr val="954f72"/>
+        <a:srgbClr val="954F72"/>
       </a:folHlink>
     </a:clrScheme>
     <a:fontScheme name="Office">
@@ -5124,6 +8086,8 @@
       </a:bgFillStyleLst>
     </a:fmtScheme>
   </a:themeElements>
+  <a:objectDefaults/>
+  <a:extraClrSchemeLst/>
 </a:theme>
 </file>
 
@@ -5138,34 +8102,34 @@
         <a:sysClr val="window" lastClr="FFFFFF"/>
       </a:lt1>
       <a:dk2>
-        <a:srgbClr val="44546a"/>
+        <a:srgbClr val="44546A"/>
       </a:dk2>
       <a:lt2>
-        <a:srgbClr val="e7e6e6"/>
+        <a:srgbClr val="E7E6E6"/>
       </a:lt2>
       <a:accent1>
-        <a:srgbClr val="4472c4"/>
+        <a:srgbClr val="4472C4"/>
       </a:accent1>
       <a:accent2>
-        <a:srgbClr val="ed7d31"/>
+        <a:srgbClr val="ED7D31"/>
       </a:accent2>
       <a:accent3>
-        <a:srgbClr val="a5a5a5"/>
+        <a:srgbClr val="A5A5A5"/>
       </a:accent3>
       <a:accent4>
-        <a:srgbClr val="ffc000"/>
+        <a:srgbClr val="FFC000"/>
       </a:accent4>
       <a:accent5>
-        <a:srgbClr val="5b9bd5"/>
+        <a:srgbClr val="5B9BD5"/>
       </a:accent5>
       <a:accent6>
-        <a:srgbClr val="70ad47"/>
+        <a:srgbClr val="70AD47"/>
       </a:accent6>
       <a:hlink>
-        <a:srgbClr val="0563c1"/>
+        <a:srgbClr val="0563C1"/>
       </a:hlink>
       <a:folHlink>
-        <a:srgbClr val="954f72"/>
+        <a:srgbClr val="954F72"/>
       </a:folHlink>
     </a:clrScheme>
     <a:fontScheme name="Office">
@@ -5347,5 +8311,7 @@
       </a:bgFillStyleLst>
     </a:fmtScheme>
   </a:themeElements>
+  <a:objectDefaults/>
+  <a:extraClrSchemeLst/>
 </a:theme>
 </file>